--- a/Docker Masterclass.pptx
+++ b/Docker Masterclass.pptx
@@ -5,7 +5,7 @@
     <p:sldMasterId id="2147483648" r:id="rId1"/>
   </p:sldMasterIdLst>
   <p:notesMasterIdLst>
-    <p:notesMasterId r:id="rId56"/>
+    <p:notesMasterId r:id="rId57"/>
   </p:notesMasterIdLst>
   <p:sldIdLst>
     <p:sldId id="256" r:id="rId2"/>
@@ -59,9 +59,10 @@
     <p:sldId id="269" r:id="rId50"/>
     <p:sldId id="299" r:id="rId51"/>
     <p:sldId id="319" r:id="rId52"/>
-    <p:sldId id="316" r:id="rId53"/>
-    <p:sldId id="276" r:id="rId54"/>
-    <p:sldId id="320" r:id="rId55"/>
+    <p:sldId id="321" r:id="rId53"/>
+    <p:sldId id="316" r:id="rId54"/>
+    <p:sldId id="276" r:id="rId55"/>
+    <p:sldId id="320" r:id="rId56"/>
   </p:sldIdLst>
   <p:sldSz cx="12192000" cy="6858000"/>
   <p:notesSz cx="6858000" cy="9144000"/>
@@ -1276,7 +1277,7 @@
           <a:p>
             <a:fld id="{3C3E44F4-FBEB-4CBC-ACE6-D40593B7B375}" type="datetimeFigureOut">
               <a:rPr lang="en-US" smtClean="0"/>
-              <a:t>4/28/2022</a:t>
+              <a:t>5/3/2022</a:t>
             </a:fld>
             <a:endParaRPr lang="en-US"/>
           </a:p>
@@ -1774,7 +1775,7 @@
           <a:p>
             <a:fld id="{28F6D60B-0E2A-4C2F-AD1E-B002C42DE5F1}" type="datetimeFigureOut">
               <a:rPr lang="en-US" smtClean="0"/>
-              <a:t>4/28/2022</a:t>
+              <a:t>5/3/2022</a:t>
             </a:fld>
             <a:endParaRPr lang="en-US"/>
           </a:p>
@@ -1972,7 +1973,7 @@
           <a:p>
             <a:fld id="{28F6D60B-0E2A-4C2F-AD1E-B002C42DE5F1}" type="datetimeFigureOut">
               <a:rPr lang="en-US" smtClean="0"/>
-              <a:t>4/28/2022</a:t>
+              <a:t>5/3/2022</a:t>
             </a:fld>
             <a:endParaRPr lang="en-US"/>
           </a:p>
@@ -2180,7 +2181,7 @@
           <a:p>
             <a:fld id="{28F6D60B-0E2A-4C2F-AD1E-B002C42DE5F1}" type="datetimeFigureOut">
               <a:rPr lang="en-US" smtClean="0"/>
-              <a:t>4/28/2022</a:t>
+              <a:t>5/3/2022</a:t>
             </a:fld>
             <a:endParaRPr lang="en-US"/>
           </a:p>
@@ -2378,7 +2379,7 @@
           <a:p>
             <a:fld id="{28F6D60B-0E2A-4C2F-AD1E-B002C42DE5F1}" type="datetimeFigureOut">
               <a:rPr lang="en-US" smtClean="0"/>
-              <a:t>4/28/2022</a:t>
+              <a:t>5/3/2022</a:t>
             </a:fld>
             <a:endParaRPr lang="en-US"/>
           </a:p>
@@ -2653,7 +2654,7 @@
           <a:p>
             <a:fld id="{28F6D60B-0E2A-4C2F-AD1E-B002C42DE5F1}" type="datetimeFigureOut">
               <a:rPr lang="en-US" smtClean="0"/>
-              <a:t>4/28/2022</a:t>
+              <a:t>5/3/2022</a:t>
             </a:fld>
             <a:endParaRPr lang="en-US"/>
           </a:p>
@@ -2918,7 +2919,7 @@
           <a:p>
             <a:fld id="{28F6D60B-0E2A-4C2F-AD1E-B002C42DE5F1}" type="datetimeFigureOut">
               <a:rPr lang="en-US" smtClean="0"/>
-              <a:t>4/28/2022</a:t>
+              <a:t>5/3/2022</a:t>
             </a:fld>
             <a:endParaRPr lang="en-US"/>
           </a:p>
@@ -3330,7 +3331,7 @@
           <a:p>
             <a:fld id="{28F6D60B-0E2A-4C2F-AD1E-B002C42DE5F1}" type="datetimeFigureOut">
               <a:rPr lang="en-US" smtClean="0"/>
-              <a:t>4/28/2022</a:t>
+              <a:t>5/3/2022</a:t>
             </a:fld>
             <a:endParaRPr lang="en-US"/>
           </a:p>
@@ -3471,7 +3472,7 @@
           <a:p>
             <a:fld id="{28F6D60B-0E2A-4C2F-AD1E-B002C42DE5F1}" type="datetimeFigureOut">
               <a:rPr lang="en-US" smtClean="0"/>
-              <a:t>4/28/2022</a:t>
+              <a:t>5/3/2022</a:t>
             </a:fld>
             <a:endParaRPr lang="en-US"/>
           </a:p>
@@ -3584,7 +3585,7 @@
           <a:p>
             <a:fld id="{28F6D60B-0E2A-4C2F-AD1E-B002C42DE5F1}" type="datetimeFigureOut">
               <a:rPr lang="en-US" smtClean="0"/>
-              <a:t>4/28/2022</a:t>
+              <a:t>5/3/2022</a:t>
             </a:fld>
             <a:endParaRPr lang="en-US"/>
           </a:p>
@@ -3895,7 +3896,7 @@
           <a:p>
             <a:fld id="{28F6D60B-0E2A-4C2F-AD1E-B002C42DE5F1}" type="datetimeFigureOut">
               <a:rPr lang="en-US" smtClean="0"/>
-              <a:t>4/28/2022</a:t>
+              <a:t>5/3/2022</a:t>
             </a:fld>
             <a:endParaRPr lang="en-US"/>
           </a:p>
@@ -4183,7 +4184,7 @@
           <a:p>
             <a:fld id="{28F6D60B-0E2A-4C2F-AD1E-B002C42DE5F1}" type="datetimeFigureOut">
               <a:rPr lang="en-US" smtClean="0"/>
-              <a:t>4/28/2022</a:t>
+              <a:t>5/3/2022</a:t>
             </a:fld>
             <a:endParaRPr lang="en-US"/>
           </a:p>
@@ -4424,7 +4425,7 @@
           <a:p>
             <a:fld id="{28F6D60B-0E2A-4C2F-AD1E-B002C42DE5F1}" type="datetimeFigureOut">
               <a:rPr lang="en-US" smtClean="0"/>
-              <a:t>4/28/2022</a:t>
+              <a:t>5/3/2022</a:t>
             </a:fld>
             <a:endParaRPr lang="en-US"/>
           </a:p>
@@ -13566,10 +13567,10 @@
       </p:sp>
       <p:pic>
         <p:nvPicPr>
-          <p:cNvPr id="8" name="Picture 7">
-            <a:extLst>
-              <a:ext uri="{FF2B5EF4-FFF2-40B4-BE49-F238E27FC236}">
-                <a16:creationId xmlns:a16="http://schemas.microsoft.com/office/drawing/2014/main" id="{180E229A-C0F0-47CD-8E9C-F8AA1385997B}"/>
+          <p:cNvPr id="7" name="Picture 6">
+            <a:extLst>
+              <a:ext uri="{FF2B5EF4-FFF2-40B4-BE49-F238E27FC236}">
+                <a16:creationId xmlns:a16="http://schemas.microsoft.com/office/drawing/2014/main" id="{73C209AE-F097-1E21-C4F3-1E353FCF2545}"/>
               </a:ext>
             </a:extLst>
           </p:cNvPr>
@@ -13586,8 +13587,8 @@
         </p:blipFill>
         <p:spPr>
           <a:xfrm>
-            <a:off x="3140075" y="1744662"/>
-            <a:ext cx="5581650" cy="4181475"/>
+            <a:off x="3276600" y="1899038"/>
+            <a:ext cx="5638800" cy="3762375"/>
           </a:xfrm>
           <a:prstGeom prst="rect">
             <a:avLst/>
@@ -13741,15 +13742,6 @@
             </a:pPr>
             <a:r>
               <a:rPr lang="en-US" sz="2400" dirty="0"/>
-              <a:t>--platform (platform to build the image for)</a:t>
-            </a:r>
-          </a:p>
-          <a:p>
-            <a:pPr marL="0" indent="0">
-              <a:buNone/>
-            </a:pPr>
-            <a:r>
-              <a:rPr lang="en-US" sz="2400" dirty="0"/>
               <a:t>--tag (name and tag the image)</a:t>
             </a:r>
           </a:p>
@@ -14025,7 +14017,7 @@
         </p:spPr>
         <p:txBody>
           <a:bodyPr>
-            <a:normAutofit fontScale="92500" lnSpcReduction="20000"/>
+            <a:normAutofit fontScale="92500" lnSpcReduction="10000"/>
           </a:bodyPr>
           <a:lstStyle/>
           <a:p>
@@ -14037,47 +14029,19 @@
                 <a:latin typeface="Courier New" panose="02070309020205020404" pitchFamily="49" charset="0"/>
                 <a:cs typeface="Courier New" panose="02070309020205020404" pitchFamily="49" charset="0"/>
               </a:rPr>
-              <a:t>&gt; docker image build –output type=</a:t>
-            </a:r>
-            <a:r>
-              <a:rPr lang="en-US" dirty="0" err="1">
-                <a:latin typeface="Courier New" panose="02070309020205020404" pitchFamily="49" charset="0"/>
-                <a:cs typeface="Courier New" panose="02070309020205020404" pitchFamily="49" charset="0"/>
-              </a:rPr>
-              <a:t>local,dest</a:t>
-            </a:r>
+              <a:t>&gt; docker image save –output ./image_name.tgz</a:t>
+            </a:r>
+          </a:p>
+          <a:p>
+            <a:pPr marL="0" indent="0">
+              <a:buNone/>
+            </a:pPr>
             <a:r>
               <a:rPr lang="en-US" dirty="0">
                 <a:latin typeface="Courier New" panose="02070309020205020404" pitchFamily="49" charset="0"/>
                 <a:cs typeface="Courier New" panose="02070309020205020404" pitchFamily="49" charset="0"/>
               </a:rPr>
-              <a:t>=path PATH | URL | -</a:t>
-            </a:r>
-          </a:p>
-          <a:p>
-            <a:pPr marL="0" indent="0">
-              <a:buNone/>
-            </a:pPr>
-            <a:r>
-              <a:rPr lang="en-US" dirty="0">
-                <a:latin typeface="Courier New" panose="02070309020205020404" pitchFamily="49" charset="0"/>
-                <a:cs typeface="Courier New" panose="02070309020205020404" pitchFamily="49" charset="0"/>
-              </a:rPr>
-              <a:t>&gt; docker image import [OPTIONS] </a:t>
-            </a:r>
-            <a:r>
-              <a:rPr lang="en-US" dirty="0" err="1">
-                <a:latin typeface="Courier New" panose="02070309020205020404" pitchFamily="49" charset="0"/>
-                <a:cs typeface="Courier New" panose="02070309020205020404" pitchFamily="49" charset="0"/>
-              </a:rPr>
-              <a:t>file|URL</a:t>
-            </a:r>
-            <a:r>
-              <a:rPr lang="en-US" dirty="0">
-                <a:latin typeface="Courier New" panose="02070309020205020404" pitchFamily="49" charset="0"/>
-                <a:cs typeface="Courier New" panose="02070309020205020404" pitchFamily="49" charset="0"/>
-              </a:rPr>
-              <a:t>|- [REPOSITORY[:TAG]]</a:t>
+              <a:t>&gt; docker load –input ./image_name.tgz</a:t>
             </a:r>
           </a:p>
           <a:p>
@@ -14124,7 +14088,7 @@
               <a:rPr lang="en-US" sz="2400" dirty="0">
                 <a:hlinkClick r:id="rId2"/>
               </a:rPr>
-              <a:t>https://docs.docker.com/engine/reference/commandline/container_build/</a:t>
+              <a:t>https://docs.docker.com/engine/reference/commandline/image_save/</a:t>
             </a:r>
             <a:endParaRPr lang="en-US" sz="2400" dirty="0"/>
           </a:p>
@@ -14136,7 +14100,7 @@
               <a:rPr lang="en-US" sz="2400" dirty="0">
                 <a:hlinkClick r:id="rId3"/>
               </a:rPr>
-              <a:t>https://docs.docker.com/engine/reference/commandline/container_import/</a:t>
+              <a:t>https://docs.docker.com/engine/reference/commandline/load/</a:t>
             </a:r>
             <a:endParaRPr lang="en-US" sz="2400" dirty="0"/>
           </a:p>
@@ -14449,21 +14413,44 @@
           </a:p>
         </p:txBody>
       </p:sp>
-      <p:pic>
-        <p:nvPicPr>
-          <p:cNvPr id="5" name="Content Placeholder 4">
-            <a:extLst>
-              <a:ext uri="{FF2B5EF4-FFF2-40B4-BE49-F238E27FC236}">
-                <a16:creationId xmlns:a16="http://schemas.microsoft.com/office/drawing/2014/main" id="{DA279F61-3A11-5A91-C385-DD41983F24EC}"/>
-              </a:ext>
-            </a:extLst>
-          </p:cNvPr>
-          <p:cNvPicPr>
-            <a:picLocks noGrp="1" noChangeAspect="1"/>
-          </p:cNvPicPr>
+      <p:sp>
+        <p:nvSpPr>
+          <p:cNvPr id="4" name="Content Placeholder 3">
+            <a:extLst>
+              <a:ext uri="{FF2B5EF4-FFF2-40B4-BE49-F238E27FC236}">
+                <a16:creationId xmlns:a16="http://schemas.microsoft.com/office/drawing/2014/main" id="{7F30AD39-6A98-1047-163E-5304E74955A8}"/>
+              </a:ext>
+            </a:extLst>
+          </p:cNvPr>
+          <p:cNvSpPr>
+            <a:spLocks noGrp="1"/>
+          </p:cNvSpPr>
           <p:nvPr>
             <p:ph idx="1"/>
           </p:nvPr>
+        </p:nvSpPr>
+        <p:spPr/>
+        <p:txBody>
+          <a:bodyPr/>
+          <a:lstStyle/>
+          <a:p>
+            <a:endParaRPr lang="en-US"/>
+          </a:p>
+        </p:txBody>
+      </p:sp>
+      <p:pic>
+        <p:nvPicPr>
+          <p:cNvPr id="9" name="Picture 8">
+            <a:extLst>
+              <a:ext uri="{FF2B5EF4-FFF2-40B4-BE49-F238E27FC236}">
+                <a16:creationId xmlns:a16="http://schemas.microsoft.com/office/drawing/2014/main" id="{DBF01D6C-8ADD-A659-F115-614BB87CBC5D}"/>
+              </a:ext>
+            </a:extLst>
+          </p:cNvPr>
+          <p:cNvPicPr>
+            <a:picLocks noChangeAspect="1"/>
+          </p:cNvPicPr>
+          <p:nvPr/>
         </p:nvPicPr>
         <p:blipFill>
           <a:blip r:embed="rId2"/>
@@ -14473,9 +14460,12 @@
         </p:blipFill>
         <p:spPr>
           <a:xfrm>
-            <a:off x="3936813" y="1690688"/>
-            <a:ext cx="4318373" cy="4351338"/>
+            <a:off x="4000500" y="1895475"/>
+            <a:ext cx="4191000" cy="3067050"/>
           </a:xfrm>
+          <a:prstGeom prst="rect">
+            <a:avLst/>
+          </a:prstGeom>
         </p:spPr>
       </p:pic>
     </p:spTree>
@@ -14555,7 +14545,9 @@
         </p:nvSpPr>
         <p:spPr/>
         <p:txBody>
-          <a:bodyPr/>
+          <a:bodyPr>
+            <a:normAutofit lnSpcReduction="10000"/>
+          </a:bodyPr>
           <a:lstStyle/>
           <a:p>
             <a:pPr marL="0" indent="0">
@@ -14599,6 +14591,15 @@
             <a:r>
               <a:rPr lang="en-US" sz="2400" dirty="0"/>
               <a:t> (runs containers in dethatched mode)</a:t>
+            </a:r>
+          </a:p>
+          <a:p>
+            <a:pPr marL="0" indent="0">
+              <a:buNone/>
+            </a:pPr>
+            <a:r>
+              <a:rPr lang="en-US" sz="2400" dirty="0"/>
+              <a:t>--build (builds images)</a:t>
             </a:r>
           </a:p>
           <a:p>
@@ -16385,7 +16386,7 @@
           <p:cNvPr id="2" name="Title 1">
             <a:extLst>
               <a:ext uri="{FF2B5EF4-FFF2-40B4-BE49-F238E27FC236}">
-                <a16:creationId xmlns:a16="http://schemas.microsoft.com/office/drawing/2014/main" id="{B83E4CEA-A038-4B14-B7DD-279C6A38ABAE}"/>
+                <a16:creationId xmlns:a16="http://schemas.microsoft.com/office/drawing/2014/main" id="{5573C25F-CB0E-E971-1575-FC8BD9AC8285}"/>
               </a:ext>
             </a:extLst>
           </p:cNvPr>
@@ -16396,29 +16397,533 @@
             <p:ph type="title"/>
           </p:nvPr>
         </p:nvSpPr>
-        <p:spPr>
+        <p:spPr/>
+        <p:txBody>
+          <a:bodyPr/>
+          <a:lstStyle/>
+          <a:p>
+            <a:r>
+              <a:rPr lang="en-AU" dirty="0"/>
+              <a:t>Docker Compose Demo</a:t>
+            </a:r>
+            <a:endParaRPr lang="en-US" dirty="0"/>
+          </a:p>
+        </p:txBody>
+      </p:sp>
+      <p:grpSp>
+        <p:nvGrpSpPr>
+          <p:cNvPr id="23" name="Group 22">
+            <a:extLst>
+              <a:ext uri="{FF2B5EF4-FFF2-40B4-BE49-F238E27FC236}">
+                <a16:creationId xmlns:a16="http://schemas.microsoft.com/office/drawing/2014/main" id="{F25D2D4E-5677-CA07-322F-0E1C90607310}"/>
+              </a:ext>
+            </a:extLst>
+          </p:cNvPr>
+          <p:cNvGrpSpPr/>
+          <p:nvPr/>
+        </p:nvGrpSpPr>
+        <p:grpSpPr>
           <a:xfrm>
-            <a:off x="838200" y="365125"/>
-            <a:ext cx="10515600" cy="5931980"/>
+            <a:off x="985820" y="1690688"/>
+            <a:ext cx="10220361" cy="4683481"/>
+            <a:chOff x="825106" y="1690688"/>
+            <a:chExt cx="10220361" cy="4683481"/>
           </a:xfrm>
-        </p:spPr>
-        <p:txBody>
-          <a:bodyPr/>
-          <a:lstStyle/>
-          <a:p>
-            <a:pPr algn="ctr"/>
-            <a:r>
-              <a:rPr lang="en-AU" sz="6600" dirty="0"/>
-              <a:t>Docker Engine API </a:t>
-            </a:r>
-            <a:endParaRPr lang="en-US" dirty="0"/>
-          </a:p>
-        </p:txBody>
-      </p:sp>
+        </p:grpSpPr>
+        <p:grpSp>
+          <p:nvGrpSpPr>
+            <p:cNvPr id="17" name="Group 16">
+              <a:extLst>
+                <a:ext uri="{FF2B5EF4-FFF2-40B4-BE49-F238E27FC236}">
+                  <a16:creationId xmlns:a16="http://schemas.microsoft.com/office/drawing/2014/main" id="{AE0441CE-C7BA-B939-B5E6-25F396AE8D76}"/>
+                </a:ext>
+              </a:extLst>
+            </p:cNvPr>
+            <p:cNvGrpSpPr/>
+            <p:nvPr/>
+          </p:nvGrpSpPr>
+          <p:grpSpPr>
+            <a:xfrm>
+              <a:off x="4584641" y="2099277"/>
+              <a:ext cx="6074757" cy="3963411"/>
+              <a:chOff x="3169945" y="1932127"/>
+              <a:chExt cx="6074757" cy="3963411"/>
+            </a:xfrm>
+          </p:grpSpPr>
+          <p:sp>
+            <p:nvSpPr>
+              <p:cNvPr id="4" name="Rectangle 3">
+                <a:extLst>
+                  <a:ext uri="{FF2B5EF4-FFF2-40B4-BE49-F238E27FC236}">
+                    <a16:creationId xmlns:a16="http://schemas.microsoft.com/office/drawing/2014/main" id="{8D3B9CA7-4344-701A-77FE-F2B29E71D3B3}"/>
+                  </a:ext>
+                </a:extLst>
+              </p:cNvPr>
+              <p:cNvSpPr/>
+              <p:nvPr/>
+            </p:nvSpPr>
+            <p:spPr>
+              <a:xfrm>
+                <a:off x="6934178" y="4502742"/>
+                <a:ext cx="2310524" cy="1392795"/>
+              </a:xfrm>
+              <a:prstGeom prst="rect">
+                <a:avLst/>
+              </a:prstGeom>
+            </p:spPr>
+            <p:style>
+              <a:lnRef idx="2">
+                <a:schemeClr val="accent1">
+                  <a:shade val="50000"/>
+                </a:schemeClr>
+              </a:lnRef>
+              <a:fillRef idx="1">
+                <a:schemeClr val="accent1"/>
+              </a:fillRef>
+              <a:effectRef idx="0">
+                <a:schemeClr val="accent1"/>
+              </a:effectRef>
+              <a:fontRef idx="minor">
+                <a:schemeClr val="lt1"/>
+              </a:fontRef>
+            </p:style>
+            <p:txBody>
+              <a:bodyPr rtlCol="0" anchor="ctr"/>
+              <a:lstStyle/>
+              <a:p>
+                <a:pPr algn="ctr"/>
+                <a:r>
+                  <a:rPr lang="en-AU" dirty="0"/>
+                  <a:t>SEQ</a:t>
+                </a:r>
+                <a:endParaRPr lang="en-US" dirty="0"/>
+              </a:p>
+            </p:txBody>
+          </p:sp>
+          <p:sp>
+            <p:nvSpPr>
+              <p:cNvPr id="5" name="Rectangle 4">
+                <a:extLst>
+                  <a:ext uri="{FF2B5EF4-FFF2-40B4-BE49-F238E27FC236}">
+                    <a16:creationId xmlns:a16="http://schemas.microsoft.com/office/drawing/2014/main" id="{2904F0FF-C114-1A87-6854-B2DFA322B168}"/>
+                  </a:ext>
+                </a:extLst>
+              </p:cNvPr>
+              <p:cNvSpPr/>
+              <p:nvPr/>
+            </p:nvSpPr>
+            <p:spPr>
+              <a:xfrm>
+                <a:off x="3169945" y="4502743"/>
+                <a:ext cx="2310524" cy="1392795"/>
+              </a:xfrm>
+              <a:prstGeom prst="rect">
+                <a:avLst/>
+              </a:prstGeom>
+            </p:spPr>
+            <p:style>
+              <a:lnRef idx="2">
+                <a:schemeClr val="accent1">
+                  <a:shade val="50000"/>
+                </a:schemeClr>
+              </a:lnRef>
+              <a:fillRef idx="1">
+                <a:schemeClr val="accent1"/>
+              </a:fillRef>
+              <a:effectRef idx="0">
+                <a:schemeClr val="accent1"/>
+              </a:effectRef>
+              <a:fontRef idx="minor">
+                <a:schemeClr val="lt1"/>
+              </a:fontRef>
+            </p:style>
+            <p:txBody>
+              <a:bodyPr rtlCol="0" anchor="ctr"/>
+              <a:lstStyle/>
+              <a:p>
+                <a:pPr algn="ctr"/>
+                <a:r>
+                  <a:rPr lang="en-AU" dirty="0"/>
+                  <a:t>Weather API</a:t>
+                </a:r>
+              </a:p>
+              <a:p>
+                <a:pPr algn="ctr"/>
+                <a:r>
+                  <a:rPr lang="en-AU" dirty="0"/>
+                  <a:t>(ASP.NET Web API)</a:t>
+                </a:r>
+                <a:endParaRPr lang="en-US" dirty="0"/>
+              </a:p>
+            </p:txBody>
+          </p:sp>
+          <p:sp>
+            <p:nvSpPr>
+              <p:cNvPr id="6" name="Rectangle 5">
+                <a:extLst>
+                  <a:ext uri="{FF2B5EF4-FFF2-40B4-BE49-F238E27FC236}">
+                    <a16:creationId xmlns:a16="http://schemas.microsoft.com/office/drawing/2014/main" id="{CD25BC90-6945-7A00-080B-191076A7E0FC}"/>
+                  </a:ext>
+                </a:extLst>
+              </p:cNvPr>
+              <p:cNvSpPr/>
+              <p:nvPr/>
+            </p:nvSpPr>
+            <p:spPr>
+              <a:xfrm>
+                <a:off x="3169945" y="1932127"/>
+                <a:ext cx="2310524" cy="1392795"/>
+              </a:xfrm>
+              <a:prstGeom prst="rect">
+                <a:avLst/>
+              </a:prstGeom>
+            </p:spPr>
+            <p:style>
+              <a:lnRef idx="2">
+                <a:schemeClr val="accent1">
+                  <a:shade val="50000"/>
+                </a:schemeClr>
+              </a:lnRef>
+              <a:fillRef idx="1">
+                <a:schemeClr val="accent1"/>
+              </a:fillRef>
+              <a:effectRef idx="0">
+                <a:schemeClr val="accent1"/>
+              </a:effectRef>
+              <a:fontRef idx="minor">
+                <a:schemeClr val="lt1"/>
+              </a:fontRef>
+            </p:style>
+            <p:txBody>
+              <a:bodyPr rtlCol="0" anchor="ctr"/>
+              <a:lstStyle/>
+              <a:p>
+                <a:pPr algn="ctr"/>
+                <a:r>
+                  <a:rPr lang="en-AU" dirty="0"/>
+                  <a:t>Weather UI</a:t>
+                </a:r>
+              </a:p>
+              <a:p>
+                <a:pPr algn="ctr"/>
+                <a:r>
+                  <a:rPr lang="en-AU" dirty="0"/>
+                  <a:t>(Vue.js)</a:t>
+                </a:r>
+                <a:endParaRPr lang="en-US" dirty="0"/>
+              </a:p>
+            </p:txBody>
+          </p:sp>
+          <p:cxnSp>
+            <p:nvCxnSpPr>
+              <p:cNvPr id="8" name="Straight Arrow Connector 7">
+                <a:extLst>
+                  <a:ext uri="{FF2B5EF4-FFF2-40B4-BE49-F238E27FC236}">
+                    <a16:creationId xmlns:a16="http://schemas.microsoft.com/office/drawing/2014/main" id="{AA6CC811-60A8-D819-576B-FC5D63D9D1C6}"/>
+                  </a:ext>
+                </a:extLst>
+              </p:cNvPr>
+              <p:cNvCxnSpPr>
+                <a:stCxn id="5" idx="3"/>
+                <a:endCxn id="4" idx="1"/>
+              </p:cNvCxnSpPr>
+              <p:nvPr/>
+            </p:nvCxnSpPr>
+            <p:spPr>
+              <a:xfrm flipV="1">
+                <a:off x="5480469" y="5199140"/>
+                <a:ext cx="1453709" cy="1"/>
+              </a:xfrm>
+              <a:prstGeom prst="straightConnector1">
+                <a:avLst/>
+              </a:prstGeom>
+              <a:ln>
+                <a:tailEnd type="triangle"/>
+              </a:ln>
+            </p:spPr>
+            <p:style>
+              <a:lnRef idx="3">
+                <a:schemeClr val="dk1"/>
+              </a:lnRef>
+              <a:fillRef idx="0">
+                <a:schemeClr val="dk1"/>
+              </a:fillRef>
+              <a:effectRef idx="2">
+                <a:schemeClr val="dk1"/>
+              </a:effectRef>
+              <a:fontRef idx="minor">
+                <a:schemeClr val="tx1"/>
+              </a:fontRef>
+            </p:style>
+          </p:cxnSp>
+          <p:cxnSp>
+            <p:nvCxnSpPr>
+              <p:cNvPr id="9" name="Straight Arrow Connector 8">
+                <a:extLst>
+                  <a:ext uri="{FF2B5EF4-FFF2-40B4-BE49-F238E27FC236}">
+                    <a16:creationId xmlns:a16="http://schemas.microsoft.com/office/drawing/2014/main" id="{84079798-DCF8-5347-DAA8-CD4730204867}"/>
+                  </a:ext>
+                </a:extLst>
+              </p:cNvPr>
+              <p:cNvCxnSpPr>
+                <a:cxnSpLocks/>
+                <a:stCxn id="6" idx="2"/>
+                <a:endCxn id="5" idx="0"/>
+              </p:cNvCxnSpPr>
+              <p:nvPr/>
+            </p:nvCxnSpPr>
+            <p:spPr>
+              <a:xfrm>
+                <a:off x="4325207" y="3324922"/>
+                <a:ext cx="0" cy="1177821"/>
+              </a:xfrm>
+              <a:prstGeom prst="straightConnector1">
+                <a:avLst/>
+              </a:prstGeom>
+              <a:ln>
+                <a:tailEnd type="triangle"/>
+              </a:ln>
+            </p:spPr>
+            <p:style>
+              <a:lnRef idx="3">
+                <a:schemeClr val="dk1"/>
+              </a:lnRef>
+              <a:fillRef idx="0">
+                <a:schemeClr val="dk1"/>
+              </a:fillRef>
+              <a:effectRef idx="2">
+                <a:schemeClr val="dk1"/>
+              </a:effectRef>
+              <a:fontRef idx="minor">
+                <a:schemeClr val="tx1"/>
+              </a:fontRef>
+            </p:style>
+          </p:cxnSp>
+          <p:sp>
+            <p:nvSpPr>
+              <p:cNvPr id="13" name="TextBox 12">
+                <a:extLst>
+                  <a:ext uri="{FF2B5EF4-FFF2-40B4-BE49-F238E27FC236}">
+                    <a16:creationId xmlns:a16="http://schemas.microsoft.com/office/drawing/2014/main" id="{CDD6B3D2-4F90-63FA-E7B5-D19029253EC7}"/>
+                  </a:ext>
+                </a:extLst>
+              </p:cNvPr>
+              <p:cNvSpPr txBox="1"/>
+              <p:nvPr/>
+            </p:nvSpPr>
+            <p:spPr>
+              <a:xfrm>
+                <a:off x="5751912" y="4829807"/>
+                <a:ext cx="914400" cy="369332"/>
+              </a:xfrm>
+              <a:prstGeom prst="rect">
+                <a:avLst/>
+              </a:prstGeom>
+              <a:noFill/>
+            </p:spPr>
+            <p:txBody>
+              <a:bodyPr wrap="square" rtlCol="0">
+                <a:spAutoFit/>
+              </a:bodyPr>
+              <a:lstStyle/>
+              <a:p>
+                <a:r>
+                  <a:rPr lang="en-AU" dirty="0"/>
+                  <a:t>logging</a:t>
+                </a:r>
+                <a:endParaRPr lang="en-US" dirty="0"/>
+              </a:p>
+            </p:txBody>
+          </p:sp>
+          <p:sp>
+            <p:nvSpPr>
+              <p:cNvPr id="14" name="TextBox 13">
+                <a:extLst>
+                  <a:ext uri="{FF2B5EF4-FFF2-40B4-BE49-F238E27FC236}">
+                    <a16:creationId xmlns:a16="http://schemas.microsoft.com/office/drawing/2014/main" id="{C0A3A0FF-4883-00B9-81F6-B385D39AD58F}"/>
+                  </a:ext>
+                </a:extLst>
+              </p:cNvPr>
+              <p:cNvSpPr txBox="1"/>
+              <p:nvPr/>
+            </p:nvSpPr>
+            <p:spPr>
+              <a:xfrm>
+                <a:off x="3296660" y="3566361"/>
+                <a:ext cx="1028547" cy="646331"/>
+              </a:xfrm>
+              <a:prstGeom prst="rect">
+                <a:avLst/>
+              </a:prstGeom>
+              <a:noFill/>
+            </p:spPr>
+            <p:txBody>
+              <a:bodyPr wrap="square" rtlCol="0">
+                <a:spAutoFit/>
+              </a:bodyPr>
+              <a:lstStyle/>
+              <a:p>
+                <a:r>
+                  <a:rPr lang="en-AU" dirty="0"/>
+                  <a:t>HTTP requests</a:t>
+                </a:r>
+                <a:endParaRPr lang="en-US" dirty="0"/>
+              </a:p>
+            </p:txBody>
+          </p:sp>
+        </p:grpSp>
+        <p:sp>
+          <p:nvSpPr>
+            <p:cNvPr id="18" name="Rectangle 17">
+              <a:extLst>
+                <a:ext uri="{FF2B5EF4-FFF2-40B4-BE49-F238E27FC236}">
+                  <a16:creationId xmlns:a16="http://schemas.microsoft.com/office/drawing/2014/main" id="{D5AA4C6D-B99E-04FB-CA58-5B98E03FF4C4}"/>
+                </a:ext>
+              </a:extLst>
+            </p:cNvPr>
+            <p:cNvSpPr/>
+            <p:nvPr/>
+          </p:nvSpPr>
+          <p:spPr>
+            <a:xfrm>
+              <a:off x="4127440" y="1690688"/>
+              <a:ext cx="6918027" cy="4683481"/>
+            </a:xfrm>
+            <a:prstGeom prst="rect">
+              <a:avLst/>
+            </a:prstGeom>
+            <a:noFill/>
+          </p:spPr>
+          <p:style>
+            <a:lnRef idx="2">
+              <a:schemeClr val="accent1">
+                <a:shade val="50000"/>
+              </a:schemeClr>
+            </a:lnRef>
+            <a:fillRef idx="1">
+              <a:schemeClr val="accent1"/>
+            </a:fillRef>
+            <a:effectRef idx="0">
+              <a:schemeClr val="accent1"/>
+            </a:effectRef>
+            <a:fontRef idx="minor">
+              <a:schemeClr val="lt1"/>
+            </a:fontRef>
+          </p:style>
+          <p:txBody>
+            <a:bodyPr rtlCol="0" anchor="t"/>
+            <a:lstStyle/>
+            <a:p>
+              <a:pPr algn="ctr"/>
+              <a:r>
+                <a:rPr lang="en-AU" dirty="0">
+                  <a:solidFill>
+                    <a:schemeClr val="tx1"/>
+                  </a:solidFill>
+                </a:rPr>
+                <a:t>Docker</a:t>
+              </a:r>
+            </a:p>
+          </p:txBody>
+        </p:sp>
+        <p:sp>
+          <p:nvSpPr>
+            <p:cNvPr id="19" name="Rectangle 18">
+              <a:extLst>
+                <a:ext uri="{FF2B5EF4-FFF2-40B4-BE49-F238E27FC236}">
+                  <a16:creationId xmlns:a16="http://schemas.microsoft.com/office/drawing/2014/main" id="{2D066B01-F8BE-5026-A116-8047BB52D745}"/>
+                </a:ext>
+              </a:extLst>
+            </p:cNvPr>
+            <p:cNvSpPr/>
+            <p:nvPr/>
+          </p:nvSpPr>
+          <p:spPr>
+            <a:xfrm>
+              <a:off x="825106" y="2099277"/>
+              <a:ext cx="2310524" cy="1392795"/>
+            </a:xfrm>
+            <a:prstGeom prst="rect">
+              <a:avLst/>
+            </a:prstGeom>
+          </p:spPr>
+          <p:style>
+            <a:lnRef idx="2">
+              <a:schemeClr val="accent1">
+                <a:shade val="50000"/>
+              </a:schemeClr>
+            </a:lnRef>
+            <a:fillRef idx="1">
+              <a:schemeClr val="accent1"/>
+            </a:fillRef>
+            <a:effectRef idx="0">
+              <a:schemeClr val="accent1"/>
+            </a:effectRef>
+            <a:fontRef idx="minor">
+              <a:schemeClr val="lt1"/>
+            </a:fontRef>
+          </p:style>
+          <p:txBody>
+            <a:bodyPr rtlCol="0" anchor="ctr"/>
+            <a:lstStyle/>
+            <a:p>
+              <a:pPr algn="ctr"/>
+              <a:r>
+                <a:rPr lang="en-AU" dirty="0"/>
+                <a:t>Web Browser</a:t>
+              </a:r>
+              <a:endParaRPr lang="en-US" dirty="0"/>
+            </a:p>
+          </p:txBody>
+        </p:sp>
+        <p:cxnSp>
+          <p:nvCxnSpPr>
+            <p:cNvPr id="20" name="Straight Arrow Connector 19">
+              <a:extLst>
+                <a:ext uri="{FF2B5EF4-FFF2-40B4-BE49-F238E27FC236}">
+                  <a16:creationId xmlns:a16="http://schemas.microsoft.com/office/drawing/2014/main" id="{9D953451-B007-D6C3-9BEA-5343ACDEE03D}"/>
+                </a:ext>
+              </a:extLst>
+            </p:cNvPr>
+            <p:cNvCxnSpPr>
+              <a:cxnSpLocks/>
+              <a:stCxn id="19" idx="3"/>
+              <a:endCxn id="6" idx="1"/>
+            </p:cNvCxnSpPr>
+            <p:nvPr/>
+          </p:nvCxnSpPr>
+          <p:spPr>
+            <a:xfrm>
+              <a:off x="3135630" y="2795675"/>
+              <a:ext cx="1449011" cy="0"/>
+            </a:xfrm>
+            <a:prstGeom prst="straightConnector1">
+              <a:avLst/>
+            </a:prstGeom>
+            <a:ln>
+              <a:tailEnd type="triangle"/>
+            </a:ln>
+          </p:spPr>
+          <p:style>
+            <a:lnRef idx="3">
+              <a:schemeClr val="dk1"/>
+            </a:lnRef>
+            <a:fillRef idx="0">
+              <a:schemeClr val="dk1"/>
+            </a:fillRef>
+            <a:effectRef idx="2">
+              <a:schemeClr val="dk1"/>
+            </a:effectRef>
+            <a:fontRef idx="minor">
+              <a:schemeClr val="tx1"/>
+            </a:fontRef>
+          </p:style>
+        </p:cxnSp>
+      </p:grpSp>
     </p:spTree>
     <p:extLst>
       <p:ext uri="{BB962C8B-B14F-4D97-AF65-F5344CB8AC3E}">
-        <p14:creationId xmlns:p14="http://schemas.microsoft.com/office/powerpoint/2010/main" val="2511560818"/>
+        <p14:creationId xmlns:p14="http://schemas.microsoft.com/office/powerpoint/2010/main" val="870432175"/>
       </p:ext>
     </p:extLst>
   </p:cSld>
@@ -16450,6 +16955,71 @@
           <p:cNvPr id="2" name="Title 1">
             <a:extLst>
               <a:ext uri="{FF2B5EF4-FFF2-40B4-BE49-F238E27FC236}">
+                <a16:creationId xmlns:a16="http://schemas.microsoft.com/office/drawing/2014/main" id="{B83E4CEA-A038-4B14-B7DD-279C6A38ABAE}"/>
+              </a:ext>
+            </a:extLst>
+          </p:cNvPr>
+          <p:cNvSpPr>
+            <a:spLocks noGrp="1"/>
+          </p:cNvSpPr>
+          <p:nvPr>
+            <p:ph type="title"/>
+          </p:nvPr>
+        </p:nvSpPr>
+        <p:spPr>
+          <a:xfrm>
+            <a:off x="838200" y="365125"/>
+            <a:ext cx="10515600" cy="5931980"/>
+          </a:xfrm>
+        </p:spPr>
+        <p:txBody>
+          <a:bodyPr/>
+          <a:lstStyle/>
+          <a:p>
+            <a:pPr algn="ctr"/>
+            <a:r>
+              <a:rPr lang="en-AU" sz="6600" dirty="0"/>
+              <a:t>Docker Engine API </a:t>
+            </a:r>
+            <a:endParaRPr lang="en-US" dirty="0"/>
+          </a:p>
+        </p:txBody>
+      </p:sp>
+    </p:spTree>
+    <p:extLst>
+      <p:ext uri="{BB962C8B-B14F-4D97-AF65-F5344CB8AC3E}">
+        <p14:creationId xmlns:p14="http://schemas.microsoft.com/office/powerpoint/2010/main" val="2511560818"/>
+      </p:ext>
+    </p:extLst>
+  </p:cSld>
+  <p:clrMapOvr>
+    <a:masterClrMapping/>
+  </p:clrMapOvr>
+</p:sld>
+</file>
+
+<file path=ppt/slides/slide54.xml><?xml version="1.0" encoding="utf-8"?>
+<p:sld xmlns:a="http://schemas.openxmlformats.org/drawingml/2006/main" xmlns:r="http://schemas.openxmlformats.org/officeDocument/2006/relationships" xmlns:p="http://schemas.openxmlformats.org/presentationml/2006/main">
+  <p:cSld>
+    <p:spTree>
+      <p:nvGrpSpPr>
+        <p:cNvPr id="1" name=""/>
+        <p:cNvGrpSpPr/>
+        <p:nvPr/>
+      </p:nvGrpSpPr>
+      <p:grpSpPr>
+        <a:xfrm>
+          <a:off x="0" y="0"/>
+          <a:ext cx="0" cy="0"/>
+          <a:chOff x="0" y="0"/>
+          <a:chExt cx="0" cy="0"/>
+        </a:xfrm>
+      </p:grpSpPr>
+      <p:sp>
+        <p:nvSpPr>
+          <p:cNvPr id="2" name="Title 1">
+            <a:extLst>
+              <a:ext uri="{FF2B5EF4-FFF2-40B4-BE49-F238E27FC236}">
                 <a16:creationId xmlns:a16="http://schemas.microsoft.com/office/drawing/2014/main" id="{BC1AD47A-17EC-48B3-B206-36634991D5E5}"/>
               </a:ext>
             </a:extLst>
@@ -16536,7 +17106,7 @@
 </p:sld>
 </file>
 
-<file path=ppt/slides/slide54.xml><?xml version="1.0" encoding="utf-8"?>
+<file path=ppt/slides/slide55.xml><?xml version="1.0" encoding="utf-8"?>
 <p:sld xmlns:a="http://schemas.openxmlformats.org/drawingml/2006/main" xmlns:r="http://schemas.openxmlformats.org/officeDocument/2006/relationships" xmlns:p="http://schemas.openxmlformats.org/presentationml/2006/main">
   <p:cSld>
     <p:spTree>

--- a/Docker Masterclass.pptx
+++ b/Docker Masterclass.pptx
@@ -5,7 +5,7 @@
     <p:sldMasterId id="2147483648" r:id="rId1"/>
   </p:sldMasterIdLst>
   <p:notesMasterIdLst>
-    <p:notesMasterId r:id="rId57"/>
+    <p:notesMasterId r:id="rId58"/>
   </p:notesMasterIdLst>
   <p:sldIdLst>
     <p:sldId id="256" r:id="rId2"/>
@@ -40,29 +40,30 @@
     <p:sldId id="286" r:id="rId31"/>
     <p:sldId id="289" r:id="rId32"/>
     <p:sldId id="287" r:id="rId33"/>
-    <p:sldId id="288" r:id="rId34"/>
-    <p:sldId id="304" r:id="rId35"/>
-    <p:sldId id="302" r:id="rId36"/>
-    <p:sldId id="303" r:id="rId37"/>
-    <p:sldId id="267" r:id="rId38"/>
-    <p:sldId id="307" r:id="rId39"/>
-    <p:sldId id="309" r:id="rId40"/>
-    <p:sldId id="272" r:id="rId41"/>
-    <p:sldId id="314" r:id="rId42"/>
-    <p:sldId id="292" r:id="rId43"/>
-    <p:sldId id="293" r:id="rId44"/>
-    <p:sldId id="294" r:id="rId45"/>
-    <p:sldId id="308" r:id="rId46"/>
-    <p:sldId id="315" r:id="rId47"/>
-    <p:sldId id="268" r:id="rId48"/>
-    <p:sldId id="298" r:id="rId49"/>
-    <p:sldId id="269" r:id="rId50"/>
-    <p:sldId id="299" r:id="rId51"/>
-    <p:sldId id="319" r:id="rId52"/>
-    <p:sldId id="321" r:id="rId53"/>
-    <p:sldId id="316" r:id="rId54"/>
-    <p:sldId id="276" r:id="rId55"/>
-    <p:sldId id="320" r:id="rId56"/>
+    <p:sldId id="322" r:id="rId34"/>
+    <p:sldId id="288" r:id="rId35"/>
+    <p:sldId id="304" r:id="rId36"/>
+    <p:sldId id="302" r:id="rId37"/>
+    <p:sldId id="303" r:id="rId38"/>
+    <p:sldId id="267" r:id="rId39"/>
+    <p:sldId id="307" r:id="rId40"/>
+    <p:sldId id="309" r:id="rId41"/>
+    <p:sldId id="272" r:id="rId42"/>
+    <p:sldId id="314" r:id="rId43"/>
+    <p:sldId id="292" r:id="rId44"/>
+    <p:sldId id="293" r:id="rId45"/>
+    <p:sldId id="294" r:id="rId46"/>
+    <p:sldId id="308" r:id="rId47"/>
+    <p:sldId id="315" r:id="rId48"/>
+    <p:sldId id="268" r:id="rId49"/>
+    <p:sldId id="298" r:id="rId50"/>
+    <p:sldId id="269" r:id="rId51"/>
+    <p:sldId id="299" r:id="rId52"/>
+    <p:sldId id="319" r:id="rId53"/>
+    <p:sldId id="321" r:id="rId54"/>
+    <p:sldId id="316" r:id="rId55"/>
+    <p:sldId id="276" r:id="rId56"/>
+    <p:sldId id="320" r:id="rId57"/>
   </p:sldIdLst>
   <p:sldSz cx="12192000" cy="6858000"/>
   <p:notesSz cx="6858000" cy="9144000"/>
@@ -12102,6 +12103,38 @@
           </a:p>
         </p:txBody>
       </p:sp>
+      <p:sp>
+        <p:nvSpPr>
+          <p:cNvPr id="5" name="TextBox 4">
+            <a:extLst>
+              <a:ext uri="{FF2B5EF4-FFF2-40B4-BE49-F238E27FC236}">
+                <a16:creationId xmlns:a16="http://schemas.microsoft.com/office/drawing/2014/main" id="{FD1AFCE9-99B2-0D7B-A004-EC3942D7826D}"/>
+              </a:ext>
+            </a:extLst>
+          </p:cNvPr>
+          <p:cNvSpPr txBox="1"/>
+          <p:nvPr/>
+        </p:nvSpPr>
+        <p:spPr>
+          <a:xfrm>
+            <a:off x="3047495" y="3245848"/>
+            <a:ext cx="6094990" cy="369332"/>
+          </a:xfrm>
+          <a:prstGeom prst="rect">
+            <a:avLst/>
+          </a:prstGeom>
+          <a:noFill/>
+        </p:spPr>
+        <p:txBody>
+          <a:bodyPr wrap="square">
+            <a:spAutoFit/>
+          </a:bodyPr>
+          <a:lstStyle/>
+          <a:p>
+            <a:endParaRPr lang="en-US" b="1" dirty="0"/>
+          </a:p>
+        </p:txBody>
+      </p:sp>
     </p:spTree>
     <p:extLst>
       <p:ext uri="{BB962C8B-B14F-4D97-AF65-F5344CB8AC3E}">
@@ -12155,7 +12188,7 @@
           <a:p>
             <a:r>
               <a:rPr lang="en-AU" dirty="0"/>
-              <a:t>Stopping a Docker container </a:t>
+              <a:t>Viewing Docker container logs</a:t>
             </a:r>
             <a:endParaRPr lang="en-US" dirty="0"/>
           </a:p>
@@ -12185,7 +12218,7 @@
         </p:spPr>
         <p:txBody>
           <a:bodyPr>
-            <a:normAutofit fontScale="92500" lnSpcReduction="20000"/>
+            <a:normAutofit/>
           </a:bodyPr>
           <a:lstStyle/>
           <a:p>
@@ -12204,7 +12237,7 @@
                 <a:latin typeface="Courier New" panose="02070309020205020404" pitchFamily="49" charset="0"/>
                 <a:cs typeface="Courier New" panose="02070309020205020404" pitchFamily="49" charset="0"/>
               </a:rPr>
-              <a:t>docker container stop [OPTIONS] CONTAINER [CONTAINER...]</a:t>
+              <a:t>docker logs [OPTIONS] CONTAINER</a:t>
             </a:r>
             <a:endParaRPr lang="en-US" dirty="0">
               <a:latin typeface="Courier New" panose="02070309020205020404" pitchFamily="49" charset="0"/>
@@ -12226,41 +12259,31 @@
             </a:pPr>
             <a:r>
               <a:rPr lang="en-US" sz="2400" dirty="0"/>
-              <a:t>Note:</a:t>
-            </a:r>
-          </a:p>
-          <a:p>
+              <a:t>Common options:</a:t>
+            </a:r>
+          </a:p>
+          <a:p>
+            <a:pPr marL="0" indent="0">
+              <a:buNone/>
+            </a:pPr>
             <a:r>
               <a:rPr lang="en-US" sz="2400" dirty="0"/>
-              <a:t>Container must be running</a:t>
+              <a:t>--follow (keep updating output with new log entries)</a:t>
             </a:r>
           </a:p>
           <a:p>
             <a:pPr marL="0" indent="0">
               <a:buNone/>
             </a:pPr>
-            <a:endParaRPr lang="en-US" dirty="0">
-              <a:latin typeface="Courier New" panose="02070309020205020404" pitchFamily="49" charset="0"/>
-              <a:cs typeface="Courier New" panose="02070309020205020404" pitchFamily="49" charset="0"/>
-            </a:endParaRPr>
-          </a:p>
-          <a:p>
-            <a:pPr marL="0" indent="0">
-              <a:buNone/>
-            </a:pPr>
             <a:r>
               <a:rPr lang="en-US" sz="2400" dirty="0"/>
-              <a:t>Common options:</a:t>
-            </a:r>
-          </a:p>
-          <a:p>
-            <a:pPr marL="0" indent="0">
-              <a:buNone/>
-            </a:pPr>
-            <a:r>
-              <a:rPr lang="en-US" sz="2400" dirty="0"/>
-              <a:t>--time (time in seconds to wait before stopping the container)</a:t>
-            </a:r>
+              <a:t>--tail 10 (only display last </a:t>
+            </a:r>
+            <a:r>
+              <a:rPr lang="en-US" sz="2400"/>
+              <a:t>10 rows)</a:t>
+            </a:r>
+            <a:endParaRPr lang="en-US" sz="2400" dirty="0"/>
           </a:p>
           <a:p>
             <a:pPr marL="0" indent="0">
@@ -12285,7 +12308,7 @@
               <a:rPr lang="en-US" sz="2400" dirty="0">
                 <a:hlinkClick r:id="rId2"/>
               </a:rPr>
-              <a:t>https://docs.docker.com/engine/reference/commandline/container_stop/</a:t>
+              <a:t>https://docs.docker.com/engine/reference/commandline/logs/</a:t>
             </a:r>
             <a:endParaRPr lang="en-US" sz="2400" dirty="0"/>
           </a:p>
@@ -12294,13 +12317,45 @@
               <a:buNone/>
             </a:pPr>
             <a:endParaRPr lang="en-US" sz="2400" dirty="0"/>
+          </a:p>
+        </p:txBody>
+      </p:sp>
+      <p:sp>
+        <p:nvSpPr>
+          <p:cNvPr id="5" name="TextBox 4">
+            <a:extLst>
+              <a:ext uri="{FF2B5EF4-FFF2-40B4-BE49-F238E27FC236}">
+                <a16:creationId xmlns:a16="http://schemas.microsoft.com/office/drawing/2014/main" id="{FD1AFCE9-99B2-0D7B-A004-EC3942D7826D}"/>
+              </a:ext>
+            </a:extLst>
+          </p:cNvPr>
+          <p:cNvSpPr txBox="1"/>
+          <p:nvPr/>
+        </p:nvSpPr>
+        <p:spPr>
+          <a:xfrm>
+            <a:off x="3047495" y="3245848"/>
+            <a:ext cx="6094990" cy="369332"/>
+          </a:xfrm>
+          <a:prstGeom prst="rect">
+            <a:avLst/>
+          </a:prstGeom>
+          <a:noFill/>
+        </p:spPr>
+        <p:txBody>
+          <a:bodyPr wrap="square">
+            <a:spAutoFit/>
+          </a:bodyPr>
+          <a:lstStyle/>
+          <a:p>
+            <a:endParaRPr lang="en-US" b="1" dirty="0"/>
           </a:p>
         </p:txBody>
       </p:sp>
     </p:spTree>
     <p:extLst>
       <p:ext uri="{BB962C8B-B14F-4D97-AF65-F5344CB8AC3E}">
-        <p14:creationId xmlns:p14="http://schemas.microsoft.com/office/powerpoint/2010/main" val="3791881841"/>
+        <p14:creationId xmlns:p14="http://schemas.microsoft.com/office/powerpoint/2010/main" val="837417443"/>
       </p:ext>
     </p:extLst>
   </p:cSld>
@@ -12350,7 +12405,7 @@
           <a:p>
             <a:r>
               <a:rPr lang="en-AU" dirty="0"/>
-              <a:t>Stopping all Docker containers</a:t>
+              <a:t>Stopping a Docker container </a:t>
             </a:r>
             <a:endParaRPr lang="en-US" dirty="0"/>
           </a:p>
@@ -12380,7 +12435,7 @@
         </p:spPr>
         <p:txBody>
           <a:bodyPr>
-            <a:normAutofit/>
+            <a:normAutofit fontScale="92500" lnSpcReduction="20000"/>
           </a:bodyPr>
           <a:lstStyle/>
           <a:p>
@@ -12395,16 +12450,67 @@
               <a:t>&gt; </a:t>
             </a:r>
             <a:r>
-              <a:rPr lang="sv-SE" dirty="0">
+              <a:rPr lang="fr-FR" dirty="0">
                 <a:latin typeface="Courier New" panose="02070309020205020404" pitchFamily="49" charset="0"/>
                 <a:cs typeface="Courier New" panose="02070309020205020404" pitchFamily="49" charset="0"/>
               </a:rPr>
-              <a:t>docker container stop $(docker container ls --all --quiet)</a:t>
-            </a:r>
-            <a:endParaRPr lang="fr-FR" dirty="0">
+              <a:t>docker container stop [OPTIONS] CONTAINER [CONTAINER...]</a:t>
+            </a:r>
+            <a:endParaRPr lang="en-US" dirty="0">
               <a:latin typeface="Courier New" panose="02070309020205020404" pitchFamily="49" charset="0"/>
               <a:cs typeface="Courier New" panose="02070309020205020404" pitchFamily="49" charset="0"/>
             </a:endParaRPr>
+          </a:p>
+          <a:p>
+            <a:pPr marL="0" indent="0">
+              <a:buNone/>
+            </a:pPr>
+            <a:endParaRPr lang="en-US" dirty="0">
+              <a:latin typeface="Courier New" panose="02070309020205020404" pitchFamily="49" charset="0"/>
+              <a:cs typeface="Courier New" panose="02070309020205020404" pitchFamily="49" charset="0"/>
+            </a:endParaRPr>
+          </a:p>
+          <a:p>
+            <a:pPr marL="0" indent="0">
+              <a:buNone/>
+            </a:pPr>
+            <a:r>
+              <a:rPr lang="en-US" sz="2400" dirty="0"/>
+              <a:t>Note:</a:t>
+            </a:r>
+          </a:p>
+          <a:p>
+            <a:r>
+              <a:rPr lang="en-US" sz="2400" dirty="0"/>
+              <a:t>Container must be running</a:t>
+            </a:r>
+          </a:p>
+          <a:p>
+            <a:pPr marL="0" indent="0">
+              <a:buNone/>
+            </a:pPr>
+            <a:endParaRPr lang="en-US" dirty="0">
+              <a:latin typeface="Courier New" panose="02070309020205020404" pitchFamily="49" charset="0"/>
+              <a:cs typeface="Courier New" panose="02070309020205020404" pitchFamily="49" charset="0"/>
+            </a:endParaRPr>
+          </a:p>
+          <a:p>
+            <a:pPr marL="0" indent="0">
+              <a:buNone/>
+            </a:pPr>
+            <a:r>
+              <a:rPr lang="en-US" sz="2400" dirty="0"/>
+              <a:t>Common options:</a:t>
+            </a:r>
+          </a:p>
+          <a:p>
+            <a:pPr marL="0" indent="0">
+              <a:buNone/>
+            </a:pPr>
+            <a:r>
+              <a:rPr lang="en-US" sz="2400" dirty="0"/>
+              <a:t>--time (time in seconds to wait before stopping the container)</a:t>
+            </a:r>
           </a:p>
           <a:p>
             <a:pPr marL="0" indent="0">
@@ -12437,24 +12543,6 @@
             <a:pPr marL="0" indent="0">
               <a:buNone/>
             </a:pPr>
-            <a:r>
-              <a:rPr lang="en-US" sz="2400" dirty="0">
-                <a:hlinkClick r:id="rId3"/>
-              </a:rPr>
-              <a:t>https://docs.docker.com/engine/reference/commandline/container_ls/</a:t>
-            </a:r>
-            <a:endParaRPr lang="en-US" sz="2400" dirty="0"/>
-          </a:p>
-          <a:p>
-            <a:pPr marL="0" indent="0">
-              <a:buNone/>
-            </a:pPr>
-            <a:endParaRPr lang="en-US" sz="2400" dirty="0"/>
-          </a:p>
-          <a:p>
-            <a:pPr marL="0" indent="0">
-              <a:buNone/>
-            </a:pPr>
             <a:endParaRPr lang="en-US" sz="2400" dirty="0"/>
           </a:p>
         </p:txBody>
@@ -12462,7 +12550,7 @@
     </p:spTree>
     <p:extLst>
       <p:ext uri="{BB962C8B-B14F-4D97-AF65-F5344CB8AC3E}">
-        <p14:creationId xmlns:p14="http://schemas.microsoft.com/office/powerpoint/2010/main" val="3746426285"/>
+        <p14:creationId xmlns:p14="http://schemas.microsoft.com/office/powerpoint/2010/main" val="3791881841"/>
       </p:ext>
     </p:extLst>
   </p:cSld>
@@ -12512,7 +12600,7 @@
           <a:p>
             <a:r>
               <a:rPr lang="en-AU" dirty="0"/>
-              <a:t>Removing a Docker container </a:t>
+              <a:t>Stopping all Docker containers</a:t>
             </a:r>
             <a:endParaRPr lang="en-US" dirty="0"/>
           </a:p>
@@ -12557,50 +12645,16 @@
               <a:t>&gt; </a:t>
             </a:r>
             <a:r>
-              <a:rPr lang="fr-FR" dirty="0">
+              <a:rPr lang="sv-SE" dirty="0">
                 <a:latin typeface="Courier New" panose="02070309020205020404" pitchFamily="49" charset="0"/>
                 <a:cs typeface="Courier New" panose="02070309020205020404" pitchFamily="49" charset="0"/>
               </a:rPr>
-              <a:t>docker container </a:t>
-            </a:r>
-            <a:r>
-              <a:rPr lang="fr-FR" dirty="0" err="1">
-                <a:latin typeface="Courier New" panose="02070309020205020404" pitchFamily="49" charset="0"/>
-                <a:cs typeface="Courier New" panose="02070309020205020404" pitchFamily="49" charset="0"/>
-              </a:rPr>
-              <a:t>rm</a:t>
-            </a:r>
-            <a:r>
-              <a:rPr lang="fr-FR" dirty="0">
-                <a:latin typeface="Courier New" panose="02070309020205020404" pitchFamily="49" charset="0"/>
-                <a:cs typeface="Courier New" panose="02070309020205020404" pitchFamily="49" charset="0"/>
-              </a:rPr>
-              <a:t> [OPTIONS] CONTAINER [CONTAINER...]</a:t>
-            </a:r>
-          </a:p>
-          <a:p>
-            <a:pPr marL="0" indent="0">
-              <a:buNone/>
-            </a:pPr>
-            <a:endParaRPr lang="en-US" sz="2400" dirty="0"/>
-          </a:p>
-          <a:p>
-            <a:pPr marL="0" indent="0">
-              <a:buNone/>
-            </a:pPr>
-            <a:r>
-              <a:rPr lang="en-US" sz="2400" dirty="0"/>
-              <a:t>Common options:</a:t>
-            </a:r>
-          </a:p>
-          <a:p>
-            <a:pPr marL="0" indent="0">
-              <a:buNone/>
-            </a:pPr>
-            <a:r>
-              <a:rPr lang="en-US" sz="2400" dirty="0"/>
-              <a:t>--force (stop a container if it is running)</a:t>
-            </a:r>
+              <a:t>docker container stop $(docker container ls --all --quiet)</a:t>
+            </a:r>
+            <a:endParaRPr lang="fr-FR" dirty="0">
+              <a:latin typeface="Courier New" panose="02070309020205020404" pitchFamily="49" charset="0"/>
+              <a:cs typeface="Courier New" panose="02070309020205020404" pitchFamily="49" charset="0"/>
+            </a:endParaRPr>
           </a:p>
           <a:p>
             <a:pPr marL="0" indent="0">
@@ -12625,7 +12679,19 @@
               <a:rPr lang="en-US" sz="2400" dirty="0">
                 <a:hlinkClick r:id="rId2"/>
               </a:rPr>
-              <a:t>https://docs.docker.com/engine/reference/commandline/container_rm/</a:t>
+              <a:t>https://docs.docker.com/engine/reference/commandline/container_stop/</a:t>
+            </a:r>
+            <a:endParaRPr lang="en-US" sz="2400" dirty="0"/>
+          </a:p>
+          <a:p>
+            <a:pPr marL="0" indent="0">
+              <a:buNone/>
+            </a:pPr>
+            <a:r>
+              <a:rPr lang="en-US" sz="2400" dirty="0">
+                <a:hlinkClick r:id="rId3"/>
+              </a:rPr>
+              <a:t>https://docs.docker.com/engine/reference/commandline/container_ls/</a:t>
             </a:r>
             <a:endParaRPr lang="en-US" sz="2400" dirty="0"/>
           </a:p>
@@ -12646,7 +12712,7 @@
     </p:spTree>
     <p:extLst>
       <p:ext uri="{BB962C8B-B14F-4D97-AF65-F5344CB8AC3E}">
-        <p14:creationId xmlns:p14="http://schemas.microsoft.com/office/powerpoint/2010/main" val="849631966"/>
+        <p14:creationId xmlns:p14="http://schemas.microsoft.com/office/powerpoint/2010/main" val="3746426285"/>
       </p:ext>
     </p:extLst>
   </p:cSld>
@@ -12696,7 +12762,7 @@
           <a:p>
             <a:r>
               <a:rPr lang="en-AU" dirty="0"/>
-              <a:t>Removing all Docker containers </a:t>
+              <a:t>Removing a Docker container </a:t>
             </a:r>
             <a:endParaRPr lang="en-US" dirty="0"/>
           </a:p>
@@ -12741,16 +12807,50 @@
               <a:t>&gt; </a:t>
             </a:r>
             <a:r>
-              <a:rPr lang="sv-SE" dirty="0">
+              <a:rPr lang="fr-FR" dirty="0">
                 <a:latin typeface="Courier New" panose="02070309020205020404" pitchFamily="49" charset="0"/>
                 <a:cs typeface="Courier New" panose="02070309020205020404" pitchFamily="49" charset="0"/>
               </a:rPr>
-              <a:t>docker container rm $(docker container ls --all --quiet)</a:t>
-            </a:r>
-            <a:endParaRPr lang="fr-FR" dirty="0">
-              <a:latin typeface="Courier New" panose="02070309020205020404" pitchFamily="49" charset="0"/>
-              <a:cs typeface="Courier New" panose="02070309020205020404" pitchFamily="49" charset="0"/>
-            </a:endParaRPr>
+              <a:t>docker container </a:t>
+            </a:r>
+            <a:r>
+              <a:rPr lang="fr-FR" dirty="0" err="1">
+                <a:latin typeface="Courier New" panose="02070309020205020404" pitchFamily="49" charset="0"/>
+                <a:cs typeface="Courier New" panose="02070309020205020404" pitchFamily="49" charset="0"/>
+              </a:rPr>
+              <a:t>rm</a:t>
+            </a:r>
+            <a:r>
+              <a:rPr lang="fr-FR" dirty="0">
+                <a:latin typeface="Courier New" panose="02070309020205020404" pitchFamily="49" charset="0"/>
+                <a:cs typeface="Courier New" panose="02070309020205020404" pitchFamily="49" charset="0"/>
+              </a:rPr>
+              <a:t> [OPTIONS] CONTAINER [CONTAINER...]</a:t>
+            </a:r>
+          </a:p>
+          <a:p>
+            <a:pPr marL="0" indent="0">
+              <a:buNone/>
+            </a:pPr>
+            <a:endParaRPr lang="en-US" sz="2400" dirty="0"/>
+          </a:p>
+          <a:p>
+            <a:pPr marL="0" indent="0">
+              <a:buNone/>
+            </a:pPr>
+            <a:r>
+              <a:rPr lang="en-US" sz="2400" dirty="0"/>
+              <a:t>Common options:</a:t>
+            </a:r>
+          </a:p>
+          <a:p>
+            <a:pPr marL="0" indent="0">
+              <a:buNone/>
+            </a:pPr>
+            <a:r>
+              <a:rPr lang="en-US" sz="2400" dirty="0"/>
+              <a:t>--force (stop a container if it is running)</a:t>
+            </a:r>
           </a:p>
           <a:p>
             <a:pPr marL="0" indent="0">
@@ -12783,24 +12883,6 @@
             <a:pPr marL="0" indent="0">
               <a:buNone/>
             </a:pPr>
-            <a:r>
-              <a:rPr lang="en-US" sz="2400" dirty="0">
-                <a:hlinkClick r:id="rId2"/>
-              </a:rPr>
-              <a:t>https://docs.docker.com/engine/reference/commandline/container_ls/</a:t>
-            </a:r>
-            <a:endParaRPr lang="en-US" sz="2400" dirty="0"/>
-          </a:p>
-          <a:p>
-            <a:pPr marL="0" indent="0">
-              <a:buNone/>
-            </a:pPr>
-            <a:endParaRPr lang="en-US" sz="2400" dirty="0"/>
-          </a:p>
-          <a:p>
-            <a:pPr marL="0" indent="0">
-              <a:buNone/>
-            </a:pPr>
             <a:endParaRPr lang="en-US" sz="2400" dirty="0"/>
           </a:p>
           <a:p>
@@ -12814,7 +12896,7 @@
     </p:spTree>
     <p:extLst>
       <p:ext uri="{BB962C8B-B14F-4D97-AF65-F5344CB8AC3E}">
-        <p14:creationId xmlns:p14="http://schemas.microsoft.com/office/powerpoint/2010/main" val="2482787014"/>
+        <p14:creationId xmlns:p14="http://schemas.microsoft.com/office/powerpoint/2010/main" val="849631966"/>
       </p:ext>
     </p:extLst>
   </p:cSld>
@@ -12846,7 +12928,7 @@
           <p:cNvPr id="2" name="Title 1">
             <a:extLst>
               <a:ext uri="{FF2B5EF4-FFF2-40B4-BE49-F238E27FC236}">
-                <a16:creationId xmlns:a16="http://schemas.microsoft.com/office/drawing/2014/main" id="{45CBD01C-F912-4AF5-BD7D-37DE5CB460D6}"/>
+                <a16:creationId xmlns:a16="http://schemas.microsoft.com/office/drawing/2014/main" id="{BE88DABE-FA01-44AE-AFF7-4D63F4BCDF4C}"/>
               </a:ext>
             </a:extLst>
           </p:cNvPr>
@@ -12864,7 +12946,7 @@
           <a:p>
             <a:r>
               <a:rPr lang="en-AU" dirty="0"/>
-              <a:t>Accessing Docker containers</a:t>
+              <a:t>Removing all Docker containers </a:t>
             </a:r>
             <a:endParaRPr lang="en-US" dirty="0"/>
           </a:p>
@@ -12875,7 +12957,7 @@
           <p:cNvPr id="3" name="Content Placeholder 2">
             <a:extLst>
               <a:ext uri="{FF2B5EF4-FFF2-40B4-BE49-F238E27FC236}">
-                <a16:creationId xmlns:a16="http://schemas.microsoft.com/office/drawing/2014/main" id="{2293A7FE-7354-48AA-93B7-682FABF8AF22}"/>
+                <a16:creationId xmlns:a16="http://schemas.microsoft.com/office/drawing/2014/main" id="{047ACFE0-3D44-498F-8351-D97D382C056D}"/>
               </a:ext>
             </a:extLst>
           </p:cNvPr>
@@ -12886,10 +12968,15 @@
             <p:ph idx="1"/>
           </p:nvPr>
         </p:nvSpPr>
-        <p:spPr/>
+        <p:spPr>
+          <a:xfrm>
+            <a:off x="838200" y="1884348"/>
+            <a:ext cx="10515600" cy="4351338"/>
+          </a:xfrm>
+        </p:spPr>
         <p:txBody>
           <a:bodyPr>
-            <a:normAutofit fontScale="70000" lnSpcReduction="20000"/>
+            <a:normAutofit/>
           </a:bodyPr>
           <a:lstStyle/>
           <a:p>
@@ -12897,207 +12984,87 @@
               <a:buNone/>
             </a:pPr>
             <a:r>
-              <a:rPr lang="en-AU" dirty="0"/>
-              <a:t>Before we can start using Docker containers, we must:</a:t>
-            </a:r>
-          </a:p>
-          <a:p>
-            <a:pPr lvl="1"/>
-            <a:r>
-              <a:rPr lang="en-AU" dirty="0"/>
-              <a:t>Set environment variables (optional)</a:t>
-            </a:r>
-          </a:p>
-          <a:p>
-            <a:pPr lvl="1"/>
-            <a:r>
-              <a:rPr lang="en-AU" dirty="0"/>
-              <a:t>Expose ports (optional)</a:t>
-            </a:r>
-          </a:p>
-          <a:p>
-            <a:pPr lvl="1"/>
-            <a:r>
-              <a:rPr lang="en-AU" dirty="0"/>
-              <a:t>Mount volumes (optional)</a:t>
-            </a:r>
-          </a:p>
-          <a:p>
-            <a:pPr lvl="1"/>
-            <a:r>
-              <a:rPr lang="en-AU" dirty="0"/>
-              <a:t>Connect to networks (optional)</a:t>
-            </a:r>
-          </a:p>
-          <a:p>
-            <a:pPr marL="457200" lvl="1" indent="0">
-              <a:buNone/>
-            </a:pPr>
-            <a:endParaRPr lang="en-AU" dirty="0"/>
-          </a:p>
-          <a:p>
-            <a:pPr marL="0" indent="0">
-              <a:buNone/>
-            </a:pPr>
-            <a:r>
-              <a:rPr lang="en-US" dirty="0"/>
-              <a:t>All of these are done when creating (or running) a Docker container using options:</a:t>
-            </a:r>
-          </a:p>
-          <a:p>
-            <a:pPr marL="0" indent="0">
-              <a:buNone/>
-            </a:pPr>
-            <a:endParaRPr lang="en-US" dirty="0"/>
-          </a:p>
-          <a:p>
-            <a:pPr marL="0" indent="0">
-              <a:buNone/>
-            </a:pPr>
-            <a:r>
-              <a:rPr lang="en-US" sz="3000" dirty="0">
+              <a:rPr lang="en-US" dirty="0">
                 <a:latin typeface="Courier New" panose="02070309020205020404" pitchFamily="49" charset="0"/>
                 <a:cs typeface="Courier New" panose="02070309020205020404" pitchFamily="49" charset="0"/>
               </a:rPr>
-              <a:t>&gt; docker container create \ </a:t>
-            </a:r>
-          </a:p>
-          <a:p>
-            <a:pPr marL="0" indent="0">
-              <a:buNone/>
-            </a:pPr>
-            <a:r>
-              <a:rPr lang="en-US" sz="3000" dirty="0">
+              <a:t>&gt; </a:t>
+            </a:r>
+            <a:r>
+              <a:rPr lang="sv-SE" dirty="0">
                 <a:latin typeface="Courier New" panose="02070309020205020404" pitchFamily="49" charset="0"/>
                 <a:cs typeface="Courier New" panose="02070309020205020404" pitchFamily="49" charset="0"/>
               </a:rPr>
-              <a:t>--env </a:t>
-            </a:r>
-            <a:r>
-              <a:rPr lang="en-US" sz="3000" dirty="0" err="1">
-                <a:latin typeface="Courier New" panose="02070309020205020404" pitchFamily="49" charset="0"/>
-                <a:cs typeface="Courier New" panose="02070309020205020404" pitchFamily="49" charset="0"/>
+              <a:t>docker container rm $(docker container ls --all --quiet)</a:t>
+            </a:r>
+            <a:endParaRPr lang="fr-FR" dirty="0">
+              <a:latin typeface="Courier New" panose="02070309020205020404" pitchFamily="49" charset="0"/>
+              <a:cs typeface="Courier New" panose="02070309020205020404" pitchFamily="49" charset="0"/>
+            </a:endParaRPr>
+          </a:p>
+          <a:p>
+            <a:pPr marL="0" indent="0">
+              <a:buNone/>
+            </a:pPr>
+            <a:endParaRPr lang="en-US" sz="2400" dirty="0"/>
+          </a:p>
+          <a:p>
+            <a:pPr marL="0" indent="0">
+              <a:buNone/>
+            </a:pPr>
+            <a:r>
+              <a:rPr lang="en-US" sz="2400" dirty="0"/>
+              <a:t>Reference:</a:t>
+            </a:r>
+          </a:p>
+          <a:p>
+            <a:pPr marL="0" indent="0">
+              <a:buNone/>
+            </a:pPr>
+            <a:r>
+              <a:rPr lang="en-US" sz="2400" dirty="0">
+                <a:hlinkClick r:id="rId2"/>
               </a:rPr>
-              <a:t>environmentVariableName</a:t>
-            </a:r>
-            <a:r>
-              <a:rPr lang="en-US" sz="3000" dirty="0">
-                <a:latin typeface="Courier New" panose="02070309020205020404" pitchFamily="49" charset="0"/>
-                <a:cs typeface="Courier New" panose="02070309020205020404" pitchFamily="49" charset="0"/>
+              <a:t>https://docs.docker.com/engine/reference/commandline/container_rm/</a:t>
+            </a:r>
+            <a:endParaRPr lang="en-US" sz="2400" dirty="0"/>
+          </a:p>
+          <a:p>
+            <a:pPr marL="0" indent="0">
+              <a:buNone/>
+            </a:pPr>
+            <a:r>
+              <a:rPr lang="en-US" sz="2400" dirty="0">
+                <a:hlinkClick r:id="rId2"/>
               </a:rPr>
-              <a:t>='</a:t>
-            </a:r>
-            <a:r>
-              <a:rPr lang="en-US" sz="3000" dirty="0" err="1">
-                <a:latin typeface="Courier New" panose="02070309020205020404" pitchFamily="49" charset="0"/>
-                <a:cs typeface="Courier New" panose="02070309020205020404" pitchFamily="49" charset="0"/>
-              </a:rPr>
-              <a:t>environmentVairableValue</a:t>
-            </a:r>
-            <a:r>
-              <a:rPr lang="en-US" sz="3000" dirty="0">
-                <a:latin typeface="Courier New" panose="02070309020205020404" pitchFamily="49" charset="0"/>
-                <a:cs typeface="Courier New" panose="02070309020205020404" pitchFamily="49" charset="0"/>
-              </a:rPr>
-              <a:t>' \</a:t>
-            </a:r>
+              <a:t>https://docs.docker.com/engine/reference/commandline/container_ls/</a:t>
+            </a:r>
+            <a:endParaRPr lang="en-US" sz="2400" dirty="0"/>
           </a:p>
           <a:p>
             <a:pPr marL="0" indent="0">
               <a:buNone/>
             </a:pPr>
-            <a:r>
-              <a:rPr lang="en-US" sz="3000" dirty="0">
-                <a:latin typeface="Courier New" panose="02070309020205020404" pitchFamily="49" charset="0"/>
-                <a:cs typeface="Courier New" panose="02070309020205020404" pitchFamily="49" charset="0"/>
-              </a:rPr>
-              <a:t>--publish </a:t>
-            </a:r>
-            <a:r>
-              <a:rPr lang="en-US" sz="3000" dirty="0" err="1">
-                <a:latin typeface="Courier New" panose="02070309020205020404" pitchFamily="49" charset="0"/>
-                <a:cs typeface="Courier New" panose="02070309020205020404" pitchFamily="49" charset="0"/>
-              </a:rPr>
-              <a:t>port_outside:port_inside</a:t>
-            </a:r>
-            <a:r>
-              <a:rPr lang="en-US" sz="3000" dirty="0">
-                <a:latin typeface="Courier New" panose="02070309020205020404" pitchFamily="49" charset="0"/>
-                <a:cs typeface="Courier New" panose="02070309020205020404" pitchFamily="49" charset="0"/>
-              </a:rPr>
-              <a:t> \</a:t>
-            </a:r>
+            <a:endParaRPr lang="en-US" sz="2400" dirty="0"/>
           </a:p>
           <a:p>
             <a:pPr marL="0" indent="0">
               <a:buNone/>
             </a:pPr>
-            <a:r>
-              <a:rPr lang="en-US" sz="3000" dirty="0">
-                <a:latin typeface="Courier New" panose="02070309020205020404" pitchFamily="49" charset="0"/>
-                <a:cs typeface="Courier New" panose="02070309020205020404" pitchFamily="49" charset="0"/>
-              </a:rPr>
-              <a:t>--volume </a:t>
-            </a:r>
-            <a:r>
-              <a:rPr lang="en-US" sz="3000" dirty="0" err="1">
-                <a:latin typeface="Courier New" panose="02070309020205020404" pitchFamily="49" charset="0"/>
-                <a:cs typeface="Courier New" panose="02070309020205020404" pitchFamily="49" charset="0"/>
-              </a:rPr>
-              <a:t>fs_path_outside:fs_path_inside</a:t>
-            </a:r>
-            <a:r>
-              <a:rPr lang="en-US" sz="3000" dirty="0">
-                <a:latin typeface="Courier New" panose="02070309020205020404" pitchFamily="49" charset="0"/>
-                <a:cs typeface="Courier New" panose="02070309020205020404" pitchFamily="49" charset="0"/>
-              </a:rPr>
-              <a:t> \</a:t>
-            </a:r>
+            <a:endParaRPr lang="en-US" sz="2400" dirty="0"/>
           </a:p>
           <a:p>
             <a:pPr marL="0" indent="0">
               <a:buNone/>
             </a:pPr>
-            <a:r>
-              <a:rPr lang="en-US" sz="3000" dirty="0">
-                <a:latin typeface="Courier New" panose="02070309020205020404" pitchFamily="49" charset="0"/>
-                <a:cs typeface="Courier New" panose="02070309020205020404" pitchFamily="49" charset="0"/>
-              </a:rPr>
-              <a:t>--network </a:t>
-            </a:r>
-            <a:r>
-              <a:rPr lang="en-US" sz="3000" dirty="0" err="1">
-                <a:latin typeface="Courier New" panose="02070309020205020404" pitchFamily="49" charset="0"/>
-                <a:cs typeface="Courier New" panose="02070309020205020404" pitchFamily="49" charset="0"/>
-              </a:rPr>
-              <a:t>networkName</a:t>
-            </a:r>
-            <a:r>
-              <a:rPr lang="en-US" sz="3000" dirty="0">
-                <a:latin typeface="Courier New" panose="02070309020205020404" pitchFamily="49" charset="0"/>
-                <a:cs typeface="Courier New" panose="02070309020205020404" pitchFamily="49" charset="0"/>
-              </a:rPr>
-              <a:t> \  </a:t>
-            </a:r>
-          </a:p>
-          <a:p>
-            <a:pPr marL="0" indent="0">
-              <a:buNone/>
-            </a:pPr>
-            <a:r>
-              <a:rPr lang="en-US" sz="3000" dirty="0">
-                <a:latin typeface="Courier New" panose="02070309020205020404" pitchFamily="49" charset="0"/>
-                <a:cs typeface="Courier New" panose="02070309020205020404" pitchFamily="49" charset="0"/>
-              </a:rPr>
-              <a:t>IMAGE</a:t>
-            </a:r>
+            <a:endParaRPr lang="en-US" sz="2400" dirty="0"/>
           </a:p>
         </p:txBody>
       </p:sp>
     </p:spTree>
     <p:extLst>
       <p:ext uri="{BB962C8B-B14F-4D97-AF65-F5344CB8AC3E}">
-        <p14:creationId xmlns:p14="http://schemas.microsoft.com/office/powerpoint/2010/main" val="458072988"/>
+        <p14:creationId xmlns:p14="http://schemas.microsoft.com/office/powerpoint/2010/main" val="2482787014"/>
       </p:ext>
     </p:extLst>
   </p:cSld>
@@ -13129,7 +13096,7 @@
           <p:cNvPr id="2" name="Title 1">
             <a:extLst>
               <a:ext uri="{FF2B5EF4-FFF2-40B4-BE49-F238E27FC236}">
-                <a16:creationId xmlns:a16="http://schemas.microsoft.com/office/drawing/2014/main" id="{B83E4CEA-A038-4B14-B7DD-279C6A38ABAE}"/>
+                <a16:creationId xmlns:a16="http://schemas.microsoft.com/office/drawing/2014/main" id="{45CBD01C-F912-4AF5-BD7D-37DE5CB460D6}"/>
               </a:ext>
             </a:extLst>
           </p:cNvPr>
@@ -13140,39 +13107,247 @@
             <p:ph type="title"/>
           </p:nvPr>
         </p:nvSpPr>
-        <p:spPr>
-          <a:xfrm>
-            <a:off x="838200" y="365125"/>
-            <a:ext cx="10515600" cy="5931980"/>
-          </a:xfrm>
-        </p:spPr>
+        <p:spPr/>
         <p:txBody>
           <a:bodyPr/>
           <a:lstStyle/>
           <a:p>
-            <a:pPr algn="ctr"/>
-            <a:r>
-              <a:rPr lang="en-AU" sz="6600" dirty="0"/>
-              <a:t>DEMO </a:t>
-            </a:r>
-            <a:br>
-              <a:rPr lang="en-AU" sz="6600" dirty="0"/>
-            </a:br>
-            <a:br>
+            <a:r>
               <a:rPr lang="en-AU" dirty="0"/>
-            </a:br>
+              <a:t>Accessing Docker containers</a:t>
+            </a:r>
+            <a:endParaRPr lang="en-US" dirty="0"/>
+          </a:p>
+        </p:txBody>
+      </p:sp>
+      <p:sp>
+        <p:nvSpPr>
+          <p:cNvPr id="3" name="Content Placeholder 2">
+            <a:extLst>
+              <a:ext uri="{FF2B5EF4-FFF2-40B4-BE49-F238E27FC236}">
+                <a16:creationId xmlns:a16="http://schemas.microsoft.com/office/drawing/2014/main" id="{2293A7FE-7354-48AA-93B7-682FABF8AF22}"/>
+              </a:ext>
+            </a:extLst>
+          </p:cNvPr>
+          <p:cNvSpPr>
+            <a:spLocks noGrp="1"/>
+          </p:cNvSpPr>
+          <p:nvPr>
+            <p:ph idx="1"/>
+          </p:nvPr>
+        </p:nvSpPr>
+        <p:spPr/>
+        <p:txBody>
+          <a:bodyPr>
+            <a:normAutofit fontScale="70000" lnSpcReduction="20000"/>
+          </a:bodyPr>
+          <a:lstStyle/>
+          <a:p>
+            <a:pPr marL="0" indent="0">
+              <a:buNone/>
+            </a:pPr>
             <a:r>
               <a:rPr lang="en-AU" dirty="0"/>
-              <a:t>Working with Docker containers</a:t>
-            </a:r>
+              <a:t>Before we can start using Docker containers, we must:</a:t>
+            </a:r>
+          </a:p>
+          <a:p>
+            <a:pPr lvl="1"/>
+            <a:r>
+              <a:rPr lang="en-AU" dirty="0"/>
+              <a:t>Set environment variables (optional)</a:t>
+            </a:r>
+          </a:p>
+          <a:p>
+            <a:pPr lvl="1"/>
+            <a:r>
+              <a:rPr lang="en-AU" dirty="0"/>
+              <a:t>Expose ports (optional)</a:t>
+            </a:r>
+          </a:p>
+          <a:p>
+            <a:pPr lvl="1"/>
+            <a:r>
+              <a:rPr lang="en-AU" dirty="0"/>
+              <a:t>Mount volumes (optional)</a:t>
+            </a:r>
+          </a:p>
+          <a:p>
+            <a:pPr lvl="1"/>
+            <a:r>
+              <a:rPr lang="en-AU" dirty="0"/>
+              <a:t>Connect to networks (optional)</a:t>
+            </a:r>
+          </a:p>
+          <a:p>
+            <a:pPr marL="457200" lvl="1" indent="0">
+              <a:buNone/>
+            </a:pPr>
+            <a:endParaRPr lang="en-AU" dirty="0"/>
+          </a:p>
+          <a:p>
+            <a:pPr marL="0" indent="0">
+              <a:buNone/>
+            </a:pPr>
+            <a:r>
+              <a:rPr lang="en-US" dirty="0"/>
+              <a:t>All of these are done when creating (or running) a Docker container using options:</a:t>
+            </a:r>
+          </a:p>
+          <a:p>
+            <a:pPr marL="0" indent="0">
+              <a:buNone/>
+            </a:pPr>
             <a:endParaRPr lang="en-US" dirty="0"/>
+          </a:p>
+          <a:p>
+            <a:pPr marL="0" indent="0">
+              <a:buNone/>
+            </a:pPr>
+            <a:r>
+              <a:rPr lang="en-US" sz="3000" dirty="0">
+                <a:latin typeface="Courier New" panose="02070309020205020404" pitchFamily="49" charset="0"/>
+                <a:cs typeface="Courier New" panose="02070309020205020404" pitchFamily="49" charset="0"/>
+              </a:rPr>
+              <a:t>&gt; docker container create \ </a:t>
+            </a:r>
+          </a:p>
+          <a:p>
+            <a:pPr marL="0" indent="0">
+              <a:buNone/>
+            </a:pPr>
+            <a:r>
+              <a:rPr lang="en-US" sz="3000" dirty="0">
+                <a:latin typeface="Courier New" panose="02070309020205020404" pitchFamily="49" charset="0"/>
+                <a:cs typeface="Courier New" panose="02070309020205020404" pitchFamily="49" charset="0"/>
+              </a:rPr>
+              <a:t>--env </a:t>
+            </a:r>
+            <a:r>
+              <a:rPr lang="en-US" sz="3000" dirty="0" err="1">
+                <a:latin typeface="Courier New" panose="02070309020205020404" pitchFamily="49" charset="0"/>
+                <a:cs typeface="Courier New" panose="02070309020205020404" pitchFamily="49" charset="0"/>
+              </a:rPr>
+              <a:t>environmentVariableName</a:t>
+            </a:r>
+            <a:r>
+              <a:rPr lang="en-US" sz="3000" dirty="0">
+                <a:latin typeface="Courier New" panose="02070309020205020404" pitchFamily="49" charset="0"/>
+                <a:cs typeface="Courier New" panose="02070309020205020404" pitchFamily="49" charset="0"/>
+              </a:rPr>
+              <a:t>='</a:t>
+            </a:r>
+            <a:r>
+              <a:rPr lang="en-US" sz="3000" dirty="0" err="1">
+                <a:latin typeface="Courier New" panose="02070309020205020404" pitchFamily="49" charset="0"/>
+                <a:cs typeface="Courier New" panose="02070309020205020404" pitchFamily="49" charset="0"/>
+              </a:rPr>
+              <a:t>environmentVairableValue</a:t>
+            </a:r>
+            <a:r>
+              <a:rPr lang="en-US" sz="3000" dirty="0">
+                <a:latin typeface="Courier New" panose="02070309020205020404" pitchFamily="49" charset="0"/>
+                <a:cs typeface="Courier New" panose="02070309020205020404" pitchFamily="49" charset="0"/>
+              </a:rPr>
+              <a:t>' \</a:t>
+            </a:r>
+          </a:p>
+          <a:p>
+            <a:pPr marL="0" indent="0">
+              <a:buNone/>
+            </a:pPr>
+            <a:r>
+              <a:rPr lang="en-US" sz="3000" dirty="0">
+                <a:latin typeface="Courier New" panose="02070309020205020404" pitchFamily="49" charset="0"/>
+                <a:cs typeface="Courier New" panose="02070309020205020404" pitchFamily="49" charset="0"/>
+              </a:rPr>
+              <a:t>--publish </a:t>
+            </a:r>
+            <a:r>
+              <a:rPr lang="en-US" sz="3000" dirty="0" err="1">
+                <a:latin typeface="Courier New" panose="02070309020205020404" pitchFamily="49" charset="0"/>
+                <a:cs typeface="Courier New" panose="02070309020205020404" pitchFamily="49" charset="0"/>
+              </a:rPr>
+              <a:t>port_outside:port_inside</a:t>
+            </a:r>
+            <a:r>
+              <a:rPr lang="en-US" sz="3000" dirty="0">
+                <a:latin typeface="Courier New" panose="02070309020205020404" pitchFamily="49" charset="0"/>
+                <a:cs typeface="Courier New" panose="02070309020205020404" pitchFamily="49" charset="0"/>
+              </a:rPr>
+              <a:t> \</a:t>
+            </a:r>
+          </a:p>
+          <a:p>
+            <a:pPr marL="0" indent="0">
+              <a:buNone/>
+            </a:pPr>
+            <a:r>
+              <a:rPr lang="en-US" sz="3000" dirty="0">
+                <a:latin typeface="Courier New" panose="02070309020205020404" pitchFamily="49" charset="0"/>
+                <a:cs typeface="Courier New" panose="02070309020205020404" pitchFamily="49" charset="0"/>
+              </a:rPr>
+              <a:t>--volume </a:t>
+            </a:r>
+            <a:r>
+              <a:rPr lang="en-US" sz="3000" dirty="0" err="1">
+                <a:latin typeface="Courier New" panose="02070309020205020404" pitchFamily="49" charset="0"/>
+                <a:cs typeface="Courier New" panose="02070309020205020404" pitchFamily="49" charset="0"/>
+              </a:rPr>
+              <a:t>fs_path_outside:fs_path_inside</a:t>
+            </a:r>
+            <a:r>
+              <a:rPr lang="en-US" sz="3000" dirty="0">
+                <a:latin typeface="Courier New" panose="02070309020205020404" pitchFamily="49" charset="0"/>
+                <a:cs typeface="Courier New" panose="02070309020205020404" pitchFamily="49" charset="0"/>
+              </a:rPr>
+              <a:t> \</a:t>
+            </a:r>
+          </a:p>
+          <a:p>
+            <a:pPr marL="0" indent="0">
+              <a:buNone/>
+            </a:pPr>
+            <a:r>
+              <a:rPr lang="en-US" sz="3000" dirty="0">
+                <a:latin typeface="Courier New" panose="02070309020205020404" pitchFamily="49" charset="0"/>
+                <a:cs typeface="Courier New" panose="02070309020205020404" pitchFamily="49" charset="0"/>
+              </a:rPr>
+              <a:t>--network </a:t>
+            </a:r>
+            <a:r>
+              <a:rPr lang="en-US" sz="3000" dirty="0" err="1">
+                <a:latin typeface="Courier New" panose="02070309020205020404" pitchFamily="49" charset="0"/>
+                <a:cs typeface="Courier New" panose="02070309020205020404" pitchFamily="49" charset="0"/>
+              </a:rPr>
+              <a:t>networkName</a:t>
+            </a:r>
+            <a:r>
+              <a:rPr lang="en-US" sz="3000" dirty="0">
+                <a:latin typeface="Courier New" panose="02070309020205020404" pitchFamily="49" charset="0"/>
+                <a:cs typeface="Courier New" panose="02070309020205020404" pitchFamily="49" charset="0"/>
+              </a:rPr>
+              <a:t> \  </a:t>
+            </a:r>
+          </a:p>
+          <a:p>
+            <a:pPr marL="0" indent="0">
+              <a:buNone/>
+            </a:pPr>
+            <a:r>
+              <a:rPr lang="en-US" sz="3000" dirty="0">
+                <a:latin typeface="Courier New" panose="02070309020205020404" pitchFamily="49" charset="0"/>
+                <a:cs typeface="Courier New" panose="02070309020205020404" pitchFamily="49" charset="0"/>
+              </a:rPr>
+              <a:t>IMAGE</a:t>
+            </a:r>
           </a:p>
         </p:txBody>
       </p:sp>
     </p:spTree>
     <p:extLst>
       <p:ext uri="{BB962C8B-B14F-4D97-AF65-F5344CB8AC3E}">
-        <p14:creationId xmlns:p14="http://schemas.microsoft.com/office/powerpoint/2010/main" val="3208864121"/>
+        <p14:creationId xmlns:p14="http://schemas.microsoft.com/office/powerpoint/2010/main" val="458072988"/>
       </p:ext>
     </p:extLst>
   </p:cSld>
@@ -13228,7 +13403,17 @@
             <a:pPr algn="ctr"/>
             <a:r>
               <a:rPr lang="en-AU" sz="6600" dirty="0"/>
-              <a:t>Creating Docker images</a:t>
+              <a:t>DEMO </a:t>
+            </a:r>
+            <a:br>
+              <a:rPr lang="en-AU" sz="6600" dirty="0"/>
+            </a:br>
+            <a:br>
+              <a:rPr lang="en-AU" dirty="0"/>
+            </a:br>
+            <a:r>
+              <a:rPr lang="en-AU" dirty="0"/>
+              <a:t>Working with Docker containers</a:t>
             </a:r>
             <a:endParaRPr lang="en-US" dirty="0"/>
           </a:p>
@@ -13237,7 +13422,7 @@
     </p:spTree>
     <p:extLst>
       <p:ext uri="{BB962C8B-B14F-4D97-AF65-F5344CB8AC3E}">
-        <p14:creationId xmlns:p14="http://schemas.microsoft.com/office/powerpoint/2010/main" val="1704387563"/>
+        <p14:creationId xmlns:p14="http://schemas.microsoft.com/office/powerpoint/2010/main" val="3208864121"/>
       </p:ext>
     </p:extLst>
   </p:cSld>
@@ -13334,6 +13519,71 @@
           <p:cNvPr id="2" name="Title 1">
             <a:extLst>
               <a:ext uri="{FF2B5EF4-FFF2-40B4-BE49-F238E27FC236}">
+                <a16:creationId xmlns:a16="http://schemas.microsoft.com/office/drawing/2014/main" id="{B83E4CEA-A038-4B14-B7DD-279C6A38ABAE}"/>
+              </a:ext>
+            </a:extLst>
+          </p:cNvPr>
+          <p:cNvSpPr>
+            <a:spLocks noGrp="1"/>
+          </p:cNvSpPr>
+          <p:nvPr>
+            <p:ph type="title"/>
+          </p:nvPr>
+        </p:nvSpPr>
+        <p:spPr>
+          <a:xfrm>
+            <a:off x="838200" y="365125"/>
+            <a:ext cx="10515600" cy="5931980"/>
+          </a:xfrm>
+        </p:spPr>
+        <p:txBody>
+          <a:bodyPr/>
+          <a:lstStyle/>
+          <a:p>
+            <a:pPr algn="ctr"/>
+            <a:r>
+              <a:rPr lang="en-AU" sz="6600" dirty="0"/>
+              <a:t>Creating Docker images</a:t>
+            </a:r>
+            <a:endParaRPr lang="en-US" dirty="0"/>
+          </a:p>
+        </p:txBody>
+      </p:sp>
+    </p:spTree>
+    <p:extLst>
+      <p:ext uri="{BB962C8B-B14F-4D97-AF65-F5344CB8AC3E}">
+        <p14:creationId xmlns:p14="http://schemas.microsoft.com/office/powerpoint/2010/main" val="1704387563"/>
+      </p:ext>
+    </p:extLst>
+  </p:cSld>
+  <p:clrMapOvr>
+    <a:masterClrMapping/>
+  </p:clrMapOvr>
+</p:sld>
+</file>
+
+<file path=ppt/slides/slide41.xml><?xml version="1.0" encoding="utf-8"?>
+<p:sld xmlns:a="http://schemas.openxmlformats.org/drawingml/2006/main" xmlns:r="http://schemas.openxmlformats.org/officeDocument/2006/relationships" xmlns:p="http://schemas.openxmlformats.org/presentationml/2006/main">
+  <p:cSld>
+    <p:spTree>
+      <p:nvGrpSpPr>
+        <p:cNvPr id="1" name=""/>
+        <p:cNvGrpSpPr/>
+        <p:nvPr/>
+      </p:nvGrpSpPr>
+      <p:grpSpPr>
+        <a:xfrm>
+          <a:off x="0" y="0"/>
+          <a:ext cx="0" cy="0"/>
+          <a:chOff x="0" y="0"/>
+          <a:chExt cx="0" cy="0"/>
+        </a:xfrm>
+      </p:grpSpPr>
+      <p:sp>
+        <p:nvSpPr>
+          <p:cNvPr id="2" name="Title 1">
+            <a:extLst>
+              <a:ext uri="{FF2B5EF4-FFF2-40B4-BE49-F238E27FC236}">
                 <a16:creationId xmlns:a16="http://schemas.microsoft.com/office/drawing/2014/main" id="{F656F7EA-4C49-486D-8FD6-28B1E6AAB811}"/>
               </a:ext>
             </a:extLst>
@@ -13483,7 +13733,7 @@
 </p:sld>
 </file>
 
-<file path=ppt/slides/slide41.xml><?xml version="1.0" encoding="utf-8"?>
+<file path=ppt/slides/slide42.xml><?xml version="1.0" encoding="utf-8"?>
 <p:sld xmlns:a="http://schemas.openxmlformats.org/drawingml/2006/main" xmlns:r="http://schemas.openxmlformats.org/officeDocument/2006/relationships" xmlns:p="http://schemas.openxmlformats.org/presentationml/2006/main">
   <p:cSld>
     <p:spTree>
@@ -13608,191 +13858,6 @@
 </p:sld>
 </file>
 
-<file path=ppt/slides/slide42.xml><?xml version="1.0" encoding="utf-8"?>
-<p:sld xmlns:a="http://schemas.openxmlformats.org/drawingml/2006/main" xmlns:r="http://schemas.openxmlformats.org/officeDocument/2006/relationships" xmlns:p="http://schemas.openxmlformats.org/presentationml/2006/main">
-  <p:cSld>
-    <p:spTree>
-      <p:nvGrpSpPr>
-        <p:cNvPr id="1" name=""/>
-        <p:cNvGrpSpPr/>
-        <p:nvPr/>
-      </p:nvGrpSpPr>
-      <p:grpSpPr>
-        <a:xfrm>
-          <a:off x="0" y="0"/>
-          <a:ext cx="0" cy="0"/>
-          <a:chOff x="0" y="0"/>
-          <a:chExt cx="0" cy="0"/>
-        </a:xfrm>
-      </p:grpSpPr>
-      <p:sp>
-        <p:nvSpPr>
-          <p:cNvPr id="2" name="Title 1">
-            <a:extLst>
-              <a:ext uri="{FF2B5EF4-FFF2-40B4-BE49-F238E27FC236}">
-                <a16:creationId xmlns:a16="http://schemas.microsoft.com/office/drawing/2014/main" id="{BE88DABE-FA01-44AE-AFF7-4D63F4BCDF4C}"/>
-              </a:ext>
-            </a:extLst>
-          </p:cNvPr>
-          <p:cNvSpPr>
-            <a:spLocks noGrp="1"/>
-          </p:cNvSpPr>
-          <p:nvPr>
-            <p:ph type="title"/>
-          </p:nvPr>
-        </p:nvSpPr>
-        <p:spPr/>
-        <p:txBody>
-          <a:bodyPr/>
-          <a:lstStyle/>
-          <a:p>
-            <a:r>
-              <a:rPr lang="en-AU" dirty="0"/>
-              <a:t>Building a Docker image</a:t>
-            </a:r>
-            <a:endParaRPr lang="en-US" dirty="0"/>
-          </a:p>
-        </p:txBody>
-      </p:sp>
-      <p:sp>
-        <p:nvSpPr>
-          <p:cNvPr id="3" name="Content Placeholder 2">
-            <a:extLst>
-              <a:ext uri="{FF2B5EF4-FFF2-40B4-BE49-F238E27FC236}">
-                <a16:creationId xmlns:a16="http://schemas.microsoft.com/office/drawing/2014/main" id="{047ACFE0-3D44-498F-8351-D97D382C056D}"/>
-              </a:ext>
-            </a:extLst>
-          </p:cNvPr>
-          <p:cNvSpPr>
-            <a:spLocks noGrp="1"/>
-          </p:cNvSpPr>
-          <p:nvPr>
-            <p:ph idx="1"/>
-          </p:nvPr>
-        </p:nvSpPr>
-        <p:spPr>
-          <a:xfrm>
-            <a:off x="838200" y="1884348"/>
-            <a:ext cx="10515600" cy="4351338"/>
-          </a:xfrm>
-        </p:spPr>
-        <p:txBody>
-          <a:bodyPr>
-            <a:normAutofit/>
-          </a:bodyPr>
-          <a:lstStyle/>
-          <a:p>
-            <a:pPr marL="0" indent="0">
-              <a:buNone/>
-            </a:pPr>
-            <a:r>
-              <a:rPr lang="en-US" dirty="0">
-                <a:latin typeface="Courier New" panose="02070309020205020404" pitchFamily="49" charset="0"/>
-                <a:cs typeface="Courier New" panose="02070309020205020404" pitchFamily="49" charset="0"/>
-              </a:rPr>
-              <a:t>&gt; docker image build [OPTIONS] PATH | URL | -</a:t>
-            </a:r>
-          </a:p>
-          <a:p>
-            <a:pPr marL="0" indent="0">
-              <a:buNone/>
-            </a:pPr>
-            <a:endParaRPr lang="en-US" dirty="0">
-              <a:latin typeface="Courier New" panose="02070309020205020404" pitchFamily="49" charset="0"/>
-              <a:cs typeface="Courier New" panose="02070309020205020404" pitchFamily="49" charset="0"/>
-            </a:endParaRPr>
-          </a:p>
-          <a:p>
-            <a:pPr marL="0" indent="0">
-              <a:buNone/>
-            </a:pPr>
-            <a:r>
-              <a:rPr lang="en-US" sz="2400" dirty="0"/>
-              <a:t>Common options:</a:t>
-            </a:r>
-          </a:p>
-          <a:p>
-            <a:pPr marL="0" indent="0">
-              <a:buNone/>
-            </a:pPr>
-            <a:r>
-              <a:rPr lang="en-US" sz="2400" dirty="0"/>
-              <a:t>--file (file path to </a:t>
-            </a:r>
-            <a:r>
-              <a:rPr lang="en-US" sz="2400" dirty="0" err="1"/>
-              <a:t>Dockerfile</a:t>
-            </a:r>
-            <a:r>
-              <a:rPr lang="en-US" sz="2400" dirty="0"/>
-              <a:t>; default is “</a:t>
-            </a:r>
-            <a:r>
-              <a:rPr lang="en-US" sz="2400" dirty="0" err="1"/>
-              <a:t>Dockerfile</a:t>
-            </a:r>
-            <a:r>
-              <a:rPr lang="en-US" sz="2400" dirty="0"/>
-              <a:t>” in current directory)</a:t>
-            </a:r>
-          </a:p>
-          <a:p>
-            <a:pPr marL="0" indent="0">
-              <a:buNone/>
-            </a:pPr>
-            <a:r>
-              <a:rPr lang="en-US" sz="2400" dirty="0"/>
-              <a:t>--tag (name and tag the image)</a:t>
-            </a:r>
-          </a:p>
-          <a:p>
-            <a:pPr marL="0" indent="0">
-              <a:buNone/>
-            </a:pPr>
-            <a:endParaRPr lang="en-US" sz="2400" dirty="0"/>
-          </a:p>
-          <a:p>
-            <a:pPr marL="0" indent="0">
-              <a:buNone/>
-            </a:pPr>
-            <a:r>
-              <a:rPr lang="en-US" sz="2400" dirty="0"/>
-              <a:t>Reference:</a:t>
-            </a:r>
-          </a:p>
-          <a:p>
-            <a:pPr marL="0" indent="0">
-              <a:buNone/>
-            </a:pPr>
-            <a:r>
-              <a:rPr lang="en-US" sz="2400" dirty="0">
-                <a:hlinkClick r:id="rId2"/>
-              </a:rPr>
-              <a:t>https://docs.docker.com/engine/reference/commandline/image_build/</a:t>
-            </a:r>
-            <a:endParaRPr lang="en-US" sz="2400" dirty="0"/>
-          </a:p>
-          <a:p>
-            <a:pPr marL="0" indent="0">
-              <a:buNone/>
-            </a:pPr>
-            <a:endParaRPr lang="en-US" sz="2400" dirty="0"/>
-          </a:p>
-        </p:txBody>
-      </p:sp>
-    </p:spTree>
-    <p:extLst>
-      <p:ext uri="{BB962C8B-B14F-4D97-AF65-F5344CB8AC3E}">
-        <p14:creationId xmlns:p14="http://schemas.microsoft.com/office/powerpoint/2010/main" val="775262558"/>
-      </p:ext>
-    </p:extLst>
-  </p:cSld>
-  <p:clrMapOvr>
-    <a:masterClrMapping/>
-  </p:clrMapOvr>
-</p:sld>
-</file>
-
 <file path=ppt/slides/slide43.xml><?xml version="1.0" encoding="utf-8"?>
 <p:sld xmlns:a="http://schemas.openxmlformats.org/drawingml/2006/main" xmlns:r="http://schemas.openxmlformats.org/officeDocument/2006/relationships" xmlns:p="http://schemas.openxmlformats.org/presentationml/2006/main">
   <p:cSld>
@@ -13833,7 +13898,7 @@
           <a:p>
             <a:r>
               <a:rPr lang="en-AU" dirty="0"/>
-              <a:t>Pushing a Docker image</a:t>
+              <a:t>Building a Docker image</a:t>
             </a:r>
             <a:endParaRPr lang="en-US" dirty="0"/>
           </a:p>
@@ -13875,14 +13940,17 @@
                 <a:latin typeface="Courier New" panose="02070309020205020404" pitchFamily="49" charset="0"/>
                 <a:cs typeface="Courier New" panose="02070309020205020404" pitchFamily="49" charset="0"/>
               </a:rPr>
-              <a:t>&gt; docker image push [OPTIONS] NAME[:TAG]</a:t>
+              <a:t>&gt; docker image build [OPTIONS] PATH | URL | -</a:t>
             </a:r>
           </a:p>
           <a:p>
             <a:pPr marL="0" indent="0">
               <a:buNone/>
             </a:pPr>
-            <a:endParaRPr lang="en-US" sz="2400" dirty="0"/>
+            <a:endParaRPr lang="en-US" dirty="0">
+              <a:latin typeface="Courier New" panose="02070309020205020404" pitchFamily="49" charset="0"/>
+              <a:cs typeface="Courier New" panose="02070309020205020404" pitchFamily="49" charset="0"/>
+            </a:endParaRPr>
           </a:p>
           <a:p>
             <a:pPr marL="0" indent="0">
@@ -13890,13 +13958,41 @@
             </a:pPr>
             <a:r>
               <a:rPr lang="en-US" sz="2400" dirty="0"/>
-              <a:t>Note:</a:t>
-            </a:r>
-          </a:p>
-          <a:p>
+              <a:t>Common options:</a:t>
+            </a:r>
+          </a:p>
+          <a:p>
+            <a:pPr marL="0" indent="0">
+              <a:buNone/>
+            </a:pPr>
             <a:r>
               <a:rPr lang="en-US" sz="2400" dirty="0"/>
-              <a:t>Pushing a Docker image publishes it to a Docker image registry</a:t>
+              <a:t>--file (file path to </a:t>
+            </a:r>
+            <a:r>
+              <a:rPr lang="en-US" sz="2400" dirty="0" err="1"/>
+              <a:t>Dockerfile</a:t>
+            </a:r>
+            <a:r>
+              <a:rPr lang="en-US" sz="2400" dirty="0"/>
+              <a:t>; default is “</a:t>
+            </a:r>
+            <a:r>
+              <a:rPr lang="en-US" sz="2400" dirty="0" err="1"/>
+              <a:t>Dockerfile</a:t>
+            </a:r>
+            <a:r>
+              <a:rPr lang="en-US" sz="2400" dirty="0"/>
+              <a:t>” in current directory)</a:t>
+            </a:r>
+          </a:p>
+          <a:p>
+            <a:pPr marL="0" indent="0">
+              <a:buNone/>
+            </a:pPr>
+            <a:r>
+              <a:rPr lang="en-US" sz="2400" dirty="0"/>
+              <a:t>--tag (name and tag the image)</a:t>
             </a:r>
           </a:p>
           <a:p>
@@ -13922,7 +14018,7 @@
               <a:rPr lang="en-US" sz="2400" dirty="0">
                 <a:hlinkClick r:id="rId2"/>
               </a:rPr>
-              <a:t>https://docs.docker.com/engine/reference/commandline/container_push/</a:t>
+              <a:t>https://docs.docker.com/engine/reference/commandline/image_build/</a:t>
             </a:r>
             <a:endParaRPr lang="en-US" sz="2400" dirty="0"/>
           </a:p>
@@ -13937,7 +14033,7 @@
     </p:spTree>
     <p:extLst>
       <p:ext uri="{BB962C8B-B14F-4D97-AF65-F5344CB8AC3E}">
-        <p14:creationId xmlns:p14="http://schemas.microsoft.com/office/powerpoint/2010/main" val="1481435848"/>
+        <p14:creationId xmlns:p14="http://schemas.microsoft.com/office/powerpoint/2010/main" val="775262558"/>
       </p:ext>
     </p:extLst>
   </p:cSld>
@@ -13987,7 +14083,7 @@
           <a:p>
             <a:r>
               <a:rPr lang="en-AU" dirty="0"/>
-              <a:t>Exporting and importing a Docker image</a:t>
+              <a:t>Pushing a Docker image</a:t>
             </a:r>
             <a:endParaRPr lang="en-US" dirty="0"/>
           </a:p>
@@ -14017,7 +14113,7 @@
         </p:spPr>
         <p:txBody>
           <a:bodyPr>
-            <a:normAutofit fontScale="92500" lnSpcReduction="10000"/>
+            <a:normAutofit/>
           </a:bodyPr>
           <a:lstStyle/>
           <a:p>
@@ -14029,19 +14125,7 @@
                 <a:latin typeface="Courier New" panose="02070309020205020404" pitchFamily="49" charset="0"/>
                 <a:cs typeface="Courier New" panose="02070309020205020404" pitchFamily="49" charset="0"/>
               </a:rPr>
-              <a:t>&gt; docker image save –output ./image_name.tgz</a:t>
-            </a:r>
-          </a:p>
-          <a:p>
-            <a:pPr marL="0" indent="0">
-              <a:buNone/>
-            </a:pPr>
-            <a:r>
-              <a:rPr lang="en-US" dirty="0">
-                <a:latin typeface="Courier New" panose="02070309020205020404" pitchFamily="49" charset="0"/>
-                <a:cs typeface="Courier New" panose="02070309020205020404" pitchFamily="49" charset="0"/>
-              </a:rPr>
-              <a:t>&gt; docker load –input ./image_name.tgz</a:t>
+              <a:t>&gt; docker image push [OPTIONS] NAME[:TAG]</a:t>
             </a:r>
           </a:p>
           <a:p>
@@ -14062,7 +14146,7 @@
           <a:p>
             <a:r>
               <a:rPr lang="en-US" sz="2400" dirty="0"/>
-              <a:t>Sometimes we don’t have access to a Docker image repository, but we still want to build an image and import it elsewhere. In this case we can export the image to a file and import that file to another Docker engine.</a:t>
+              <a:t>Pushing a Docker image publishes it to a Docker image registry</a:t>
             </a:r>
           </a:p>
           <a:p>
@@ -14088,7 +14172,7 @@
               <a:rPr lang="en-US" sz="2400" dirty="0">
                 <a:hlinkClick r:id="rId2"/>
               </a:rPr>
-              <a:t>https://docs.docker.com/engine/reference/commandline/image_save/</a:t>
+              <a:t>https://docs.docker.com/engine/reference/commandline/container_push/</a:t>
             </a:r>
             <a:endParaRPr lang="en-US" sz="2400" dirty="0"/>
           </a:p>
@@ -14096,12 +14180,6 @@
             <a:pPr marL="0" indent="0">
               <a:buNone/>
             </a:pPr>
-            <a:r>
-              <a:rPr lang="en-US" sz="2400" dirty="0">
-                <a:hlinkClick r:id="rId3"/>
-              </a:rPr>
-              <a:t>https://docs.docker.com/engine/reference/commandline/load/</a:t>
-            </a:r>
             <a:endParaRPr lang="en-US" sz="2400" dirty="0"/>
           </a:p>
         </p:txBody>
@@ -14109,7 +14187,7 @@
     </p:spTree>
     <p:extLst>
       <p:ext uri="{BB962C8B-B14F-4D97-AF65-F5344CB8AC3E}">
-        <p14:creationId xmlns:p14="http://schemas.microsoft.com/office/powerpoint/2010/main" val="3042224936"/>
+        <p14:creationId xmlns:p14="http://schemas.microsoft.com/office/powerpoint/2010/main" val="1481435848"/>
       </p:ext>
     </p:extLst>
   </p:cSld>
@@ -14141,7 +14219,7 @@
           <p:cNvPr id="2" name="Title 1">
             <a:extLst>
               <a:ext uri="{FF2B5EF4-FFF2-40B4-BE49-F238E27FC236}">
-                <a16:creationId xmlns:a16="http://schemas.microsoft.com/office/drawing/2014/main" id="{B83E4CEA-A038-4B14-B7DD-279C6A38ABAE}"/>
+                <a16:creationId xmlns:a16="http://schemas.microsoft.com/office/drawing/2014/main" id="{BE88DABE-FA01-44AE-AFF7-4D63F4BCDF4C}"/>
               </a:ext>
             </a:extLst>
           </p:cNvPr>
@@ -14152,39 +14230,136 @@
             <p:ph type="title"/>
           </p:nvPr>
         </p:nvSpPr>
+        <p:spPr/>
+        <p:txBody>
+          <a:bodyPr/>
+          <a:lstStyle/>
+          <a:p>
+            <a:r>
+              <a:rPr lang="en-AU" dirty="0"/>
+              <a:t>Exporting and importing a Docker image</a:t>
+            </a:r>
+            <a:endParaRPr lang="en-US" dirty="0"/>
+          </a:p>
+        </p:txBody>
+      </p:sp>
+      <p:sp>
+        <p:nvSpPr>
+          <p:cNvPr id="3" name="Content Placeholder 2">
+            <a:extLst>
+              <a:ext uri="{FF2B5EF4-FFF2-40B4-BE49-F238E27FC236}">
+                <a16:creationId xmlns:a16="http://schemas.microsoft.com/office/drawing/2014/main" id="{047ACFE0-3D44-498F-8351-D97D382C056D}"/>
+              </a:ext>
+            </a:extLst>
+          </p:cNvPr>
+          <p:cNvSpPr>
+            <a:spLocks noGrp="1"/>
+          </p:cNvSpPr>
+          <p:nvPr>
+            <p:ph idx="1"/>
+          </p:nvPr>
+        </p:nvSpPr>
         <p:spPr>
           <a:xfrm>
-            <a:off x="838200" y="365125"/>
-            <a:ext cx="10515600" cy="5931980"/>
+            <a:off x="838200" y="1884348"/>
+            <a:ext cx="10515600" cy="4351338"/>
           </a:xfrm>
         </p:spPr>
         <p:txBody>
-          <a:bodyPr/>
-          <a:lstStyle/>
-          <a:p>
-            <a:pPr algn="ctr"/>
-            <a:r>
-              <a:rPr lang="en-AU" sz="6600" dirty="0"/>
-              <a:t>DEMO </a:t>
-            </a:r>
-            <a:br>
-              <a:rPr lang="en-AU" sz="6600" dirty="0"/>
-            </a:br>
-            <a:br>
-              <a:rPr lang="en-AU" dirty="0"/>
-            </a:br>
-            <a:r>
-              <a:rPr lang="en-AU" dirty="0"/>
-              <a:t>Creating Docker images</a:t>
-            </a:r>
-            <a:endParaRPr lang="en-US" dirty="0"/>
+          <a:bodyPr>
+            <a:normAutofit fontScale="92500" lnSpcReduction="10000"/>
+          </a:bodyPr>
+          <a:lstStyle/>
+          <a:p>
+            <a:pPr marL="0" indent="0">
+              <a:buNone/>
+            </a:pPr>
+            <a:r>
+              <a:rPr lang="en-US" dirty="0">
+                <a:latin typeface="Courier New" panose="02070309020205020404" pitchFamily="49" charset="0"/>
+                <a:cs typeface="Courier New" panose="02070309020205020404" pitchFamily="49" charset="0"/>
+              </a:rPr>
+              <a:t>&gt; docker image save –output ./image_name.tgz</a:t>
+            </a:r>
+          </a:p>
+          <a:p>
+            <a:pPr marL="0" indent="0">
+              <a:buNone/>
+            </a:pPr>
+            <a:r>
+              <a:rPr lang="en-US" dirty="0">
+                <a:latin typeface="Courier New" panose="02070309020205020404" pitchFamily="49" charset="0"/>
+                <a:cs typeface="Courier New" panose="02070309020205020404" pitchFamily="49" charset="0"/>
+              </a:rPr>
+              <a:t>&gt; docker load –input ./image_name.tgz</a:t>
+            </a:r>
+          </a:p>
+          <a:p>
+            <a:pPr marL="0" indent="0">
+              <a:buNone/>
+            </a:pPr>
+            <a:endParaRPr lang="en-US" sz="2400" dirty="0"/>
+          </a:p>
+          <a:p>
+            <a:pPr marL="0" indent="0">
+              <a:buNone/>
+            </a:pPr>
+            <a:r>
+              <a:rPr lang="en-US" sz="2400" dirty="0"/>
+              <a:t>Note:</a:t>
+            </a:r>
+          </a:p>
+          <a:p>
+            <a:r>
+              <a:rPr lang="en-US" sz="2400" dirty="0"/>
+              <a:t>Sometimes we don’t have access to a Docker image repository, but we still want to build an image and import it elsewhere. In this case we can export the image to a file and import that file to another Docker engine.</a:t>
+            </a:r>
+          </a:p>
+          <a:p>
+            <a:pPr marL="0" indent="0">
+              <a:buNone/>
+            </a:pPr>
+            <a:endParaRPr lang="en-US" sz="2400" dirty="0"/>
+          </a:p>
+          <a:p>
+            <a:pPr marL="0" indent="0">
+              <a:buNone/>
+            </a:pPr>
+            <a:r>
+              <a:rPr lang="en-US" sz="2400" dirty="0"/>
+              <a:t>Reference:</a:t>
+            </a:r>
+          </a:p>
+          <a:p>
+            <a:pPr marL="0" indent="0">
+              <a:buNone/>
+            </a:pPr>
+            <a:r>
+              <a:rPr lang="en-US" sz="2400" dirty="0">
+                <a:hlinkClick r:id="rId2"/>
+              </a:rPr>
+              <a:t>https://docs.docker.com/engine/reference/commandline/image_save/</a:t>
+            </a:r>
+            <a:endParaRPr lang="en-US" sz="2400" dirty="0"/>
+          </a:p>
+          <a:p>
+            <a:pPr marL="0" indent="0">
+              <a:buNone/>
+            </a:pPr>
+            <a:r>
+              <a:rPr lang="en-US" sz="2400" dirty="0">
+                <a:hlinkClick r:id="rId3"/>
+              </a:rPr>
+              <a:t>https://docs.docker.com/engine/reference/commandline/load/</a:t>
+            </a:r>
+            <a:endParaRPr lang="en-US" sz="2400" dirty="0"/>
           </a:p>
         </p:txBody>
       </p:sp>
     </p:spTree>
     <p:extLst>
       <p:ext uri="{BB962C8B-B14F-4D97-AF65-F5344CB8AC3E}">
-        <p14:creationId xmlns:p14="http://schemas.microsoft.com/office/powerpoint/2010/main" val="2318378588"/>
+        <p14:creationId xmlns:p14="http://schemas.microsoft.com/office/powerpoint/2010/main" val="3042224936"/>
       </p:ext>
     </p:extLst>
   </p:cSld>
@@ -14240,7 +14415,17 @@
             <a:pPr algn="ctr"/>
             <a:r>
               <a:rPr lang="en-AU" sz="6600" dirty="0"/>
-              <a:t>Docker Compose</a:t>
+              <a:t>DEMO </a:t>
+            </a:r>
+            <a:br>
+              <a:rPr lang="en-AU" sz="6600" dirty="0"/>
+            </a:br>
+            <a:br>
+              <a:rPr lang="en-AU" dirty="0"/>
+            </a:br>
+            <a:r>
+              <a:rPr lang="en-AU" dirty="0"/>
+              <a:t>Creating Docker images</a:t>
             </a:r>
             <a:endParaRPr lang="en-US" dirty="0"/>
           </a:p>
@@ -14249,7 +14434,7 @@
     </p:spTree>
     <p:extLst>
       <p:ext uri="{BB962C8B-B14F-4D97-AF65-F5344CB8AC3E}">
-        <p14:creationId xmlns:p14="http://schemas.microsoft.com/office/powerpoint/2010/main" val="3424916341"/>
+        <p14:creationId xmlns:p14="http://schemas.microsoft.com/office/powerpoint/2010/main" val="2318378588"/>
       </p:ext>
     </p:extLst>
   </p:cSld>
@@ -14281,6 +14466,71 @@
           <p:cNvPr id="2" name="Title 1">
             <a:extLst>
               <a:ext uri="{FF2B5EF4-FFF2-40B4-BE49-F238E27FC236}">
+                <a16:creationId xmlns:a16="http://schemas.microsoft.com/office/drawing/2014/main" id="{B83E4CEA-A038-4B14-B7DD-279C6A38ABAE}"/>
+              </a:ext>
+            </a:extLst>
+          </p:cNvPr>
+          <p:cNvSpPr>
+            <a:spLocks noGrp="1"/>
+          </p:cNvSpPr>
+          <p:nvPr>
+            <p:ph type="title"/>
+          </p:nvPr>
+        </p:nvSpPr>
+        <p:spPr>
+          <a:xfrm>
+            <a:off x="838200" y="365125"/>
+            <a:ext cx="10515600" cy="5931980"/>
+          </a:xfrm>
+        </p:spPr>
+        <p:txBody>
+          <a:bodyPr/>
+          <a:lstStyle/>
+          <a:p>
+            <a:pPr algn="ctr"/>
+            <a:r>
+              <a:rPr lang="en-AU" sz="6600" dirty="0"/>
+              <a:t>Docker Compose</a:t>
+            </a:r>
+            <a:endParaRPr lang="en-US" dirty="0"/>
+          </a:p>
+        </p:txBody>
+      </p:sp>
+    </p:spTree>
+    <p:extLst>
+      <p:ext uri="{BB962C8B-B14F-4D97-AF65-F5344CB8AC3E}">
+        <p14:creationId xmlns:p14="http://schemas.microsoft.com/office/powerpoint/2010/main" val="3424916341"/>
+      </p:ext>
+    </p:extLst>
+  </p:cSld>
+  <p:clrMapOvr>
+    <a:masterClrMapping/>
+  </p:clrMapOvr>
+</p:sld>
+</file>
+
+<file path=ppt/slides/slide48.xml><?xml version="1.0" encoding="utf-8"?>
+<p:sld xmlns:a="http://schemas.openxmlformats.org/drawingml/2006/main" xmlns:r="http://schemas.openxmlformats.org/officeDocument/2006/relationships" xmlns:p="http://schemas.openxmlformats.org/presentationml/2006/main">
+  <p:cSld>
+    <p:spTree>
+      <p:nvGrpSpPr>
+        <p:cNvPr id="1" name=""/>
+        <p:cNvGrpSpPr/>
+        <p:nvPr/>
+      </p:nvGrpSpPr>
+      <p:grpSpPr>
+        <a:xfrm>
+          <a:off x="0" y="0"/>
+          <a:ext cx="0" cy="0"/>
+          <a:chOff x="0" y="0"/>
+          <a:chExt cx="0" cy="0"/>
+        </a:xfrm>
+      </p:grpSpPr>
+      <p:sp>
+        <p:nvSpPr>
+          <p:cNvPr id="2" name="Title 1">
+            <a:extLst>
+              <a:ext uri="{FF2B5EF4-FFF2-40B4-BE49-F238E27FC236}">
                 <a16:creationId xmlns:a16="http://schemas.microsoft.com/office/drawing/2014/main" id="{3EA06FBD-2BAC-4DB3-93E9-B22BEA3E7F00}"/>
               </a:ext>
             </a:extLst>
@@ -14367,7 +14617,7 @@
 </p:sld>
 </file>
 
-<file path=ppt/slides/slide48.xml><?xml version="1.0" encoding="utf-8"?>
+<file path=ppt/slides/slide49.xml><?xml version="1.0" encoding="utf-8"?>
 <p:sld xmlns:a="http://schemas.openxmlformats.org/drawingml/2006/main" xmlns:r="http://schemas.openxmlformats.org/officeDocument/2006/relationships" xmlns:p="http://schemas.openxmlformats.org/presentationml/2006/main">
   <p:cSld>
     <p:spTree>
@@ -14481,184 +14731,6 @@
 </p:sld>
 </file>
 
-<file path=ppt/slides/slide49.xml><?xml version="1.0" encoding="utf-8"?>
-<p:sld xmlns:a="http://schemas.openxmlformats.org/drawingml/2006/main" xmlns:r="http://schemas.openxmlformats.org/officeDocument/2006/relationships" xmlns:p="http://schemas.openxmlformats.org/presentationml/2006/main">
-  <p:cSld>
-    <p:spTree>
-      <p:nvGrpSpPr>
-        <p:cNvPr id="1" name=""/>
-        <p:cNvGrpSpPr/>
-        <p:nvPr/>
-      </p:nvGrpSpPr>
-      <p:grpSpPr>
-        <a:xfrm>
-          <a:off x="0" y="0"/>
-          <a:ext cx="0" cy="0"/>
-          <a:chOff x="0" y="0"/>
-          <a:chExt cx="0" cy="0"/>
-        </a:xfrm>
-      </p:grpSpPr>
-      <p:sp>
-        <p:nvSpPr>
-          <p:cNvPr id="2" name="Title 1">
-            <a:extLst>
-              <a:ext uri="{FF2B5EF4-FFF2-40B4-BE49-F238E27FC236}">
-                <a16:creationId xmlns:a16="http://schemas.microsoft.com/office/drawing/2014/main" id="{66ABCCF5-3FD5-4BD0-9FF8-0BDB205B5CFD}"/>
-              </a:ext>
-            </a:extLst>
-          </p:cNvPr>
-          <p:cNvSpPr>
-            <a:spLocks noGrp="1"/>
-          </p:cNvSpPr>
-          <p:nvPr>
-            <p:ph type="title"/>
-          </p:nvPr>
-        </p:nvSpPr>
-        <p:spPr/>
-        <p:txBody>
-          <a:bodyPr/>
-          <a:lstStyle/>
-          <a:p>
-            <a:r>
-              <a:rPr lang="en-AU" dirty="0"/>
-              <a:t>Docker Compose Up</a:t>
-            </a:r>
-            <a:endParaRPr lang="en-US" dirty="0"/>
-          </a:p>
-        </p:txBody>
-      </p:sp>
-      <p:sp>
-        <p:nvSpPr>
-          <p:cNvPr id="3" name="Content Placeholder 2">
-            <a:extLst>
-              <a:ext uri="{FF2B5EF4-FFF2-40B4-BE49-F238E27FC236}">
-                <a16:creationId xmlns:a16="http://schemas.microsoft.com/office/drawing/2014/main" id="{7A91F25E-7A8D-4CF9-A1D0-9EBFFF9B5046}"/>
-              </a:ext>
-            </a:extLst>
-          </p:cNvPr>
-          <p:cNvSpPr>
-            <a:spLocks noGrp="1"/>
-          </p:cNvSpPr>
-          <p:nvPr>
-            <p:ph idx="1"/>
-          </p:nvPr>
-        </p:nvSpPr>
-        <p:spPr/>
-        <p:txBody>
-          <a:bodyPr>
-            <a:normAutofit lnSpcReduction="10000"/>
-          </a:bodyPr>
-          <a:lstStyle/>
-          <a:p>
-            <a:pPr marL="0" indent="0">
-              <a:buNone/>
-            </a:pPr>
-            <a:r>
-              <a:rPr lang="en-US" dirty="0">
-                <a:latin typeface="Courier New" panose="02070309020205020404" pitchFamily="49" charset="0"/>
-                <a:cs typeface="Courier New" panose="02070309020205020404" pitchFamily="49" charset="0"/>
-              </a:rPr>
-              <a:t>&gt; docker-compose up [options] [--scale SERVICE=NUM...] [SERVICE...]</a:t>
-            </a:r>
-          </a:p>
-          <a:p>
-            <a:pPr marL="0" indent="0">
-              <a:buNone/>
-            </a:pPr>
-            <a:endParaRPr lang="en-US" sz="2400" dirty="0"/>
-          </a:p>
-          <a:p>
-            <a:pPr marL="0" indent="0">
-              <a:buNone/>
-            </a:pPr>
-            <a:r>
-              <a:rPr lang="en-US" sz="2400" dirty="0"/>
-              <a:t>Common options:</a:t>
-            </a:r>
-          </a:p>
-          <a:p>
-            <a:pPr marL="0" indent="0">
-              <a:buNone/>
-            </a:pPr>
-            <a:r>
-              <a:rPr lang="en-US" sz="2400" dirty="0"/>
-              <a:t>--</a:t>
-            </a:r>
-            <a:r>
-              <a:rPr lang="en-US" sz="2400" dirty="0" err="1"/>
-              <a:t>detatch</a:t>
-            </a:r>
-            <a:r>
-              <a:rPr lang="en-US" sz="2400" dirty="0"/>
-              <a:t> (runs containers in dethatched mode)</a:t>
-            </a:r>
-          </a:p>
-          <a:p>
-            <a:pPr marL="0" indent="0">
-              <a:buNone/>
-            </a:pPr>
-            <a:r>
-              <a:rPr lang="en-US" sz="2400" dirty="0"/>
-              <a:t>--build (builds images)</a:t>
-            </a:r>
-          </a:p>
-          <a:p>
-            <a:pPr marL="0" indent="0">
-              <a:buNone/>
-            </a:pPr>
-            <a:r>
-              <a:rPr lang="en-US" sz="2400" dirty="0"/>
-              <a:t>--force-recreate (recreates running containers)</a:t>
-            </a:r>
-          </a:p>
-          <a:p>
-            <a:pPr marL="0" indent="0">
-              <a:buNone/>
-            </a:pPr>
-            <a:endParaRPr lang="en-US" sz="2400" dirty="0"/>
-          </a:p>
-          <a:p>
-            <a:pPr marL="0" indent="0">
-              <a:buNone/>
-            </a:pPr>
-            <a:r>
-              <a:rPr lang="en-US" sz="2400" dirty="0"/>
-              <a:t>Reference:</a:t>
-            </a:r>
-          </a:p>
-          <a:p>
-            <a:pPr marL="0" indent="0">
-              <a:buNone/>
-            </a:pPr>
-            <a:r>
-              <a:rPr lang="en-US" sz="2400" dirty="0">
-                <a:hlinkClick r:id="rId2"/>
-              </a:rPr>
-              <a:t>https://docs.docker.com/compose/reference/up/</a:t>
-            </a:r>
-            <a:endParaRPr lang="en-US" sz="2400" dirty="0"/>
-          </a:p>
-          <a:p>
-            <a:pPr marL="0" indent="0">
-              <a:buNone/>
-            </a:pPr>
-            <a:endParaRPr lang="en-US" sz="2400" dirty="0"/>
-          </a:p>
-        </p:txBody>
-      </p:sp>
-    </p:spTree>
-    <p:extLst>
-      <p:ext uri="{BB962C8B-B14F-4D97-AF65-F5344CB8AC3E}">
-        <p14:creationId xmlns:p14="http://schemas.microsoft.com/office/powerpoint/2010/main" val="4098360026"/>
-      </p:ext>
-    </p:extLst>
-  </p:cSld>
-  <p:clrMapOvr>
-    <a:masterClrMapping/>
-  </p:clrMapOvr>
-</p:sld>
-</file>
-
 <file path=ppt/slides/slide5.xml><?xml version="1.0" encoding="utf-8"?>
 <p:sld xmlns:a="http://schemas.openxmlformats.org/drawingml/2006/main" xmlns:r="http://schemas.openxmlformats.org/officeDocument/2006/relationships" xmlns:p="http://schemas.openxmlformats.org/presentationml/2006/main">
   <p:cSld>
@@ -16162,7 +16234,7 @@
           <a:p>
             <a:r>
               <a:rPr lang="en-AU" dirty="0"/>
-              <a:t>Docker Compose Down</a:t>
+              <a:t>Docker Compose Up</a:t>
             </a:r>
             <a:endParaRPr lang="en-US" dirty="0"/>
           </a:p>
@@ -16186,7 +16258,9 @@
         </p:nvSpPr>
         <p:spPr/>
         <p:txBody>
-          <a:bodyPr/>
+          <a:bodyPr>
+            <a:normAutofit lnSpcReduction="10000"/>
+          </a:bodyPr>
           <a:lstStyle/>
           <a:p>
             <a:pPr marL="0" indent="0">
@@ -16197,7 +16271,7 @@
                 <a:latin typeface="Courier New" panose="02070309020205020404" pitchFamily="49" charset="0"/>
                 <a:cs typeface="Courier New" panose="02070309020205020404" pitchFamily="49" charset="0"/>
               </a:rPr>
-              <a:t>&gt; docker-compose down [options]</a:t>
+              <a:t>&gt; docker-compose up [options] [--scale SERVICE=NUM...] [SERVICE...]</a:t>
             </a:r>
           </a:p>
           <a:p>
@@ -16225,11 +16299,11 @@
             </a:r>
             <a:r>
               <a:rPr lang="en-US" sz="2400" dirty="0" err="1"/>
-              <a:t>rmi</a:t>
+              <a:t>detatch</a:t>
             </a:r>
             <a:r>
               <a:rPr lang="en-US" sz="2400" dirty="0"/>
-              <a:t> (removes referenced images after stopping containers)</a:t>
+              <a:t> (runs containers in dethatched mode)</a:t>
             </a:r>
           </a:p>
           <a:p>
@@ -16238,7 +16312,16 @@
             </a:pPr>
             <a:r>
               <a:rPr lang="en-US" sz="2400" dirty="0"/>
-              <a:t>--volumes (removes volumes)</a:t>
+              <a:t>--build (builds images)</a:t>
+            </a:r>
+          </a:p>
+          <a:p>
+            <a:pPr marL="0" indent="0">
+              <a:buNone/>
+            </a:pPr>
+            <a:r>
+              <a:rPr lang="en-US" sz="2400" dirty="0"/>
+              <a:t>--force-recreate (recreates running containers)</a:t>
             </a:r>
           </a:p>
           <a:p>
@@ -16264,7 +16347,7 @@
               <a:rPr lang="en-US" sz="2400" dirty="0">
                 <a:hlinkClick r:id="rId2"/>
               </a:rPr>
-              <a:t>https://docs.docker.com/compose/reference/down/</a:t>
+              <a:t>https://docs.docker.com/compose/reference/up/</a:t>
             </a:r>
             <a:endParaRPr lang="en-US" sz="2400" dirty="0"/>
           </a:p>
@@ -16279,7 +16362,7 @@
     </p:spTree>
     <p:extLst>
       <p:ext uri="{BB962C8B-B14F-4D97-AF65-F5344CB8AC3E}">
-        <p14:creationId xmlns:p14="http://schemas.microsoft.com/office/powerpoint/2010/main" val="1658801209"/>
+        <p14:creationId xmlns:p14="http://schemas.microsoft.com/office/powerpoint/2010/main" val="4098360026"/>
       </p:ext>
     </p:extLst>
   </p:cSld>
@@ -16311,6 +16394,173 @@
           <p:cNvPr id="2" name="Title 1">
             <a:extLst>
               <a:ext uri="{FF2B5EF4-FFF2-40B4-BE49-F238E27FC236}">
+                <a16:creationId xmlns:a16="http://schemas.microsoft.com/office/drawing/2014/main" id="{66ABCCF5-3FD5-4BD0-9FF8-0BDB205B5CFD}"/>
+              </a:ext>
+            </a:extLst>
+          </p:cNvPr>
+          <p:cNvSpPr>
+            <a:spLocks noGrp="1"/>
+          </p:cNvSpPr>
+          <p:nvPr>
+            <p:ph type="title"/>
+          </p:nvPr>
+        </p:nvSpPr>
+        <p:spPr/>
+        <p:txBody>
+          <a:bodyPr/>
+          <a:lstStyle/>
+          <a:p>
+            <a:r>
+              <a:rPr lang="en-AU" dirty="0"/>
+              <a:t>Docker Compose Down</a:t>
+            </a:r>
+            <a:endParaRPr lang="en-US" dirty="0"/>
+          </a:p>
+        </p:txBody>
+      </p:sp>
+      <p:sp>
+        <p:nvSpPr>
+          <p:cNvPr id="3" name="Content Placeholder 2">
+            <a:extLst>
+              <a:ext uri="{FF2B5EF4-FFF2-40B4-BE49-F238E27FC236}">
+                <a16:creationId xmlns:a16="http://schemas.microsoft.com/office/drawing/2014/main" id="{7A91F25E-7A8D-4CF9-A1D0-9EBFFF9B5046}"/>
+              </a:ext>
+            </a:extLst>
+          </p:cNvPr>
+          <p:cNvSpPr>
+            <a:spLocks noGrp="1"/>
+          </p:cNvSpPr>
+          <p:nvPr>
+            <p:ph idx="1"/>
+          </p:nvPr>
+        </p:nvSpPr>
+        <p:spPr/>
+        <p:txBody>
+          <a:bodyPr/>
+          <a:lstStyle/>
+          <a:p>
+            <a:pPr marL="0" indent="0">
+              <a:buNone/>
+            </a:pPr>
+            <a:r>
+              <a:rPr lang="en-US" dirty="0">
+                <a:latin typeface="Courier New" panose="02070309020205020404" pitchFamily="49" charset="0"/>
+                <a:cs typeface="Courier New" panose="02070309020205020404" pitchFamily="49" charset="0"/>
+              </a:rPr>
+              <a:t>&gt; docker-compose down [options]</a:t>
+            </a:r>
+          </a:p>
+          <a:p>
+            <a:pPr marL="0" indent="0">
+              <a:buNone/>
+            </a:pPr>
+            <a:endParaRPr lang="en-US" sz="2400" dirty="0"/>
+          </a:p>
+          <a:p>
+            <a:pPr marL="0" indent="0">
+              <a:buNone/>
+            </a:pPr>
+            <a:r>
+              <a:rPr lang="en-US" sz="2400" dirty="0"/>
+              <a:t>Common options:</a:t>
+            </a:r>
+          </a:p>
+          <a:p>
+            <a:pPr marL="0" indent="0">
+              <a:buNone/>
+            </a:pPr>
+            <a:r>
+              <a:rPr lang="en-US" sz="2400" dirty="0"/>
+              <a:t>--</a:t>
+            </a:r>
+            <a:r>
+              <a:rPr lang="en-US" sz="2400" dirty="0" err="1"/>
+              <a:t>rmi</a:t>
+            </a:r>
+            <a:r>
+              <a:rPr lang="en-US" sz="2400" dirty="0"/>
+              <a:t> (removes referenced images after stopping containers)</a:t>
+            </a:r>
+          </a:p>
+          <a:p>
+            <a:pPr marL="0" indent="0">
+              <a:buNone/>
+            </a:pPr>
+            <a:r>
+              <a:rPr lang="en-US" sz="2400" dirty="0"/>
+              <a:t>--volumes (removes volumes)</a:t>
+            </a:r>
+          </a:p>
+          <a:p>
+            <a:pPr marL="0" indent="0">
+              <a:buNone/>
+            </a:pPr>
+            <a:endParaRPr lang="en-US" sz="2400" dirty="0"/>
+          </a:p>
+          <a:p>
+            <a:pPr marL="0" indent="0">
+              <a:buNone/>
+            </a:pPr>
+            <a:r>
+              <a:rPr lang="en-US" sz="2400" dirty="0"/>
+              <a:t>Reference:</a:t>
+            </a:r>
+          </a:p>
+          <a:p>
+            <a:pPr marL="0" indent="0">
+              <a:buNone/>
+            </a:pPr>
+            <a:r>
+              <a:rPr lang="en-US" sz="2400" dirty="0">
+                <a:hlinkClick r:id="rId2"/>
+              </a:rPr>
+              <a:t>https://docs.docker.com/compose/reference/down/</a:t>
+            </a:r>
+            <a:endParaRPr lang="en-US" sz="2400" dirty="0"/>
+          </a:p>
+          <a:p>
+            <a:pPr marL="0" indent="0">
+              <a:buNone/>
+            </a:pPr>
+            <a:endParaRPr lang="en-US" sz="2400" dirty="0"/>
+          </a:p>
+        </p:txBody>
+      </p:sp>
+    </p:spTree>
+    <p:extLst>
+      <p:ext uri="{BB962C8B-B14F-4D97-AF65-F5344CB8AC3E}">
+        <p14:creationId xmlns:p14="http://schemas.microsoft.com/office/powerpoint/2010/main" val="1658801209"/>
+      </p:ext>
+    </p:extLst>
+  </p:cSld>
+  <p:clrMapOvr>
+    <a:masterClrMapping/>
+  </p:clrMapOvr>
+</p:sld>
+</file>
+
+<file path=ppt/slides/slide52.xml><?xml version="1.0" encoding="utf-8"?>
+<p:sld xmlns:a="http://schemas.openxmlformats.org/drawingml/2006/main" xmlns:r="http://schemas.openxmlformats.org/officeDocument/2006/relationships" xmlns:p="http://schemas.openxmlformats.org/presentationml/2006/main">
+  <p:cSld>
+    <p:spTree>
+      <p:nvGrpSpPr>
+        <p:cNvPr id="1" name=""/>
+        <p:cNvGrpSpPr/>
+        <p:nvPr/>
+      </p:nvGrpSpPr>
+      <p:grpSpPr>
+        <a:xfrm>
+          <a:off x="0" y="0"/>
+          <a:ext cx="0" cy="0"/>
+          <a:chOff x="0" y="0"/>
+          <a:chExt cx="0" cy="0"/>
+        </a:xfrm>
+      </p:grpSpPr>
+      <p:sp>
+        <p:nvSpPr>
+          <p:cNvPr id="2" name="Title 1">
+            <a:extLst>
+              <a:ext uri="{FF2B5EF4-FFF2-40B4-BE49-F238E27FC236}">
                 <a16:creationId xmlns:a16="http://schemas.microsoft.com/office/drawing/2014/main" id="{B83E4CEA-A038-4B14-B7DD-279C6A38ABAE}"/>
               </a:ext>
             </a:extLst>
@@ -16364,7 +16614,7 @@
 </p:sld>
 </file>
 
-<file path=ppt/slides/slide52.xml><?xml version="1.0" encoding="utf-8"?>
+<file path=ppt/slides/slide53.xml><?xml version="1.0" encoding="utf-8"?>
 <p:sld xmlns:a="http://schemas.openxmlformats.org/drawingml/2006/main" xmlns:r="http://schemas.openxmlformats.org/officeDocument/2006/relationships" xmlns:p="http://schemas.openxmlformats.org/presentationml/2006/main">
   <p:cSld>
     <p:spTree>
@@ -16933,71 +17183,6 @@
 </p:sld>
 </file>
 
-<file path=ppt/slides/slide53.xml><?xml version="1.0" encoding="utf-8"?>
-<p:sld xmlns:a="http://schemas.openxmlformats.org/drawingml/2006/main" xmlns:r="http://schemas.openxmlformats.org/officeDocument/2006/relationships" xmlns:p="http://schemas.openxmlformats.org/presentationml/2006/main">
-  <p:cSld>
-    <p:spTree>
-      <p:nvGrpSpPr>
-        <p:cNvPr id="1" name=""/>
-        <p:cNvGrpSpPr/>
-        <p:nvPr/>
-      </p:nvGrpSpPr>
-      <p:grpSpPr>
-        <a:xfrm>
-          <a:off x="0" y="0"/>
-          <a:ext cx="0" cy="0"/>
-          <a:chOff x="0" y="0"/>
-          <a:chExt cx="0" cy="0"/>
-        </a:xfrm>
-      </p:grpSpPr>
-      <p:sp>
-        <p:nvSpPr>
-          <p:cNvPr id="2" name="Title 1">
-            <a:extLst>
-              <a:ext uri="{FF2B5EF4-FFF2-40B4-BE49-F238E27FC236}">
-                <a16:creationId xmlns:a16="http://schemas.microsoft.com/office/drawing/2014/main" id="{B83E4CEA-A038-4B14-B7DD-279C6A38ABAE}"/>
-              </a:ext>
-            </a:extLst>
-          </p:cNvPr>
-          <p:cNvSpPr>
-            <a:spLocks noGrp="1"/>
-          </p:cNvSpPr>
-          <p:nvPr>
-            <p:ph type="title"/>
-          </p:nvPr>
-        </p:nvSpPr>
-        <p:spPr>
-          <a:xfrm>
-            <a:off x="838200" y="365125"/>
-            <a:ext cx="10515600" cy="5931980"/>
-          </a:xfrm>
-        </p:spPr>
-        <p:txBody>
-          <a:bodyPr/>
-          <a:lstStyle/>
-          <a:p>
-            <a:pPr algn="ctr"/>
-            <a:r>
-              <a:rPr lang="en-AU" sz="6600" dirty="0"/>
-              <a:t>Docker Engine API </a:t>
-            </a:r>
-            <a:endParaRPr lang="en-US" dirty="0"/>
-          </a:p>
-        </p:txBody>
-      </p:sp>
-    </p:spTree>
-    <p:extLst>
-      <p:ext uri="{BB962C8B-B14F-4D97-AF65-F5344CB8AC3E}">
-        <p14:creationId xmlns:p14="http://schemas.microsoft.com/office/powerpoint/2010/main" val="2511560818"/>
-      </p:ext>
-    </p:extLst>
-  </p:cSld>
-  <p:clrMapOvr>
-    <a:masterClrMapping/>
-  </p:clrMapOvr>
-</p:sld>
-</file>
-
 <file path=ppt/slides/slide54.xml><?xml version="1.0" encoding="utf-8"?>
 <p:sld xmlns:a="http://schemas.openxmlformats.org/drawingml/2006/main" xmlns:r="http://schemas.openxmlformats.org/officeDocument/2006/relationships" xmlns:p="http://schemas.openxmlformats.org/presentationml/2006/main">
   <p:cSld>
@@ -17020,6 +17205,71 @@
           <p:cNvPr id="2" name="Title 1">
             <a:extLst>
               <a:ext uri="{FF2B5EF4-FFF2-40B4-BE49-F238E27FC236}">
+                <a16:creationId xmlns:a16="http://schemas.microsoft.com/office/drawing/2014/main" id="{B83E4CEA-A038-4B14-B7DD-279C6A38ABAE}"/>
+              </a:ext>
+            </a:extLst>
+          </p:cNvPr>
+          <p:cNvSpPr>
+            <a:spLocks noGrp="1"/>
+          </p:cNvSpPr>
+          <p:nvPr>
+            <p:ph type="title"/>
+          </p:nvPr>
+        </p:nvSpPr>
+        <p:spPr>
+          <a:xfrm>
+            <a:off x="838200" y="365125"/>
+            <a:ext cx="10515600" cy="5931980"/>
+          </a:xfrm>
+        </p:spPr>
+        <p:txBody>
+          <a:bodyPr/>
+          <a:lstStyle/>
+          <a:p>
+            <a:pPr algn="ctr"/>
+            <a:r>
+              <a:rPr lang="en-AU" sz="6600" dirty="0"/>
+              <a:t>Docker Engine API </a:t>
+            </a:r>
+            <a:endParaRPr lang="en-US" dirty="0"/>
+          </a:p>
+        </p:txBody>
+      </p:sp>
+    </p:spTree>
+    <p:extLst>
+      <p:ext uri="{BB962C8B-B14F-4D97-AF65-F5344CB8AC3E}">
+        <p14:creationId xmlns:p14="http://schemas.microsoft.com/office/powerpoint/2010/main" val="2511560818"/>
+      </p:ext>
+    </p:extLst>
+  </p:cSld>
+  <p:clrMapOvr>
+    <a:masterClrMapping/>
+  </p:clrMapOvr>
+</p:sld>
+</file>
+
+<file path=ppt/slides/slide55.xml><?xml version="1.0" encoding="utf-8"?>
+<p:sld xmlns:a="http://schemas.openxmlformats.org/drawingml/2006/main" xmlns:r="http://schemas.openxmlformats.org/officeDocument/2006/relationships" xmlns:p="http://schemas.openxmlformats.org/presentationml/2006/main">
+  <p:cSld>
+    <p:spTree>
+      <p:nvGrpSpPr>
+        <p:cNvPr id="1" name=""/>
+        <p:cNvGrpSpPr/>
+        <p:nvPr/>
+      </p:nvGrpSpPr>
+      <p:grpSpPr>
+        <a:xfrm>
+          <a:off x="0" y="0"/>
+          <a:ext cx="0" cy="0"/>
+          <a:chOff x="0" y="0"/>
+          <a:chExt cx="0" cy="0"/>
+        </a:xfrm>
+      </p:grpSpPr>
+      <p:sp>
+        <p:nvSpPr>
+          <p:cNvPr id="2" name="Title 1">
+            <a:extLst>
+              <a:ext uri="{FF2B5EF4-FFF2-40B4-BE49-F238E27FC236}">
                 <a16:creationId xmlns:a16="http://schemas.microsoft.com/office/drawing/2014/main" id="{BC1AD47A-17EC-48B3-B206-36634991D5E5}"/>
               </a:ext>
             </a:extLst>
@@ -17106,7 +17356,7 @@
 </p:sld>
 </file>
 
-<file path=ppt/slides/slide55.xml><?xml version="1.0" encoding="utf-8"?>
+<file path=ppt/slides/slide56.xml><?xml version="1.0" encoding="utf-8"?>
 <p:sld xmlns:a="http://schemas.openxmlformats.org/drawingml/2006/main" xmlns:r="http://schemas.openxmlformats.org/officeDocument/2006/relationships" xmlns:p="http://schemas.openxmlformats.org/presentationml/2006/main">
   <p:cSld>
     <p:spTree>

--- a/Docker Masterclass.pptx
+++ b/Docker Masterclass.pptx
@@ -5,7 +5,7 @@
     <p:sldMasterId id="2147483648" r:id="rId1"/>
   </p:sldMasterIdLst>
   <p:notesMasterIdLst>
-    <p:notesMasterId r:id="rId58"/>
+    <p:notesMasterId r:id="rId60"/>
   </p:notesMasterIdLst>
   <p:sldIdLst>
     <p:sldId id="256" r:id="rId2"/>
@@ -59,11 +59,13 @@
     <p:sldId id="298" r:id="rId50"/>
     <p:sldId id="269" r:id="rId51"/>
     <p:sldId id="299" r:id="rId52"/>
-    <p:sldId id="319" r:id="rId53"/>
-    <p:sldId id="321" r:id="rId54"/>
-    <p:sldId id="316" r:id="rId55"/>
-    <p:sldId id="276" r:id="rId56"/>
-    <p:sldId id="320" r:id="rId57"/>
+    <p:sldId id="323" r:id="rId53"/>
+    <p:sldId id="324" r:id="rId54"/>
+    <p:sldId id="319" r:id="rId55"/>
+    <p:sldId id="321" r:id="rId56"/>
+    <p:sldId id="316" r:id="rId57"/>
+    <p:sldId id="276" r:id="rId58"/>
+    <p:sldId id="320" r:id="rId59"/>
   </p:sldIdLst>
   <p:sldSz cx="12192000" cy="6858000"/>
   <p:notesSz cx="6858000" cy="9144000"/>
@@ -1278,7 +1280,7 @@
           <a:p>
             <a:fld id="{3C3E44F4-FBEB-4CBC-ACE6-D40593B7B375}" type="datetimeFigureOut">
               <a:rPr lang="en-US" smtClean="0"/>
-              <a:t>5/3/2022</a:t>
+              <a:t>5/4/2022</a:t>
             </a:fld>
             <a:endParaRPr lang="en-US"/>
           </a:p>
@@ -1776,7 +1778,7 @@
           <a:p>
             <a:fld id="{28F6D60B-0E2A-4C2F-AD1E-B002C42DE5F1}" type="datetimeFigureOut">
               <a:rPr lang="en-US" smtClean="0"/>
-              <a:t>5/3/2022</a:t>
+              <a:t>5/4/2022</a:t>
             </a:fld>
             <a:endParaRPr lang="en-US"/>
           </a:p>
@@ -1974,7 +1976,7 @@
           <a:p>
             <a:fld id="{28F6D60B-0E2A-4C2F-AD1E-B002C42DE5F1}" type="datetimeFigureOut">
               <a:rPr lang="en-US" smtClean="0"/>
-              <a:t>5/3/2022</a:t>
+              <a:t>5/4/2022</a:t>
             </a:fld>
             <a:endParaRPr lang="en-US"/>
           </a:p>
@@ -2182,7 +2184,7 @@
           <a:p>
             <a:fld id="{28F6D60B-0E2A-4C2F-AD1E-B002C42DE5F1}" type="datetimeFigureOut">
               <a:rPr lang="en-US" smtClean="0"/>
-              <a:t>5/3/2022</a:t>
+              <a:t>5/4/2022</a:t>
             </a:fld>
             <a:endParaRPr lang="en-US"/>
           </a:p>
@@ -2380,7 +2382,7 @@
           <a:p>
             <a:fld id="{28F6D60B-0E2A-4C2F-AD1E-B002C42DE5F1}" type="datetimeFigureOut">
               <a:rPr lang="en-US" smtClean="0"/>
-              <a:t>5/3/2022</a:t>
+              <a:t>5/4/2022</a:t>
             </a:fld>
             <a:endParaRPr lang="en-US"/>
           </a:p>
@@ -2655,7 +2657,7 @@
           <a:p>
             <a:fld id="{28F6D60B-0E2A-4C2F-AD1E-B002C42DE5F1}" type="datetimeFigureOut">
               <a:rPr lang="en-US" smtClean="0"/>
-              <a:t>5/3/2022</a:t>
+              <a:t>5/4/2022</a:t>
             </a:fld>
             <a:endParaRPr lang="en-US"/>
           </a:p>
@@ -2920,7 +2922,7 @@
           <a:p>
             <a:fld id="{28F6D60B-0E2A-4C2F-AD1E-B002C42DE5F1}" type="datetimeFigureOut">
               <a:rPr lang="en-US" smtClean="0"/>
-              <a:t>5/3/2022</a:t>
+              <a:t>5/4/2022</a:t>
             </a:fld>
             <a:endParaRPr lang="en-US"/>
           </a:p>
@@ -3332,7 +3334,7 @@
           <a:p>
             <a:fld id="{28F6D60B-0E2A-4C2F-AD1E-B002C42DE5F1}" type="datetimeFigureOut">
               <a:rPr lang="en-US" smtClean="0"/>
-              <a:t>5/3/2022</a:t>
+              <a:t>5/4/2022</a:t>
             </a:fld>
             <a:endParaRPr lang="en-US"/>
           </a:p>
@@ -3473,7 +3475,7 @@
           <a:p>
             <a:fld id="{28F6D60B-0E2A-4C2F-AD1E-B002C42DE5F1}" type="datetimeFigureOut">
               <a:rPr lang="en-US" smtClean="0"/>
-              <a:t>5/3/2022</a:t>
+              <a:t>5/4/2022</a:t>
             </a:fld>
             <a:endParaRPr lang="en-US"/>
           </a:p>
@@ -3586,7 +3588,7 @@
           <a:p>
             <a:fld id="{28F6D60B-0E2A-4C2F-AD1E-B002C42DE5F1}" type="datetimeFigureOut">
               <a:rPr lang="en-US" smtClean="0"/>
-              <a:t>5/3/2022</a:t>
+              <a:t>5/4/2022</a:t>
             </a:fld>
             <a:endParaRPr lang="en-US"/>
           </a:p>
@@ -3897,7 +3899,7 @@
           <a:p>
             <a:fld id="{28F6D60B-0E2A-4C2F-AD1E-B002C42DE5F1}" type="datetimeFigureOut">
               <a:rPr lang="en-US" smtClean="0"/>
-              <a:t>5/3/2022</a:t>
+              <a:t>5/4/2022</a:t>
             </a:fld>
             <a:endParaRPr lang="en-US"/>
           </a:p>
@@ -4185,7 +4187,7 @@
           <a:p>
             <a:fld id="{28F6D60B-0E2A-4C2F-AD1E-B002C42DE5F1}" type="datetimeFigureOut">
               <a:rPr lang="en-US" smtClean="0"/>
-              <a:t>5/3/2022</a:t>
+              <a:t>5/4/2022</a:t>
             </a:fld>
             <a:endParaRPr lang="en-US"/>
           </a:p>
@@ -4426,7 +4428,7 @@
           <a:p>
             <a:fld id="{28F6D60B-0E2A-4C2F-AD1E-B002C42DE5F1}" type="datetimeFigureOut">
               <a:rPr lang="en-US" smtClean="0"/>
-              <a:t>5/3/2022</a:t>
+              <a:t>5/4/2022</a:t>
             </a:fld>
             <a:endParaRPr lang="en-US"/>
           </a:p>
@@ -16561,6 +16563,1641 @@
           <p:cNvPr id="2" name="Title 1">
             <a:extLst>
               <a:ext uri="{FF2B5EF4-FFF2-40B4-BE49-F238E27FC236}">
+                <a16:creationId xmlns:a16="http://schemas.microsoft.com/office/drawing/2014/main" id="{66ABCCF5-3FD5-4BD0-9FF8-0BDB205B5CFD}"/>
+              </a:ext>
+            </a:extLst>
+          </p:cNvPr>
+          <p:cNvSpPr>
+            <a:spLocks noGrp="1"/>
+          </p:cNvSpPr>
+          <p:nvPr>
+            <p:ph type="title"/>
+          </p:nvPr>
+        </p:nvSpPr>
+        <p:spPr/>
+        <p:txBody>
+          <a:bodyPr/>
+          <a:lstStyle/>
+          <a:p>
+            <a:r>
+              <a:rPr lang="en-AU" dirty="0"/>
+              <a:t>Docker Volumes</a:t>
+            </a:r>
+            <a:endParaRPr lang="en-US" dirty="0"/>
+          </a:p>
+        </p:txBody>
+      </p:sp>
+      <p:sp>
+        <p:nvSpPr>
+          <p:cNvPr id="6" name="Rectangle 5">
+            <a:extLst>
+              <a:ext uri="{FF2B5EF4-FFF2-40B4-BE49-F238E27FC236}">
+                <a16:creationId xmlns:a16="http://schemas.microsoft.com/office/drawing/2014/main" id="{0A1695F3-4B33-563F-5793-1E855E02F0A1}"/>
+              </a:ext>
+            </a:extLst>
+          </p:cNvPr>
+          <p:cNvSpPr/>
+          <p:nvPr/>
+        </p:nvSpPr>
+        <p:spPr>
+          <a:xfrm>
+            <a:off x="2275907" y="3428999"/>
+            <a:ext cx="1362516" cy="1090014"/>
+          </a:xfrm>
+          <a:prstGeom prst="rect">
+            <a:avLst/>
+          </a:prstGeom>
+        </p:spPr>
+        <p:style>
+          <a:lnRef idx="2">
+            <a:schemeClr val="accent1">
+              <a:shade val="50000"/>
+            </a:schemeClr>
+          </a:lnRef>
+          <a:fillRef idx="1">
+            <a:schemeClr val="accent1"/>
+          </a:fillRef>
+          <a:effectRef idx="0">
+            <a:schemeClr val="accent1"/>
+          </a:effectRef>
+          <a:fontRef idx="minor">
+            <a:schemeClr val="lt1"/>
+          </a:fontRef>
+        </p:style>
+        <p:txBody>
+          <a:bodyPr rtlCol="0" anchor="ctr"/>
+          <a:lstStyle/>
+          <a:p>
+            <a:pPr algn="ctr"/>
+            <a:r>
+              <a:rPr lang="en-AU" dirty="0"/>
+              <a:t>Docker Container</a:t>
+            </a:r>
+            <a:endParaRPr lang="en-US" dirty="0"/>
+          </a:p>
+        </p:txBody>
+      </p:sp>
+      <p:sp>
+        <p:nvSpPr>
+          <p:cNvPr id="7" name="Rectangle 6">
+            <a:extLst>
+              <a:ext uri="{FF2B5EF4-FFF2-40B4-BE49-F238E27FC236}">
+                <a16:creationId xmlns:a16="http://schemas.microsoft.com/office/drawing/2014/main" id="{DBD8B3B2-BD97-DDFC-FCB9-C6BC9DA9EAEA}"/>
+              </a:ext>
+            </a:extLst>
+          </p:cNvPr>
+          <p:cNvSpPr/>
+          <p:nvPr/>
+        </p:nvSpPr>
+        <p:spPr>
+          <a:xfrm>
+            <a:off x="1974134" y="2440419"/>
+            <a:ext cx="4396388" cy="2579698"/>
+          </a:xfrm>
+          <a:prstGeom prst="rect">
+            <a:avLst/>
+          </a:prstGeom>
+          <a:noFill/>
+        </p:spPr>
+        <p:style>
+          <a:lnRef idx="2">
+            <a:schemeClr val="accent1">
+              <a:shade val="50000"/>
+            </a:schemeClr>
+          </a:lnRef>
+          <a:fillRef idx="1">
+            <a:schemeClr val="accent1"/>
+          </a:fillRef>
+          <a:effectRef idx="0">
+            <a:schemeClr val="accent1"/>
+          </a:effectRef>
+          <a:fontRef idx="minor">
+            <a:schemeClr val="lt1"/>
+          </a:fontRef>
+        </p:style>
+        <p:txBody>
+          <a:bodyPr rtlCol="0" anchor="t"/>
+          <a:lstStyle/>
+          <a:p>
+            <a:pPr algn="ctr"/>
+            <a:r>
+              <a:rPr lang="en-AU" dirty="0">
+                <a:solidFill>
+                  <a:schemeClr val="tx1"/>
+                </a:solidFill>
+              </a:rPr>
+              <a:t>Docker</a:t>
+            </a:r>
+            <a:endParaRPr lang="en-US" dirty="0">
+              <a:solidFill>
+                <a:schemeClr val="tx1"/>
+              </a:solidFill>
+            </a:endParaRPr>
+          </a:p>
+        </p:txBody>
+      </p:sp>
+      <p:sp>
+        <p:nvSpPr>
+          <p:cNvPr id="9" name="Rectangle 8">
+            <a:extLst>
+              <a:ext uri="{FF2B5EF4-FFF2-40B4-BE49-F238E27FC236}">
+                <a16:creationId xmlns:a16="http://schemas.microsoft.com/office/drawing/2014/main" id="{57B3F920-777E-2E38-C93C-2E9D73E5484A}"/>
+              </a:ext>
+            </a:extLst>
+          </p:cNvPr>
+          <p:cNvSpPr/>
+          <p:nvPr/>
+        </p:nvSpPr>
+        <p:spPr>
+          <a:xfrm>
+            <a:off x="1623918" y="1744022"/>
+            <a:ext cx="8143812" cy="3954325"/>
+          </a:xfrm>
+          <a:prstGeom prst="rect">
+            <a:avLst/>
+          </a:prstGeom>
+          <a:noFill/>
+        </p:spPr>
+        <p:style>
+          <a:lnRef idx="2">
+            <a:schemeClr val="accent1">
+              <a:shade val="50000"/>
+            </a:schemeClr>
+          </a:lnRef>
+          <a:fillRef idx="1">
+            <a:schemeClr val="accent1"/>
+          </a:fillRef>
+          <a:effectRef idx="0">
+            <a:schemeClr val="accent1"/>
+          </a:effectRef>
+          <a:fontRef idx="minor">
+            <a:schemeClr val="lt1"/>
+          </a:fontRef>
+        </p:style>
+        <p:txBody>
+          <a:bodyPr rtlCol="0" anchor="t"/>
+          <a:lstStyle/>
+          <a:p>
+            <a:pPr algn="ctr"/>
+            <a:r>
+              <a:rPr lang="en-AU" dirty="0">
+                <a:solidFill>
+                  <a:schemeClr val="tx1"/>
+                </a:solidFill>
+              </a:rPr>
+              <a:t>Operating System</a:t>
+            </a:r>
+            <a:endParaRPr lang="en-US" dirty="0">
+              <a:solidFill>
+                <a:schemeClr val="tx1"/>
+              </a:solidFill>
+            </a:endParaRPr>
+          </a:p>
+        </p:txBody>
+      </p:sp>
+      <p:sp>
+        <p:nvSpPr>
+          <p:cNvPr id="11" name="Rectangle 10">
+            <a:extLst>
+              <a:ext uri="{FF2B5EF4-FFF2-40B4-BE49-F238E27FC236}">
+                <a16:creationId xmlns:a16="http://schemas.microsoft.com/office/drawing/2014/main" id="{12B96289-CACC-231B-7A27-6D1262FCAEA4}"/>
+              </a:ext>
+            </a:extLst>
+          </p:cNvPr>
+          <p:cNvSpPr/>
+          <p:nvPr/>
+        </p:nvSpPr>
+        <p:spPr>
+          <a:xfrm>
+            <a:off x="6761615" y="2440419"/>
+            <a:ext cx="2422252" cy="2579698"/>
+          </a:xfrm>
+          <a:prstGeom prst="rect">
+            <a:avLst/>
+          </a:prstGeom>
+          <a:noFill/>
+        </p:spPr>
+        <p:style>
+          <a:lnRef idx="2">
+            <a:schemeClr val="accent1">
+              <a:shade val="50000"/>
+            </a:schemeClr>
+          </a:lnRef>
+          <a:fillRef idx="1">
+            <a:schemeClr val="accent1"/>
+          </a:fillRef>
+          <a:effectRef idx="0">
+            <a:schemeClr val="accent1"/>
+          </a:effectRef>
+          <a:fontRef idx="minor">
+            <a:schemeClr val="lt1"/>
+          </a:fontRef>
+        </p:style>
+        <p:txBody>
+          <a:bodyPr rtlCol="0" anchor="t"/>
+          <a:lstStyle/>
+          <a:p>
+            <a:pPr algn="ctr"/>
+            <a:r>
+              <a:rPr lang="en-AU" dirty="0">
+                <a:solidFill>
+                  <a:schemeClr val="tx1"/>
+                </a:solidFill>
+              </a:rPr>
+              <a:t>File System</a:t>
+            </a:r>
+            <a:endParaRPr lang="en-US" dirty="0">
+              <a:solidFill>
+                <a:schemeClr val="tx1"/>
+              </a:solidFill>
+            </a:endParaRPr>
+          </a:p>
+        </p:txBody>
+      </p:sp>
+      <p:sp>
+        <p:nvSpPr>
+          <p:cNvPr id="15" name="Rectangle 14">
+            <a:extLst>
+              <a:ext uri="{FF2B5EF4-FFF2-40B4-BE49-F238E27FC236}">
+                <a16:creationId xmlns:a16="http://schemas.microsoft.com/office/drawing/2014/main" id="{3452FC2C-5F17-AA32-08B9-539D42A05625}"/>
+              </a:ext>
+            </a:extLst>
+          </p:cNvPr>
+          <p:cNvSpPr/>
+          <p:nvPr/>
+        </p:nvSpPr>
+        <p:spPr>
+          <a:xfrm>
+            <a:off x="4087554" y="2967258"/>
+            <a:ext cx="2008446" cy="1683465"/>
+          </a:xfrm>
+          <a:prstGeom prst="rect">
+            <a:avLst/>
+          </a:prstGeom>
+          <a:noFill/>
+        </p:spPr>
+        <p:style>
+          <a:lnRef idx="2">
+            <a:schemeClr val="accent1">
+              <a:shade val="50000"/>
+            </a:schemeClr>
+          </a:lnRef>
+          <a:fillRef idx="1">
+            <a:schemeClr val="accent1"/>
+          </a:fillRef>
+          <a:effectRef idx="0">
+            <a:schemeClr val="accent1"/>
+          </a:effectRef>
+          <a:fontRef idx="minor">
+            <a:schemeClr val="lt1"/>
+          </a:fontRef>
+        </p:style>
+        <p:txBody>
+          <a:bodyPr rtlCol="0" anchor="t"/>
+          <a:lstStyle/>
+          <a:p>
+            <a:pPr algn="ctr"/>
+            <a:r>
+              <a:rPr lang="en-AU" dirty="0">
+                <a:solidFill>
+                  <a:schemeClr val="tx1"/>
+                </a:solidFill>
+              </a:rPr>
+              <a:t>Docker File System</a:t>
+            </a:r>
+            <a:endParaRPr lang="en-US" dirty="0">
+              <a:solidFill>
+                <a:schemeClr val="tx1"/>
+              </a:solidFill>
+            </a:endParaRPr>
+          </a:p>
+        </p:txBody>
+      </p:sp>
+      <p:sp>
+        <p:nvSpPr>
+          <p:cNvPr id="17" name="Rectangle 16">
+            <a:extLst>
+              <a:ext uri="{FF2B5EF4-FFF2-40B4-BE49-F238E27FC236}">
+                <a16:creationId xmlns:a16="http://schemas.microsoft.com/office/drawing/2014/main" id="{6D126BC5-B833-96CB-7F7D-B85CED2FAD35}"/>
+              </a:ext>
+            </a:extLst>
+          </p:cNvPr>
+          <p:cNvSpPr/>
+          <p:nvPr/>
+        </p:nvSpPr>
+        <p:spPr>
+          <a:xfrm>
+            <a:off x="6892316" y="3088370"/>
+            <a:ext cx="2185072" cy="340629"/>
+          </a:xfrm>
+          <a:prstGeom prst="rect">
+            <a:avLst/>
+          </a:prstGeom>
+          <a:solidFill>
+            <a:schemeClr val="accent2">
+              <a:lumMod val="75000"/>
+            </a:schemeClr>
+          </a:solidFill>
+        </p:spPr>
+        <p:style>
+          <a:lnRef idx="2">
+            <a:schemeClr val="accent1">
+              <a:shade val="50000"/>
+            </a:schemeClr>
+          </a:lnRef>
+          <a:fillRef idx="1">
+            <a:schemeClr val="accent1"/>
+          </a:fillRef>
+          <a:effectRef idx="0">
+            <a:schemeClr val="accent1"/>
+          </a:effectRef>
+          <a:fontRef idx="minor">
+            <a:schemeClr val="lt1"/>
+          </a:fontRef>
+        </p:style>
+        <p:txBody>
+          <a:bodyPr rtlCol="0" anchor="ctr"/>
+          <a:lstStyle/>
+          <a:p>
+            <a:pPr algn="ctr"/>
+            <a:r>
+              <a:rPr lang="en-AU" dirty="0"/>
+              <a:t>/…/Directory</a:t>
+            </a:r>
+            <a:r>
+              <a:rPr lang="en-US" dirty="0"/>
+              <a:t> 1</a:t>
+            </a:r>
+            <a:endParaRPr lang="en-AU" dirty="0"/>
+          </a:p>
+        </p:txBody>
+      </p:sp>
+      <p:sp>
+        <p:nvSpPr>
+          <p:cNvPr id="19" name="Rectangle 18">
+            <a:extLst>
+              <a:ext uri="{FF2B5EF4-FFF2-40B4-BE49-F238E27FC236}">
+                <a16:creationId xmlns:a16="http://schemas.microsoft.com/office/drawing/2014/main" id="{E7B4D36E-177A-6265-0368-0B363B41D87E}"/>
+              </a:ext>
+            </a:extLst>
+          </p:cNvPr>
+          <p:cNvSpPr/>
+          <p:nvPr/>
+        </p:nvSpPr>
+        <p:spPr>
+          <a:xfrm>
+            <a:off x="6892316" y="3545569"/>
+            <a:ext cx="2185072" cy="340629"/>
+          </a:xfrm>
+          <a:prstGeom prst="rect">
+            <a:avLst/>
+          </a:prstGeom>
+          <a:solidFill>
+            <a:schemeClr val="accent2">
+              <a:lumMod val="75000"/>
+            </a:schemeClr>
+          </a:solidFill>
+        </p:spPr>
+        <p:style>
+          <a:lnRef idx="2">
+            <a:schemeClr val="accent1">
+              <a:shade val="50000"/>
+            </a:schemeClr>
+          </a:lnRef>
+          <a:fillRef idx="1">
+            <a:schemeClr val="accent1"/>
+          </a:fillRef>
+          <a:effectRef idx="0">
+            <a:schemeClr val="accent1"/>
+          </a:effectRef>
+          <a:fontRef idx="minor">
+            <a:schemeClr val="lt1"/>
+          </a:fontRef>
+        </p:style>
+        <p:txBody>
+          <a:bodyPr rtlCol="0" anchor="ctr"/>
+          <a:lstStyle/>
+          <a:p>
+            <a:pPr algn="ctr"/>
+            <a:r>
+              <a:rPr lang="en-AU" dirty="0"/>
+              <a:t>/…/Directory</a:t>
+            </a:r>
+            <a:r>
+              <a:rPr lang="en-US" dirty="0"/>
+              <a:t> 2</a:t>
+            </a:r>
+            <a:endParaRPr lang="en-AU" dirty="0"/>
+          </a:p>
+        </p:txBody>
+      </p:sp>
+      <p:sp>
+        <p:nvSpPr>
+          <p:cNvPr id="21" name="Rectangle 20">
+            <a:extLst>
+              <a:ext uri="{FF2B5EF4-FFF2-40B4-BE49-F238E27FC236}">
+                <a16:creationId xmlns:a16="http://schemas.microsoft.com/office/drawing/2014/main" id="{F0E15A5D-2280-3326-5854-166AC8D7A40D}"/>
+              </a:ext>
+            </a:extLst>
+          </p:cNvPr>
+          <p:cNvSpPr/>
+          <p:nvPr/>
+        </p:nvSpPr>
+        <p:spPr>
+          <a:xfrm>
+            <a:off x="6880204" y="4008069"/>
+            <a:ext cx="2185072" cy="340629"/>
+          </a:xfrm>
+          <a:prstGeom prst="rect">
+            <a:avLst/>
+          </a:prstGeom>
+          <a:solidFill>
+            <a:schemeClr val="accent2">
+              <a:lumMod val="75000"/>
+            </a:schemeClr>
+          </a:solidFill>
+        </p:spPr>
+        <p:style>
+          <a:lnRef idx="2">
+            <a:schemeClr val="accent1">
+              <a:shade val="50000"/>
+            </a:schemeClr>
+          </a:lnRef>
+          <a:fillRef idx="1">
+            <a:schemeClr val="accent1"/>
+          </a:fillRef>
+          <a:effectRef idx="0">
+            <a:schemeClr val="accent1"/>
+          </a:effectRef>
+          <a:fontRef idx="minor">
+            <a:schemeClr val="lt1"/>
+          </a:fontRef>
+        </p:style>
+        <p:txBody>
+          <a:bodyPr rtlCol="0" anchor="ctr"/>
+          <a:lstStyle/>
+          <a:p>
+            <a:pPr algn="ctr"/>
+            <a:r>
+              <a:rPr lang="en-AU" dirty="0"/>
+              <a:t>/…/Directory</a:t>
+            </a:r>
+            <a:r>
+              <a:rPr lang="en-US" dirty="0"/>
+              <a:t> 3</a:t>
+            </a:r>
+            <a:endParaRPr lang="en-AU" dirty="0"/>
+          </a:p>
+        </p:txBody>
+      </p:sp>
+      <p:sp>
+        <p:nvSpPr>
+          <p:cNvPr id="23" name="Rectangle 22">
+            <a:extLst>
+              <a:ext uri="{FF2B5EF4-FFF2-40B4-BE49-F238E27FC236}">
+                <a16:creationId xmlns:a16="http://schemas.microsoft.com/office/drawing/2014/main" id="{5049F961-3644-F782-5753-DC021D706217}"/>
+              </a:ext>
+            </a:extLst>
+          </p:cNvPr>
+          <p:cNvSpPr/>
+          <p:nvPr/>
+        </p:nvSpPr>
+        <p:spPr>
+          <a:xfrm>
+            <a:off x="6880204" y="4487600"/>
+            <a:ext cx="2185072" cy="340629"/>
+          </a:xfrm>
+          <a:prstGeom prst="rect">
+            <a:avLst/>
+          </a:prstGeom>
+          <a:solidFill>
+            <a:schemeClr val="accent2">
+              <a:lumMod val="75000"/>
+            </a:schemeClr>
+          </a:solidFill>
+        </p:spPr>
+        <p:style>
+          <a:lnRef idx="2">
+            <a:schemeClr val="accent1">
+              <a:shade val="50000"/>
+            </a:schemeClr>
+          </a:lnRef>
+          <a:fillRef idx="1">
+            <a:schemeClr val="accent1"/>
+          </a:fillRef>
+          <a:effectRef idx="0">
+            <a:schemeClr val="accent1"/>
+          </a:effectRef>
+          <a:fontRef idx="minor">
+            <a:schemeClr val="lt1"/>
+          </a:fontRef>
+        </p:style>
+        <p:txBody>
+          <a:bodyPr rtlCol="0" anchor="ctr"/>
+          <a:lstStyle/>
+          <a:p>
+            <a:pPr algn="ctr"/>
+            <a:r>
+              <a:rPr lang="en-AU" dirty="0"/>
+              <a:t>/…/Directory</a:t>
+            </a:r>
+            <a:r>
+              <a:rPr lang="en-US" dirty="0"/>
+              <a:t> 4</a:t>
+            </a:r>
+            <a:endParaRPr lang="en-AU" dirty="0"/>
+          </a:p>
+        </p:txBody>
+      </p:sp>
+      <p:sp>
+        <p:nvSpPr>
+          <p:cNvPr id="25" name="Rectangle 24">
+            <a:extLst>
+              <a:ext uri="{FF2B5EF4-FFF2-40B4-BE49-F238E27FC236}">
+                <a16:creationId xmlns:a16="http://schemas.microsoft.com/office/drawing/2014/main" id="{6094ED70-69C0-C541-DB6D-1F7A36297E57}"/>
+              </a:ext>
+            </a:extLst>
+          </p:cNvPr>
+          <p:cNvSpPr/>
+          <p:nvPr/>
+        </p:nvSpPr>
+        <p:spPr>
+          <a:xfrm>
+            <a:off x="4296226" y="3538005"/>
+            <a:ext cx="1562600" cy="340629"/>
+          </a:xfrm>
+          <a:prstGeom prst="rect">
+            <a:avLst/>
+          </a:prstGeom>
+          <a:solidFill>
+            <a:schemeClr val="accent6">
+              <a:lumMod val="75000"/>
+            </a:schemeClr>
+          </a:solidFill>
+        </p:spPr>
+        <p:style>
+          <a:lnRef idx="2">
+            <a:schemeClr val="accent1">
+              <a:shade val="50000"/>
+            </a:schemeClr>
+          </a:lnRef>
+          <a:fillRef idx="1">
+            <a:schemeClr val="accent1"/>
+          </a:fillRef>
+          <a:effectRef idx="0">
+            <a:schemeClr val="accent1"/>
+          </a:effectRef>
+          <a:fontRef idx="minor">
+            <a:schemeClr val="lt1"/>
+          </a:fontRef>
+        </p:style>
+        <p:txBody>
+          <a:bodyPr rtlCol="0" anchor="ctr"/>
+          <a:lstStyle/>
+          <a:p>
+            <a:pPr algn="ctr"/>
+            <a:r>
+              <a:rPr lang="en-AU" dirty="0"/>
+              <a:t>/…/Directory</a:t>
+            </a:r>
+            <a:r>
+              <a:rPr lang="en-US" dirty="0"/>
+              <a:t> A</a:t>
+            </a:r>
+            <a:endParaRPr lang="en-AU" dirty="0"/>
+          </a:p>
+        </p:txBody>
+      </p:sp>
+      <p:sp>
+        <p:nvSpPr>
+          <p:cNvPr id="27" name="Rectangle 26">
+            <a:extLst>
+              <a:ext uri="{FF2B5EF4-FFF2-40B4-BE49-F238E27FC236}">
+                <a16:creationId xmlns:a16="http://schemas.microsoft.com/office/drawing/2014/main" id="{9F004EA9-4BE7-59E4-761B-0AD21B4547C3}"/>
+              </a:ext>
+            </a:extLst>
+          </p:cNvPr>
+          <p:cNvSpPr/>
+          <p:nvPr/>
+        </p:nvSpPr>
+        <p:spPr>
+          <a:xfrm>
+            <a:off x="4296226" y="3995204"/>
+            <a:ext cx="1562600" cy="340629"/>
+          </a:xfrm>
+          <a:prstGeom prst="rect">
+            <a:avLst/>
+          </a:prstGeom>
+          <a:solidFill>
+            <a:schemeClr val="accent6">
+              <a:lumMod val="75000"/>
+            </a:schemeClr>
+          </a:solidFill>
+        </p:spPr>
+        <p:style>
+          <a:lnRef idx="2">
+            <a:schemeClr val="accent1">
+              <a:shade val="50000"/>
+            </a:schemeClr>
+          </a:lnRef>
+          <a:fillRef idx="1">
+            <a:schemeClr val="accent1"/>
+          </a:fillRef>
+          <a:effectRef idx="0">
+            <a:schemeClr val="accent1"/>
+          </a:effectRef>
+          <a:fontRef idx="minor">
+            <a:schemeClr val="lt1"/>
+          </a:fontRef>
+        </p:style>
+        <p:txBody>
+          <a:bodyPr rtlCol="0" anchor="ctr"/>
+          <a:lstStyle/>
+          <a:p>
+            <a:pPr algn="ctr"/>
+            <a:r>
+              <a:rPr lang="en-AU" dirty="0"/>
+              <a:t>/…/Directory</a:t>
+            </a:r>
+            <a:r>
+              <a:rPr lang="en-US" dirty="0"/>
+              <a:t> B</a:t>
+            </a:r>
+            <a:endParaRPr lang="en-AU" dirty="0"/>
+          </a:p>
+        </p:txBody>
+      </p:sp>
+      <p:cxnSp>
+        <p:nvCxnSpPr>
+          <p:cNvPr id="29" name="Straight Arrow Connector 28">
+            <a:extLst>
+              <a:ext uri="{FF2B5EF4-FFF2-40B4-BE49-F238E27FC236}">
+                <a16:creationId xmlns:a16="http://schemas.microsoft.com/office/drawing/2014/main" id="{65364BFD-21E6-4DEE-7F7B-481364DD57E6}"/>
+              </a:ext>
+            </a:extLst>
+          </p:cNvPr>
+          <p:cNvCxnSpPr>
+            <a:cxnSpLocks/>
+            <a:stCxn id="6" idx="3"/>
+            <a:endCxn id="25" idx="1"/>
+          </p:cNvCxnSpPr>
+          <p:nvPr/>
+        </p:nvCxnSpPr>
+        <p:spPr>
+          <a:xfrm flipV="1">
+            <a:off x="3638423" y="3708320"/>
+            <a:ext cx="657803" cy="265686"/>
+          </a:xfrm>
+          <a:prstGeom prst="straightConnector1">
+            <a:avLst/>
+          </a:prstGeom>
+          <a:ln>
+            <a:tailEnd type="triangle"/>
+          </a:ln>
+        </p:spPr>
+        <p:style>
+          <a:lnRef idx="3">
+            <a:schemeClr val="dk1"/>
+          </a:lnRef>
+          <a:fillRef idx="0">
+            <a:schemeClr val="dk1"/>
+          </a:fillRef>
+          <a:effectRef idx="2">
+            <a:schemeClr val="dk1"/>
+          </a:effectRef>
+          <a:fontRef idx="minor">
+            <a:schemeClr val="tx1"/>
+          </a:fontRef>
+        </p:style>
+      </p:cxnSp>
+      <p:cxnSp>
+        <p:nvCxnSpPr>
+          <p:cNvPr id="31" name="Straight Arrow Connector 30">
+            <a:extLst>
+              <a:ext uri="{FF2B5EF4-FFF2-40B4-BE49-F238E27FC236}">
+                <a16:creationId xmlns:a16="http://schemas.microsoft.com/office/drawing/2014/main" id="{0326E402-D941-1334-B07F-54303133E961}"/>
+              </a:ext>
+            </a:extLst>
+          </p:cNvPr>
+          <p:cNvCxnSpPr>
+            <a:cxnSpLocks/>
+            <a:stCxn id="6" idx="3"/>
+            <a:endCxn id="27" idx="1"/>
+          </p:cNvCxnSpPr>
+          <p:nvPr/>
+        </p:nvCxnSpPr>
+        <p:spPr>
+          <a:xfrm>
+            <a:off x="3638423" y="3974006"/>
+            <a:ext cx="657803" cy="191513"/>
+          </a:xfrm>
+          <a:prstGeom prst="straightConnector1">
+            <a:avLst/>
+          </a:prstGeom>
+          <a:ln>
+            <a:tailEnd type="triangle"/>
+          </a:ln>
+        </p:spPr>
+        <p:style>
+          <a:lnRef idx="3">
+            <a:schemeClr val="dk1"/>
+          </a:lnRef>
+          <a:fillRef idx="0">
+            <a:schemeClr val="dk1"/>
+          </a:fillRef>
+          <a:effectRef idx="2">
+            <a:schemeClr val="dk1"/>
+          </a:effectRef>
+          <a:fontRef idx="minor">
+            <a:schemeClr val="tx1"/>
+          </a:fontRef>
+        </p:style>
+      </p:cxnSp>
+      <p:cxnSp>
+        <p:nvCxnSpPr>
+          <p:cNvPr id="37" name="Straight Arrow Connector 36">
+            <a:extLst>
+              <a:ext uri="{FF2B5EF4-FFF2-40B4-BE49-F238E27FC236}">
+                <a16:creationId xmlns:a16="http://schemas.microsoft.com/office/drawing/2014/main" id="{F34D2B05-690D-F164-4B22-B09CBC40C749}"/>
+              </a:ext>
+            </a:extLst>
+          </p:cNvPr>
+          <p:cNvCxnSpPr>
+            <a:cxnSpLocks/>
+            <a:stCxn id="25" idx="3"/>
+            <a:endCxn id="17" idx="1"/>
+          </p:cNvCxnSpPr>
+          <p:nvPr/>
+        </p:nvCxnSpPr>
+        <p:spPr>
+          <a:xfrm flipV="1">
+            <a:off x="5858826" y="3258685"/>
+            <a:ext cx="1033490" cy="449635"/>
+          </a:xfrm>
+          <a:prstGeom prst="straightConnector1">
+            <a:avLst/>
+          </a:prstGeom>
+          <a:ln>
+            <a:tailEnd type="triangle"/>
+          </a:ln>
+        </p:spPr>
+        <p:style>
+          <a:lnRef idx="3">
+            <a:schemeClr val="dk1"/>
+          </a:lnRef>
+          <a:fillRef idx="0">
+            <a:schemeClr val="dk1"/>
+          </a:fillRef>
+          <a:effectRef idx="2">
+            <a:schemeClr val="dk1"/>
+          </a:effectRef>
+          <a:fontRef idx="minor">
+            <a:schemeClr val="tx1"/>
+          </a:fontRef>
+        </p:style>
+      </p:cxnSp>
+      <p:cxnSp>
+        <p:nvCxnSpPr>
+          <p:cNvPr id="41" name="Straight Arrow Connector 40">
+            <a:extLst>
+              <a:ext uri="{FF2B5EF4-FFF2-40B4-BE49-F238E27FC236}">
+                <a16:creationId xmlns:a16="http://schemas.microsoft.com/office/drawing/2014/main" id="{85CDDE83-CF8F-7D9F-E2BC-831659868A96}"/>
+              </a:ext>
+            </a:extLst>
+          </p:cNvPr>
+          <p:cNvCxnSpPr>
+            <a:cxnSpLocks/>
+            <a:stCxn id="27" idx="3"/>
+            <a:endCxn id="21" idx="1"/>
+          </p:cNvCxnSpPr>
+          <p:nvPr/>
+        </p:nvCxnSpPr>
+        <p:spPr>
+          <a:xfrm>
+            <a:off x="5858826" y="4165519"/>
+            <a:ext cx="1021378" cy="12865"/>
+          </a:xfrm>
+          <a:prstGeom prst="straightConnector1">
+            <a:avLst/>
+          </a:prstGeom>
+          <a:ln>
+            <a:tailEnd type="triangle"/>
+          </a:ln>
+        </p:spPr>
+        <p:style>
+          <a:lnRef idx="3">
+            <a:schemeClr val="dk1"/>
+          </a:lnRef>
+          <a:fillRef idx="0">
+            <a:schemeClr val="dk1"/>
+          </a:fillRef>
+          <a:effectRef idx="2">
+            <a:schemeClr val="dk1"/>
+          </a:effectRef>
+          <a:fontRef idx="minor">
+            <a:schemeClr val="tx1"/>
+          </a:fontRef>
+        </p:style>
+      </p:cxnSp>
+    </p:spTree>
+    <p:extLst>
+      <p:ext uri="{BB962C8B-B14F-4D97-AF65-F5344CB8AC3E}">
+        <p14:creationId xmlns:p14="http://schemas.microsoft.com/office/powerpoint/2010/main" val="2130746220"/>
+      </p:ext>
+    </p:extLst>
+  </p:cSld>
+  <p:clrMapOvr>
+    <a:masterClrMapping/>
+  </p:clrMapOvr>
+</p:sld>
+</file>
+
+<file path=ppt/slides/slide53.xml><?xml version="1.0" encoding="utf-8"?>
+<p:sld xmlns:a="http://schemas.openxmlformats.org/drawingml/2006/main" xmlns:r="http://schemas.openxmlformats.org/officeDocument/2006/relationships" xmlns:p="http://schemas.openxmlformats.org/presentationml/2006/main">
+  <p:cSld>
+    <p:spTree>
+      <p:nvGrpSpPr>
+        <p:cNvPr id="1" name=""/>
+        <p:cNvGrpSpPr/>
+        <p:nvPr/>
+      </p:nvGrpSpPr>
+      <p:grpSpPr>
+        <a:xfrm>
+          <a:off x="0" y="0"/>
+          <a:ext cx="0" cy="0"/>
+          <a:chOff x="0" y="0"/>
+          <a:chExt cx="0" cy="0"/>
+        </a:xfrm>
+      </p:grpSpPr>
+      <p:sp>
+        <p:nvSpPr>
+          <p:cNvPr id="2" name="Title 1">
+            <a:extLst>
+              <a:ext uri="{FF2B5EF4-FFF2-40B4-BE49-F238E27FC236}">
+                <a16:creationId xmlns:a16="http://schemas.microsoft.com/office/drawing/2014/main" id="{66ABCCF5-3FD5-4BD0-9FF8-0BDB205B5CFD}"/>
+              </a:ext>
+            </a:extLst>
+          </p:cNvPr>
+          <p:cNvSpPr>
+            <a:spLocks noGrp="1"/>
+          </p:cNvSpPr>
+          <p:nvPr>
+            <p:ph type="title"/>
+          </p:nvPr>
+        </p:nvSpPr>
+        <p:spPr/>
+        <p:txBody>
+          <a:bodyPr/>
+          <a:lstStyle/>
+          <a:p>
+            <a:r>
+              <a:rPr lang="en-AU" dirty="0"/>
+              <a:t>Docker Networks</a:t>
+            </a:r>
+            <a:endParaRPr lang="en-US" dirty="0"/>
+          </a:p>
+        </p:txBody>
+      </p:sp>
+      <p:sp>
+        <p:nvSpPr>
+          <p:cNvPr id="6" name="Rectangle 5">
+            <a:extLst>
+              <a:ext uri="{FF2B5EF4-FFF2-40B4-BE49-F238E27FC236}">
+                <a16:creationId xmlns:a16="http://schemas.microsoft.com/office/drawing/2014/main" id="{0A1695F3-4B33-563F-5793-1E855E02F0A1}"/>
+              </a:ext>
+            </a:extLst>
+          </p:cNvPr>
+          <p:cNvSpPr/>
+          <p:nvPr/>
+        </p:nvSpPr>
+        <p:spPr>
+          <a:xfrm>
+            <a:off x="4581893" y="3784774"/>
+            <a:ext cx="927521" cy="878066"/>
+          </a:xfrm>
+          <a:prstGeom prst="rect">
+            <a:avLst/>
+          </a:prstGeom>
+        </p:spPr>
+        <p:style>
+          <a:lnRef idx="2">
+            <a:schemeClr val="accent1">
+              <a:shade val="50000"/>
+            </a:schemeClr>
+          </a:lnRef>
+          <a:fillRef idx="1">
+            <a:schemeClr val="accent1"/>
+          </a:fillRef>
+          <a:effectRef idx="0">
+            <a:schemeClr val="accent1"/>
+          </a:effectRef>
+          <a:fontRef idx="minor">
+            <a:schemeClr val="lt1"/>
+          </a:fontRef>
+        </p:style>
+        <p:txBody>
+          <a:bodyPr rtlCol="0" anchor="ctr"/>
+          <a:lstStyle/>
+          <a:p>
+            <a:pPr algn="ctr"/>
+            <a:r>
+              <a:rPr lang="en-AU" sz="1400" dirty="0"/>
+              <a:t>Docker Container</a:t>
+            </a:r>
+            <a:endParaRPr lang="en-US" sz="1400" dirty="0"/>
+          </a:p>
+        </p:txBody>
+      </p:sp>
+      <p:sp>
+        <p:nvSpPr>
+          <p:cNvPr id="9" name="Rectangle 8">
+            <a:extLst>
+              <a:ext uri="{FF2B5EF4-FFF2-40B4-BE49-F238E27FC236}">
+                <a16:creationId xmlns:a16="http://schemas.microsoft.com/office/drawing/2014/main" id="{57B3F920-777E-2E38-C93C-2E9D73E5484A}"/>
+              </a:ext>
+            </a:extLst>
+          </p:cNvPr>
+          <p:cNvSpPr/>
+          <p:nvPr/>
+        </p:nvSpPr>
+        <p:spPr>
+          <a:xfrm>
+            <a:off x="2107359" y="1489686"/>
+            <a:ext cx="7448424" cy="5075857"/>
+          </a:xfrm>
+          <a:prstGeom prst="rect">
+            <a:avLst/>
+          </a:prstGeom>
+          <a:noFill/>
+        </p:spPr>
+        <p:style>
+          <a:lnRef idx="2">
+            <a:schemeClr val="accent1">
+              <a:shade val="50000"/>
+            </a:schemeClr>
+          </a:lnRef>
+          <a:fillRef idx="1">
+            <a:schemeClr val="accent1"/>
+          </a:fillRef>
+          <a:effectRef idx="0">
+            <a:schemeClr val="accent1"/>
+          </a:effectRef>
+          <a:fontRef idx="minor">
+            <a:schemeClr val="lt1"/>
+          </a:fontRef>
+        </p:style>
+        <p:txBody>
+          <a:bodyPr rtlCol="0" anchor="t"/>
+          <a:lstStyle/>
+          <a:p>
+            <a:pPr algn="ctr"/>
+            <a:r>
+              <a:rPr lang="en-AU" dirty="0">
+                <a:solidFill>
+                  <a:schemeClr val="tx1"/>
+                </a:solidFill>
+              </a:rPr>
+              <a:t>Docker</a:t>
+            </a:r>
+            <a:endParaRPr lang="en-US" dirty="0">
+              <a:solidFill>
+                <a:schemeClr val="tx1"/>
+              </a:solidFill>
+            </a:endParaRPr>
+          </a:p>
+        </p:txBody>
+      </p:sp>
+      <p:sp>
+        <p:nvSpPr>
+          <p:cNvPr id="3" name="Rectangle 2">
+            <a:extLst>
+              <a:ext uri="{FF2B5EF4-FFF2-40B4-BE49-F238E27FC236}">
+                <a16:creationId xmlns:a16="http://schemas.microsoft.com/office/drawing/2014/main" id="{2B844312-43D4-E853-BC8B-9EC95482D317}"/>
+              </a:ext>
+            </a:extLst>
+          </p:cNvPr>
+          <p:cNvSpPr/>
+          <p:nvPr/>
+        </p:nvSpPr>
+        <p:spPr>
+          <a:xfrm>
+            <a:off x="2446470" y="3418407"/>
+            <a:ext cx="3240000" cy="2880000"/>
+          </a:xfrm>
+          <a:prstGeom prst="rect">
+            <a:avLst/>
+          </a:prstGeom>
+          <a:noFill/>
+        </p:spPr>
+        <p:style>
+          <a:lnRef idx="2">
+            <a:schemeClr val="accent1">
+              <a:shade val="50000"/>
+            </a:schemeClr>
+          </a:lnRef>
+          <a:fillRef idx="1">
+            <a:schemeClr val="accent1"/>
+          </a:fillRef>
+          <a:effectRef idx="0">
+            <a:schemeClr val="accent1"/>
+          </a:effectRef>
+          <a:fontRef idx="minor">
+            <a:schemeClr val="lt1"/>
+          </a:fontRef>
+        </p:style>
+        <p:txBody>
+          <a:bodyPr vert="vert270" rtlCol="0" anchor="t"/>
+          <a:lstStyle/>
+          <a:p>
+            <a:pPr algn="ctr"/>
+            <a:r>
+              <a:rPr lang="en-AU" dirty="0">
+                <a:solidFill>
+                  <a:schemeClr val="tx1"/>
+                </a:solidFill>
+              </a:rPr>
+              <a:t>Network 1</a:t>
+            </a:r>
+            <a:endParaRPr lang="en-US" dirty="0">
+              <a:solidFill>
+                <a:schemeClr val="tx1"/>
+              </a:solidFill>
+            </a:endParaRPr>
+          </a:p>
+        </p:txBody>
+      </p:sp>
+      <p:sp>
+        <p:nvSpPr>
+          <p:cNvPr id="4" name="Rectangle 3">
+            <a:extLst>
+              <a:ext uri="{FF2B5EF4-FFF2-40B4-BE49-F238E27FC236}">
+                <a16:creationId xmlns:a16="http://schemas.microsoft.com/office/drawing/2014/main" id="{B0443BBF-BFF7-4110-2440-DB7C156642B2}"/>
+              </a:ext>
+            </a:extLst>
+          </p:cNvPr>
+          <p:cNvSpPr/>
+          <p:nvPr/>
+        </p:nvSpPr>
+        <p:spPr>
+          <a:xfrm>
+            <a:off x="4225314" y="1971105"/>
+            <a:ext cx="3240000" cy="2880000"/>
+          </a:xfrm>
+          <a:prstGeom prst="rect">
+            <a:avLst/>
+          </a:prstGeom>
+          <a:noFill/>
+        </p:spPr>
+        <p:style>
+          <a:lnRef idx="2">
+            <a:schemeClr val="accent1">
+              <a:shade val="50000"/>
+            </a:schemeClr>
+          </a:lnRef>
+          <a:fillRef idx="1">
+            <a:schemeClr val="accent1"/>
+          </a:fillRef>
+          <a:effectRef idx="0">
+            <a:schemeClr val="accent1"/>
+          </a:effectRef>
+          <a:fontRef idx="minor">
+            <a:schemeClr val="lt1"/>
+          </a:fontRef>
+        </p:style>
+        <p:txBody>
+          <a:bodyPr rtlCol="0" anchor="t"/>
+          <a:lstStyle/>
+          <a:p>
+            <a:pPr algn="ctr"/>
+            <a:r>
+              <a:rPr lang="en-AU" dirty="0">
+                <a:solidFill>
+                  <a:schemeClr val="tx1"/>
+                </a:solidFill>
+              </a:rPr>
+              <a:t>Network 2</a:t>
+            </a:r>
+            <a:endParaRPr lang="en-US" dirty="0">
+              <a:solidFill>
+                <a:schemeClr val="tx1"/>
+              </a:solidFill>
+            </a:endParaRPr>
+          </a:p>
+        </p:txBody>
+      </p:sp>
+      <p:sp>
+        <p:nvSpPr>
+          <p:cNvPr id="5" name="Rectangle 4">
+            <a:extLst>
+              <a:ext uri="{FF2B5EF4-FFF2-40B4-BE49-F238E27FC236}">
+                <a16:creationId xmlns:a16="http://schemas.microsoft.com/office/drawing/2014/main" id="{84821578-5E4C-7524-608B-2EC5225B0127}"/>
+              </a:ext>
+            </a:extLst>
+          </p:cNvPr>
+          <p:cNvSpPr/>
+          <p:nvPr/>
+        </p:nvSpPr>
+        <p:spPr>
+          <a:xfrm>
+            <a:off x="5954322" y="3418406"/>
+            <a:ext cx="3240000" cy="2880000"/>
+          </a:xfrm>
+          <a:prstGeom prst="rect">
+            <a:avLst/>
+          </a:prstGeom>
+          <a:noFill/>
+        </p:spPr>
+        <p:style>
+          <a:lnRef idx="2">
+            <a:schemeClr val="accent1">
+              <a:shade val="50000"/>
+            </a:schemeClr>
+          </a:lnRef>
+          <a:fillRef idx="1">
+            <a:schemeClr val="accent1"/>
+          </a:fillRef>
+          <a:effectRef idx="0">
+            <a:schemeClr val="accent1"/>
+          </a:effectRef>
+          <a:fontRef idx="minor">
+            <a:schemeClr val="lt1"/>
+          </a:fontRef>
+        </p:style>
+        <p:txBody>
+          <a:bodyPr vert="vert" rtlCol="0" anchor="t"/>
+          <a:lstStyle/>
+          <a:p>
+            <a:pPr algn="ctr"/>
+            <a:r>
+              <a:rPr lang="en-AU" dirty="0">
+                <a:solidFill>
+                  <a:schemeClr val="tx1"/>
+                </a:solidFill>
+              </a:rPr>
+              <a:t>Network 3</a:t>
+            </a:r>
+            <a:endParaRPr lang="en-US" dirty="0">
+              <a:solidFill>
+                <a:schemeClr val="tx1"/>
+              </a:solidFill>
+            </a:endParaRPr>
+          </a:p>
+        </p:txBody>
+      </p:sp>
+      <p:sp>
+        <p:nvSpPr>
+          <p:cNvPr id="8" name="Rectangle 7">
+            <a:extLst>
+              <a:ext uri="{FF2B5EF4-FFF2-40B4-BE49-F238E27FC236}">
+                <a16:creationId xmlns:a16="http://schemas.microsoft.com/office/drawing/2014/main" id="{D79E268D-0728-68C6-E48B-7613BDA98B4A}"/>
+              </a:ext>
+            </a:extLst>
+          </p:cNvPr>
+          <p:cNvSpPr/>
+          <p:nvPr/>
+        </p:nvSpPr>
+        <p:spPr>
+          <a:xfrm>
+            <a:off x="6144220" y="3778718"/>
+            <a:ext cx="927521" cy="878066"/>
+          </a:xfrm>
+          <a:prstGeom prst="rect">
+            <a:avLst/>
+          </a:prstGeom>
+        </p:spPr>
+        <p:style>
+          <a:lnRef idx="2">
+            <a:schemeClr val="accent1">
+              <a:shade val="50000"/>
+            </a:schemeClr>
+          </a:lnRef>
+          <a:fillRef idx="1">
+            <a:schemeClr val="accent1"/>
+          </a:fillRef>
+          <a:effectRef idx="0">
+            <a:schemeClr val="accent1"/>
+          </a:effectRef>
+          <a:fontRef idx="minor">
+            <a:schemeClr val="lt1"/>
+          </a:fontRef>
+        </p:style>
+        <p:txBody>
+          <a:bodyPr rtlCol="0" anchor="ctr"/>
+          <a:lstStyle/>
+          <a:p>
+            <a:pPr algn="ctr"/>
+            <a:r>
+              <a:rPr lang="en-AU" sz="1400" dirty="0"/>
+              <a:t>Docker Container</a:t>
+            </a:r>
+            <a:endParaRPr lang="en-US" sz="1400" dirty="0"/>
+          </a:p>
+        </p:txBody>
+      </p:sp>
+      <p:sp>
+        <p:nvSpPr>
+          <p:cNvPr id="10" name="Rectangle 9">
+            <a:extLst>
+              <a:ext uri="{FF2B5EF4-FFF2-40B4-BE49-F238E27FC236}">
+                <a16:creationId xmlns:a16="http://schemas.microsoft.com/office/drawing/2014/main" id="{C13FB9EB-DBA1-08DE-10E6-A3CD5D9C5E0D}"/>
+              </a:ext>
+            </a:extLst>
+          </p:cNvPr>
+          <p:cNvSpPr/>
+          <p:nvPr/>
+        </p:nvSpPr>
+        <p:spPr>
+          <a:xfrm>
+            <a:off x="5381553" y="2393150"/>
+            <a:ext cx="927521" cy="878066"/>
+          </a:xfrm>
+          <a:prstGeom prst="rect">
+            <a:avLst/>
+          </a:prstGeom>
+        </p:spPr>
+        <p:style>
+          <a:lnRef idx="2">
+            <a:schemeClr val="accent1">
+              <a:shade val="50000"/>
+            </a:schemeClr>
+          </a:lnRef>
+          <a:fillRef idx="1">
+            <a:schemeClr val="accent1"/>
+          </a:fillRef>
+          <a:effectRef idx="0">
+            <a:schemeClr val="accent1"/>
+          </a:effectRef>
+          <a:fontRef idx="minor">
+            <a:schemeClr val="lt1"/>
+          </a:fontRef>
+        </p:style>
+        <p:txBody>
+          <a:bodyPr rtlCol="0" anchor="ctr"/>
+          <a:lstStyle/>
+          <a:p>
+            <a:pPr algn="ctr"/>
+            <a:r>
+              <a:rPr lang="en-AU" sz="1400" dirty="0"/>
+              <a:t>Docker Container</a:t>
+            </a:r>
+            <a:endParaRPr lang="en-US" sz="1400" dirty="0"/>
+          </a:p>
+        </p:txBody>
+      </p:sp>
+      <p:sp>
+        <p:nvSpPr>
+          <p:cNvPr id="12" name="Rectangle 11">
+            <a:extLst>
+              <a:ext uri="{FF2B5EF4-FFF2-40B4-BE49-F238E27FC236}">
+                <a16:creationId xmlns:a16="http://schemas.microsoft.com/office/drawing/2014/main" id="{3408686C-8B82-1941-9F42-F44F79C5F96D}"/>
+              </a:ext>
+            </a:extLst>
+          </p:cNvPr>
+          <p:cNvSpPr/>
+          <p:nvPr/>
+        </p:nvSpPr>
+        <p:spPr>
+          <a:xfrm>
+            <a:off x="3297793" y="5181490"/>
+            <a:ext cx="927521" cy="878066"/>
+          </a:xfrm>
+          <a:prstGeom prst="rect">
+            <a:avLst/>
+          </a:prstGeom>
+        </p:spPr>
+        <p:style>
+          <a:lnRef idx="2">
+            <a:schemeClr val="accent1">
+              <a:shade val="50000"/>
+            </a:schemeClr>
+          </a:lnRef>
+          <a:fillRef idx="1">
+            <a:schemeClr val="accent1"/>
+          </a:fillRef>
+          <a:effectRef idx="0">
+            <a:schemeClr val="accent1"/>
+          </a:effectRef>
+          <a:fontRef idx="minor">
+            <a:schemeClr val="lt1"/>
+          </a:fontRef>
+        </p:style>
+        <p:txBody>
+          <a:bodyPr rtlCol="0" anchor="ctr"/>
+          <a:lstStyle/>
+          <a:p>
+            <a:pPr algn="ctr"/>
+            <a:r>
+              <a:rPr lang="en-AU" sz="1400" dirty="0"/>
+              <a:t>Docker Container</a:t>
+            </a:r>
+            <a:endParaRPr lang="en-US" sz="1400" dirty="0"/>
+          </a:p>
+        </p:txBody>
+      </p:sp>
+      <p:sp>
+        <p:nvSpPr>
+          <p:cNvPr id="13" name="Rectangle 12">
+            <a:extLst>
+              <a:ext uri="{FF2B5EF4-FFF2-40B4-BE49-F238E27FC236}">
+                <a16:creationId xmlns:a16="http://schemas.microsoft.com/office/drawing/2014/main" id="{8362108F-FF69-4A60-5E0E-6B38A3E444D1}"/>
+              </a:ext>
+            </a:extLst>
+          </p:cNvPr>
+          <p:cNvSpPr/>
+          <p:nvPr/>
+        </p:nvSpPr>
+        <p:spPr>
+          <a:xfrm>
+            <a:off x="7465314" y="5181490"/>
+            <a:ext cx="927521" cy="878066"/>
+          </a:xfrm>
+          <a:prstGeom prst="rect">
+            <a:avLst/>
+          </a:prstGeom>
+        </p:spPr>
+        <p:style>
+          <a:lnRef idx="2">
+            <a:schemeClr val="accent1">
+              <a:shade val="50000"/>
+            </a:schemeClr>
+          </a:lnRef>
+          <a:fillRef idx="1">
+            <a:schemeClr val="accent1"/>
+          </a:fillRef>
+          <a:effectRef idx="0">
+            <a:schemeClr val="accent1"/>
+          </a:effectRef>
+          <a:fontRef idx="minor">
+            <a:schemeClr val="lt1"/>
+          </a:fontRef>
+        </p:style>
+        <p:txBody>
+          <a:bodyPr rtlCol="0" anchor="ctr"/>
+          <a:lstStyle/>
+          <a:p>
+            <a:pPr algn="ctr"/>
+            <a:r>
+              <a:rPr lang="en-AU" sz="1400" dirty="0"/>
+              <a:t>Docker Container</a:t>
+            </a:r>
+            <a:endParaRPr lang="en-US" sz="1400" dirty="0"/>
+          </a:p>
+        </p:txBody>
+      </p:sp>
+      <p:cxnSp>
+        <p:nvCxnSpPr>
+          <p:cNvPr id="34" name="Connector: Elbow 33">
+            <a:extLst>
+              <a:ext uri="{FF2B5EF4-FFF2-40B4-BE49-F238E27FC236}">
+                <a16:creationId xmlns:a16="http://schemas.microsoft.com/office/drawing/2014/main" id="{FC8D27AC-5C5F-21E5-377F-11906E1E5C0D}"/>
+              </a:ext>
+            </a:extLst>
+          </p:cNvPr>
+          <p:cNvCxnSpPr>
+            <a:cxnSpLocks/>
+            <a:stCxn id="13" idx="1"/>
+            <a:endCxn id="8" idx="2"/>
+          </p:cNvCxnSpPr>
+          <p:nvPr/>
+        </p:nvCxnSpPr>
+        <p:spPr>
+          <a:xfrm rot="10800000">
+            <a:off x="6607982" y="4656785"/>
+            <a:ext cx="857333" cy="963739"/>
+          </a:xfrm>
+          <a:prstGeom prst="bentConnector2">
+            <a:avLst/>
+          </a:prstGeom>
+          <a:ln>
+            <a:headEnd type="triangle"/>
+            <a:tailEnd type="triangle"/>
+          </a:ln>
+        </p:spPr>
+        <p:style>
+          <a:lnRef idx="1">
+            <a:schemeClr val="accent1"/>
+          </a:lnRef>
+          <a:fillRef idx="0">
+            <a:schemeClr val="accent1"/>
+          </a:fillRef>
+          <a:effectRef idx="0">
+            <a:schemeClr val="accent1"/>
+          </a:effectRef>
+          <a:fontRef idx="minor">
+            <a:schemeClr val="tx1"/>
+          </a:fontRef>
+        </p:style>
+      </p:cxnSp>
+      <p:cxnSp>
+        <p:nvCxnSpPr>
+          <p:cNvPr id="39" name="Connector: Elbow 38">
+            <a:extLst>
+              <a:ext uri="{FF2B5EF4-FFF2-40B4-BE49-F238E27FC236}">
+                <a16:creationId xmlns:a16="http://schemas.microsoft.com/office/drawing/2014/main" id="{ACA6DEEE-8829-D90E-9ED3-0B055EBFFA30}"/>
+              </a:ext>
+            </a:extLst>
+          </p:cNvPr>
+          <p:cNvCxnSpPr>
+            <a:cxnSpLocks/>
+            <a:stCxn id="12" idx="3"/>
+            <a:endCxn id="6" idx="2"/>
+          </p:cNvCxnSpPr>
+          <p:nvPr/>
+        </p:nvCxnSpPr>
+        <p:spPr>
+          <a:xfrm flipV="1">
+            <a:off x="4225314" y="4662840"/>
+            <a:ext cx="820340" cy="957683"/>
+          </a:xfrm>
+          <a:prstGeom prst="bentConnector2">
+            <a:avLst/>
+          </a:prstGeom>
+          <a:ln>
+            <a:headEnd type="triangle"/>
+            <a:tailEnd type="triangle"/>
+          </a:ln>
+        </p:spPr>
+        <p:style>
+          <a:lnRef idx="1">
+            <a:schemeClr val="accent1"/>
+          </a:lnRef>
+          <a:fillRef idx="0">
+            <a:schemeClr val="accent1"/>
+          </a:fillRef>
+          <a:effectRef idx="0">
+            <a:schemeClr val="accent1"/>
+          </a:effectRef>
+          <a:fontRef idx="minor">
+            <a:schemeClr val="tx1"/>
+          </a:fontRef>
+        </p:style>
+      </p:cxnSp>
+      <p:cxnSp>
+        <p:nvCxnSpPr>
+          <p:cNvPr id="45" name="Connector: Elbow 44">
+            <a:extLst>
+              <a:ext uri="{FF2B5EF4-FFF2-40B4-BE49-F238E27FC236}">
+                <a16:creationId xmlns:a16="http://schemas.microsoft.com/office/drawing/2014/main" id="{E9F51014-7462-6B6F-BFFB-714E8183552A}"/>
+              </a:ext>
+            </a:extLst>
+          </p:cNvPr>
+          <p:cNvCxnSpPr>
+            <a:cxnSpLocks/>
+            <a:stCxn id="8" idx="0"/>
+            <a:endCxn id="10" idx="3"/>
+          </p:cNvCxnSpPr>
+          <p:nvPr/>
+        </p:nvCxnSpPr>
+        <p:spPr>
+          <a:xfrm rot="16200000" flipV="1">
+            <a:off x="5985261" y="3155997"/>
+            <a:ext cx="946535" cy="298907"/>
+          </a:xfrm>
+          <a:prstGeom prst="bentConnector2">
+            <a:avLst/>
+          </a:prstGeom>
+          <a:ln>
+            <a:headEnd type="triangle"/>
+            <a:tailEnd type="triangle"/>
+          </a:ln>
+        </p:spPr>
+        <p:style>
+          <a:lnRef idx="1">
+            <a:schemeClr val="accent1"/>
+          </a:lnRef>
+          <a:fillRef idx="0">
+            <a:schemeClr val="accent1"/>
+          </a:fillRef>
+          <a:effectRef idx="0">
+            <a:schemeClr val="accent1"/>
+          </a:effectRef>
+          <a:fontRef idx="minor">
+            <a:schemeClr val="tx1"/>
+          </a:fontRef>
+        </p:style>
+      </p:cxnSp>
+      <p:cxnSp>
+        <p:nvCxnSpPr>
+          <p:cNvPr id="49" name="Connector: Elbow 48">
+            <a:extLst>
+              <a:ext uri="{FF2B5EF4-FFF2-40B4-BE49-F238E27FC236}">
+                <a16:creationId xmlns:a16="http://schemas.microsoft.com/office/drawing/2014/main" id="{806F7B8B-E996-12F4-857B-25A2212AEB6A}"/>
+              </a:ext>
+            </a:extLst>
+          </p:cNvPr>
+          <p:cNvCxnSpPr>
+            <a:cxnSpLocks/>
+            <a:stCxn id="6" idx="0"/>
+            <a:endCxn id="10" idx="1"/>
+          </p:cNvCxnSpPr>
+          <p:nvPr/>
+        </p:nvCxnSpPr>
+        <p:spPr>
+          <a:xfrm rot="5400000" flipH="1" flipV="1">
+            <a:off x="4737308" y="3140530"/>
+            <a:ext cx="952591" cy="335899"/>
+          </a:xfrm>
+          <a:prstGeom prst="bentConnector2">
+            <a:avLst/>
+          </a:prstGeom>
+          <a:ln>
+            <a:headEnd type="triangle"/>
+            <a:tailEnd type="triangle"/>
+          </a:ln>
+        </p:spPr>
+        <p:style>
+          <a:lnRef idx="1">
+            <a:schemeClr val="accent1"/>
+          </a:lnRef>
+          <a:fillRef idx="0">
+            <a:schemeClr val="accent1"/>
+          </a:fillRef>
+          <a:effectRef idx="0">
+            <a:schemeClr val="accent1"/>
+          </a:effectRef>
+          <a:fontRef idx="minor">
+            <a:schemeClr val="tx1"/>
+          </a:fontRef>
+        </p:style>
+      </p:cxnSp>
+      <p:cxnSp>
+        <p:nvCxnSpPr>
+          <p:cNvPr id="67" name="Straight Arrow Connector 66">
+            <a:extLst>
+              <a:ext uri="{FF2B5EF4-FFF2-40B4-BE49-F238E27FC236}">
+                <a16:creationId xmlns:a16="http://schemas.microsoft.com/office/drawing/2014/main" id="{F594CC67-C2FA-A8FE-2D73-BB89FAA91A25}"/>
+              </a:ext>
+            </a:extLst>
+          </p:cNvPr>
+          <p:cNvCxnSpPr>
+            <a:stCxn id="6" idx="3"/>
+            <a:endCxn id="8" idx="1"/>
+          </p:cNvCxnSpPr>
+          <p:nvPr/>
+        </p:nvCxnSpPr>
+        <p:spPr>
+          <a:xfrm flipV="1">
+            <a:off x="5509414" y="4217751"/>
+            <a:ext cx="634806" cy="6056"/>
+          </a:xfrm>
+          <a:prstGeom prst="straightConnector1">
+            <a:avLst/>
+          </a:prstGeom>
+          <a:ln>
+            <a:headEnd type="triangle"/>
+            <a:tailEnd type="triangle"/>
+          </a:ln>
+        </p:spPr>
+        <p:style>
+          <a:lnRef idx="1">
+            <a:schemeClr val="accent1"/>
+          </a:lnRef>
+          <a:fillRef idx="0">
+            <a:schemeClr val="accent1"/>
+          </a:fillRef>
+          <a:effectRef idx="0">
+            <a:schemeClr val="accent1"/>
+          </a:effectRef>
+          <a:fontRef idx="minor">
+            <a:schemeClr val="tx1"/>
+          </a:fontRef>
+        </p:style>
+      </p:cxnSp>
+    </p:spTree>
+    <p:extLst>
+      <p:ext uri="{BB962C8B-B14F-4D97-AF65-F5344CB8AC3E}">
+        <p14:creationId xmlns:p14="http://schemas.microsoft.com/office/powerpoint/2010/main" val="496672789"/>
+      </p:ext>
+    </p:extLst>
+  </p:cSld>
+  <p:clrMapOvr>
+    <a:masterClrMapping/>
+  </p:clrMapOvr>
+</p:sld>
+</file>
+
+<file path=ppt/slides/slide54.xml><?xml version="1.0" encoding="utf-8"?>
+<p:sld xmlns:a="http://schemas.openxmlformats.org/drawingml/2006/main" xmlns:r="http://schemas.openxmlformats.org/officeDocument/2006/relationships" xmlns:p="http://schemas.openxmlformats.org/presentationml/2006/main">
+  <p:cSld>
+    <p:spTree>
+      <p:nvGrpSpPr>
+        <p:cNvPr id="1" name=""/>
+        <p:cNvGrpSpPr/>
+        <p:nvPr/>
+      </p:nvGrpSpPr>
+      <p:grpSpPr>
+        <a:xfrm>
+          <a:off x="0" y="0"/>
+          <a:ext cx="0" cy="0"/>
+          <a:chOff x="0" y="0"/>
+          <a:chExt cx="0" cy="0"/>
+        </a:xfrm>
+      </p:grpSpPr>
+      <p:sp>
+        <p:nvSpPr>
+          <p:cNvPr id="2" name="Title 1">
+            <a:extLst>
+              <a:ext uri="{FF2B5EF4-FFF2-40B4-BE49-F238E27FC236}">
                 <a16:creationId xmlns:a16="http://schemas.microsoft.com/office/drawing/2014/main" id="{B83E4CEA-A038-4B14-B7DD-279C6A38ABAE}"/>
               </a:ext>
             </a:extLst>
@@ -16614,7 +18251,7 @@
 </p:sld>
 </file>
 
-<file path=ppt/slides/slide53.xml><?xml version="1.0" encoding="utf-8"?>
+<file path=ppt/slides/slide55.xml><?xml version="1.0" encoding="utf-8"?>
 <p:sld xmlns:a="http://schemas.openxmlformats.org/drawingml/2006/main" xmlns:r="http://schemas.openxmlformats.org/officeDocument/2006/relationships" xmlns:p="http://schemas.openxmlformats.org/presentationml/2006/main">
   <p:cSld>
     <p:spTree>
@@ -17183,7 +18820,7 @@
 </p:sld>
 </file>
 
-<file path=ppt/slides/slide54.xml><?xml version="1.0" encoding="utf-8"?>
+<file path=ppt/slides/slide56.xml><?xml version="1.0" encoding="utf-8"?>
 <p:sld xmlns:a="http://schemas.openxmlformats.org/drawingml/2006/main" xmlns:r="http://schemas.openxmlformats.org/officeDocument/2006/relationships" xmlns:p="http://schemas.openxmlformats.org/presentationml/2006/main">
   <p:cSld>
     <p:spTree>
@@ -17248,7 +18885,7 @@
 </p:sld>
 </file>
 
-<file path=ppt/slides/slide55.xml><?xml version="1.0" encoding="utf-8"?>
+<file path=ppt/slides/slide57.xml><?xml version="1.0" encoding="utf-8"?>
 <p:sld xmlns:a="http://schemas.openxmlformats.org/drawingml/2006/main" xmlns:r="http://schemas.openxmlformats.org/officeDocument/2006/relationships" xmlns:p="http://schemas.openxmlformats.org/presentationml/2006/main">
   <p:cSld>
     <p:spTree>
@@ -17356,7 +18993,7 @@
 </p:sld>
 </file>
 
-<file path=ppt/slides/slide56.xml><?xml version="1.0" encoding="utf-8"?>
+<file path=ppt/slides/slide58.xml><?xml version="1.0" encoding="utf-8"?>
 <p:sld xmlns:a="http://schemas.openxmlformats.org/drawingml/2006/main" xmlns:r="http://schemas.openxmlformats.org/officeDocument/2006/relationships" xmlns:p="http://schemas.openxmlformats.org/presentationml/2006/main">
   <p:cSld>
     <p:spTree>

--- a/Docker Masterclass.pptx
+++ b/Docker Masterclass.pptx
@@ -4847,35 +4847,6 @@
       </p:grpSpPr>
       <p:sp>
         <p:nvSpPr>
-          <p:cNvPr id="2" name="Title 1">
-            <a:extLst>
-              <a:ext uri="{FF2B5EF4-FFF2-40B4-BE49-F238E27FC236}">
-                <a16:creationId xmlns:a16="http://schemas.microsoft.com/office/drawing/2014/main" id="{D56C07D0-3AC8-4A0C-8B5D-2E67A71F8EAF}"/>
-              </a:ext>
-            </a:extLst>
-          </p:cNvPr>
-          <p:cNvSpPr>
-            <a:spLocks noGrp="1"/>
-          </p:cNvSpPr>
-          <p:nvPr>
-            <p:ph type="ctrTitle"/>
-          </p:nvPr>
-        </p:nvSpPr>
-        <p:spPr/>
-        <p:txBody>
-          <a:bodyPr/>
-          <a:lstStyle/>
-          <a:p>
-            <a:r>
-              <a:rPr lang="en-AU" dirty="0"/>
-              <a:t>Docker</a:t>
-            </a:r>
-            <a:endParaRPr lang="en-US" dirty="0"/>
-          </a:p>
-        </p:txBody>
-      </p:sp>
-      <p:sp>
-        <p:nvSpPr>
           <p:cNvPr id="3" name="Subtitle 2">
             <a:extLst>
               <a:ext uri="{FF2B5EF4-FFF2-40B4-BE49-F238E27FC236}">
@@ -4903,6 +4874,53 @@
           </a:p>
         </p:txBody>
       </p:sp>
+      <p:pic>
+        <p:nvPicPr>
+          <p:cNvPr id="1026" name="Picture 2" descr="Docker Logo, history, meaning, symbol, PNG">
+            <a:extLst>
+              <a:ext uri="{FF2B5EF4-FFF2-40B4-BE49-F238E27FC236}">
+                <a16:creationId xmlns:a16="http://schemas.microsoft.com/office/drawing/2014/main" id="{8F4CD671-FCD7-7A39-F780-BA6E5168A54A}"/>
+              </a:ext>
+            </a:extLst>
+          </p:cNvPr>
+          <p:cNvPicPr>
+            <a:picLocks noChangeAspect="1" noChangeArrowheads="1"/>
+          </p:cNvPicPr>
+          <p:nvPr/>
+        </p:nvPicPr>
+        <p:blipFill>
+          <a:blip r:embed="rId2">
+            <a:extLst>
+              <a:ext uri="{28A0092B-C50C-407E-A947-70E740481C1C}">
+                <a14:useLocalDpi xmlns:a14="http://schemas.microsoft.com/office/drawing/2010/main" val="0"/>
+              </a:ext>
+            </a:extLst>
+          </a:blip>
+          <a:srcRect/>
+          <a:stretch>
+            <a:fillRect/>
+          </a:stretch>
+        </p:blipFill>
+        <p:spPr bwMode="auto">
+          <a:xfrm>
+            <a:off x="2054877" y="1155868"/>
+            <a:ext cx="8082247" cy="4546264"/>
+          </a:xfrm>
+          <a:prstGeom prst="rect">
+            <a:avLst/>
+          </a:prstGeom>
+          <a:noFill/>
+          <a:extLst>
+            <a:ext uri="{909E8E84-426E-40DD-AFC4-6F175D3DCCD1}">
+              <a14:hiddenFill xmlns:a14="http://schemas.microsoft.com/office/drawing/2010/main">
+                <a:solidFill>
+                  <a:srgbClr val="FFFFFF"/>
+                </a:solidFill>
+              </a14:hiddenFill>
+            </a:ext>
+          </a:extLst>
+        </p:spPr>
+      </p:pic>
     </p:spTree>
     <p:extLst>
       <p:ext uri="{BB962C8B-B14F-4D97-AF65-F5344CB8AC3E}">
@@ -4964,10 +4982,107 @@
               <a:rPr lang="en-AU" sz="6600" dirty="0"/>
               <a:t>Setting up Docker</a:t>
             </a:r>
+            <a:br>
+              <a:rPr lang="en-AU" sz="6600" dirty="0"/>
+            </a:br>
             <a:endParaRPr lang="en-US" dirty="0"/>
           </a:p>
         </p:txBody>
       </p:sp>
+      <p:pic>
+        <p:nvPicPr>
+          <p:cNvPr id="4" name="Picture 3" descr="Docker Logo, history, meaning, symbol, PNG">
+            <a:extLst>
+              <a:ext uri="{FF2B5EF4-FFF2-40B4-BE49-F238E27FC236}">
+                <a16:creationId xmlns:a16="http://schemas.microsoft.com/office/drawing/2014/main" id="{CD56BE9D-D5B0-3223-913F-0D24A5955C89}"/>
+              </a:ext>
+            </a:extLst>
+          </p:cNvPr>
+          <p:cNvPicPr>
+            <a:picLocks noChangeAspect="1" noChangeArrowheads="1"/>
+          </p:cNvPicPr>
+          <p:nvPr/>
+        </p:nvPicPr>
+        <p:blipFill>
+          <a:blip r:embed="rId2">
+            <a:extLst>
+              <a:ext uri="{28A0092B-C50C-407E-A947-70E740481C1C}">
+                <a14:useLocalDpi xmlns:a14="http://schemas.microsoft.com/office/drawing/2010/main" val="0"/>
+              </a:ext>
+            </a:extLst>
+          </a:blip>
+          <a:srcRect/>
+          <a:stretch>
+            <a:fillRect/>
+          </a:stretch>
+        </p:blipFill>
+        <p:spPr bwMode="auto">
+          <a:xfrm>
+            <a:off x="9950744" y="230188"/>
+            <a:ext cx="2235200" cy="1257300"/>
+          </a:xfrm>
+          <a:prstGeom prst="rect">
+            <a:avLst/>
+          </a:prstGeom>
+          <a:noFill/>
+          <a:extLst>
+            <a:ext uri="{909E8E84-426E-40DD-AFC4-6F175D3DCCD1}">
+              <a14:hiddenFill xmlns:a14="http://schemas.microsoft.com/office/drawing/2010/main">
+                <a:solidFill>
+                  <a:srgbClr val="FFFFFF"/>
+                </a:solidFill>
+              </a14:hiddenFill>
+            </a:ext>
+          </a:extLst>
+        </p:spPr>
+      </p:pic>
+      <p:pic>
+        <p:nvPicPr>
+          <p:cNvPr id="6" name="Picture 14" descr="Post Image">
+            <a:extLst>
+              <a:ext uri="{FF2B5EF4-FFF2-40B4-BE49-F238E27FC236}">
+                <a16:creationId xmlns:a16="http://schemas.microsoft.com/office/drawing/2014/main" id="{14EFCF9A-2BED-29F7-7C64-CE3DEA97A426}"/>
+              </a:ext>
+            </a:extLst>
+          </p:cNvPr>
+          <p:cNvPicPr>
+            <a:picLocks noChangeAspect="1" noChangeArrowheads="1"/>
+          </p:cNvPicPr>
+          <p:nvPr/>
+        </p:nvPicPr>
+        <p:blipFill>
+          <a:blip r:embed="rId3">
+            <a:extLst>
+              <a:ext uri="{28A0092B-C50C-407E-A947-70E740481C1C}">
+                <a14:useLocalDpi xmlns:a14="http://schemas.microsoft.com/office/drawing/2010/main" val="0"/>
+              </a:ext>
+            </a:extLst>
+          </a:blip>
+          <a:srcRect/>
+          <a:stretch>
+            <a:fillRect/>
+          </a:stretch>
+        </p:blipFill>
+        <p:spPr bwMode="auto">
+          <a:xfrm>
+            <a:off x="0" y="3840843"/>
+            <a:ext cx="12192000" cy="4140200"/>
+          </a:xfrm>
+          <a:prstGeom prst="rect">
+            <a:avLst/>
+          </a:prstGeom>
+          <a:noFill/>
+          <a:extLst>
+            <a:ext uri="{909E8E84-426E-40DD-AFC4-6F175D3DCCD1}">
+              <a14:hiddenFill xmlns:a14="http://schemas.microsoft.com/office/drawing/2010/main">
+                <a:solidFill>
+                  <a:srgbClr val="FFFFFF"/>
+                </a:solidFill>
+              </a14:hiddenFill>
+            </a:ext>
+          </a:extLst>
+        </p:spPr>
+      </p:pic>
     </p:spTree>
     <p:extLst>
       <p:ext uri="{BB962C8B-B14F-4D97-AF65-F5344CB8AC3E}">
@@ -5136,6 +5251,53 @@
           </a:p>
         </p:txBody>
       </p:sp>
+      <p:pic>
+        <p:nvPicPr>
+          <p:cNvPr id="5" name="Picture 4" descr="Docker Logo, history, meaning, symbol, PNG">
+            <a:extLst>
+              <a:ext uri="{FF2B5EF4-FFF2-40B4-BE49-F238E27FC236}">
+                <a16:creationId xmlns:a16="http://schemas.microsoft.com/office/drawing/2014/main" id="{F6810DCB-CA9E-7BCE-DE7B-9FB99CABC966}"/>
+              </a:ext>
+            </a:extLst>
+          </p:cNvPr>
+          <p:cNvPicPr>
+            <a:picLocks noChangeAspect="1" noChangeArrowheads="1"/>
+          </p:cNvPicPr>
+          <p:nvPr/>
+        </p:nvPicPr>
+        <p:blipFill>
+          <a:blip r:embed="rId3">
+            <a:extLst>
+              <a:ext uri="{28A0092B-C50C-407E-A947-70E740481C1C}">
+                <a14:useLocalDpi xmlns:a14="http://schemas.microsoft.com/office/drawing/2010/main" val="0"/>
+              </a:ext>
+            </a:extLst>
+          </a:blip>
+          <a:srcRect/>
+          <a:stretch>
+            <a:fillRect/>
+          </a:stretch>
+        </p:blipFill>
+        <p:spPr bwMode="auto">
+          <a:xfrm>
+            <a:off x="9950744" y="230188"/>
+            <a:ext cx="2235200" cy="1257300"/>
+          </a:xfrm>
+          <a:prstGeom prst="rect">
+            <a:avLst/>
+          </a:prstGeom>
+          <a:noFill/>
+          <a:extLst>
+            <a:ext uri="{909E8E84-426E-40DD-AFC4-6F175D3DCCD1}">
+              <a14:hiddenFill xmlns:a14="http://schemas.microsoft.com/office/drawing/2010/main">
+                <a:solidFill>
+                  <a:srgbClr val="FFFFFF"/>
+                </a:solidFill>
+              </a14:hiddenFill>
+            </a:ext>
+          </a:extLst>
+        </p:spPr>
+      </p:pic>
     </p:spTree>
     <p:extLst>
       <p:ext uri="{BB962C8B-B14F-4D97-AF65-F5344CB8AC3E}">
@@ -5189,9 +5351,16 @@
           <a:p>
             <a:r>
               <a:rPr lang="en-AU" dirty="0"/>
-              <a:t>Docker Desktop (Windows/Mac/Linux)</a:t>
-            </a:r>
-            <a:endParaRPr lang="en-US" dirty="0"/>
+              <a:t>Docker Desktop </a:t>
+            </a:r>
+            <a:br>
+              <a:rPr lang="en-AU" dirty="0"/>
+            </a:br>
+            <a:r>
+              <a:rPr lang="en-AU" sz="2000" dirty="0"/>
+              <a:t>(for Windows/Mac/Linux)</a:t>
+            </a:r>
+            <a:endParaRPr lang="en-US" sz="2000" dirty="0"/>
           </a:p>
         </p:txBody>
       </p:sp>
@@ -5286,6 +5455,100 @@
           </a:p>
         </p:txBody>
       </p:sp>
+      <p:pic>
+        <p:nvPicPr>
+          <p:cNvPr id="5" name="Picture 4" descr="Docker Logo, history, meaning, symbol, PNG">
+            <a:extLst>
+              <a:ext uri="{FF2B5EF4-FFF2-40B4-BE49-F238E27FC236}">
+                <a16:creationId xmlns:a16="http://schemas.microsoft.com/office/drawing/2014/main" id="{2DDE3F01-8433-B218-F281-40803671A08A}"/>
+              </a:ext>
+            </a:extLst>
+          </p:cNvPr>
+          <p:cNvPicPr>
+            <a:picLocks noChangeAspect="1" noChangeArrowheads="1"/>
+          </p:cNvPicPr>
+          <p:nvPr/>
+        </p:nvPicPr>
+        <p:blipFill>
+          <a:blip r:embed="rId3">
+            <a:extLst>
+              <a:ext uri="{28A0092B-C50C-407E-A947-70E740481C1C}">
+                <a14:useLocalDpi xmlns:a14="http://schemas.microsoft.com/office/drawing/2010/main" val="0"/>
+              </a:ext>
+            </a:extLst>
+          </a:blip>
+          <a:srcRect/>
+          <a:stretch>
+            <a:fillRect/>
+          </a:stretch>
+        </p:blipFill>
+        <p:spPr bwMode="auto">
+          <a:xfrm>
+            <a:off x="9950744" y="230188"/>
+            <a:ext cx="2235200" cy="1257300"/>
+          </a:xfrm>
+          <a:prstGeom prst="rect">
+            <a:avLst/>
+          </a:prstGeom>
+          <a:noFill/>
+          <a:extLst>
+            <a:ext uri="{909E8E84-426E-40DD-AFC4-6F175D3DCCD1}">
+              <a14:hiddenFill xmlns:a14="http://schemas.microsoft.com/office/drawing/2010/main">
+                <a:solidFill>
+                  <a:srgbClr val="FFFFFF"/>
+                </a:solidFill>
+              </a14:hiddenFill>
+            </a:ext>
+          </a:extLst>
+        </p:spPr>
+      </p:pic>
+      <p:pic>
+        <p:nvPicPr>
+          <p:cNvPr id="2050" name="Picture 2">
+            <a:extLst>
+              <a:ext uri="{FF2B5EF4-FFF2-40B4-BE49-F238E27FC236}">
+                <a16:creationId xmlns:a16="http://schemas.microsoft.com/office/drawing/2014/main" id="{57E1D35A-CCE0-C265-7807-AF02DDEB625F}"/>
+              </a:ext>
+            </a:extLst>
+          </p:cNvPr>
+          <p:cNvPicPr>
+            <a:picLocks noChangeAspect="1" noChangeArrowheads="1"/>
+          </p:cNvPicPr>
+          <p:nvPr/>
+        </p:nvPicPr>
+        <p:blipFill>
+          <a:blip r:embed="rId4">
+            <a:extLst>
+              <a:ext uri="{28A0092B-C50C-407E-A947-70E740481C1C}">
+                <a14:useLocalDpi xmlns:a14="http://schemas.microsoft.com/office/drawing/2010/main" val="0"/>
+              </a:ext>
+            </a:extLst>
+          </a:blip>
+          <a:srcRect/>
+          <a:stretch>
+            <a:fillRect/>
+          </a:stretch>
+        </p:blipFill>
+        <p:spPr bwMode="auto">
+          <a:xfrm>
+            <a:off x="6254998" y="1527785"/>
+            <a:ext cx="5382516" cy="4171595"/>
+          </a:xfrm>
+          <a:prstGeom prst="rect">
+            <a:avLst/>
+          </a:prstGeom>
+          <a:noFill/>
+          <a:extLst>
+            <a:ext uri="{909E8E84-426E-40DD-AFC4-6F175D3DCCD1}">
+              <a14:hiddenFill xmlns:a14="http://schemas.microsoft.com/office/drawing/2010/main">
+                <a:solidFill>
+                  <a:srgbClr val="FFFFFF"/>
+                </a:solidFill>
+              </a14:hiddenFill>
+            </a:ext>
+          </a:extLst>
+        </p:spPr>
+      </p:pic>
     </p:spTree>
     <p:extLst>
       <p:ext uri="{BB962C8B-B14F-4D97-AF65-F5344CB8AC3E}">
@@ -5347,10 +5610,107 @@
               <a:rPr lang="en-AU" sz="6600" dirty="0"/>
               <a:t>Docker Images</a:t>
             </a:r>
+            <a:br>
+              <a:rPr lang="en-AU" sz="6600" dirty="0"/>
+            </a:br>
             <a:endParaRPr lang="en-US" dirty="0"/>
           </a:p>
         </p:txBody>
       </p:sp>
+      <p:pic>
+        <p:nvPicPr>
+          <p:cNvPr id="4" name="Picture 3" descr="Docker Logo, history, meaning, symbol, PNG">
+            <a:extLst>
+              <a:ext uri="{FF2B5EF4-FFF2-40B4-BE49-F238E27FC236}">
+                <a16:creationId xmlns:a16="http://schemas.microsoft.com/office/drawing/2014/main" id="{5BEEE5CB-1EC1-8991-BDED-ACD7A799DB75}"/>
+              </a:ext>
+            </a:extLst>
+          </p:cNvPr>
+          <p:cNvPicPr>
+            <a:picLocks noChangeAspect="1" noChangeArrowheads="1"/>
+          </p:cNvPicPr>
+          <p:nvPr/>
+        </p:nvPicPr>
+        <p:blipFill>
+          <a:blip r:embed="rId2">
+            <a:extLst>
+              <a:ext uri="{28A0092B-C50C-407E-A947-70E740481C1C}">
+                <a14:useLocalDpi xmlns:a14="http://schemas.microsoft.com/office/drawing/2010/main" val="0"/>
+              </a:ext>
+            </a:extLst>
+          </a:blip>
+          <a:srcRect/>
+          <a:stretch>
+            <a:fillRect/>
+          </a:stretch>
+        </p:blipFill>
+        <p:spPr bwMode="auto">
+          <a:xfrm>
+            <a:off x="9950744" y="230188"/>
+            <a:ext cx="2235200" cy="1257300"/>
+          </a:xfrm>
+          <a:prstGeom prst="rect">
+            <a:avLst/>
+          </a:prstGeom>
+          <a:noFill/>
+          <a:extLst>
+            <a:ext uri="{909E8E84-426E-40DD-AFC4-6F175D3DCCD1}">
+              <a14:hiddenFill xmlns:a14="http://schemas.microsoft.com/office/drawing/2010/main">
+                <a:solidFill>
+                  <a:srgbClr val="FFFFFF"/>
+                </a:solidFill>
+              </a14:hiddenFill>
+            </a:ext>
+          </a:extLst>
+        </p:spPr>
+      </p:pic>
+      <p:pic>
+        <p:nvPicPr>
+          <p:cNvPr id="6" name="Picture 14" descr="Post Image">
+            <a:extLst>
+              <a:ext uri="{FF2B5EF4-FFF2-40B4-BE49-F238E27FC236}">
+                <a16:creationId xmlns:a16="http://schemas.microsoft.com/office/drawing/2014/main" id="{8AE0E45C-9941-338C-BD2F-FCF24CA1E98C}"/>
+              </a:ext>
+            </a:extLst>
+          </p:cNvPr>
+          <p:cNvPicPr>
+            <a:picLocks noChangeAspect="1" noChangeArrowheads="1"/>
+          </p:cNvPicPr>
+          <p:nvPr/>
+        </p:nvPicPr>
+        <p:blipFill>
+          <a:blip r:embed="rId3">
+            <a:extLst>
+              <a:ext uri="{28A0092B-C50C-407E-A947-70E740481C1C}">
+                <a14:useLocalDpi xmlns:a14="http://schemas.microsoft.com/office/drawing/2010/main" val="0"/>
+              </a:ext>
+            </a:extLst>
+          </a:blip>
+          <a:srcRect/>
+          <a:stretch>
+            <a:fillRect/>
+          </a:stretch>
+        </p:blipFill>
+        <p:spPr bwMode="auto">
+          <a:xfrm>
+            <a:off x="0" y="3840843"/>
+            <a:ext cx="12192000" cy="4140200"/>
+          </a:xfrm>
+          <a:prstGeom prst="rect">
+            <a:avLst/>
+          </a:prstGeom>
+          <a:noFill/>
+          <a:extLst>
+            <a:ext uri="{909E8E84-426E-40DD-AFC4-6F175D3DCCD1}">
+              <a14:hiddenFill xmlns:a14="http://schemas.microsoft.com/office/drawing/2010/main">
+                <a:solidFill>
+                  <a:srgbClr val="FFFFFF"/>
+                </a:solidFill>
+              </a14:hiddenFill>
+            </a:ext>
+          </a:extLst>
+        </p:spPr>
+      </p:pic>
     </p:spTree>
     <p:extLst>
       <p:ext uri="{BB962C8B-B14F-4D97-AF65-F5344CB8AC3E}">
@@ -5591,6 +5951,53 @@
           </a:p>
         </p:txBody>
       </p:sp>
+      <p:pic>
+        <p:nvPicPr>
+          <p:cNvPr id="5" name="Picture 4" descr="Docker Logo, history, meaning, symbol, PNG">
+            <a:extLst>
+              <a:ext uri="{FF2B5EF4-FFF2-40B4-BE49-F238E27FC236}">
+                <a16:creationId xmlns:a16="http://schemas.microsoft.com/office/drawing/2014/main" id="{863D62C4-FAE1-074E-1065-ACBA78087B02}"/>
+              </a:ext>
+            </a:extLst>
+          </p:cNvPr>
+          <p:cNvPicPr>
+            <a:picLocks noChangeAspect="1" noChangeArrowheads="1"/>
+          </p:cNvPicPr>
+          <p:nvPr/>
+        </p:nvPicPr>
+        <p:blipFill>
+          <a:blip r:embed="rId2">
+            <a:extLst>
+              <a:ext uri="{28A0092B-C50C-407E-A947-70E740481C1C}">
+                <a14:useLocalDpi xmlns:a14="http://schemas.microsoft.com/office/drawing/2010/main" val="0"/>
+              </a:ext>
+            </a:extLst>
+          </a:blip>
+          <a:srcRect/>
+          <a:stretch>
+            <a:fillRect/>
+          </a:stretch>
+        </p:blipFill>
+        <p:spPr bwMode="auto">
+          <a:xfrm>
+            <a:off x="9950744" y="230188"/>
+            <a:ext cx="2235200" cy="1257300"/>
+          </a:xfrm>
+          <a:prstGeom prst="rect">
+            <a:avLst/>
+          </a:prstGeom>
+          <a:noFill/>
+          <a:extLst>
+            <a:ext uri="{909E8E84-426E-40DD-AFC4-6F175D3DCCD1}">
+              <a14:hiddenFill xmlns:a14="http://schemas.microsoft.com/office/drawing/2010/main">
+                <a:solidFill>
+                  <a:srgbClr val="FFFFFF"/>
+                </a:solidFill>
+              </a14:hiddenFill>
+            </a:ext>
+          </a:extLst>
+        </p:spPr>
+      </p:pic>
     </p:spTree>
     <p:extLst>
       <p:ext uri="{BB962C8B-B14F-4D97-AF65-F5344CB8AC3E}">
@@ -5757,7 +6164,7 @@
             </a:r>
             <a:r>
               <a:rPr lang="en-AU" dirty="0"/>
-              <a:t>by the user or consumer</a:t>
+              <a:t>by the consumer</a:t>
             </a:r>
             <a:r>
               <a:rPr lang="en-AU" b="1" dirty="0"/>
@@ -5779,7 +6186,7 @@
             </a:r>
             <a:r>
               <a:rPr lang="en-AU" dirty="0"/>
-              <a:t>by the user or consumer.</a:t>
+              <a:t>by the consumer.</a:t>
             </a:r>
             <a:endParaRPr lang="en-US" dirty="0"/>
           </a:p>
@@ -5794,6 +6201,53 @@
           </a:p>
         </p:txBody>
       </p:sp>
+      <p:pic>
+        <p:nvPicPr>
+          <p:cNvPr id="5" name="Picture 4" descr="Docker Logo, history, meaning, symbol, PNG">
+            <a:extLst>
+              <a:ext uri="{FF2B5EF4-FFF2-40B4-BE49-F238E27FC236}">
+                <a16:creationId xmlns:a16="http://schemas.microsoft.com/office/drawing/2014/main" id="{83059191-74FB-DA2F-6BEA-8923A78C6857}"/>
+              </a:ext>
+            </a:extLst>
+          </p:cNvPr>
+          <p:cNvPicPr>
+            <a:picLocks noChangeAspect="1" noChangeArrowheads="1"/>
+          </p:cNvPicPr>
+          <p:nvPr/>
+        </p:nvPicPr>
+        <p:blipFill>
+          <a:blip r:embed="rId2">
+            <a:extLst>
+              <a:ext uri="{28A0092B-C50C-407E-A947-70E740481C1C}">
+                <a14:useLocalDpi xmlns:a14="http://schemas.microsoft.com/office/drawing/2010/main" val="0"/>
+              </a:ext>
+            </a:extLst>
+          </a:blip>
+          <a:srcRect/>
+          <a:stretch>
+            <a:fillRect/>
+          </a:stretch>
+        </p:blipFill>
+        <p:spPr bwMode="auto">
+          <a:xfrm>
+            <a:off x="9950744" y="230188"/>
+            <a:ext cx="2235200" cy="1257300"/>
+          </a:xfrm>
+          <a:prstGeom prst="rect">
+            <a:avLst/>
+          </a:prstGeom>
+          <a:noFill/>
+          <a:extLst>
+            <a:ext uri="{909E8E84-426E-40DD-AFC4-6F175D3DCCD1}">
+              <a14:hiddenFill xmlns:a14="http://schemas.microsoft.com/office/drawing/2010/main">
+                <a:solidFill>
+                  <a:srgbClr val="FFFFFF"/>
+                </a:solidFill>
+              </a14:hiddenFill>
+            </a:ext>
+          </a:extLst>
+        </p:spPr>
+      </p:pic>
     </p:spTree>
     <p:extLst>
       <p:ext uri="{BB962C8B-B14F-4D97-AF65-F5344CB8AC3E}">
@@ -5871,25 +6325,26 @@
         </p:nvCxnSpPr>
         <p:spPr>
           <a:xfrm flipV="1">
-            <a:off x="4589275" y="2667500"/>
+            <a:off x="4589275" y="2934442"/>
             <a:ext cx="1373375" cy="1336514"/>
           </a:xfrm>
           <a:prstGeom prst="straightConnector1">
             <a:avLst/>
           </a:prstGeom>
-          <a:ln>
+          <a:ln w="12700">
             <a:tailEnd type="triangle"/>
           </a:ln>
+          <a:effectLst/>
         </p:spPr>
         <p:style>
-          <a:lnRef idx="1">
-            <a:schemeClr val="accent1"/>
+          <a:lnRef idx="2">
+            <a:schemeClr val="dk1"/>
           </a:lnRef>
           <a:fillRef idx="0">
-            <a:schemeClr val="accent1"/>
+            <a:schemeClr val="dk1"/>
           </a:fillRef>
-          <a:effectRef idx="0">
-            <a:schemeClr val="accent1"/>
+          <a:effectRef idx="1">
+            <a:schemeClr val="dk1"/>
           </a:effectRef>
           <a:fontRef idx="minor">
             <a:schemeClr val="tx1"/>
@@ -5910,16 +6365,17 @@
         </p:nvSpPr>
         <p:spPr>
           <a:xfrm>
-            <a:off x="4907275" y="2588220"/>
+            <a:off x="4907275" y="2855162"/>
             <a:ext cx="1098550" cy="177800"/>
           </a:xfrm>
           <a:prstGeom prst="rect">
             <a:avLst/>
           </a:prstGeom>
           <a:noFill/>
-          <a:ln>
+          <a:ln w="12700">
             <a:noFill/>
           </a:ln>
+          <a:effectLst/>
         </p:spPr>
         <p:style>
           <a:lnRef idx="2">
@@ -5972,12 +6428,14 @@
         </p:nvSpPr>
         <p:spPr>
           <a:xfrm>
-            <a:off x="3509275" y="3554014"/>
+            <a:off x="3509275" y="3820956"/>
             <a:ext cx="1080000" cy="900000"/>
           </a:xfrm>
           <a:prstGeom prst="rect">
             <a:avLst/>
           </a:prstGeom>
+          <a:ln w="12700"/>
+          <a:effectLst/>
         </p:spPr>
         <p:style>
           <a:lnRef idx="2">
@@ -6022,16 +6480,17 @@
         </p:nvSpPr>
         <p:spPr>
           <a:xfrm>
-            <a:off x="3502425" y="5041105"/>
+            <a:off x="3502425" y="5308047"/>
             <a:ext cx="1080000" cy="900000"/>
           </a:xfrm>
           <a:prstGeom prst="rect">
             <a:avLst/>
           </a:prstGeom>
           <a:noFill/>
-          <a:ln>
+          <a:ln w="12700">
             <a:prstDash val="sysDash"/>
           </a:ln>
+          <a:effectLst/>
         </p:spPr>
         <p:style>
           <a:lnRef idx="2">
@@ -6086,25 +6545,26 @@
         </p:nvCxnSpPr>
         <p:spPr>
           <a:xfrm>
-            <a:off x="4024875" y="4466043"/>
+            <a:off x="4024875" y="4732985"/>
             <a:ext cx="0" cy="578104"/>
           </a:xfrm>
           <a:prstGeom prst="straightConnector1">
             <a:avLst/>
           </a:prstGeom>
-          <a:ln>
+          <a:ln w="12700">
             <a:tailEnd type="triangle"/>
           </a:ln>
+          <a:effectLst/>
         </p:spPr>
         <p:style>
-          <a:lnRef idx="1">
-            <a:schemeClr val="accent1"/>
+          <a:lnRef idx="2">
+            <a:schemeClr val="dk1"/>
           </a:lnRef>
           <a:fillRef idx="0">
-            <a:schemeClr val="accent1"/>
+            <a:schemeClr val="dk1"/>
           </a:fillRef>
-          <a:effectRef idx="0">
-            <a:schemeClr val="accent1"/>
+          <a:effectRef idx="1">
+            <a:schemeClr val="dk1"/>
           </a:effectRef>
           <a:fontRef idx="minor">
             <a:schemeClr val="tx1"/>
@@ -6125,16 +6585,17 @@
         </p:nvSpPr>
         <p:spPr>
           <a:xfrm>
-            <a:off x="3192402" y="4646630"/>
+            <a:off x="3192402" y="4913572"/>
             <a:ext cx="1098550" cy="177800"/>
           </a:xfrm>
           <a:prstGeom prst="rect">
             <a:avLst/>
           </a:prstGeom>
           <a:noFill/>
-          <a:ln>
+          <a:ln w="12700">
             <a:noFill/>
           </a:ln>
+          <a:effectLst/>
         </p:spPr>
         <p:style>
           <a:lnRef idx="2">
@@ -6187,13 +6648,15 @@
         </p:nvSpPr>
         <p:spPr>
           <a:xfrm>
-            <a:off x="5962650" y="1587500"/>
+            <a:off x="5962650" y="1854442"/>
             <a:ext cx="2603500" cy="2160000"/>
           </a:xfrm>
           <a:prstGeom prst="rect">
             <a:avLst/>
           </a:prstGeom>
           <a:noFill/>
+          <a:ln w="12700"/>
+          <a:effectLst/>
         </p:spPr>
         <p:style>
           <a:lnRef idx="2">
@@ -6246,13 +6709,15 @@
         </p:nvSpPr>
         <p:spPr>
           <a:xfrm>
-            <a:off x="3277063" y="2933700"/>
+            <a:off x="3277063" y="3200642"/>
             <a:ext cx="1521574" cy="3115014"/>
           </a:xfrm>
           <a:prstGeom prst="rect">
             <a:avLst/>
           </a:prstGeom>
           <a:noFill/>
+          <a:ln w="12700"/>
+          <a:effectLst/>
         </p:spPr>
         <p:style>
           <a:lnRef idx="2">
@@ -6307,25 +6772,26 @@
         </p:nvCxnSpPr>
         <p:spPr>
           <a:xfrm flipV="1">
-            <a:off x="2098577" y="4004864"/>
+            <a:off x="2098577" y="4271806"/>
             <a:ext cx="1399273" cy="8355"/>
           </a:xfrm>
           <a:prstGeom prst="straightConnector1">
             <a:avLst/>
           </a:prstGeom>
-          <a:ln>
+          <a:ln w="12700">
             <a:tailEnd type="triangle"/>
           </a:ln>
+          <a:effectLst/>
         </p:spPr>
         <p:style>
-          <a:lnRef idx="1">
-            <a:schemeClr val="accent1"/>
+          <a:lnRef idx="2">
+            <a:schemeClr val="dk1"/>
           </a:lnRef>
           <a:fillRef idx="0">
-            <a:schemeClr val="accent1"/>
+            <a:schemeClr val="dk1"/>
           </a:fillRef>
-          <a:effectRef idx="0">
-            <a:schemeClr val="accent1"/>
+          <a:effectRef idx="1">
+            <a:schemeClr val="dk1"/>
           </a:effectRef>
           <a:fontRef idx="minor">
             <a:schemeClr val="tx1"/>
@@ -6346,16 +6812,17 @@
         </p:nvSpPr>
         <p:spPr>
           <a:xfrm>
-            <a:off x="2091825" y="3763763"/>
+            <a:off x="2091825" y="4030705"/>
             <a:ext cx="1098550" cy="177800"/>
           </a:xfrm>
           <a:prstGeom prst="rect">
             <a:avLst/>
           </a:prstGeom>
           <a:noFill/>
-          <a:ln>
+          <a:ln w="12700">
             <a:noFill/>
           </a:ln>
+          <a:effectLst/>
         </p:spPr>
         <p:style>
           <a:lnRef idx="2">
@@ -6408,13 +6875,15 @@
         </p:nvSpPr>
         <p:spPr>
           <a:xfrm>
-            <a:off x="5962650" y="3981053"/>
+            <a:off x="5962650" y="4247995"/>
             <a:ext cx="2603500" cy="2160000"/>
           </a:xfrm>
           <a:prstGeom prst="rect">
             <a:avLst/>
           </a:prstGeom>
           <a:noFill/>
+          <a:ln w="12700"/>
+          <a:effectLst/>
         </p:spPr>
         <p:style>
           <a:lnRef idx="2">
@@ -6471,25 +6940,26 @@
         </p:nvCxnSpPr>
         <p:spPr>
           <a:xfrm>
-            <a:off x="4589275" y="4004014"/>
+            <a:off x="4589275" y="4270956"/>
             <a:ext cx="1373375" cy="1057039"/>
           </a:xfrm>
           <a:prstGeom prst="straightConnector1">
             <a:avLst/>
           </a:prstGeom>
-          <a:ln>
+          <a:ln w="12700">
             <a:tailEnd type="triangle"/>
           </a:ln>
+          <a:effectLst/>
         </p:spPr>
         <p:style>
-          <a:lnRef idx="1">
-            <a:schemeClr val="accent1"/>
+          <a:lnRef idx="2">
+            <a:schemeClr val="dk1"/>
           </a:lnRef>
           <a:fillRef idx="0">
-            <a:schemeClr val="accent1"/>
+            <a:schemeClr val="dk1"/>
           </a:fillRef>
-          <a:effectRef idx="0">
-            <a:schemeClr val="accent1"/>
+          <a:effectRef idx="1">
+            <a:schemeClr val="dk1"/>
           </a:effectRef>
           <a:fontRef idx="minor">
             <a:schemeClr val="tx1"/>
@@ -6510,16 +6980,17 @@
         </p:nvSpPr>
         <p:spPr>
           <a:xfrm>
-            <a:off x="4907275" y="4972153"/>
+            <a:off x="4907275" y="5239095"/>
             <a:ext cx="1098550" cy="177800"/>
           </a:xfrm>
           <a:prstGeom prst="rect">
             <a:avLst/>
           </a:prstGeom>
           <a:noFill/>
-          <a:ln>
+          <a:ln w="12700">
             <a:noFill/>
           </a:ln>
+          <a:effectLst/>
         </p:spPr>
         <p:style>
           <a:lnRef idx="2">
@@ -6572,7 +7043,7 @@
         </p:nvSpPr>
         <p:spPr>
           <a:xfrm>
-            <a:off x="6402077" y="2149986"/>
+            <a:off x="6402077" y="2416928"/>
             <a:ext cx="1708013" cy="360000"/>
           </a:xfrm>
           <a:prstGeom prst="rect">
@@ -6581,6 +7052,8 @@
           <a:solidFill>
             <a:schemeClr val="accent2"/>
           </a:solidFill>
+          <a:ln w="12700"/>
+          <a:effectLst/>
         </p:spPr>
         <p:style>
           <a:lnRef idx="2">
@@ -6625,7 +7098,7 @@
         </p:nvSpPr>
         <p:spPr>
           <a:xfrm>
-            <a:off x="6402077" y="2553605"/>
+            <a:off x="6402077" y="2820547"/>
             <a:ext cx="1708013" cy="360000"/>
           </a:xfrm>
           <a:prstGeom prst="rect">
@@ -6634,6 +7107,8 @@
           <a:solidFill>
             <a:schemeClr val="accent2"/>
           </a:solidFill>
+          <a:ln w="12700"/>
+          <a:effectLst/>
         </p:spPr>
         <p:style>
           <a:lnRef idx="2">
@@ -6678,7 +7153,7 @@
         </p:nvSpPr>
         <p:spPr>
           <a:xfrm>
-            <a:off x="6402077" y="2957224"/>
+            <a:off x="6402077" y="3224166"/>
             <a:ext cx="1708013" cy="360000"/>
           </a:xfrm>
           <a:prstGeom prst="rect">
@@ -6687,6 +7162,8 @@
           <a:solidFill>
             <a:schemeClr val="accent2"/>
           </a:solidFill>
+          <a:ln w="12700"/>
+          <a:effectLst/>
         </p:spPr>
         <p:style>
           <a:lnRef idx="2">
@@ -6731,7 +7208,7 @@
         </p:nvSpPr>
         <p:spPr>
           <a:xfrm>
-            <a:off x="6402077" y="4581581"/>
+            <a:off x="6402077" y="4848523"/>
             <a:ext cx="1708013" cy="360000"/>
           </a:xfrm>
           <a:prstGeom prst="rect">
@@ -6740,6 +7217,8 @@
           <a:solidFill>
             <a:schemeClr val="accent2"/>
           </a:solidFill>
+          <a:ln w="12700"/>
+          <a:effectLst/>
         </p:spPr>
         <p:style>
           <a:lnRef idx="2">
@@ -6784,7 +7263,7 @@
         </p:nvSpPr>
         <p:spPr>
           <a:xfrm>
-            <a:off x="6402077" y="4985200"/>
+            <a:off x="6402077" y="5252142"/>
             <a:ext cx="1708013" cy="360000"/>
           </a:xfrm>
           <a:prstGeom prst="rect">
@@ -6793,6 +7272,8 @@
           <a:solidFill>
             <a:schemeClr val="accent2"/>
           </a:solidFill>
+          <a:ln w="12700"/>
+          <a:effectLst/>
         </p:spPr>
         <p:style>
           <a:lnRef idx="2">
@@ -6841,7 +7322,7 @@
         </p:nvSpPr>
         <p:spPr>
           <a:xfrm>
-            <a:off x="6402077" y="5388819"/>
+            <a:off x="6402077" y="5655761"/>
             <a:ext cx="1708013" cy="360000"/>
           </a:xfrm>
           <a:prstGeom prst="rect">
@@ -6850,6 +7331,8 @@
           <a:solidFill>
             <a:schemeClr val="accent2"/>
           </a:solidFill>
+          <a:ln w="12700"/>
+          <a:effectLst/>
         </p:spPr>
         <p:style>
           <a:lnRef idx="2">
@@ -6898,13 +7381,15 @@
         </p:nvSpPr>
         <p:spPr>
           <a:xfrm>
-            <a:off x="498475" y="1581753"/>
+            <a:off x="498475" y="1848695"/>
             <a:ext cx="4389750" cy="4559300"/>
           </a:xfrm>
           <a:prstGeom prst="rect">
             <a:avLst/>
           </a:prstGeom>
           <a:noFill/>
+          <a:ln w="12700"/>
+          <a:effectLst/>
         </p:spPr>
         <p:style>
           <a:lnRef idx="2">
@@ -6961,25 +7446,26 @@
         </p:nvCxnSpPr>
         <p:spPr>
           <a:xfrm flipV="1">
-            <a:off x="8566150" y="4004014"/>
+            <a:off x="8566150" y="4270956"/>
             <a:ext cx="1718575" cy="1057039"/>
           </a:xfrm>
           <a:prstGeom prst="straightConnector1">
             <a:avLst/>
           </a:prstGeom>
-          <a:ln>
+          <a:ln w="12700">
             <a:tailEnd type="triangle"/>
           </a:ln>
+          <a:effectLst/>
         </p:spPr>
         <p:style>
-          <a:lnRef idx="1">
-            <a:schemeClr val="accent1"/>
+          <a:lnRef idx="2">
+            <a:schemeClr val="dk1"/>
           </a:lnRef>
           <a:fillRef idx="0">
-            <a:schemeClr val="accent1"/>
+            <a:schemeClr val="dk1"/>
           </a:fillRef>
-          <a:effectRef idx="0">
-            <a:schemeClr val="accent1"/>
+          <a:effectRef idx="1">
+            <a:schemeClr val="dk1"/>
           </a:effectRef>
           <a:fontRef idx="minor">
             <a:schemeClr val="tx1"/>
@@ -7000,16 +7486,17 @@
         </p:nvSpPr>
         <p:spPr>
           <a:xfrm>
-            <a:off x="8715875" y="2588220"/>
+            <a:off x="8715875" y="2855162"/>
             <a:ext cx="1098550" cy="177800"/>
           </a:xfrm>
           <a:prstGeom prst="rect">
             <a:avLst/>
           </a:prstGeom>
           <a:noFill/>
-          <a:ln>
+          <a:ln w="12700">
             <a:noFill/>
           </a:ln>
+          <a:effectLst/>
         </p:spPr>
         <p:style>
           <a:lnRef idx="2">
@@ -7062,12 +7549,14 @@
         </p:nvSpPr>
         <p:spPr>
           <a:xfrm>
-            <a:off x="10284725" y="3554014"/>
+            <a:off x="10284725" y="3820956"/>
             <a:ext cx="1080000" cy="900000"/>
           </a:xfrm>
           <a:prstGeom prst="rect">
             <a:avLst/>
           </a:prstGeom>
+          <a:ln w="12700"/>
+          <a:effectLst/>
         </p:spPr>
         <p:style>
           <a:lnRef idx="2">
@@ -7112,16 +7601,17 @@
         </p:nvSpPr>
         <p:spPr>
           <a:xfrm>
-            <a:off x="10277875" y="5041105"/>
+            <a:off x="10277875" y="5308047"/>
             <a:ext cx="1080000" cy="900000"/>
           </a:xfrm>
           <a:prstGeom prst="rect">
             <a:avLst/>
           </a:prstGeom>
           <a:noFill/>
-          <a:ln>
+          <a:ln w="12700">
             <a:prstDash val="sysDash"/>
           </a:ln>
+          <a:effectLst/>
         </p:spPr>
         <p:style>
           <a:lnRef idx="2">
@@ -7176,25 +7666,26 @@
         </p:nvCxnSpPr>
         <p:spPr>
           <a:xfrm>
-            <a:off x="10800325" y="4466043"/>
+            <a:off x="10800325" y="4732985"/>
             <a:ext cx="0" cy="578104"/>
           </a:xfrm>
           <a:prstGeom prst="straightConnector1">
             <a:avLst/>
           </a:prstGeom>
-          <a:ln>
+          <a:ln w="12700">
             <a:tailEnd type="triangle"/>
           </a:ln>
+          <a:effectLst/>
         </p:spPr>
         <p:style>
-          <a:lnRef idx="1">
-            <a:schemeClr val="accent1"/>
+          <a:lnRef idx="2">
+            <a:schemeClr val="dk1"/>
           </a:lnRef>
           <a:fillRef idx="0">
-            <a:schemeClr val="accent1"/>
+            <a:schemeClr val="dk1"/>
           </a:fillRef>
-          <a:effectRef idx="0">
-            <a:schemeClr val="accent1"/>
+          <a:effectRef idx="1">
+            <a:schemeClr val="dk1"/>
           </a:effectRef>
           <a:fontRef idx="minor">
             <a:schemeClr val="tx1"/>
@@ -7215,16 +7706,17 @@
         </p:nvSpPr>
         <p:spPr>
           <a:xfrm>
-            <a:off x="9967852" y="4646630"/>
+            <a:off x="9967852" y="4913572"/>
             <a:ext cx="1098550" cy="177800"/>
           </a:xfrm>
           <a:prstGeom prst="rect">
             <a:avLst/>
           </a:prstGeom>
           <a:noFill/>
-          <a:ln>
+          <a:ln w="12700">
             <a:noFill/>
           </a:ln>
+          <a:effectLst/>
         </p:spPr>
         <p:style>
           <a:lnRef idx="2">
@@ -7277,13 +7769,15 @@
         </p:nvSpPr>
         <p:spPr>
           <a:xfrm>
-            <a:off x="10045451" y="2933700"/>
+            <a:off x="10045451" y="3200642"/>
             <a:ext cx="1521574" cy="3115014"/>
           </a:xfrm>
           <a:prstGeom prst="rect">
             <a:avLst/>
           </a:prstGeom>
           <a:noFill/>
+          <a:ln w="12700"/>
+          <a:effectLst/>
         </p:spPr>
         <p:style>
           <a:lnRef idx="2">
@@ -7340,25 +7834,26 @@
         </p:nvCxnSpPr>
         <p:spPr>
           <a:xfrm>
-            <a:off x="8566150" y="2667500"/>
+            <a:off x="8566150" y="2934442"/>
             <a:ext cx="1718575" cy="1336514"/>
           </a:xfrm>
           <a:prstGeom prst="straightConnector1">
             <a:avLst/>
           </a:prstGeom>
-          <a:ln>
+          <a:ln w="12700">
             <a:tailEnd type="triangle"/>
           </a:ln>
+          <a:effectLst/>
         </p:spPr>
         <p:style>
-          <a:lnRef idx="1">
-            <a:schemeClr val="accent1"/>
+          <a:lnRef idx="2">
+            <a:schemeClr val="dk1"/>
           </a:lnRef>
           <a:fillRef idx="0">
-            <a:schemeClr val="accent1"/>
+            <a:schemeClr val="dk1"/>
           </a:fillRef>
-          <a:effectRef idx="0">
-            <a:schemeClr val="accent1"/>
+          <a:effectRef idx="1">
+            <a:schemeClr val="dk1"/>
           </a:effectRef>
           <a:fontRef idx="minor">
             <a:schemeClr val="tx1"/>
@@ -7379,16 +7874,17 @@
         </p:nvSpPr>
         <p:spPr>
           <a:xfrm>
-            <a:off x="8756526" y="4972153"/>
+            <a:off x="8756526" y="5239095"/>
             <a:ext cx="1098550" cy="177800"/>
           </a:xfrm>
           <a:prstGeom prst="rect">
             <a:avLst/>
           </a:prstGeom>
           <a:noFill/>
-          <a:ln>
+          <a:ln w="12700">
             <a:noFill/>
           </a:ln>
+          <a:effectLst/>
         </p:spPr>
         <p:style>
           <a:lnRef idx="2">
@@ -7441,13 +7937,15 @@
         </p:nvSpPr>
         <p:spPr>
           <a:xfrm>
-            <a:off x="9953625" y="1581753"/>
+            <a:off x="9953625" y="1848695"/>
             <a:ext cx="1710050" cy="4559300"/>
           </a:xfrm>
           <a:prstGeom prst="rect">
             <a:avLst/>
           </a:prstGeom>
           <a:noFill/>
+          <a:ln w="12700"/>
+          <a:effectLst/>
         </p:spPr>
         <p:style>
           <a:lnRef idx="2">
@@ -7500,13 +7998,15 @@
         </p:nvSpPr>
         <p:spPr>
           <a:xfrm>
-            <a:off x="582551" y="2933700"/>
+            <a:off x="582551" y="3200642"/>
             <a:ext cx="1522800" cy="3115014"/>
           </a:xfrm>
           <a:prstGeom prst="rect">
             <a:avLst/>
           </a:prstGeom>
           <a:noFill/>
+          <a:ln w="12700"/>
+          <a:effectLst/>
         </p:spPr>
         <p:style>
           <a:lnRef idx="2">
@@ -7559,12 +8059,14 @@
         </p:nvSpPr>
         <p:spPr>
           <a:xfrm>
-            <a:off x="809525" y="3491911"/>
+            <a:off x="809525" y="3758853"/>
             <a:ext cx="1080000" cy="555292"/>
           </a:xfrm>
           <a:prstGeom prst="rect">
             <a:avLst/>
           </a:prstGeom>
+          <a:ln w="12700"/>
+          <a:effectLst/>
         </p:spPr>
         <p:style>
           <a:lnRef idx="2">
@@ -7609,12 +8111,14 @@
         </p:nvSpPr>
         <p:spPr>
           <a:xfrm>
-            <a:off x="802803" y="4342719"/>
+            <a:off x="802803" y="4609661"/>
             <a:ext cx="1080000" cy="555292"/>
           </a:xfrm>
           <a:prstGeom prst="rect">
             <a:avLst/>
           </a:prstGeom>
+          <a:ln w="12700"/>
+          <a:effectLst/>
         </p:spPr>
         <p:style>
           <a:lnRef idx="2">
@@ -7659,12 +8163,14 @@
         </p:nvSpPr>
         <p:spPr>
           <a:xfrm>
-            <a:off x="809588" y="5193527"/>
+            <a:off x="809588" y="5460469"/>
             <a:ext cx="1080000" cy="555292"/>
           </a:xfrm>
           <a:prstGeom prst="rect">
             <a:avLst/>
           </a:prstGeom>
+          <a:ln w="12700"/>
+          <a:effectLst/>
         </p:spPr>
         <p:style>
           <a:lnRef idx="2">
@@ -7712,25 +8218,26 @@
         </p:nvCxnSpPr>
         <p:spPr>
           <a:xfrm flipV="1">
-            <a:off x="1342803" y="4047203"/>
+            <a:off x="1342803" y="4314145"/>
             <a:ext cx="6722" cy="295516"/>
           </a:xfrm>
           <a:prstGeom prst="straightConnector1">
             <a:avLst/>
           </a:prstGeom>
-          <a:ln>
+          <a:ln w="12700">
             <a:tailEnd type="triangle"/>
           </a:ln>
+          <a:effectLst/>
         </p:spPr>
         <p:style>
-          <a:lnRef idx="1">
-            <a:schemeClr val="accent1"/>
+          <a:lnRef idx="2">
+            <a:schemeClr val="dk1"/>
           </a:lnRef>
           <a:fillRef idx="0">
-            <a:schemeClr val="accent1"/>
+            <a:schemeClr val="dk1"/>
           </a:fillRef>
-          <a:effectRef idx="0">
-            <a:schemeClr val="accent1"/>
+          <a:effectRef idx="1">
+            <a:schemeClr val="dk1"/>
           </a:effectRef>
           <a:fontRef idx="minor">
             <a:schemeClr val="tx1"/>
@@ -7754,31 +8261,79 @@
         </p:nvCxnSpPr>
         <p:spPr>
           <a:xfrm>
-            <a:off x="1342803" y="4898011"/>
+            <a:off x="1342803" y="5164953"/>
             <a:ext cx="6785" cy="295516"/>
           </a:xfrm>
           <a:prstGeom prst="straightConnector1">
             <a:avLst/>
           </a:prstGeom>
-          <a:ln>
+          <a:ln w="12700">
             <a:tailEnd type="triangle"/>
           </a:ln>
+          <a:effectLst/>
         </p:spPr>
         <p:style>
-          <a:lnRef idx="1">
-            <a:schemeClr val="accent1"/>
+          <a:lnRef idx="2">
+            <a:schemeClr val="dk1"/>
           </a:lnRef>
           <a:fillRef idx="0">
-            <a:schemeClr val="accent1"/>
+            <a:schemeClr val="dk1"/>
           </a:fillRef>
-          <a:effectRef idx="0">
-            <a:schemeClr val="accent1"/>
+          <a:effectRef idx="1">
+            <a:schemeClr val="dk1"/>
           </a:effectRef>
           <a:fontRef idx="minor">
             <a:schemeClr val="tx1"/>
           </a:fontRef>
         </p:style>
       </p:cxnSp>
+      <p:pic>
+        <p:nvPicPr>
+          <p:cNvPr id="3" name="Picture 2" descr="Docker Logo, history, meaning, symbol, PNG">
+            <a:extLst>
+              <a:ext uri="{FF2B5EF4-FFF2-40B4-BE49-F238E27FC236}">
+                <a16:creationId xmlns:a16="http://schemas.microsoft.com/office/drawing/2014/main" id="{40D5F2F6-8183-303E-28A8-C0524F64582F}"/>
+              </a:ext>
+            </a:extLst>
+          </p:cNvPr>
+          <p:cNvPicPr>
+            <a:picLocks noChangeAspect="1" noChangeArrowheads="1"/>
+          </p:cNvPicPr>
+          <p:nvPr/>
+        </p:nvPicPr>
+        <p:blipFill>
+          <a:blip r:embed="rId3">
+            <a:extLst>
+              <a:ext uri="{28A0092B-C50C-407E-A947-70E740481C1C}">
+                <a14:useLocalDpi xmlns:a14="http://schemas.microsoft.com/office/drawing/2010/main" val="0"/>
+              </a:ext>
+            </a:extLst>
+          </a:blip>
+          <a:srcRect/>
+          <a:stretch>
+            <a:fillRect/>
+          </a:stretch>
+        </p:blipFill>
+        <p:spPr bwMode="auto">
+          <a:xfrm>
+            <a:off x="9950744" y="230188"/>
+            <a:ext cx="2235200" cy="1257300"/>
+          </a:xfrm>
+          <a:prstGeom prst="rect">
+            <a:avLst/>
+          </a:prstGeom>
+          <a:noFill/>
+          <a:extLst>
+            <a:ext uri="{909E8E84-426E-40DD-AFC4-6F175D3DCCD1}">
+              <a14:hiddenFill xmlns:a14="http://schemas.microsoft.com/office/drawing/2010/main">
+                <a:solidFill>
+                  <a:srgbClr val="FFFFFF"/>
+                </a:solidFill>
+              </a14:hiddenFill>
+            </a:ext>
+          </a:extLst>
+        </p:spPr>
+      </p:pic>
     </p:spTree>
     <p:extLst>
       <p:ext uri="{BB962C8B-B14F-4D97-AF65-F5344CB8AC3E}">
@@ -7865,6 +8420,53 @@
             <a:off x="2925427" y="1825625"/>
             <a:ext cx="6341145" cy="4351338"/>
           </a:xfrm>
+        </p:spPr>
+      </p:pic>
+      <p:pic>
+        <p:nvPicPr>
+          <p:cNvPr id="3" name="Picture 2" descr="Docker Logo, history, meaning, symbol, PNG">
+            <a:extLst>
+              <a:ext uri="{FF2B5EF4-FFF2-40B4-BE49-F238E27FC236}">
+                <a16:creationId xmlns:a16="http://schemas.microsoft.com/office/drawing/2014/main" id="{C6B39D50-FDE3-082D-447F-C023A2E0B6DB}"/>
+              </a:ext>
+            </a:extLst>
+          </p:cNvPr>
+          <p:cNvPicPr>
+            <a:picLocks noChangeAspect="1" noChangeArrowheads="1"/>
+          </p:cNvPicPr>
+          <p:nvPr/>
+        </p:nvPicPr>
+        <p:blipFill>
+          <a:blip r:embed="rId3">
+            <a:extLst>
+              <a:ext uri="{28A0092B-C50C-407E-A947-70E740481C1C}">
+                <a14:useLocalDpi xmlns:a14="http://schemas.microsoft.com/office/drawing/2010/main" val="0"/>
+              </a:ext>
+            </a:extLst>
+          </a:blip>
+          <a:srcRect/>
+          <a:stretch>
+            <a:fillRect/>
+          </a:stretch>
+        </p:blipFill>
+        <p:spPr bwMode="auto">
+          <a:xfrm>
+            <a:off x="9950744" y="230188"/>
+            <a:ext cx="2235200" cy="1257300"/>
+          </a:xfrm>
+          <a:prstGeom prst="rect">
+            <a:avLst/>
+          </a:prstGeom>
+          <a:noFill/>
+          <a:extLst>
+            <a:ext uri="{909E8E84-426E-40DD-AFC4-6F175D3DCCD1}">
+              <a14:hiddenFill xmlns:a14="http://schemas.microsoft.com/office/drawing/2010/main">
+                <a:solidFill>
+                  <a:srgbClr val="FFFFFF"/>
+                </a:solidFill>
+              </a14:hiddenFill>
+            </a:ext>
+          </a:extLst>
         </p:spPr>
       </p:pic>
     </p:spTree>
@@ -7926,31 +8528,6 @@
           </a:p>
         </p:txBody>
       </p:sp>
-      <p:sp>
-        <p:nvSpPr>
-          <p:cNvPr id="4" name="Content Placeholder 3">
-            <a:extLst>
-              <a:ext uri="{FF2B5EF4-FFF2-40B4-BE49-F238E27FC236}">
-                <a16:creationId xmlns:a16="http://schemas.microsoft.com/office/drawing/2014/main" id="{177AC280-9E6E-C8C2-0524-63B30D24C2F1}"/>
-              </a:ext>
-            </a:extLst>
-          </p:cNvPr>
-          <p:cNvSpPr>
-            <a:spLocks noGrp="1"/>
-          </p:cNvSpPr>
-          <p:nvPr>
-            <p:ph idx="1"/>
-          </p:nvPr>
-        </p:nvSpPr>
-        <p:spPr/>
-        <p:txBody>
-          <a:bodyPr/>
-          <a:lstStyle/>
-          <a:p>
-            <a:endParaRPr lang="en-US"/>
-          </a:p>
-        </p:txBody>
-      </p:sp>
       <p:pic>
         <p:nvPicPr>
           <p:cNvPr id="7" name="Picture 6">
@@ -7979,6 +8556,53 @@
           <a:prstGeom prst="rect">
             <a:avLst/>
           </a:prstGeom>
+        </p:spPr>
+      </p:pic>
+      <p:pic>
+        <p:nvPicPr>
+          <p:cNvPr id="3" name="Picture 2" descr="Docker Logo, history, meaning, symbol, PNG">
+            <a:extLst>
+              <a:ext uri="{FF2B5EF4-FFF2-40B4-BE49-F238E27FC236}">
+                <a16:creationId xmlns:a16="http://schemas.microsoft.com/office/drawing/2014/main" id="{667E3BC6-06C3-6CCA-303A-5C5EEDF4A035}"/>
+              </a:ext>
+            </a:extLst>
+          </p:cNvPr>
+          <p:cNvPicPr>
+            <a:picLocks noChangeAspect="1" noChangeArrowheads="1"/>
+          </p:cNvPicPr>
+          <p:nvPr/>
+        </p:nvPicPr>
+        <p:blipFill>
+          <a:blip r:embed="rId3">
+            <a:extLst>
+              <a:ext uri="{28A0092B-C50C-407E-A947-70E740481C1C}">
+                <a14:useLocalDpi xmlns:a14="http://schemas.microsoft.com/office/drawing/2010/main" val="0"/>
+              </a:ext>
+            </a:extLst>
+          </a:blip>
+          <a:srcRect/>
+          <a:stretch>
+            <a:fillRect/>
+          </a:stretch>
+        </p:blipFill>
+        <p:spPr bwMode="auto">
+          <a:xfrm>
+            <a:off x="9950744" y="230188"/>
+            <a:ext cx="2235200" cy="1257300"/>
+          </a:xfrm>
+          <a:prstGeom prst="rect">
+            <a:avLst/>
+          </a:prstGeom>
+          <a:noFill/>
+          <a:extLst>
+            <a:ext uri="{909E8E84-426E-40DD-AFC4-6F175D3DCCD1}">
+              <a14:hiddenFill xmlns:a14="http://schemas.microsoft.com/office/drawing/2010/main">
+                <a:solidFill>
+                  <a:srgbClr val="FFFFFF"/>
+                </a:solidFill>
+              </a14:hiddenFill>
+            </a:ext>
+          </a:extLst>
         </p:spPr>
       </p:pic>
     </p:spTree>
@@ -8034,7 +8658,7 @@
           <a:p>
             <a:r>
               <a:rPr lang="en-AU" dirty="0"/>
-              <a:t>List Docker images</a:t>
+              <a:t>Listing Docker images</a:t>
             </a:r>
             <a:endParaRPr lang="en-US" dirty="0"/>
           </a:p>
@@ -8140,6 +8764,53 @@
           </a:p>
         </p:txBody>
       </p:sp>
+      <p:pic>
+        <p:nvPicPr>
+          <p:cNvPr id="5" name="Picture 4" descr="Docker Logo, history, meaning, symbol, PNG">
+            <a:extLst>
+              <a:ext uri="{FF2B5EF4-FFF2-40B4-BE49-F238E27FC236}">
+                <a16:creationId xmlns:a16="http://schemas.microsoft.com/office/drawing/2014/main" id="{2FD2E9E1-1C4B-A473-CC53-B4E5C3753283}"/>
+              </a:ext>
+            </a:extLst>
+          </p:cNvPr>
+          <p:cNvPicPr>
+            <a:picLocks noChangeAspect="1" noChangeArrowheads="1"/>
+          </p:cNvPicPr>
+          <p:nvPr/>
+        </p:nvPicPr>
+        <p:blipFill>
+          <a:blip r:embed="rId3">
+            <a:extLst>
+              <a:ext uri="{28A0092B-C50C-407E-A947-70E740481C1C}">
+                <a14:useLocalDpi xmlns:a14="http://schemas.microsoft.com/office/drawing/2010/main" val="0"/>
+              </a:ext>
+            </a:extLst>
+          </a:blip>
+          <a:srcRect/>
+          <a:stretch>
+            <a:fillRect/>
+          </a:stretch>
+        </p:blipFill>
+        <p:spPr bwMode="auto">
+          <a:xfrm>
+            <a:off x="9950744" y="230188"/>
+            <a:ext cx="2235200" cy="1257300"/>
+          </a:xfrm>
+          <a:prstGeom prst="rect">
+            <a:avLst/>
+          </a:prstGeom>
+          <a:noFill/>
+          <a:extLst>
+            <a:ext uri="{909E8E84-426E-40DD-AFC4-6F175D3DCCD1}">
+              <a14:hiddenFill xmlns:a14="http://schemas.microsoft.com/office/drawing/2010/main">
+                <a:solidFill>
+                  <a:srgbClr val="FFFFFF"/>
+                </a:solidFill>
+              </a14:hiddenFill>
+            </a:ext>
+          </a:extLst>
+        </p:spPr>
+      </p:pic>
     </p:spTree>
     <p:extLst>
       <p:ext uri="{BB962C8B-B14F-4D97-AF65-F5344CB8AC3E}">
@@ -8296,6 +8967,53 @@
           </a:p>
         </p:txBody>
       </p:sp>
+      <p:pic>
+        <p:nvPicPr>
+          <p:cNvPr id="5" name="Picture 2" descr="Docker Logo, history, meaning, symbol, PNG">
+            <a:extLst>
+              <a:ext uri="{FF2B5EF4-FFF2-40B4-BE49-F238E27FC236}">
+                <a16:creationId xmlns:a16="http://schemas.microsoft.com/office/drawing/2014/main" id="{AD807C5F-9606-A669-8810-E3337BEDA69A}"/>
+              </a:ext>
+            </a:extLst>
+          </p:cNvPr>
+          <p:cNvPicPr>
+            <a:picLocks noChangeAspect="1" noChangeArrowheads="1"/>
+          </p:cNvPicPr>
+          <p:nvPr/>
+        </p:nvPicPr>
+        <p:blipFill>
+          <a:blip r:embed="rId2">
+            <a:extLst>
+              <a:ext uri="{28A0092B-C50C-407E-A947-70E740481C1C}">
+                <a14:useLocalDpi xmlns:a14="http://schemas.microsoft.com/office/drawing/2010/main" val="0"/>
+              </a:ext>
+            </a:extLst>
+          </a:blip>
+          <a:srcRect/>
+          <a:stretch>
+            <a:fillRect/>
+          </a:stretch>
+        </p:blipFill>
+        <p:spPr bwMode="auto">
+          <a:xfrm>
+            <a:off x="9950744" y="230188"/>
+            <a:ext cx="2235200" cy="1257300"/>
+          </a:xfrm>
+          <a:prstGeom prst="rect">
+            <a:avLst/>
+          </a:prstGeom>
+          <a:noFill/>
+          <a:extLst>
+            <a:ext uri="{909E8E84-426E-40DD-AFC4-6F175D3DCCD1}">
+              <a14:hiddenFill xmlns:a14="http://schemas.microsoft.com/office/drawing/2010/main">
+                <a:solidFill>
+                  <a:srgbClr val="FFFFFF"/>
+                </a:solidFill>
+              </a14:hiddenFill>
+            </a:ext>
+          </a:extLst>
+        </p:spPr>
+      </p:pic>
     </p:spTree>
     <p:extLst>
       <p:ext uri="{BB962C8B-B14F-4D97-AF65-F5344CB8AC3E}">
@@ -8422,6 +9140,53 @@
           </a:p>
         </p:txBody>
       </p:sp>
+      <p:pic>
+        <p:nvPicPr>
+          <p:cNvPr id="5" name="Picture 4" descr="Docker Logo, history, meaning, symbol, PNG">
+            <a:extLst>
+              <a:ext uri="{FF2B5EF4-FFF2-40B4-BE49-F238E27FC236}">
+                <a16:creationId xmlns:a16="http://schemas.microsoft.com/office/drawing/2014/main" id="{9B549544-CF90-34F8-0310-C9068971B46C}"/>
+              </a:ext>
+            </a:extLst>
+          </p:cNvPr>
+          <p:cNvPicPr>
+            <a:picLocks noChangeAspect="1" noChangeArrowheads="1"/>
+          </p:cNvPicPr>
+          <p:nvPr/>
+        </p:nvPicPr>
+        <p:blipFill>
+          <a:blip r:embed="rId3">
+            <a:extLst>
+              <a:ext uri="{28A0092B-C50C-407E-A947-70E740481C1C}">
+                <a14:useLocalDpi xmlns:a14="http://schemas.microsoft.com/office/drawing/2010/main" val="0"/>
+              </a:ext>
+            </a:extLst>
+          </a:blip>
+          <a:srcRect/>
+          <a:stretch>
+            <a:fillRect/>
+          </a:stretch>
+        </p:blipFill>
+        <p:spPr bwMode="auto">
+          <a:xfrm>
+            <a:off x="9950744" y="230188"/>
+            <a:ext cx="2235200" cy="1257300"/>
+          </a:xfrm>
+          <a:prstGeom prst="rect">
+            <a:avLst/>
+          </a:prstGeom>
+          <a:noFill/>
+          <a:extLst>
+            <a:ext uri="{909E8E84-426E-40DD-AFC4-6F175D3DCCD1}">
+              <a14:hiddenFill xmlns:a14="http://schemas.microsoft.com/office/drawing/2010/main">
+                <a:solidFill>
+                  <a:srgbClr val="FFFFFF"/>
+                </a:solidFill>
+              </a14:hiddenFill>
+            </a:ext>
+          </a:extLst>
+        </p:spPr>
+      </p:pic>
     </p:spTree>
     <p:extLst>
       <p:ext uri="{BB962C8B-B14F-4D97-AF65-F5344CB8AC3E}">
@@ -8505,7 +9270,7 @@
         </p:spPr>
         <p:txBody>
           <a:bodyPr>
-            <a:normAutofit fontScale="92500" lnSpcReduction="20000"/>
+            <a:normAutofit fontScale="85000" lnSpcReduction="20000"/>
           </a:bodyPr>
           <a:lstStyle/>
           <a:p>
@@ -8612,6 +9377,53 @@
           </a:p>
         </p:txBody>
       </p:sp>
+      <p:pic>
+        <p:nvPicPr>
+          <p:cNvPr id="5" name="Picture 4" descr="Docker Logo, history, meaning, symbol, PNG">
+            <a:extLst>
+              <a:ext uri="{FF2B5EF4-FFF2-40B4-BE49-F238E27FC236}">
+                <a16:creationId xmlns:a16="http://schemas.microsoft.com/office/drawing/2014/main" id="{CAC83B9F-FEA5-2912-984E-5AB56F813600}"/>
+              </a:ext>
+            </a:extLst>
+          </p:cNvPr>
+          <p:cNvPicPr>
+            <a:picLocks noChangeAspect="1" noChangeArrowheads="1"/>
+          </p:cNvPicPr>
+          <p:nvPr/>
+        </p:nvPicPr>
+        <p:blipFill>
+          <a:blip r:embed="rId3">
+            <a:extLst>
+              <a:ext uri="{28A0092B-C50C-407E-A947-70E740481C1C}">
+                <a14:useLocalDpi xmlns:a14="http://schemas.microsoft.com/office/drawing/2010/main" val="0"/>
+              </a:ext>
+            </a:extLst>
+          </a:blip>
+          <a:srcRect/>
+          <a:stretch>
+            <a:fillRect/>
+          </a:stretch>
+        </p:blipFill>
+        <p:spPr bwMode="auto">
+          <a:xfrm>
+            <a:off x="9950744" y="230188"/>
+            <a:ext cx="2235200" cy="1257300"/>
+          </a:xfrm>
+          <a:prstGeom prst="rect">
+            <a:avLst/>
+          </a:prstGeom>
+          <a:noFill/>
+          <a:extLst>
+            <a:ext uri="{909E8E84-426E-40DD-AFC4-6F175D3DCCD1}">
+              <a14:hiddenFill xmlns:a14="http://schemas.microsoft.com/office/drawing/2010/main">
+                <a:solidFill>
+                  <a:srgbClr val="FFFFFF"/>
+                </a:solidFill>
+              </a14:hiddenFill>
+            </a:ext>
+          </a:extLst>
+        </p:spPr>
+      </p:pic>
     </p:spTree>
     <p:extLst>
       <p:ext uri="{BB962C8B-B14F-4D97-AF65-F5344CB8AC3E}">
@@ -8752,6 +9564,53 @@
           </a:p>
         </p:txBody>
       </p:sp>
+      <p:pic>
+        <p:nvPicPr>
+          <p:cNvPr id="5" name="Picture 4" descr="Docker Logo, history, meaning, symbol, PNG">
+            <a:extLst>
+              <a:ext uri="{FF2B5EF4-FFF2-40B4-BE49-F238E27FC236}">
+                <a16:creationId xmlns:a16="http://schemas.microsoft.com/office/drawing/2014/main" id="{FB13DCDE-5E8D-4F09-22EC-BA659D7976E3}"/>
+              </a:ext>
+            </a:extLst>
+          </p:cNvPr>
+          <p:cNvPicPr>
+            <a:picLocks noChangeAspect="1" noChangeArrowheads="1"/>
+          </p:cNvPicPr>
+          <p:nvPr/>
+        </p:nvPicPr>
+        <p:blipFill>
+          <a:blip r:embed="rId3">
+            <a:extLst>
+              <a:ext uri="{28A0092B-C50C-407E-A947-70E740481C1C}">
+                <a14:useLocalDpi xmlns:a14="http://schemas.microsoft.com/office/drawing/2010/main" val="0"/>
+              </a:ext>
+            </a:extLst>
+          </a:blip>
+          <a:srcRect/>
+          <a:stretch>
+            <a:fillRect/>
+          </a:stretch>
+        </p:blipFill>
+        <p:spPr bwMode="auto">
+          <a:xfrm>
+            <a:off x="9950744" y="230188"/>
+            <a:ext cx="2235200" cy="1257300"/>
+          </a:xfrm>
+          <a:prstGeom prst="rect">
+            <a:avLst/>
+          </a:prstGeom>
+          <a:noFill/>
+          <a:extLst>
+            <a:ext uri="{909E8E84-426E-40DD-AFC4-6F175D3DCCD1}">
+              <a14:hiddenFill xmlns:a14="http://schemas.microsoft.com/office/drawing/2010/main">
+                <a:solidFill>
+                  <a:srgbClr val="FFFFFF"/>
+                </a:solidFill>
+              </a14:hiddenFill>
+            </a:ext>
+          </a:extLst>
+        </p:spPr>
+      </p:pic>
     </p:spTree>
     <p:extLst>
       <p:ext uri="{BB962C8B-B14F-4D97-AF65-F5344CB8AC3E}">
@@ -8782,6 +9641,36 @@
           <a:chExt cx="0" cy="0"/>
         </a:xfrm>
       </p:grpSpPr>
+      <p:pic>
+        <p:nvPicPr>
+          <p:cNvPr id="12" name="Picture 11">
+            <a:extLst>
+              <a:ext uri="{FF2B5EF4-FFF2-40B4-BE49-F238E27FC236}">
+                <a16:creationId xmlns:a16="http://schemas.microsoft.com/office/drawing/2014/main" id="{4604AFBC-4D9A-8E59-BB5D-386C98234B1F}"/>
+              </a:ext>
+            </a:extLst>
+          </p:cNvPr>
+          <p:cNvPicPr>
+            <a:picLocks noChangeAspect="1"/>
+          </p:cNvPicPr>
+          <p:nvPr/>
+        </p:nvPicPr>
+        <p:blipFill>
+          <a:blip r:embed="rId2"/>
+          <a:stretch>
+            <a:fillRect/>
+          </a:stretch>
+        </p:blipFill>
+        <p:spPr>
+          <a:xfrm>
+            <a:off x="0" y="3845600"/>
+            <a:ext cx="12192000" cy="4846320"/>
+          </a:xfrm>
+          <a:prstGeom prst="rect">
+            <a:avLst/>
+          </a:prstGeom>
+        </p:spPr>
+      </p:pic>
       <p:sp>
         <p:nvSpPr>
           <p:cNvPr id="2" name="Title 1">
@@ -8816,17 +9705,97 @@
             <a:br>
               <a:rPr lang="en-AU" sz="6600" dirty="0"/>
             </a:br>
+            <a:r>
+              <a:rPr lang="en-AU" dirty="0"/>
+              <a:t>Working with Docker images</a:t>
+            </a:r>
             <a:br>
               <a:rPr lang="en-AU" dirty="0"/>
             </a:br>
-            <a:r>
+            <a:br>
               <a:rPr lang="en-AU" dirty="0"/>
-              <a:t>Working with Docker images</a:t>
-            </a:r>
+            </a:br>
             <a:endParaRPr lang="en-US" dirty="0"/>
           </a:p>
         </p:txBody>
       </p:sp>
+      <p:pic>
+        <p:nvPicPr>
+          <p:cNvPr id="4" name="Picture 3" descr="Docker Logo, history, meaning, symbol, PNG">
+            <a:extLst>
+              <a:ext uri="{FF2B5EF4-FFF2-40B4-BE49-F238E27FC236}">
+                <a16:creationId xmlns:a16="http://schemas.microsoft.com/office/drawing/2014/main" id="{6FA27995-29A3-3225-A906-03DA88A280DA}"/>
+              </a:ext>
+            </a:extLst>
+          </p:cNvPr>
+          <p:cNvPicPr>
+            <a:picLocks noChangeAspect="1" noChangeArrowheads="1"/>
+          </p:cNvPicPr>
+          <p:nvPr/>
+        </p:nvPicPr>
+        <p:blipFill>
+          <a:blip r:embed="rId3">
+            <a:extLst>
+              <a:ext uri="{28A0092B-C50C-407E-A947-70E740481C1C}">
+                <a14:useLocalDpi xmlns:a14="http://schemas.microsoft.com/office/drawing/2010/main" val="0"/>
+              </a:ext>
+            </a:extLst>
+          </a:blip>
+          <a:srcRect/>
+          <a:stretch>
+            <a:fillRect/>
+          </a:stretch>
+        </p:blipFill>
+        <p:spPr bwMode="auto">
+          <a:xfrm>
+            <a:off x="9950744" y="230188"/>
+            <a:ext cx="2235200" cy="1257300"/>
+          </a:xfrm>
+          <a:prstGeom prst="rect">
+            <a:avLst/>
+          </a:prstGeom>
+          <a:noFill/>
+          <a:extLst>
+            <a:ext uri="{909E8E84-426E-40DD-AFC4-6F175D3DCCD1}">
+              <a14:hiddenFill xmlns:a14="http://schemas.microsoft.com/office/drawing/2010/main">
+                <a:solidFill>
+                  <a:srgbClr val="FFFFFF"/>
+                </a:solidFill>
+              </a14:hiddenFill>
+            </a:ext>
+          </a:extLst>
+        </p:spPr>
+      </p:pic>
+      <p:pic>
+        <p:nvPicPr>
+          <p:cNvPr id="10" name="Picture 9">
+            <a:extLst>
+              <a:ext uri="{FF2B5EF4-FFF2-40B4-BE49-F238E27FC236}">
+                <a16:creationId xmlns:a16="http://schemas.microsoft.com/office/drawing/2014/main" id="{D761F92B-1B8A-80EC-C5F8-1B5900BD2F39}"/>
+              </a:ext>
+            </a:extLst>
+          </p:cNvPr>
+          <p:cNvPicPr>
+            <a:picLocks noChangeAspect="1"/>
+          </p:cNvPicPr>
+          <p:nvPr/>
+        </p:nvPicPr>
+        <p:blipFill>
+          <a:blip r:embed="rId4"/>
+          <a:stretch>
+            <a:fillRect/>
+          </a:stretch>
+        </p:blipFill>
+        <p:spPr>
+          <a:xfrm rot="21381005">
+            <a:off x="2771828" y="4300094"/>
+            <a:ext cx="4255163" cy="2706283"/>
+          </a:xfrm>
+          <a:prstGeom prst="rect">
+            <a:avLst/>
+          </a:prstGeom>
+        </p:spPr>
+      </p:pic>
     </p:spTree>
     <p:extLst>
       <p:ext uri="{BB962C8B-B14F-4D97-AF65-F5344CB8AC3E}">
@@ -8888,10 +9857,107 @@
               <a:rPr lang="en-AU" sz="6600" dirty="0"/>
               <a:t>Docker Containers</a:t>
             </a:r>
+            <a:br>
+              <a:rPr lang="en-AU" sz="6600" dirty="0"/>
+            </a:br>
             <a:endParaRPr lang="en-US" dirty="0"/>
           </a:p>
         </p:txBody>
       </p:sp>
+      <p:pic>
+        <p:nvPicPr>
+          <p:cNvPr id="4" name="Picture 3" descr="Docker Logo, history, meaning, symbol, PNG">
+            <a:extLst>
+              <a:ext uri="{FF2B5EF4-FFF2-40B4-BE49-F238E27FC236}">
+                <a16:creationId xmlns:a16="http://schemas.microsoft.com/office/drawing/2014/main" id="{467F80DC-81A7-6C81-83BB-AFDE0071493F}"/>
+              </a:ext>
+            </a:extLst>
+          </p:cNvPr>
+          <p:cNvPicPr>
+            <a:picLocks noChangeAspect="1" noChangeArrowheads="1"/>
+          </p:cNvPicPr>
+          <p:nvPr/>
+        </p:nvPicPr>
+        <p:blipFill>
+          <a:blip r:embed="rId2">
+            <a:extLst>
+              <a:ext uri="{28A0092B-C50C-407E-A947-70E740481C1C}">
+                <a14:useLocalDpi xmlns:a14="http://schemas.microsoft.com/office/drawing/2010/main" val="0"/>
+              </a:ext>
+            </a:extLst>
+          </a:blip>
+          <a:srcRect/>
+          <a:stretch>
+            <a:fillRect/>
+          </a:stretch>
+        </p:blipFill>
+        <p:spPr bwMode="auto">
+          <a:xfrm>
+            <a:off x="9950744" y="230188"/>
+            <a:ext cx="2235200" cy="1257300"/>
+          </a:xfrm>
+          <a:prstGeom prst="rect">
+            <a:avLst/>
+          </a:prstGeom>
+          <a:noFill/>
+          <a:extLst>
+            <a:ext uri="{909E8E84-426E-40DD-AFC4-6F175D3DCCD1}">
+              <a14:hiddenFill xmlns:a14="http://schemas.microsoft.com/office/drawing/2010/main">
+                <a:solidFill>
+                  <a:srgbClr val="FFFFFF"/>
+                </a:solidFill>
+              </a14:hiddenFill>
+            </a:ext>
+          </a:extLst>
+        </p:spPr>
+      </p:pic>
+      <p:pic>
+        <p:nvPicPr>
+          <p:cNvPr id="6" name="Picture 14" descr="Post Image">
+            <a:extLst>
+              <a:ext uri="{FF2B5EF4-FFF2-40B4-BE49-F238E27FC236}">
+                <a16:creationId xmlns:a16="http://schemas.microsoft.com/office/drawing/2014/main" id="{E212E651-62A4-A98F-E684-7BF5764EB221}"/>
+              </a:ext>
+            </a:extLst>
+          </p:cNvPr>
+          <p:cNvPicPr>
+            <a:picLocks noChangeAspect="1" noChangeArrowheads="1"/>
+          </p:cNvPicPr>
+          <p:nvPr/>
+        </p:nvPicPr>
+        <p:blipFill>
+          <a:blip r:embed="rId3">
+            <a:extLst>
+              <a:ext uri="{28A0092B-C50C-407E-A947-70E740481C1C}">
+                <a14:useLocalDpi xmlns:a14="http://schemas.microsoft.com/office/drawing/2010/main" val="0"/>
+              </a:ext>
+            </a:extLst>
+          </a:blip>
+          <a:srcRect/>
+          <a:stretch>
+            <a:fillRect/>
+          </a:stretch>
+        </p:blipFill>
+        <p:spPr bwMode="auto">
+          <a:xfrm>
+            <a:off x="0" y="3840843"/>
+            <a:ext cx="12192000" cy="4140200"/>
+          </a:xfrm>
+          <a:prstGeom prst="rect">
+            <a:avLst/>
+          </a:prstGeom>
+          <a:noFill/>
+          <a:extLst>
+            <a:ext uri="{909E8E84-426E-40DD-AFC4-6F175D3DCCD1}">
+              <a14:hiddenFill xmlns:a14="http://schemas.microsoft.com/office/drawing/2010/main">
+                <a:solidFill>
+                  <a:srgbClr val="FFFFFF"/>
+                </a:solidFill>
+              </a14:hiddenFill>
+            </a:ext>
+          </a:extLst>
+        </p:spPr>
+      </p:pic>
     </p:spTree>
     <p:extLst>
       <p:ext uri="{BB962C8B-B14F-4D97-AF65-F5344CB8AC3E}">
@@ -9003,6 +10069,53 @@
           </a:p>
         </p:txBody>
       </p:sp>
+      <p:pic>
+        <p:nvPicPr>
+          <p:cNvPr id="5" name="Picture 4" descr="Docker Logo, history, meaning, symbol, PNG">
+            <a:extLst>
+              <a:ext uri="{FF2B5EF4-FFF2-40B4-BE49-F238E27FC236}">
+                <a16:creationId xmlns:a16="http://schemas.microsoft.com/office/drawing/2014/main" id="{1FAF2E72-8505-F61B-F622-1DDC7E4DBE8E}"/>
+              </a:ext>
+            </a:extLst>
+          </p:cNvPr>
+          <p:cNvPicPr>
+            <a:picLocks noChangeAspect="1" noChangeArrowheads="1"/>
+          </p:cNvPicPr>
+          <p:nvPr/>
+        </p:nvPicPr>
+        <p:blipFill>
+          <a:blip r:embed="rId2">
+            <a:extLst>
+              <a:ext uri="{28A0092B-C50C-407E-A947-70E740481C1C}">
+                <a14:useLocalDpi xmlns:a14="http://schemas.microsoft.com/office/drawing/2010/main" val="0"/>
+              </a:ext>
+            </a:extLst>
+          </a:blip>
+          <a:srcRect/>
+          <a:stretch>
+            <a:fillRect/>
+          </a:stretch>
+        </p:blipFill>
+        <p:spPr bwMode="auto">
+          <a:xfrm>
+            <a:off x="9950744" y="230188"/>
+            <a:ext cx="2235200" cy="1257300"/>
+          </a:xfrm>
+          <a:prstGeom prst="rect">
+            <a:avLst/>
+          </a:prstGeom>
+          <a:noFill/>
+          <a:extLst>
+            <a:ext uri="{909E8E84-426E-40DD-AFC4-6F175D3DCCD1}">
+              <a14:hiddenFill xmlns:a14="http://schemas.microsoft.com/office/drawing/2010/main">
+                <a:solidFill>
+                  <a:srgbClr val="FFFFFF"/>
+                </a:solidFill>
+              </a14:hiddenFill>
+            </a:ext>
+          </a:extLst>
+        </p:spPr>
+      </p:pic>
     </p:spTree>
     <p:extLst>
       <p:ext uri="{BB962C8B-B14F-4D97-AF65-F5344CB8AC3E}">
@@ -9217,6 +10330,53 @@
           </a:p>
         </p:txBody>
       </p:sp>
+      <p:pic>
+        <p:nvPicPr>
+          <p:cNvPr id="5" name="Picture 4" descr="Docker Logo, history, meaning, symbol, PNG">
+            <a:extLst>
+              <a:ext uri="{FF2B5EF4-FFF2-40B4-BE49-F238E27FC236}">
+                <a16:creationId xmlns:a16="http://schemas.microsoft.com/office/drawing/2014/main" id="{9B9246CF-169B-6356-21D6-BFA9DFE0F678}"/>
+              </a:ext>
+            </a:extLst>
+          </p:cNvPr>
+          <p:cNvPicPr>
+            <a:picLocks noChangeAspect="1" noChangeArrowheads="1"/>
+          </p:cNvPicPr>
+          <p:nvPr/>
+        </p:nvPicPr>
+        <p:blipFill>
+          <a:blip r:embed="rId2">
+            <a:extLst>
+              <a:ext uri="{28A0092B-C50C-407E-A947-70E740481C1C}">
+                <a14:useLocalDpi xmlns:a14="http://schemas.microsoft.com/office/drawing/2010/main" val="0"/>
+              </a:ext>
+            </a:extLst>
+          </a:blip>
+          <a:srcRect/>
+          <a:stretch>
+            <a:fillRect/>
+          </a:stretch>
+        </p:blipFill>
+        <p:spPr bwMode="auto">
+          <a:xfrm>
+            <a:off x="9950744" y="230188"/>
+            <a:ext cx="2235200" cy="1257300"/>
+          </a:xfrm>
+          <a:prstGeom prst="rect">
+            <a:avLst/>
+          </a:prstGeom>
+          <a:noFill/>
+          <a:extLst>
+            <a:ext uri="{909E8E84-426E-40DD-AFC4-6F175D3DCCD1}">
+              <a14:hiddenFill xmlns:a14="http://schemas.microsoft.com/office/drawing/2010/main">
+                <a:solidFill>
+                  <a:srgbClr val="FFFFFF"/>
+                </a:solidFill>
+              </a14:hiddenFill>
+            </a:ext>
+          </a:extLst>
+        </p:spPr>
+      </p:pic>
     </p:spTree>
     <p:extLst>
       <p:ext uri="{BB962C8B-B14F-4D97-AF65-F5344CB8AC3E}">
@@ -9290,12 +10450,14 @@
         </p:nvSpPr>
         <p:spPr>
           <a:xfrm>
-            <a:off x="6126750" y="3563001"/>
+            <a:off x="6126750" y="3790185"/>
             <a:ext cx="1080000" cy="900000"/>
           </a:xfrm>
           <a:prstGeom prst="rect">
             <a:avLst/>
           </a:prstGeom>
+          <a:ln w="12700"/>
+          <a:effectLst/>
         </p:spPr>
         <p:style>
           <a:lnRef idx="2">
@@ -9340,12 +10502,14 @@
         </p:nvSpPr>
         <p:spPr>
           <a:xfrm>
-            <a:off x="8565650" y="3563001"/>
+            <a:off x="8565650" y="3790185"/>
             <a:ext cx="1080000" cy="900000"/>
           </a:xfrm>
           <a:prstGeom prst="rect">
             <a:avLst/>
           </a:prstGeom>
+          <a:ln w="12700"/>
+          <a:effectLst/>
         </p:spPr>
         <p:style>
           <a:lnRef idx="2">
@@ -9390,12 +10554,14 @@
         </p:nvSpPr>
         <p:spPr>
           <a:xfrm>
-            <a:off x="8565650" y="2084897"/>
+            <a:off x="8565650" y="2312081"/>
             <a:ext cx="1080000" cy="900000"/>
           </a:xfrm>
           <a:prstGeom prst="rect">
             <a:avLst/>
           </a:prstGeom>
+          <a:ln w="12700"/>
+          <a:effectLst/>
         </p:spPr>
         <p:style>
           <a:lnRef idx="2">
@@ -9440,12 +10606,14 @@
         </p:nvSpPr>
         <p:spPr>
           <a:xfrm>
-            <a:off x="8565650" y="5041105"/>
+            <a:off x="8565650" y="5268289"/>
             <a:ext cx="1080000" cy="900000"/>
           </a:xfrm>
           <a:prstGeom prst="rect">
             <a:avLst/>
           </a:prstGeom>
+          <a:ln w="12700"/>
+          <a:effectLst/>
         </p:spPr>
         <p:style>
           <a:lnRef idx="2">
@@ -9490,16 +10658,17 @@
         </p:nvSpPr>
         <p:spPr>
           <a:xfrm>
-            <a:off x="6106950" y="5041105"/>
+            <a:off x="6106950" y="5268289"/>
             <a:ext cx="1080000" cy="900000"/>
           </a:xfrm>
           <a:prstGeom prst="rect">
             <a:avLst/>
           </a:prstGeom>
           <a:noFill/>
-          <a:ln>
+          <a:ln w="12700">
             <a:prstDash val="sysDash"/>
           </a:ln>
+          <a:effectLst/>
         </p:spPr>
         <p:style>
           <a:lnRef idx="2">
@@ -9554,25 +10723,26 @@
         </p:nvCxnSpPr>
         <p:spPr>
           <a:xfrm>
-            <a:off x="9029700" y="4463001"/>
+            <a:off x="9029700" y="4690185"/>
             <a:ext cx="0" cy="578104"/>
           </a:xfrm>
           <a:prstGeom prst="straightConnector1">
             <a:avLst/>
           </a:prstGeom>
-          <a:ln>
+          <a:ln w="12700">
             <a:tailEnd type="triangle"/>
           </a:ln>
+          <a:effectLst/>
         </p:spPr>
         <p:style>
-          <a:lnRef idx="1">
-            <a:schemeClr val="accent1"/>
+          <a:lnRef idx="2">
+            <a:schemeClr val="dk1"/>
           </a:lnRef>
           <a:fillRef idx="0">
-            <a:schemeClr val="accent1"/>
+            <a:schemeClr val="dk1"/>
           </a:fillRef>
-          <a:effectRef idx="0">
-            <a:schemeClr val="accent1"/>
+          <a:effectRef idx="1">
+            <a:schemeClr val="dk1"/>
           </a:effectRef>
           <a:fontRef idx="minor">
             <a:schemeClr val="tx1"/>
@@ -9595,25 +10765,26 @@
         </p:nvCxnSpPr>
         <p:spPr>
           <a:xfrm flipV="1">
-            <a:off x="9169150" y="4463001"/>
+            <a:off x="9169150" y="4690185"/>
             <a:ext cx="0" cy="578104"/>
           </a:xfrm>
           <a:prstGeom prst="straightConnector1">
             <a:avLst/>
           </a:prstGeom>
-          <a:ln>
+          <a:ln w="12700">
             <a:tailEnd type="triangle"/>
           </a:ln>
+          <a:effectLst/>
         </p:spPr>
         <p:style>
-          <a:lnRef idx="1">
-            <a:schemeClr val="accent1"/>
+          <a:lnRef idx="2">
+            <a:schemeClr val="dk1"/>
           </a:lnRef>
           <a:fillRef idx="0">
-            <a:schemeClr val="accent1"/>
+            <a:schemeClr val="dk1"/>
           </a:fillRef>
-          <a:effectRef idx="0">
-            <a:schemeClr val="accent1"/>
+          <a:effectRef idx="1">
+            <a:schemeClr val="dk1"/>
           </a:effectRef>
           <a:fontRef idx="minor">
             <a:schemeClr val="tx1"/>
@@ -9636,25 +10807,26 @@
         </p:nvCxnSpPr>
         <p:spPr>
           <a:xfrm>
-            <a:off x="4481325" y="3917751"/>
+            <a:off x="4481325" y="4144935"/>
             <a:ext cx="1645425" cy="0"/>
           </a:xfrm>
           <a:prstGeom prst="straightConnector1">
             <a:avLst/>
           </a:prstGeom>
-          <a:ln>
+          <a:ln w="12700">
             <a:tailEnd type="triangle"/>
           </a:ln>
+          <a:effectLst/>
         </p:spPr>
         <p:style>
-          <a:lnRef idx="1">
-            <a:schemeClr val="accent1"/>
+          <a:lnRef idx="2">
+            <a:schemeClr val="dk1"/>
           </a:lnRef>
           <a:fillRef idx="0">
-            <a:schemeClr val="accent1"/>
+            <a:schemeClr val="dk1"/>
           </a:fillRef>
-          <a:effectRef idx="0">
-            <a:schemeClr val="accent1"/>
+          <a:effectRef idx="1">
+            <a:schemeClr val="dk1"/>
           </a:effectRef>
           <a:fontRef idx="minor">
             <a:schemeClr val="tx1"/>
@@ -9675,16 +10847,17 @@
         </p:nvSpPr>
         <p:spPr>
           <a:xfrm>
-            <a:off x="4720725" y="3676650"/>
+            <a:off x="4720725" y="3903834"/>
             <a:ext cx="1098550" cy="177800"/>
           </a:xfrm>
           <a:prstGeom prst="rect">
             <a:avLst/>
           </a:prstGeom>
           <a:noFill/>
-          <a:ln>
+          <a:ln w="12700">
             <a:noFill/>
           </a:ln>
+          <a:effectLst/>
         </p:spPr>
         <p:style>
           <a:lnRef idx="2">
@@ -9737,16 +10910,17 @@
         </p:nvSpPr>
         <p:spPr>
           <a:xfrm>
-            <a:off x="8070600" y="4617319"/>
+            <a:off x="8070600" y="4844503"/>
             <a:ext cx="1098550" cy="177800"/>
           </a:xfrm>
           <a:prstGeom prst="rect">
             <a:avLst/>
           </a:prstGeom>
           <a:noFill/>
-          <a:ln>
+          <a:ln w="12700">
             <a:noFill/>
           </a:ln>
+          <a:effectLst/>
         </p:spPr>
         <p:style>
           <a:lnRef idx="2">
@@ -9799,16 +10973,17 @@
         </p:nvSpPr>
         <p:spPr>
           <a:xfrm>
-            <a:off x="9017001" y="4645761"/>
+            <a:off x="9017001" y="4872945"/>
             <a:ext cx="1098550" cy="177800"/>
           </a:xfrm>
           <a:prstGeom prst="rect">
             <a:avLst/>
           </a:prstGeom>
           <a:noFill/>
-          <a:ln>
+          <a:ln w="12700">
             <a:noFill/>
           </a:ln>
+          <a:effectLst/>
         </p:spPr>
         <p:style>
           <a:lnRef idx="2">
@@ -9863,25 +11038,26 @@
         </p:nvCxnSpPr>
         <p:spPr>
           <a:xfrm>
-            <a:off x="6629400" y="4466043"/>
+            <a:off x="6629400" y="4693227"/>
             <a:ext cx="0" cy="578104"/>
           </a:xfrm>
           <a:prstGeom prst="straightConnector1">
             <a:avLst/>
           </a:prstGeom>
-          <a:ln>
+          <a:ln w="12700">
             <a:tailEnd type="triangle"/>
           </a:ln>
+          <a:effectLst/>
         </p:spPr>
         <p:style>
-          <a:lnRef idx="1">
-            <a:schemeClr val="accent1"/>
+          <a:lnRef idx="2">
+            <a:schemeClr val="dk1"/>
           </a:lnRef>
           <a:fillRef idx="0">
-            <a:schemeClr val="accent1"/>
+            <a:schemeClr val="dk1"/>
           </a:fillRef>
-          <a:effectRef idx="0">
-            <a:schemeClr val="accent1"/>
+          <a:effectRef idx="1">
+            <a:schemeClr val="dk1"/>
           </a:effectRef>
           <a:fontRef idx="minor">
             <a:schemeClr val="tx1"/>
@@ -9902,16 +11078,17 @@
         </p:nvSpPr>
         <p:spPr>
           <a:xfrm>
-            <a:off x="5711701" y="4645761"/>
+            <a:off x="5711701" y="4872945"/>
             <a:ext cx="1098550" cy="177800"/>
           </a:xfrm>
           <a:prstGeom prst="rect">
             <a:avLst/>
           </a:prstGeom>
           <a:noFill/>
-          <a:ln>
+          <a:ln w="12700">
             <a:noFill/>
           </a:ln>
+          <a:effectLst/>
         </p:spPr>
         <p:style>
           <a:lnRef idx="2">
@@ -9966,25 +11143,26 @@
         </p:nvCxnSpPr>
         <p:spPr>
           <a:xfrm flipV="1">
-            <a:off x="9023602" y="2976661"/>
+            <a:off x="9023602" y="3203845"/>
             <a:ext cx="0" cy="578104"/>
           </a:xfrm>
           <a:prstGeom prst="straightConnector1">
             <a:avLst/>
           </a:prstGeom>
-          <a:ln>
+          <a:ln w="12700">
             <a:tailEnd type="triangle"/>
           </a:ln>
+          <a:effectLst/>
         </p:spPr>
         <p:style>
-          <a:lnRef idx="1">
-            <a:schemeClr val="accent1"/>
+          <a:lnRef idx="2">
+            <a:schemeClr val="dk1"/>
           </a:lnRef>
           <a:fillRef idx="0">
-            <a:schemeClr val="accent1"/>
+            <a:schemeClr val="dk1"/>
           </a:fillRef>
-          <a:effectRef idx="0">
-            <a:schemeClr val="accent1"/>
+          <a:effectRef idx="1">
+            <a:schemeClr val="dk1"/>
           </a:effectRef>
           <a:fontRef idx="minor">
             <a:schemeClr val="tx1"/>
@@ -10007,25 +11185,26 @@
         </p:nvCxnSpPr>
         <p:spPr>
           <a:xfrm>
-            <a:off x="9163052" y="2976661"/>
+            <a:off x="9163052" y="3203845"/>
             <a:ext cx="0" cy="578104"/>
           </a:xfrm>
           <a:prstGeom prst="straightConnector1">
             <a:avLst/>
           </a:prstGeom>
-          <a:ln>
+          <a:ln w="12700">
             <a:tailEnd type="triangle"/>
           </a:ln>
+          <a:effectLst/>
         </p:spPr>
         <p:style>
-          <a:lnRef idx="1">
-            <a:schemeClr val="accent1"/>
+          <a:lnRef idx="2">
+            <a:schemeClr val="dk1"/>
           </a:lnRef>
           <a:fillRef idx="0">
-            <a:schemeClr val="accent1"/>
+            <a:schemeClr val="dk1"/>
           </a:fillRef>
-          <a:effectRef idx="0">
-            <a:schemeClr val="accent1"/>
+          <a:effectRef idx="1">
+            <a:schemeClr val="dk1"/>
           </a:effectRef>
           <a:fontRef idx="minor">
             <a:schemeClr val="tx1"/>
@@ -10046,16 +11225,17 @@
         </p:nvSpPr>
         <p:spPr>
           <a:xfrm>
-            <a:off x="8073525" y="3141983"/>
+            <a:off x="8073525" y="3369167"/>
             <a:ext cx="1098550" cy="177800"/>
           </a:xfrm>
           <a:prstGeom prst="rect">
             <a:avLst/>
           </a:prstGeom>
           <a:noFill/>
-          <a:ln>
+          <a:ln w="12700">
             <a:noFill/>
           </a:ln>
+          <a:effectLst/>
         </p:spPr>
         <p:style>
           <a:lnRef idx="2">
@@ -10108,16 +11288,17 @@
         </p:nvSpPr>
         <p:spPr>
           <a:xfrm>
-            <a:off x="9150603" y="3159421"/>
+            <a:off x="9150603" y="3386605"/>
             <a:ext cx="1098550" cy="177800"/>
           </a:xfrm>
           <a:prstGeom prst="rect">
             <a:avLst/>
           </a:prstGeom>
           <a:noFill/>
-          <a:ln>
+          <a:ln w="12700">
             <a:noFill/>
           </a:ln>
+          <a:effectLst/>
         </p:spPr>
         <p:style>
           <a:lnRef idx="2">
@@ -10170,12 +11351,14 @@
         </p:nvSpPr>
         <p:spPr>
           <a:xfrm>
-            <a:off x="3401325" y="3554014"/>
+            <a:off x="3401325" y="3781198"/>
             <a:ext cx="1080000" cy="900000"/>
           </a:xfrm>
           <a:prstGeom prst="rect">
             <a:avLst/>
           </a:prstGeom>
+          <a:ln w="12700"/>
+          <a:effectLst/>
         </p:spPr>
         <p:style>
           <a:lnRef idx="2">
@@ -10222,25 +11405,26 @@
         </p:nvCxnSpPr>
         <p:spPr>
           <a:xfrm>
-            <a:off x="4481325" y="4093764"/>
+            <a:off x="4481325" y="4320948"/>
             <a:ext cx="1645425" cy="0"/>
           </a:xfrm>
           <a:prstGeom prst="straightConnector1">
             <a:avLst/>
           </a:prstGeom>
-          <a:ln>
+          <a:ln w="12700">
             <a:tailEnd type="triangle"/>
           </a:ln>
+          <a:effectLst/>
         </p:spPr>
         <p:style>
-          <a:lnRef idx="1">
-            <a:schemeClr val="accent1"/>
+          <a:lnRef idx="2">
+            <a:schemeClr val="dk1"/>
           </a:lnRef>
           <a:fillRef idx="0">
-            <a:schemeClr val="accent1"/>
+            <a:schemeClr val="dk1"/>
           </a:fillRef>
-          <a:effectRef idx="0">
-            <a:schemeClr val="accent1"/>
+          <a:effectRef idx="1">
+            <a:schemeClr val="dk1"/>
           </a:effectRef>
           <a:fontRef idx="minor">
             <a:schemeClr val="tx1"/>
@@ -10261,16 +11445,17 @@
         </p:nvSpPr>
         <p:spPr>
           <a:xfrm>
-            <a:off x="4720725" y="4125713"/>
+            <a:off x="4720725" y="4352897"/>
             <a:ext cx="1098550" cy="177800"/>
           </a:xfrm>
           <a:prstGeom prst="rect">
             <a:avLst/>
           </a:prstGeom>
           <a:noFill/>
-          <a:ln>
+          <a:ln w="12700">
             <a:noFill/>
           </a:ln>
+          <a:effectLst/>
         </p:spPr>
         <p:style>
           <a:lnRef idx="2">
@@ -10325,25 +11510,26 @@
         </p:nvCxnSpPr>
         <p:spPr>
           <a:xfrm>
-            <a:off x="7210925" y="3898701"/>
+            <a:off x="7210925" y="4125885"/>
             <a:ext cx="1345200" cy="0"/>
           </a:xfrm>
           <a:prstGeom prst="straightConnector1">
             <a:avLst/>
           </a:prstGeom>
-          <a:ln>
+          <a:ln w="12700">
             <a:tailEnd type="triangle"/>
           </a:ln>
+          <a:effectLst/>
         </p:spPr>
         <p:style>
-          <a:lnRef idx="1">
-            <a:schemeClr val="accent1"/>
+          <a:lnRef idx="2">
+            <a:schemeClr val="dk1"/>
           </a:lnRef>
           <a:fillRef idx="0">
-            <a:schemeClr val="accent1"/>
+            <a:schemeClr val="dk1"/>
           </a:fillRef>
-          <a:effectRef idx="0">
-            <a:schemeClr val="accent1"/>
+          <a:effectRef idx="1">
+            <a:schemeClr val="dk1"/>
           </a:effectRef>
           <a:fontRef idx="minor">
             <a:schemeClr val="tx1"/>
@@ -10364,16 +11550,17 @@
         </p:nvSpPr>
         <p:spPr>
           <a:xfrm>
-            <a:off x="7334250" y="3657600"/>
+            <a:off x="7334250" y="3884784"/>
             <a:ext cx="1098550" cy="177800"/>
           </a:xfrm>
           <a:prstGeom prst="rect">
             <a:avLst/>
           </a:prstGeom>
           <a:noFill/>
-          <a:ln>
+          <a:ln w="12700">
             <a:noFill/>
           </a:ln>
+          <a:effectLst/>
         </p:spPr>
         <p:style>
           <a:lnRef idx="2">
@@ -10428,26 +11615,27 @@
         </p:nvCxnSpPr>
         <p:spPr>
           <a:xfrm>
-            <a:off x="7210925" y="4081064"/>
+            <a:off x="7210925" y="4308248"/>
             <a:ext cx="1345200" cy="0"/>
           </a:xfrm>
           <a:prstGeom prst="straightConnector1">
             <a:avLst/>
           </a:prstGeom>
-          <a:ln>
+          <a:ln w="12700">
             <a:prstDash val="dash"/>
             <a:tailEnd type="triangle"/>
           </a:ln>
+          <a:effectLst/>
         </p:spPr>
         <p:style>
-          <a:lnRef idx="1">
-            <a:schemeClr val="accent1"/>
+          <a:lnRef idx="2">
+            <a:schemeClr val="dk1"/>
           </a:lnRef>
           <a:fillRef idx="0">
-            <a:schemeClr val="accent1"/>
+            <a:schemeClr val="dk1"/>
           </a:fillRef>
-          <a:effectRef idx="0">
-            <a:schemeClr val="accent1"/>
+          <a:effectRef idx="1">
+            <a:schemeClr val="dk1"/>
           </a:effectRef>
           <a:fontRef idx="minor">
             <a:schemeClr val="tx1"/>
@@ -10468,16 +11656,17 @@
         </p:nvSpPr>
         <p:spPr>
           <a:xfrm>
-            <a:off x="7334250" y="4106663"/>
+            <a:off x="7334250" y="4333847"/>
             <a:ext cx="1098550" cy="177800"/>
           </a:xfrm>
           <a:prstGeom prst="rect">
             <a:avLst/>
           </a:prstGeom>
           <a:noFill/>
-          <a:ln>
+          <a:ln w="12700">
             <a:noFill/>
           </a:ln>
+          <a:effectLst/>
         </p:spPr>
         <p:style>
           <a:lnRef idx="2">
@@ -10532,25 +11721,26 @@
         </p:nvCxnSpPr>
         <p:spPr>
           <a:xfrm flipH="1">
-            <a:off x="7198225" y="5505251"/>
+            <a:off x="7198225" y="5732435"/>
             <a:ext cx="1345200" cy="0"/>
           </a:xfrm>
           <a:prstGeom prst="straightConnector1">
             <a:avLst/>
           </a:prstGeom>
-          <a:ln>
+          <a:ln w="12700">
             <a:tailEnd type="triangle"/>
           </a:ln>
+          <a:effectLst/>
         </p:spPr>
         <p:style>
-          <a:lnRef idx="1">
-            <a:schemeClr val="accent1"/>
+          <a:lnRef idx="2">
+            <a:schemeClr val="dk1"/>
           </a:lnRef>
           <a:fillRef idx="0">
-            <a:schemeClr val="accent1"/>
+            <a:schemeClr val="dk1"/>
           </a:fillRef>
-          <a:effectRef idx="0">
-            <a:schemeClr val="accent1"/>
+          <a:effectRef idx="1">
+            <a:schemeClr val="dk1"/>
           </a:effectRef>
           <a:fontRef idx="minor">
             <a:schemeClr val="tx1"/>
@@ -10571,16 +11761,17 @@
         </p:nvSpPr>
         <p:spPr>
           <a:xfrm>
-            <a:off x="7321550" y="5264150"/>
+            <a:off x="7321550" y="5491334"/>
             <a:ext cx="1098550" cy="177800"/>
           </a:xfrm>
           <a:prstGeom prst="rect">
             <a:avLst/>
           </a:prstGeom>
           <a:noFill/>
-          <a:ln>
+          <a:ln w="12700">
             <a:noFill/>
           </a:ln>
+          <a:effectLst/>
         </p:spPr>
         <p:style>
           <a:lnRef idx="2">
@@ -10633,16 +11824,17 @@
         </p:nvSpPr>
         <p:spPr>
           <a:xfrm>
-            <a:off x="3394475" y="5041105"/>
+            <a:off x="3394475" y="5268289"/>
             <a:ext cx="1080000" cy="900000"/>
           </a:xfrm>
           <a:prstGeom prst="rect">
             <a:avLst/>
           </a:prstGeom>
           <a:noFill/>
-          <a:ln>
+          <a:ln w="12700">
             <a:prstDash val="sysDash"/>
           </a:ln>
+          <a:effectLst/>
         </p:spPr>
         <p:style>
           <a:lnRef idx="2">
@@ -10697,25 +11889,26 @@
         </p:nvCxnSpPr>
         <p:spPr>
           <a:xfrm>
-            <a:off x="3916925" y="4466043"/>
+            <a:off x="3916925" y="4693227"/>
             <a:ext cx="0" cy="578104"/>
           </a:xfrm>
           <a:prstGeom prst="straightConnector1">
             <a:avLst/>
           </a:prstGeom>
-          <a:ln>
+          <a:ln w="12700">
             <a:tailEnd type="triangle"/>
           </a:ln>
+          <a:effectLst/>
         </p:spPr>
         <p:style>
-          <a:lnRef idx="1">
-            <a:schemeClr val="accent1"/>
+          <a:lnRef idx="2">
+            <a:schemeClr val="dk1"/>
           </a:lnRef>
           <a:fillRef idx="0">
-            <a:schemeClr val="accent1"/>
+            <a:schemeClr val="dk1"/>
           </a:fillRef>
-          <a:effectRef idx="0">
-            <a:schemeClr val="accent1"/>
+          <a:effectRef idx="1">
+            <a:schemeClr val="dk1"/>
           </a:effectRef>
           <a:fontRef idx="minor">
             <a:schemeClr val="tx1"/>
@@ -10736,16 +11929,17 @@
         </p:nvSpPr>
         <p:spPr>
           <a:xfrm>
-            <a:off x="3084452" y="4646630"/>
+            <a:off x="3084452" y="4873814"/>
             <a:ext cx="1098550" cy="177800"/>
           </a:xfrm>
           <a:prstGeom prst="rect">
             <a:avLst/>
           </a:prstGeom>
           <a:noFill/>
-          <a:ln>
+          <a:ln w="12700">
             <a:noFill/>
           </a:ln>
+          <a:effectLst/>
         </p:spPr>
         <p:style>
           <a:lnRef idx="2">
@@ -10798,13 +11992,15 @@
         </p:nvSpPr>
         <p:spPr>
           <a:xfrm>
-            <a:off x="5854700" y="1587500"/>
+            <a:off x="5854700" y="1814684"/>
             <a:ext cx="4787898" cy="4559300"/>
           </a:xfrm>
           <a:prstGeom prst="rect">
             <a:avLst/>
           </a:prstGeom>
           <a:noFill/>
+          <a:ln w="12700"/>
+          <a:effectLst/>
         </p:spPr>
         <p:style>
           <a:lnRef idx="2">
@@ -10857,13 +12053,15 @@
         </p:nvSpPr>
         <p:spPr>
           <a:xfrm>
-            <a:off x="3162051" y="1584664"/>
+            <a:off x="3162051" y="1811848"/>
             <a:ext cx="1521574" cy="4559300"/>
           </a:xfrm>
           <a:prstGeom prst="rect">
             <a:avLst/>
           </a:prstGeom>
           <a:noFill/>
+          <a:ln w="12700"/>
+          <a:effectLst/>
         </p:spPr>
         <p:style>
           <a:lnRef idx="2">
@@ -10918,25 +12116,26 @@
         </p:nvCxnSpPr>
         <p:spPr>
           <a:xfrm>
-            <a:off x="1744475" y="3917751"/>
+            <a:off x="1744475" y="4144935"/>
             <a:ext cx="1645425" cy="0"/>
           </a:xfrm>
           <a:prstGeom prst="straightConnector1">
             <a:avLst/>
           </a:prstGeom>
-          <a:ln>
+          <a:ln w="12700">
             <a:tailEnd type="triangle"/>
           </a:ln>
+          <a:effectLst/>
         </p:spPr>
         <p:style>
-          <a:lnRef idx="1">
-            <a:schemeClr val="accent1"/>
+          <a:lnRef idx="2">
+            <a:schemeClr val="dk1"/>
           </a:lnRef>
           <a:fillRef idx="0">
-            <a:schemeClr val="accent1"/>
+            <a:schemeClr val="dk1"/>
           </a:fillRef>
-          <a:effectRef idx="0">
-            <a:schemeClr val="accent1"/>
+          <a:effectRef idx="1">
+            <a:schemeClr val="dk1"/>
           </a:effectRef>
           <a:fontRef idx="minor">
             <a:schemeClr val="tx1"/>
@@ -10957,16 +12156,17 @@
         </p:nvSpPr>
         <p:spPr>
           <a:xfrm>
-            <a:off x="1983875" y="3676650"/>
+            <a:off x="1983875" y="3903834"/>
             <a:ext cx="1098550" cy="177800"/>
           </a:xfrm>
           <a:prstGeom prst="rect">
             <a:avLst/>
           </a:prstGeom>
           <a:noFill/>
-          <a:ln>
+          <a:ln w="12700">
             <a:noFill/>
           </a:ln>
+          <a:effectLst/>
         </p:spPr>
         <p:style>
           <a:lnRef idx="2">
@@ -11021,25 +12221,26 @@
         </p:nvCxnSpPr>
         <p:spPr>
           <a:xfrm>
-            <a:off x="1744475" y="4093764"/>
+            <a:off x="1744475" y="4320948"/>
             <a:ext cx="1645425" cy="0"/>
           </a:xfrm>
           <a:prstGeom prst="straightConnector1">
             <a:avLst/>
           </a:prstGeom>
-          <a:ln>
+          <a:ln w="12700">
             <a:tailEnd type="triangle"/>
           </a:ln>
+          <a:effectLst/>
         </p:spPr>
         <p:style>
-          <a:lnRef idx="1">
-            <a:schemeClr val="accent1"/>
+          <a:lnRef idx="2">
+            <a:schemeClr val="dk1"/>
           </a:lnRef>
           <a:fillRef idx="0">
-            <a:schemeClr val="accent1"/>
+            <a:schemeClr val="dk1"/>
           </a:fillRef>
-          <a:effectRef idx="0">
-            <a:schemeClr val="accent1"/>
+          <a:effectRef idx="1">
+            <a:schemeClr val="dk1"/>
           </a:effectRef>
           <a:fontRef idx="minor">
             <a:schemeClr val="tx1"/>
@@ -11060,16 +12261,17 @@
         </p:nvSpPr>
         <p:spPr>
           <a:xfrm>
-            <a:off x="1983875" y="4125713"/>
+            <a:off x="1983875" y="4352897"/>
             <a:ext cx="1098550" cy="177800"/>
           </a:xfrm>
           <a:prstGeom prst="rect">
             <a:avLst/>
           </a:prstGeom>
           <a:noFill/>
-          <a:ln>
+          <a:ln w="12700">
             <a:noFill/>
           </a:ln>
+          <a:effectLst/>
         </p:spPr>
         <p:style>
           <a:lnRef idx="2">
@@ -11108,6 +12310,53 @@
           </a:p>
         </p:txBody>
       </p:sp>
+      <p:pic>
+        <p:nvPicPr>
+          <p:cNvPr id="3" name="Picture 2" descr="Docker Logo, history, meaning, symbol, PNG">
+            <a:extLst>
+              <a:ext uri="{FF2B5EF4-FFF2-40B4-BE49-F238E27FC236}">
+                <a16:creationId xmlns:a16="http://schemas.microsoft.com/office/drawing/2014/main" id="{E0026CB7-28B9-55DD-6C56-B3AE0034C625}"/>
+              </a:ext>
+            </a:extLst>
+          </p:cNvPr>
+          <p:cNvPicPr>
+            <a:picLocks noChangeAspect="1" noChangeArrowheads="1"/>
+          </p:cNvPicPr>
+          <p:nvPr/>
+        </p:nvPicPr>
+        <p:blipFill>
+          <a:blip r:embed="rId2">
+            <a:extLst>
+              <a:ext uri="{28A0092B-C50C-407E-A947-70E740481C1C}">
+                <a14:useLocalDpi xmlns:a14="http://schemas.microsoft.com/office/drawing/2010/main" val="0"/>
+              </a:ext>
+            </a:extLst>
+          </a:blip>
+          <a:srcRect/>
+          <a:stretch>
+            <a:fillRect/>
+          </a:stretch>
+        </p:blipFill>
+        <p:spPr bwMode="auto">
+          <a:xfrm>
+            <a:off x="9950744" y="230188"/>
+            <a:ext cx="2235200" cy="1257300"/>
+          </a:xfrm>
+          <a:prstGeom prst="rect">
+            <a:avLst/>
+          </a:prstGeom>
+          <a:noFill/>
+          <a:extLst>
+            <a:ext uri="{909E8E84-426E-40DD-AFC4-6F175D3DCCD1}">
+              <a14:hiddenFill xmlns:a14="http://schemas.microsoft.com/office/drawing/2010/main">
+                <a:solidFill>
+                  <a:srgbClr val="FFFFFF"/>
+                </a:solidFill>
+              </a14:hiddenFill>
+            </a:ext>
+          </a:extLst>
+        </p:spPr>
+      </p:pic>
     </p:spTree>
     <p:extLst>
       <p:ext uri="{BB962C8B-B14F-4D97-AF65-F5344CB8AC3E}">
@@ -11310,6 +12559,53 @@
           </a:p>
         </p:txBody>
       </p:sp>
+      <p:pic>
+        <p:nvPicPr>
+          <p:cNvPr id="5" name="Picture 4" descr="Docker Logo, history, meaning, symbol, PNG">
+            <a:extLst>
+              <a:ext uri="{FF2B5EF4-FFF2-40B4-BE49-F238E27FC236}">
+                <a16:creationId xmlns:a16="http://schemas.microsoft.com/office/drawing/2014/main" id="{A8FD6DFF-C6A8-A8D5-07AD-751B4C7B7F45}"/>
+              </a:ext>
+            </a:extLst>
+          </p:cNvPr>
+          <p:cNvPicPr>
+            <a:picLocks noChangeAspect="1" noChangeArrowheads="1"/>
+          </p:cNvPicPr>
+          <p:nvPr/>
+        </p:nvPicPr>
+        <p:blipFill>
+          <a:blip r:embed="rId3">
+            <a:extLst>
+              <a:ext uri="{28A0092B-C50C-407E-A947-70E740481C1C}">
+                <a14:useLocalDpi xmlns:a14="http://schemas.microsoft.com/office/drawing/2010/main" val="0"/>
+              </a:ext>
+            </a:extLst>
+          </a:blip>
+          <a:srcRect/>
+          <a:stretch>
+            <a:fillRect/>
+          </a:stretch>
+        </p:blipFill>
+        <p:spPr bwMode="auto">
+          <a:xfrm>
+            <a:off x="9950744" y="230188"/>
+            <a:ext cx="2235200" cy="1257300"/>
+          </a:xfrm>
+          <a:prstGeom prst="rect">
+            <a:avLst/>
+          </a:prstGeom>
+          <a:noFill/>
+          <a:extLst>
+            <a:ext uri="{909E8E84-426E-40DD-AFC4-6F175D3DCCD1}">
+              <a14:hiddenFill xmlns:a14="http://schemas.microsoft.com/office/drawing/2010/main">
+                <a:solidFill>
+                  <a:srgbClr val="FFFFFF"/>
+                </a:solidFill>
+              </a14:hiddenFill>
+            </a:ext>
+          </a:extLst>
+        </p:spPr>
+      </p:pic>
     </p:spTree>
     <p:extLst>
       <p:ext uri="{BB962C8B-B14F-4D97-AF65-F5344CB8AC3E}">
@@ -11491,6 +12787,53 @@
           </a:p>
         </p:txBody>
       </p:sp>
+      <p:pic>
+        <p:nvPicPr>
+          <p:cNvPr id="5" name="Picture 4" descr="Docker Logo, history, meaning, symbol, PNG">
+            <a:extLst>
+              <a:ext uri="{FF2B5EF4-FFF2-40B4-BE49-F238E27FC236}">
+                <a16:creationId xmlns:a16="http://schemas.microsoft.com/office/drawing/2014/main" id="{EBEA9F6C-8F82-A460-2787-60D3712F0EA0}"/>
+              </a:ext>
+            </a:extLst>
+          </p:cNvPr>
+          <p:cNvPicPr>
+            <a:picLocks noChangeAspect="1" noChangeArrowheads="1"/>
+          </p:cNvPicPr>
+          <p:nvPr/>
+        </p:nvPicPr>
+        <p:blipFill>
+          <a:blip r:embed="rId3">
+            <a:extLst>
+              <a:ext uri="{28A0092B-C50C-407E-A947-70E740481C1C}">
+                <a14:useLocalDpi xmlns:a14="http://schemas.microsoft.com/office/drawing/2010/main" val="0"/>
+              </a:ext>
+            </a:extLst>
+          </a:blip>
+          <a:srcRect/>
+          <a:stretch>
+            <a:fillRect/>
+          </a:stretch>
+        </p:blipFill>
+        <p:spPr bwMode="auto">
+          <a:xfrm>
+            <a:off x="9950744" y="230188"/>
+            <a:ext cx="2235200" cy="1257300"/>
+          </a:xfrm>
+          <a:prstGeom prst="rect">
+            <a:avLst/>
+          </a:prstGeom>
+          <a:noFill/>
+          <a:extLst>
+            <a:ext uri="{909E8E84-426E-40DD-AFC4-6F175D3DCCD1}">
+              <a14:hiddenFill xmlns:a14="http://schemas.microsoft.com/office/drawing/2010/main">
+                <a:solidFill>
+                  <a:srgbClr val="FFFFFF"/>
+                </a:solidFill>
+              </a14:hiddenFill>
+            </a:ext>
+          </a:extLst>
+        </p:spPr>
+      </p:pic>
     </p:spTree>
     <p:extLst>
       <p:ext uri="{BB962C8B-B14F-4D97-AF65-F5344CB8AC3E}">
@@ -11587,10 +12930,69 @@
               <a:rPr lang="en-AU" dirty="0"/>
               <a:t>How to do container orchestration</a:t>
             </a:r>
+          </a:p>
+          <a:p>
+            <a:r>
+              <a:rPr lang="en-AU" dirty="0"/>
+              <a:t>How to publish images</a:t>
+            </a:r>
+          </a:p>
+          <a:p>
+            <a:r>
+              <a:rPr lang="en-AU" dirty="0"/>
+              <a:t>How to work with containers in the cloud</a:t>
+            </a:r>
             <a:endParaRPr lang="en-US" dirty="0"/>
           </a:p>
         </p:txBody>
       </p:sp>
+      <p:pic>
+        <p:nvPicPr>
+          <p:cNvPr id="5" name="Picture 2" descr="Docker Logo, history, meaning, symbol, PNG">
+            <a:extLst>
+              <a:ext uri="{FF2B5EF4-FFF2-40B4-BE49-F238E27FC236}">
+                <a16:creationId xmlns:a16="http://schemas.microsoft.com/office/drawing/2014/main" id="{93FC8BA0-A0CE-FBCC-7CC6-2A401B6DDE52}"/>
+              </a:ext>
+            </a:extLst>
+          </p:cNvPr>
+          <p:cNvPicPr>
+            <a:picLocks noChangeAspect="1" noChangeArrowheads="1"/>
+          </p:cNvPicPr>
+          <p:nvPr/>
+        </p:nvPicPr>
+        <p:blipFill>
+          <a:blip r:embed="rId2">
+            <a:extLst>
+              <a:ext uri="{28A0092B-C50C-407E-A947-70E740481C1C}">
+                <a14:useLocalDpi xmlns:a14="http://schemas.microsoft.com/office/drawing/2010/main" val="0"/>
+              </a:ext>
+            </a:extLst>
+          </a:blip>
+          <a:srcRect/>
+          <a:stretch>
+            <a:fillRect/>
+          </a:stretch>
+        </p:blipFill>
+        <p:spPr bwMode="auto">
+          <a:xfrm>
+            <a:off x="9950744" y="230188"/>
+            <a:ext cx="2235200" cy="1257300"/>
+          </a:xfrm>
+          <a:prstGeom prst="rect">
+            <a:avLst/>
+          </a:prstGeom>
+          <a:noFill/>
+          <a:extLst>
+            <a:ext uri="{909E8E84-426E-40DD-AFC4-6F175D3DCCD1}">
+              <a14:hiddenFill xmlns:a14="http://schemas.microsoft.com/office/drawing/2010/main">
+                <a:solidFill>
+                  <a:srgbClr val="FFFFFF"/>
+                </a:solidFill>
+              </a14:hiddenFill>
+            </a:ext>
+          </a:extLst>
+        </p:spPr>
+      </p:pic>
     </p:spTree>
     <p:extLst>
       <p:ext uri="{BB962C8B-B14F-4D97-AF65-F5344CB8AC3E}">
@@ -11727,6 +13129,53 @@
           </a:p>
         </p:txBody>
       </p:sp>
+      <p:pic>
+        <p:nvPicPr>
+          <p:cNvPr id="5" name="Picture 4" descr="Docker Logo, history, meaning, symbol, PNG">
+            <a:extLst>
+              <a:ext uri="{FF2B5EF4-FFF2-40B4-BE49-F238E27FC236}">
+                <a16:creationId xmlns:a16="http://schemas.microsoft.com/office/drawing/2014/main" id="{3FC59774-5234-09A3-98D6-932CC22F9B29}"/>
+              </a:ext>
+            </a:extLst>
+          </p:cNvPr>
+          <p:cNvPicPr>
+            <a:picLocks noChangeAspect="1" noChangeArrowheads="1"/>
+          </p:cNvPicPr>
+          <p:nvPr/>
+        </p:nvPicPr>
+        <p:blipFill>
+          <a:blip r:embed="rId3">
+            <a:extLst>
+              <a:ext uri="{28A0092B-C50C-407E-A947-70E740481C1C}">
+                <a14:useLocalDpi xmlns:a14="http://schemas.microsoft.com/office/drawing/2010/main" val="0"/>
+              </a:ext>
+            </a:extLst>
+          </a:blip>
+          <a:srcRect/>
+          <a:stretch>
+            <a:fillRect/>
+          </a:stretch>
+        </p:blipFill>
+        <p:spPr bwMode="auto">
+          <a:xfrm>
+            <a:off x="9950744" y="230188"/>
+            <a:ext cx="2235200" cy="1257300"/>
+          </a:xfrm>
+          <a:prstGeom prst="rect">
+            <a:avLst/>
+          </a:prstGeom>
+          <a:noFill/>
+          <a:extLst>
+            <a:ext uri="{909E8E84-426E-40DD-AFC4-6F175D3DCCD1}">
+              <a14:hiddenFill xmlns:a14="http://schemas.microsoft.com/office/drawing/2010/main">
+                <a:solidFill>
+                  <a:srgbClr val="FFFFFF"/>
+                </a:solidFill>
+              </a14:hiddenFill>
+            </a:ext>
+          </a:extLst>
+        </p:spPr>
+      </p:pic>
     </p:spTree>
     <p:extLst>
       <p:ext uri="{BB962C8B-B14F-4D97-AF65-F5344CB8AC3E}">
@@ -11780,9 +13229,9 @@
           <a:p>
             <a:r>
               <a:rPr lang="en-AU" dirty="0"/>
-              <a:t>Running a Docker container (create and start)</a:t>
-            </a:r>
-            <a:endParaRPr lang="en-US" dirty="0"/>
+              <a:t>Running a Docker container </a:t>
+            </a:r>
+            <a:endParaRPr lang="en-US" sz="2800" dirty="0"/>
           </a:p>
         </p:txBody>
       </p:sp>
@@ -11920,6 +13369,53 @@
           </a:p>
         </p:txBody>
       </p:sp>
+      <p:pic>
+        <p:nvPicPr>
+          <p:cNvPr id="5" name="Picture 4" descr="Docker Logo, history, meaning, symbol, PNG">
+            <a:extLst>
+              <a:ext uri="{FF2B5EF4-FFF2-40B4-BE49-F238E27FC236}">
+                <a16:creationId xmlns:a16="http://schemas.microsoft.com/office/drawing/2014/main" id="{8F86F28A-CBA7-78FD-7495-395DED2036E3}"/>
+              </a:ext>
+            </a:extLst>
+          </p:cNvPr>
+          <p:cNvPicPr>
+            <a:picLocks noChangeAspect="1" noChangeArrowheads="1"/>
+          </p:cNvPicPr>
+          <p:nvPr/>
+        </p:nvPicPr>
+        <p:blipFill>
+          <a:blip r:embed="rId3">
+            <a:extLst>
+              <a:ext uri="{28A0092B-C50C-407E-A947-70E740481C1C}">
+                <a14:useLocalDpi xmlns:a14="http://schemas.microsoft.com/office/drawing/2010/main" val="0"/>
+              </a:ext>
+            </a:extLst>
+          </a:blip>
+          <a:srcRect/>
+          <a:stretch>
+            <a:fillRect/>
+          </a:stretch>
+        </p:blipFill>
+        <p:spPr bwMode="auto">
+          <a:xfrm>
+            <a:off x="9950744" y="230188"/>
+            <a:ext cx="2235200" cy="1257300"/>
+          </a:xfrm>
+          <a:prstGeom prst="rect">
+            <a:avLst/>
+          </a:prstGeom>
+          <a:noFill/>
+          <a:extLst>
+            <a:ext uri="{909E8E84-426E-40DD-AFC4-6F175D3DCCD1}">
+              <a14:hiddenFill xmlns:a14="http://schemas.microsoft.com/office/drawing/2010/main">
+                <a:solidFill>
+                  <a:srgbClr val="FFFFFF"/>
+                </a:solidFill>
+              </a14:hiddenFill>
+            </a:ext>
+          </a:extLst>
+        </p:spPr>
+      </p:pic>
     </p:spTree>
     <p:extLst>
       <p:ext uri="{BB962C8B-B14F-4D97-AF65-F5344CB8AC3E}">
@@ -12137,6 +13633,53 @@
           </a:p>
         </p:txBody>
       </p:sp>
+      <p:pic>
+        <p:nvPicPr>
+          <p:cNvPr id="4" name="Picture 3" descr="Docker Logo, history, meaning, symbol, PNG">
+            <a:extLst>
+              <a:ext uri="{FF2B5EF4-FFF2-40B4-BE49-F238E27FC236}">
+                <a16:creationId xmlns:a16="http://schemas.microsoft.com/office/drawing/2014/main" id="{43A8C7B1-FF24-CEB3-9D74-30EE39A7C100}"/>
+              </a:ext>
+            </a:extLst>
+          </p:cNvPr>
+          <p:cNvPicPr>
+            <a:picLocks noChangeAspect="1" noChangeArrowheads="1"/>
+          </p:cNvPicPr>
+          <p:nvPr/>
+        </p:nvPicPr>
+        <p:blipFill>
+          <a:blip r:embed="rId3">
+            <a:extLst>
+              <a:ext uri="{28A0092B-C50C-407E-A947-70E740481C1C}">
+                <a14:useLocalDpi xmlns:a14="http://schemas.microsoft.com/office/drawing/2010/main" val="0"/>
+              </a:ext>
+            </a:extLst>
+          </a:blip>
+          <a:srcRect/>
+          <a:stretch>
+            <a:fillRect/>
+          </a:stretch>
+        </p:blipFill>
+        <p:spPr bwMode="auto">
+          <a:xfrm>
+            <a:off x="9950744" y="230188"/>
+            <a:ext cx="2235200" cy="1257300"/>
+          </a:xfrm>
+          <a:prstGeom prst="rect">
+            <a:avLst/>
+          </a:prstGeom>
+          <a:noFill/>
+          <a:extLst>
+            <a:ext uri="{909E8E84-426E-40DD-AFC4-6F175D3DCCD1}">
+              <a14:hiddenFill xmlns:a14="http://schemas.microsoft.com/office/drawing/2010/main">
+                <a:solidFill>
+                  <a:srgbClr val="FFFFFF"/>
+                </a:solidFill>
+              </a14:hiddenFill>
+            </a:ext>
+          </a:extLst>
+        </p:spPr>
+      </p:pic>
     </p:spTree>
     <p:extLst>
       <p:ext uri="{BB962C8B-B14F-4D97-AF65-F5344CB8AC3E}">
@@ -12354,6 +13897,53 @@
           </a:p>
         </p:txBody>
       </p:sp>
+      <p:pic>
+        <p:nvPicPr>
+          <p:cNvPr id="4" name="Picture 3" descr="Docker Logo, history, meaning, symbol, PNG">
+            <a:extLst>
+              <a:ext uri="{FF2B5EF4-FFF2-40B4-BE49-F238E27FC236}">
+                <a16:creationId xmlns:a16="http://schemas.microsoft.com/office/drawing/2014/main" id="{576C1617-474E-273F-428D-BDB8D4A33F6D}"/>
+              </a:ext>
+            </a:extLst>
+          </p:cNvPr>
+          <p:cNvPicPr>
+            <a:picLocks noChangeAspect="1" noChangeArrowheads="1"/>
+          </p:cNvPicPr>
+          <p:nvPr/>
+        </p:nvPicPr>
+        <p:blipFill>
+          <a:blip r:embed="rId3">
+            <a:extLst>
+              <a:ext uri="{28A0092B-C50C-407E-A947-70E740481C1C}">
+                <a14:useLocalDpi xmlns:a14="http://schemas.microsoft.com/office/drawing/2010/main" val="0"/>
+              </a:ext>
+            </a:extLst>
+          </a:blip>
+          <a:srcRect/>
+          <a:stretch>
+            <a:fillRect/>
+          </a:stretch>
+        </p:blipFill>
+        <p:spPr bwMode="auto">
+          <a:xfrm>
+            <a:off x="9950744" y="230188"/>
+            <a:ext cx="2235200" cy="1257300"/>
+          </a:xfrm>
+          <a:prstGeom prst="rect">
+            <a:avLst/>
+          </a:prstGeom>
+          <a:noFill/>
+          <a:extLst>
+            <a:ext uri="{909E8E84-426E-40DD-AFC4-6F175D3DCCD1}">
+              <a14:hiddenFill xmlns:a14="http://schemas.microsoft.com/office/drawing/2010/main">
+                <a:solidFill>
+                  <a:srgbClr val="FFFFFF"/>
+                </a:solidFill>
+              </a14:hiddenFill>
+            </a:ext>
+          </a:extLst>
+        </p:spPr>
+      </p:pic>
     </p:spTree>
     <p:extLst>
       <p:ext uri="{BB962C8B-B14F-4D97-AF65-F5344CB8AC3E}">
@@ -12549,6 +14139,53 @@
           </a:p>
         </p:txBody>
       </p:sp>
+      <p:pic>
+        <p:nvPicPr>
+          <p:cNvPr id="5" name="Picture 4" descr="Docker Logo, history, meaning, symbol, PNG">
+            <a:extLst>
+              <a:ext uri="{FF2B5EF4-FFF2-40B4-BE49-F238E27FC236}">
+                <a16:creationId xmlns:a16="http://schemas.microsoft.com/office/drawing/2014/main" id="{503170B1-C439-0C38-F46F-D7458282B426}"/>
+              </a:ext>
+            </a:extLst>
+          </p:cNvPr>
+          <p:cNvPicPr>
+            <a:picLocks noChangeAspect="1" noChangeArrowheads="1"/>
+          </p:cNvPicPr>
+          <p:nvPr/>
+        </p:nvPicPr>
+        <p:blipFill>
+          <a:blip r:embed="rId3">
+            <a:extLst>
+              <a:ext uri="{28A0092B-C50C-407E-A947-70E740481C1C}">
+                <a14:useLocalDpi xmlns:a14="http://schemas.microsoft.com/office/drawing/2010/main" val="0"/>
+              </a:ext>
+            </a:extLst>
+          </a:blip>
+          <a:srcRect/>
+          <a:stretch>
+            <a:fillRect/>
+          </a:stretch>
+        </p:blipFill>
+        <p:spPr bwMode="auto">
+          <a:xfrm>
+            <a:off x="9950744" y="230188"/>
+            <a:ext cx="2235200" cy="1257300"/>
+          </a:xfrm>
+          <a:prstGeom prst="rect">
+            <a:avLst/>
+          </a:prstGeom>
+          <a:noFill/>
+          <a:extLst>
+            <a:ext uri="{909E8E84-426E-40DD-AFC4-6F175D3DCCD1}">
+              <a14:hiddenFill xmlns:a14="http://schemas.microsoft.com/office/drawing/2010/main">
+                <a:solidFill>
+                  <a:srgbClr val="FFFFFF"/>
+                </a:solidFill>
+              </a14:hiddenFill>
+            </a:ext>
+          </a:extLst>
+        </p:spPr>
+      </p:pic>
     </p:spTree>
     <p:extLst>
       <p:ext uri="{BB962C8B-B14F-4D97-AF65-F5344CB8AC3E}">
@@ -12711,6 +14348,53 @@
           </a:p>
         </p:txBody>
       </p:sp>
+      <p:pic>
+        <p:nvPicPr>
+          <p:cNvPr id="5" name="Picture 4" descr="Docker Logo, history, meaning, symbol, PNG">
+            <a:extLst>
+              <a:ext uri="{FF2B5EF4-FFF2-40B4-BE49-F238E27FC236}">
+                <a16:creationId xmlns:a16="http://schemas.microsoft.com/office/drawing/2014/main" id="{B62ED9B4-22FB-DC2E-C062-F59AFF0C4AD3}"/>
+              </a:ext>
+            </a:extLst>
+          </p:cNvPr>
+          <p:cNvPicPr>
+            <a:picLocks noChangeAspect="1" noChangeArrowheads="1"/>
+          </p:cNvPicPr>
+          <p:nvPr/>
+        </p:nvPicPr>
+        <p:blipFill>
+          <a:blip r:embed="rId4">
+            <a:extLst>
+              <a:ext uri="{28A0092B-C50C-407E-A947-70E740481C1C}">
+                <a14:useLocalDpi xmlns:a14="http://schemas.microsoft.com/office/drawing/2010/main" val="0"/>
+              </a:ext>
+            </a:extLst>
+          </a:blip>
+          <a:srcRect/>
+          <a:stretch>
+            <a:fillRect/>
+          </a:stretch>
+        </p:blipFill>
+        <p:spPr bwMode="auto">
+          <a:xfrm>
+            <a:off x="9950744" y="230188"/>
+            <a:ext cx="2235200" cy="1257300"/>
+          </a:xfrm>
+          <a:prstGeom prst="rect">
+            <a:avLst/>
+          </a:prstGeom>
+          <a:noFill/>
+          <a:extLst>
+            <a:ext uri="{909E8E84-426E-40DD-AFC4-6F175D3DCCD1}">
+              <a14:hiddenFill xmlns:a14="http://schemas.microsoft.com/office/drawing/2010/main">
+                <a:solidFill>
+                  <a:srgbClr val="FFFFFF"/>
+                </a:solidFill>
+              </a14:hiddenFill>
+            </a:ext>
+          </a:extLst>
+        </p:spPr>
+      </p:pic>
     </p:spTree>
     <p:extLst>
       <p:ext uri="{BB962C8B-B14F-4D97-AF65-F5344CB8AC3E}">
@@ -12895,6 +14579,53 @@
           </a:p>
         </p:txBody>
       </p:sp>
+      <p:pic>
+        <p:nvPicPr>
+          <p:cNvPr id="5" name="Picture 4" descr="Docker Logo, history, meaning, symbol, PNG">
+            <a:extLst>
+              <a:ext uri="{FF2B5EF4-FFF2-40B4-BE49-F238E27FC236}">
+                <a16:creationId xmlns:a16="http://schemas.microsoft.com/office/drawing/2014/main" id="{8FD705BC-9117-FE09-41DE-982E740CC72E}"/>
+              </a:ext>
+            </a:extLst>
+          </p:cNvPr>
+          <p:cNvPicPr>
+            <a:picLocks noChangeAspect="1" noChangeArrowheads="1"/>
+          </p:cNvPicPr>
+          <p:nvPr/>
+        </p:nvPicPr>
+        <p:blipFill>
+          <a:blip r:embed="rId3">
+            <a:extLst>
+              <a:ext uri="{28A0092B-C50C-407E-A947-70E740481C1C}">
+                <a14:useLocalDpi xmlns:a14="http://schemas.microsoft.com/office/drawing/2010/main" val="0"/>
+              </a:ext>
+            </a:extLst>
+          </a:blip>
+          <a:srcRect/>
+          <a:stretch>
+            <a:fillRect/>
+          </a:stretch>
+        </p:blipFill>
+        <p:spPr bwMode="auto">
+          <a:xfrm>
+            <a:off x="9950744" y="230188"/>
+            <a:ext cx="2235200" cy="1257300"/>
+          </a:xfrm>
+          <a:prstGeom prst="rect">
+            <a:avLst/>
+          </a:prstGeom>
+          <a:noFill/>
+          <a:extLst>
+            <a:ext uri="{909E8E84-426E-40DD-AFC4-6F175D3DCCD1}">
+              <a14:hiddenFill xmlns:a14="http://schemas.microsoft.com/office/drawing/2010/main">
+                <a:solidFill>
+                  <a:srgbClr val="FFFFFF"/>
+                </a:solidFill>
+              </a14:hiddenFill>
+            </a:ext>
+          </a:extLst>
+        </p:spPr>
+      </p:pic>
     </p:spTree>
     <p:extLst>
       <p:ext uri="{BB962C8B-B14F-4D97-AF65-F5344CB8AC3E}">
@@ -13063,6 +14794,53 @@
           </a:p>
         </p:txBody>
       </p:sp>
+      <p:pic>
+        <p:nvPicPr>
+          <p:cNvPr id="5" name="Picture 4" descr="Docker Logo, history, meaning, symbol, PNG">
+            <a:extLst>
+              <a:ext uri="{FF2B5EF4-FFF2-40B4-BE49-F238E27FC236}">
+                <a16:creationId xmlns:a16="http://schemas.microsoft.com/office/drawing/2014/main" id="{EA3C0A60-CDF7-876A-1300-80B1C07E8299}"/>
+              </a:ext>
+            </a:extLst>
+          </p:cNvPr>
+          <p:cNvPicPr>
+            <a:picLocks noChangeAspect="1" noChangeArrowheads="1"/>
+          </p:cNvPicPr>
+          <p:nvPr/>
+        </p:nvPicPr>
+        <p:blipFill>
+          <a:blip r:embed="rId3">
+            <a:extLst>
+              <a:ext uri="{28A0092B-C50C-407E-A947-70E740481C1C}">
+                <a14:useLocalDpi xmlns:a14="http://schemas.microsoft.com/office/drawing/2010/main" val="0"/>
+              </a:ext>
+            </a:extLst>
+          </a:blip>
+          <a:srcRect/>
+          <a:stretch>
+            <a:fillRect/>
+          </a:stretch>
+        </p:blipFill>
+        <p:spPr bwMode="auto">
+          <a:xfrm>
+            <a:off x="9950744" y="230188"/>
+            <a:ext cx="2235200" cy="1257300"/>
+          </a:xfrm>
+          <a:prstGeom prst="rect">
+            <a:avLst/>
+          </a:prstGeom>
+          <a:noFill/>
+          <a:extLst>
+            <a:ext uri="{909E8E84-426E-40DD-AFC4-6F175D3DCCD1}">
+              <a14:hiddenFill xmlns:a14="http://schemas.microsoft.com/office/drawing/2010/main">
+                <a:solidFill>
+                  <a:srgbClr val="FFFFFF"/>
+                </a:solidFill>
+              </a14:hiddenFill>
+            </a:ext>
+          </a:extLst>
+        </p:spPr>
+      </p:pic>
     </p:spTree>
     <p:extLst>
       <p:ext uri="{BB962C8B-B14F-4D97-AF65-F5344CB8AC3E}">
@@ -13346,6 +15124,53 @@
           </a:p>
         </p:txBody>
       </p:sp>
+      <p:pic>
+        <p:nvPicPr>
+          <p:cNvPr id="5" name="Picture 4" descr="Docker Logo, history, meaning, symbol, PNG">
+            <a:extLst>
+              <a:ext uri="{FF2B5EF4-FFF2-40B4-BE49-F238E27FC236}">
+                <a16:creationId xmlns:a16="http://schemas.microsoft.com/office/drawing/2014/main" id="{19A1C572-908E-6D62-4290-6991B118DF0A}"/>
+              </a:ext>
+            </a:extLst>
+          </p:cNvPr>
+          <p:cNvPicPr>
+            <a:picLocks noChangeAspect="1" noChangeArrowheads="1"/>
+          </p:cNvPicPr>
+          <p:nvPr/>
+        </p:nvPicPr>
+        <p:blipFill>
+          <a:blip r:embed="rId2">
+            <a:extLst>
+              <a:ext uri="{28A0092B-C50C-407E-A947-70E740481C1C}">
+                <a14:useLocalDpi xmlns:a14="http://schemas.microsoft.com/office/drawing/2010/main" val="0"/>
+              </a:ext>
+            </a:extLst>
+          </a:blip>
+          <a:srcRect/>
+          <a:stretch>
+            <a:fillRect/>
+          </a:stretch>
+        </p:blipFill>
+        <p:spPr bwMode="auto">
+          <a:xfrm>
+            <a:off x="9950744" y="230188"/>
+            <a:ext cx="2235200" cy="1257300"/>
+          </a:xfrm>
+          <a:prstGeom prst="rect">
+            <a:avLst/>
+          </a:prstGeom>
+          <a:noFill/>
+          <a:extLst>
+            <a:ext uri="{909E8E84-426E-40DD-AFC4-6F175D3DCCD1}">
+              <a14:hiddenFill xmlns:a14="http://schemas.microsoft.com/office/drawing/2010/main">
+                <a:solidFill>
+                  <a:srgbClr val="FFFFFF"/>
+                </a:solidFill>
+              </a14:hiddenFill>
+            </a:ext>
+          </a:extLst>
+        </p:spPr>
+      </p:pic>
     </p:spTree>
     <p:extLst>
       <p:ext uri="{BB962C8B-B14F-4D97-AF65-F5344CB8AC3E}">
@@ -13410,17 +15235,127 @@
             <a:br>
               <a:rPr lang="en-AU" sz="6600" dirty="0"/>
             </a:br>
+            <a:r>
+              <a:rPr lang="en-AU" dirty="0"/>
+              <a:t>Working with Docker containers</a:t>
+            </a:r>
             <a:br>
               <a:rPr lang="en-AU" dirty="0"/>
             </a:br>
-            <a:r>
+            <a:br>
               <a:rPr lang="en-AU" dirty="0"/>
-              <a:t>Working with Docker containers</a:t>
-            </a:r>
+            </a:br>
             <a:endParaRPr lang="en-US" dirty="0"/>
           </a:p>
         </p:txBody>
       </p:sp>
+      <p:pic>
+        <p:nvPicPr>
+          <p:cNvPr id="4" name="Picture 3" descr="Docker Logo, history, meaning, symbol, PNG">
+            <a:extLst>
+              <a:ext uri="{FF2B5EF4-FFF2-40B4-BE49-F238E27FC236}">
+                <a16:creationId xmlns:a16="http://schemas.microsoft.com/office/drawing/2014/main" id="{9ADF4749-29B3-218B-B90D-DC7ED3A60BD1}"/>
+              </a:ext>
+            </a:extLst>
+          </p:cNvPr>
+          <p:cNvPicPr>
+            <a:picLocks noChangeAspect="1" noChangeArrowheads="1"/>
+          </p:cNvPicPr>
+          <p:nvPr/>
+        </p:nvPicPr>
+        <p:blipFill>
+          <a:blip r:embed="rId2">
+            <a:extLst>
+              <a:ext uri="{28A0092B-C50C-407E-A947-70E740481C1C}">
+                <a14:useLocalDpi xmlns:a14="http://schemas.microsoft.com/office/drawing/2010/main" val="0"/>
+              </a:ext>
+            </a:extLst>
+          </a:blip>
+          <a:srcRect/>
+          <a:stretch>
+            <a:fillRect/>
+          </a:stretch>
+        </p:blipFill>
+        <p:spPr bwMode="auto">
+          <a:xfrm>
+            <a:off x="9950744" y="230188"/>
+            <a:ext cx="2235200" cy="1257300"/>
+          </a:xfrm>
+          <a:prstGeom prst="rect">
+            <a:avLst/>
+          </a:prstGeom>
+          <a:noFill/>
+          <a:extLst>
+            <a:ext uri="{909E8E84-426E-40DD-AFC4-6F175D3DCCD1}">
+              <a14:hiddenFill xmlns:a14="http://schemas.microsoft.com/office/drawing/2010/main">
+                <a:solidFill>
+                  <a:srgbClr val="FFFFFF"/>
+                </a:solidFill>
+              </a14:hiddenFill>
+            </a:ext>
+          </a:extLst>
+        </p:spPr>
+      </p:pic>
+      <p:pic>
+        <p:nvPicPr>
+          <p:cNvPr id="14" name="Picture 13">
+            <a:extLst>
+              <a:ext uri="{FF2B5EF4-FFF2-40B4-BE49-F238E27FC236}">
+                <a16:creationId xmlns:a16="http://schemas.microsoft.com/office/drawing/2014/main" id="{9E128B74-A317-5C3B-D45C-528340BAE010}"/>
+              </a:ext>
+            </a:extLst>
+          </p:cNvPr>
+          <p:cNvPicPr>
+            <a:picLocks noChangeAspect="1"/>
+          </p:cNvPicPr>
+          <p:nvPr/>
+        </p:nvPicPr>
+        <p:blipFill>
+          <a:blip r:embed="rId3"/>
+          <a:stretch>
+            <a:fillRect/>
+          </a:stretch>
+        </p:blipFill>
+        <p:spPr>
+          <a:xfrm>
+            <a:off x="0" y="3845600"/>
+            <a:ext cx="12192000" cy="4846320"/>
+          </a:xfrm>
+          <a:prstGeom prst="rect">
+            <a:avLst/>
+          </a:prstGeom>
+        </p:spPr>
+      </p:pic>
+      <p:pic>
+        <p:nvPicPr>
+          <p:cNvPr id="16" name="Picture 15">
+            <a:extLst>
+              <a:ext uri="{FF2B5EF4-FFF2-40B4-BE49-F238E27FC236}">
+                <a16:creationId xmlns:a16="http://schemas.microsoft.com/office/drawing/2014/main" id="{81C83945-0388-0CCD-CE63-A5E35319CC99}"/>
+              </a:ext>
+            </a:extLst>
+          </p:cNvPr>
+          <p:cNvPicPr>
+            <a:picLocks noChangeAspect="1"/>
+          </p:cNvPicPr>
+          <p:nvPr/>
+        </p:nvPicPr>
+        <p:blipFill>
+          <a:blip r:embed="rId4"/>
+          <a:stretch>
+            <a:fillRect/>
+          </a:stretch>
+        </p:blipFill>
+        <p:spPr>
+          <a:xfrm rot="21381005">
+            <a:off x="2771828" y="4300094"/>
+            <a:ext cx="4255163" cy="2706283"/>
+          </a:xfrm>
+          <a:prstGeom prst="rect">
+            <a:avLst/>
+          </a:prstGeom>
+        </p:spPr>
+      </p:pic>
     </p:spTree>
     <p:extLst>
       <p:ext uri="{BB962C8B-B14F-4D97-AF65-F5344CB8AC3E}">
@@ -13482,10 +15417,107 @@
               <a:rPr lang="en-AU" sz="6600" dirty="0"/>
               <a:t>Docker Architecture</a:t>
             </a:r>
+            <a:br>
+              <a:rPr lang="en-AU" sz="6600" dirty="0"/>
+            </a:br>
             <a:endParaRPr lang="en-US" dirty="0"/>
           </a:p>
         </p:txBody>
       </p:sp>
+      <p:pic>
+        <p:nvPicPr>
+          <p:cNvPr id="4" name="Picture 2" descr="Docker Logo, history, meaning, symbol, PNG">
+            <a:extLst>
+              <a:ext uri="{FF2B5EF4-FFF2-40B4-BE49-F238E27FC236}">
+                <a16:creationId xmlns:a16="http://schemas.microsoft.com/office/drawing/2014/main" id="{93CEA655-50FE-8CD4-1981-F1BA12215825}"/>
+              </a:ext>
+            </a:extLst>
+          </p:cNvPr>
+          <p:cNvPicPr>
+            <a:picLocks noChangeAspect="1" noChangeArrowheads="1"/>
+          </p:cNvPicPr>
+          <p:nvPr/>
+        </p:nvPicPr>
+        <p:blipFill>
+          <a:blip r:embed="rId2">
+            <a:extLst>
+              <a:ext uri="{28A0092B-C50C-407E-A947-70E740481C1C}">
+                <a14:useLocalDpi xmlns:a14="http://schemas.microsoft.com/office/drawing/2010/main" val="0"/>
+              </a:ext>
+            </a:extLst>
+          </a:blip>
+          <a:srcRect/>
+          <a:stretch>
+            <a:fillRect/>
+          </a:stretch>
+        </p:blipFill>
+        <p:spPr bwMode="auto">
+          <a:xfrm>
+            <a:off x="9950744" y="230188"/>
+            <a:ext cx="2235200" cy="1257300"/>
+          </a:xfrm>
+          <a:prstGeom prst="rect">
+            <a:avLst/>
+          </a:prstGeom>
+          <a:noFill/>
+          <a:extLst>
+            <a:ext uri="{909E8E84-426E-40DD-AFC4-6F175D3DCCD1}">
+              <a14:hiddenFill xmlns:a14="http://schemas.microsoft.com/office/drawing/2010/main">
+                <a:solidFill>
+                  <a:srgbClr val="FFFFFF"/>
+                </a:solidFill>
+              </a14:hiddenFill>
+            </a:ext>
+          </a:extLst>
+        </p:spPr>
+      </p:pic>
+      <p:pic>
+        <p:nvPicPr>
+          <p:cNvPr id="3086" name="Picture 14" descr="Post Image">
+            <a:extLst>
+              <a:ext uri="{FF2B5EF4-FFF2-40B4-BE49-F238E27FC236}">
+                <a16:creationId xmlns:a16="http://schemas.microsoft.com/office/drawing/2014/main" id="{0049FE27-62B0-271E-7154-8678A39F1B67}"/>
+              </a:ext>
+            </a:extLst>
+          </p:cNvPr>
+          <p:cNvPicPr>
+            <a:picLocks noChangeAspect="1" noChangeArrowheads="1"/>
+          </p:cNvPicPr>
+          <p:nvPr/>
+        </p:nvPicPr>
+        <p:blipFill>
+          <a:blip r:embed="rId3">
+            <a:extLst>
+              <a:ext uri="{28A0092B-C50C-407E-A947-70E740481C1C}">
+                <a14:useLocalDpi xmlns:a14="http://schemas.microsoft.com/office/drawing/2010/main" val="0"/>
+              </a:ext>
+            </a:extLst>
+          </a:blip>
+          <a:srcRect/>
+          <a:stretch>
+            <a:fillRect/>
+          </a:stretch>
+        </p:blipFill>
+        <p:spPr bwMode="auto">
+          <a:xfrm>
+            <a:off x="0" y="3840843"/>
+            <a:ext cx="12192000" cy="4140200"/>
+          </a:xfrm>
+          <a:prstGeom prst="rect">
+            <a:avLst/>
+          </a:prstGeom>
+          <a:noFill/>
+          <a:extLst>
+            <a:ext uri="{909E8E84-426E-40DD-AFC4-6F175D3DCCD1}">
+              <a14:hiddenFill xmlns:a14="http://schemas.microsoft.com/office/drawing/2010/main">
+                <a:solidFill>
+                  <a:srgbClr val="FFFFFF"/>
+                </a:solidFill>
+              </a14:hiddenFill>
+            </a:ext>
+          </a:extLst>
+        </p:spPr>
+      </p:pic>
     </p:spTree>
     <p:extLst>
       <p:ext uri="{BB962C8B-B14F-4D97-AF65-F5344CB8AC3E}">
@@ -13547,10 +15579,107 @@
               <a:rPr lang="en-AU" sz="6600" dirty="0"/>
               <a:t>Creating Docker images</a:t>
             </a:r>
+            <a:br>
+              <a:rPr lang="en-AU" sz="6600" dirty="0"/>
+            </a:br>
             <a:endParaRPr lang="en-US" dirty="0"/>
           </a:p>
         </p:txBody>
       </p:sp>
+      <p:pic>
+        <p:nvPicPr>
+          <p:cNvPr id="4" name="Picture 3" descr="Docker Logo, history, meaning, symbol, PNG">
+            <a:extLst>
+              <a:ext uri="{FF2B5EF4-FFF2-40B4-BE49-F238E27FC236}">
+                <a16:creationId xmlns:a16="http://schemas.microsoft.com/office/drawing/2014/main" id="{FDD6CE9C-29DD-8BFA-FAC7-C29DC65E65ED}"/>
+              </a:ext>
+            </a:extLst>
+          </p:cNvPr>
+          <p:cNvPicPr>
+            <a:picLocks noChangeAspect="1" noChangeArrowheads="1"/>
+          </p:cNvPicPr>
+          <p:nvPr/>
+        </p:nvPicPr>
+        <p:blipFill>
+          <a:blip r:embed="rId2">
+            <a:extLst>
+              <a:ext uri="{28A0092B-C50C-407E-A947-70E740481C1C}">
+                <a14:useLocalDpi xmlns:a14="http://schemas.microsoft.com/office/drawing/2010/main" val="0"/>
+              </a:ext>
+            </a:extLst>
+          </a:blip>
+          <a:srcRect/>
+          <a:stretch>
+            <a:fillRect/>
+          </a:stretch>
+        </p:blipFill>
+        <p:spPr bwMode="auto">
+          <a:xfrm>
+            <a:off x="9950744" y="230188"/>
+            <a:ext cx="2235200" cy="1257300"/>
+          </a:xfrm>
+          <a:prstGeom prst="rect">
+            <a:avLst/>
+          </a:prstGeom>
+          <a:noFill/>
+          <a:extLst>
+            <a:ext uri="{909E8E84-426E-40DD-AFC4-6F175D3DCCD1}">
+              <a14:hiddenFill xmlns:a14="http://schemas.microsoft.com/office/drawing/2010/main">
+                <a:solidFill>
+                  <a:srgbClr val="FFFFFF"/>
+                </a:solidFill>
+              </a14:hiddenFill>
+            </a:ext>
+          </a:extLst>
+        </p:spPr>
+      </p:pic>
+      <p:pic>
+        <p:nvPicPr>
+          <p:cNvPr id="6" name="Picture 14" descr="Post Image">
+            <a:extLst>
+              <a:ext uri="{FF2B5EF4-FFF2-40B4-BE49-F238E27FC236}">
+                <a16:creationId xmlns:a16="http://schemas.microsoft.com/office/drawing/2014/main" id="{EE14EFAE-C87A-3F7F-5C15-D694F43B8C64}"/>
+              </a:ext>
+            </a:extLst>
+          </p:cNvPr>
+          <p:cNvPicPr>
+            <a:picLocks noChangeAspect="1" noChangeArrowheads="1"/>
+          </p:cNvPicPr>
+          <p:nvPr/>
+        </p:nvPicPr>
+        <p:blipFill>
+          <a:blip r:embed="rId3">
+            <a:extLst>
+              <a:ext uri="{28A0092B-C50C-407E-A947-70E740481C1C}">
+                <a14:useLocalDpi xmlns:a14="http://schemas.microsoft.com/office/drawing/2010/main" val="0"/>
+              </a:ext>
+            </a:extLst>
+          </a:blip>
+          <a:srcRect/>
+          <a:stretch>
+            <a:fillRect/>
+          </a:stretch>
+        </p:blipFill>
+        <p:spPr bwMode="auto">
+          <a:xfrm>
+            <a:off x="0" y="3840843"/>
+            <a:ext cx="12192000" cy="4140200"/>
+          </a:xfrm>
+          <a:prstGeom prst="rect">
+            <a:avLst/>
+          </a:prstGeom>
+          <a:noFill/>
+          <a:extLst>
+            <a:ext uri="{909E8E84-426E-40DD-AFC4-6F175D3DCCD1}">
+              <a14:hiddenFill xmlns:a14="http://schemas.microsoft.com/office/drawing/2010/main">
+                <a:solidFill>
+                  <a:srgbClr val="FFFFFF"/>
+                </a:solidFill>
+              </a14:hiddenFill>
+            </a:ext>
+          </a:extLst>
+        </p:spPr>
+      </p:pic>
     </p:spTree>
     <p:extLst>
       <p:ext uri="{BB962C8B-B14F-4D97-AF65-F5344CB8AC3E}">
@@ -13628,7 +15757,9 @@
         </p:nvSpPr>
         <p:spPr/>
         <p:txBody>
-          <a:bodyPr/>
+          <a:bodyPr>
+            <a:normAutofit/>
+          </a:bodyPr>
           <a:lstStyle/>
           <a:p>
             <a:r>
@@ -13722,6 +15853,53 @@
           </a:p>
         </p:txBody>
       </p:sp>
+      <p:pic>
+        <p:nvPicPr>
+          <p:cNvPr id="5" name="Picture 4" descr="Docker Logo, history, meaning, symbol, PNG">
+            <a:extLst>
+              <a:ext uri="{FF2B5EF4-FFF2-40B4-BE49-F238E27FC236}">
+                <a16:creationId xmlns:a16="http://schemas.microsoft.com/office/drawing/2014/main" id="{8981675C-7FA2-8FA7-4309-701DFAF752A8}"/>
+              </a:ext>
+            </a:extLst>
+          </p:cNvPr>
+          <p:cNvPicPr>
+            <a:picLocks noChangeAspect="1" noChangeArrowheads="1"/>
+          </p:cNvPicPr>
+          <p:nvPr/>
+        </p:nvPicPr>
+        <p:blipFill>
+          <a:blip r:embed="rId2">
+            <a:extLst>
+              <a:ext uri="{28A0092B-C50C-407E-A947-70E740481C1C}">
+                <a14:useLocalDpi xmlns:a14="http://schemas.microsoft.com/office/drawing/2010/main" val="0"/>
+              </a:ext>
+            </a:extLst>
+          </a:blip>
+          <a:srcRect/>
+          <a:stretch>
+            <a:fillRect/>
+          </a:stretch>
+        </p:blipFill>
+        <p:spPr bwMode="auto">
+          <a:xfrm>
+            <a:off x="9950744" y="230188"/>
+            <a:ext cx="2235200" cy="1257300"/>
+          </a:xfrm>
+          <a:prstGeom prst="rect">
+            <a:avLst/>
+          </a:prstGeom>
+          <a:noFill/>
+          <a:extLst>
+            <a:ext uri="{909E8E84-426E-40DD-AFC4-6F175D3DCCD1}">
+              <a14:hiddenFill xmlns:a14="http://schemas.microsoft.com/office/drawing/2010/main">
+                <a:solidFill>
+                  <a:srgbClr val="FFFFFF"/>
+                </a:solidFill>
+              </a14:hiddenFill>
+            </a:ext>
+          </a:extLst>
+        </p:spPr>
+      </p:pic>
     </p:spTree>
     <p:extLst>
       <p:ext uri="{BB962C8B-B14F-4D97-AF65-F5344CB8AC3E}">
@@ -13845,6 +16023,53 @@
           <a:prstGeom prst="rect">
             <a:avLst/>
           </a:prstGeom>
+        </p:spPr>
+      </p:pic>
+      <p:pic>
+        <p:nvPicPr>
+          <p:cNvPr id="4" name="Picture 3" descr="Docker Logo, history, meaning, symbol, PNG">
+            <a:extLst>
+              <a:ext uri="{FF2B5EF4-FFF2-40B4-BE49-F238E27FC236}">
+                <a16:creationId xmlns:a16="http://schemas.microsoft.com/office/drawing/2014/main" id="{0343D45D-634F-7B48-F0AA-BA79021476BE}"/>
+              </a:ext>
+            </a:extLst>
+          </p:cNvPr>
+          <p:cNvPicPr>
+            <a:picLocks noChangeAspect="1" noChangeArrowheads="1"/>
+          </p:cNvPicPr>
+          <p:nvPr/>
+        </p:nvPicPr>
+        <p:blipFill>
+          <a:blip r:embed="rId3">
+            <a:extLst>
+              <a:ext uri="{28A0092B-C50C-407E-A947-70E740481C1C}">
+                <a14:useLocalDpi xmlns:a14="http://schemas.microsoft.com/office/drawing/2010/main" val="0"/>
+              </a:ext>
+            </a:extLst>
+          </a:blip>
+          <a:srcRect/>
+          <a:stretch>
+            <a:fillRect/>
+          </a:stretch>
+        </p:blipFill>
+        <p:spPr bwMode="auto">
+          <a:xfrm>
+            <a:off x="9950744" y="230188"/>
+            <a:ext cx="2235200" cy="1257300"/>
+          </a:xfrm>
+          <a:prstGeom prst="rect">
+            <a:avLst/>
+          </a:prstGeom>
+          <a:noFill/>
+          <a:extLst>
+            <a:ext uri="{909E8E84-426E-40DD-AFC4-6F175D3DCCD1}">
+              <a14:hiddenFill xmlns:a14="http://schemas.microsoft.com/office/drawing/2010/main">
+                <a:solidFill>
+                  <a:srgbClr val="FFFFFF"/>
+                </a:solidFill>
+              </a14:hiddenFill>
+            </a:ext>
+          </a:extLst>
         </p:spPr>
       </p:pic>
     </p:spTree>
@@ -14032,6 +16257,53 @@
           </a:p>
         </p:txBody>
       </p:sp>
+      <p:pic>
+        <p:nvPicPr>
+          <p:cNvPr id="5" name="Picture 4" descr="Docker Logo, history, meaning, symbol, PNG">
+            <a:extLst>
+              <a:ext uri="{FF2B5EF4-FFF2-40B4-BE49-F238E27FC236}">
+                <a16:creationId xmlns:a16="http://schemas.microsoft.com/office/drawing/2014/main" id="{380312E5-008B-E574-250E-5FE57AA06B12}"/>
+              </a:ext>
+            </a:extLst>
+          </p:cNvPr>
+          <p:cNvPicPr>
+            <a:picLocks noChangeAspect="1" noChangeArrowheads="1"/>
+          </p:cNvPicPr>
+          <p:nvPr/>
+        </p:nvPicPr>
+        <p:blipFill>
+          <a:blip r:embed="rId3">
+            <a:extLst>
+              <a:ext uri="{28A0092B-C50C-407E-A947-70E740481C1C}">
+                <a14:useLocalDpi xmlns:a14="http://schemas.microsoft.com/office/drawing/2010/main" val="0"/>
+              </a:ext>
+            </a:extLst>
+          </a:blip>
+          <a:srcRect/>
+          <a:stretch>
+            <a:fillRect/>
+          </a:stretch>
+        </p:blipFill>
+        <p:spPr bwMode="auto">
+          <a:xfrm>
+            <a:off x="9950744" y="230188"/>
+            <a:ext cx="2235200" cy="1257300"/>
+          </a:xfrm>
+          <a:prstGeom prst="rect">
+            <a:avLst/>
+          </a:prstGeom>
+          <a:noFill/>
+          <a:extLst>
+            <a:ext uri="{909E8E84-426E-40DD-AFC4-6F175D3DCCD1}">
+              <a14:hiddenFill xmlns:a14="http://schemas.microsoft.com/office/drawing/2010/main">
+                <a:solidFill>
+                  <a:srgbClr val="FFFFFF"/>
+                </a:solidFill>
+              </a14:hiddenFill>
+            </a:ext>
+          </a:extLst>
+        </p:spPr>
+      </p:pic>
     </p:spTree>
     <p:extLst>
       <p:ext uri="{BB962C8B-B14F-4D97-AF65-F5344CB8AC3E}">
@@ -14186,6 +16458,53 @@
           </a:p>
         </p:txBody>
       </p:sp>
+      <p:pic>
+        <p:nvPicPr>
+          <p:cNvPr id="5" name="Picture 4" descr="Docker Logo, history, meaning, symbol, PNG">
+            <a:extLst>
+              <a:ext uri="{FF2B5EF4-FFF2-40B4-BE49-F238E27FC236}">
+                <a16:creationId xmlns:a16="http://schemas.microsoft.com/office/drawing/2014/main" id="{FEAAB17F-ECF8-8C64-9913-BA309564455F}"/>
+              </a:ext>
+            </a:extLst>
+          </p:cNvPr>
+          <p:cNvPicPr>
+            <a:picLocks noChangeAspect="1" noChangeArrowheads="1"/>
+          </p:cNvPicPr>
+          <p:nvPr/>
+        </p:nvPicPr>
+        <p:blipFill>
+          <a:blip r:embed="rId3">
+            <a:extLst>
+              <a:ext uri="{28A0092B-C50C-407E-A947-70E740481C1C}">
+                <a14:useLocalDpi xmlns:a14="http://schemas.microsoft.com/office/drawing/2010/main" val="0"/>
+              </a:ext>
+            </a:extLst>
+          </a:blip>
+          <a:srcRect/>
+          <a:stretch>
+            <a:fillRect/>
+          </a:stretch>
+        </p:blipFill>
+        <p:spPr bwMode="auto">
+          <a:xfrm>
+            <a:off x="9950744" y="230188"/>
+            <a:ext cx="2235200" cy="1257300"/>
+          </a:xfrm>
+          <a:prstGeom prst="rect">
+            <a:avLst/>
+          </a:prstGeom>
+          <a:noFill/>
+          <a:extLst>
+            <a:ext uri="{909E8E84-426E-40DD-AFC4-6F175D3DCCD1}">
+              <a14:hiddenFill xmlns:a14="http://schemas.microsoft.com/office/drawing/2010/main">
+                <a:solidFill>
+                  <a:srgbClr val="FFFFFF"/>
+                </a:solidFill>
+              </a14:hiddenFill>
+            </a:ext>
+          </a:extLst>
+        </p:spPr>
+      </p:pic>
     </p:spTree>
     <p:extLst>
       <p:ext uri="{BB962C8B-B14F-4D97-AF65-F5344CB8AC3E}">
@@ -14239,7 +16558,7 @@
           <a:p>
             <a:r>
               <a:rPr lang="en-AU" dirty="0"/>
-              <a:t>Exporting and importing a Docker image</a:t>
+              <a:t>Exporting/importing a Docker image</a:t>
             </a:r>
             <a:endParaRPr lang="en-US" dirty="0"/>
           </a:p>
@@ -14358,6 +16677,53 @@
           </a:p>
         </p:txBody>
       </p:sp>
+      <p:pic>
+        <p:nvPicPr>
+          <p:cNvPr id="5" name="Picture 4" descr="Docker Logo, history, meaning, symbol, PNG">
+            <a:extLst>
+              <a:ext uri="{FF2B5EF4-FFF2-40B4-BE49-F238E27FC236}">
+                <a16:creationId xmlns:a16="http://schemas.microsoft.com/office/drawing/2014/main" id="{9DFB1DDB-97F8-EE2C-0232-5C135A6B5895}"/>
+              </a:ext>
+            </a:extLst>
+          </p:cNvPr>
+          <p:cNvPicPr>
+            <a:picLocks noChangeAspect="1" noChangeArrowheads="1"/>
+          </p:cNvPicPr>
+          <p:nvPr/>
+        </p:nvPicPr>
+        <p:blipFill>
+          <a:blip r:embed="rId4">
+            <a:extLst>
+              <a:ext uri="{28A0092B-C50C-407E-A947-70E740481C1C}">
+                <a14:useLocalDpi xmlns:a14="http://schemas.microsoft.com/office/drawing/2010/main" val="0"/>
+              </a:ext>
+            </a:extLst>
+          </a:blip>
+          <a:srcRect/>
+          <a:stretch>
+            <a:fillRect/>
+          </a:stretch>
+        </p:blipFill>
+        <p:spPr bwMode="auto">
+          <a:xfrm>
+            <a:off x="9950744" y="230188"/>
+            <a:ext cx="2235200" cy="1257300"/>
+          </a:xfrm>
+          <a:prstGeom prst="rect">
+            <a:avLst/>
+          </a:prstGeom>
+          <a:noFill/>
+          <a:extLst>
+            <a:ext uri="{909E8E84-426E-40DD-AFC4-6F175D3DCCD1}">
+              <a14:hiddenFill xmlns:a14="http://schemas.microsoft.com/office/drawing/2010/main">
+                <a:solidFill>
+                  <a:srgbClr val="FFFFFF"/>
+                </a:solidFill>
+              </a14:hiddenFill>
+            </a:ext>
+          </a:extLst>
+        </p:spPr>
+      </p:pic>
     </p:spTree>
     <p:extLst>
       <p:ext uri="{BB962C8B-B14F-4D97-AF65-F5344CB8AC3E}">
@@ -14422,17 +16788,127 @@
             <a:br>
               <a:rPr lang="en-AU" sz="6600" dirty="0"/>
             </a:br>
+            <a:r>
+              <a:rPr lang="en-AU" dirty="0"/>
+              <a:t>Creating Docker images</a:t>
+            </a:r>
             <a:br>
               <a:rPr lang="en-AU" dirty="0"/>
             </a:br>
-            <a:r>
+            <a:br>
               <a:rPr lang="en-AU" dirty="0"/>
-              <a:t>Creating Docker images</a:t>
-            </a:r>
+            </a:br>
             <a:endParaRPr lang="en-US" dirty="0"/>
           </a:p>
         </p:txBody>
       </p:sp>
+      <p:pic>
+        <p:nvPicPr>
+          <p:cNvPr id="4" name="Picture 3" descr="Docker Logo, history, meaning, symbol, PNG">
+            <a:extLst>
+              <a:ext uri="{FF2B5EF4-FFF2-40B4-BE49-F238E27FC236}">
+                <a16:creationId xmlns:a16="http://schemas.microsoft.com/office/drawing/2014/main" id="{80BDE63D-5475-2C22-4070-5772949C0758}"/>
+              </a:ext>
+            </a:extLst>
+          </p:cNvPr>
+          <p:cNvPicPr>
+            <a:picLocks noChangeAspect="1" noChangeArrowheads="1"/>
+          </p:cNvPicPr>
+          <p:nvPr/>
+        </p:nvPicPr>
+        <p:blipFill>
+          <a:blip r:embed="rId2">
+            <a:extLst>
+              <a:ext uri="{28A0092B-C50C-407E-A947-70E740481C1C}">
+                <a14:useLocalDpi xmlns:a14="http://schemas.microsoft.com/office/drawing/2010/main" val="0"/>
+              </a:ext>
+            </a:extLst>
+          </a:blip>
+          <a:srcRect/>
+          <a:stretch>
+            <a:fillRect/>
+          </a:stretch>
+        </p:blipFill>
+        <p:spPr bwMode="auto">
+          <a:xfrm>
+            <a:off x="9950744" y="230188"/>
+            <a:ext cx="2235200" cy="1257300"/>
+          </a:xfrm>
+          <a:prstGeom prst="rect">
+            <a:avLst/>
+          </a:prstGeom>
+          <a:noFill/>
+          <a:extLst>
+            <a:ext uri="{909E8E84-426E-40DD-AFC4-6F175D3DCCD1}">
+              <a14:hiddenFill xmlns:a14="http://schemas.microsoft.com/office/drawing/2010/main">
+                <a:solidFill>
+                  <a:srgbClr val="FFFFFF"/>
+                </a:solidFill>
+              </a14:hiddenFill>
+            </a:ext>
+          </a:extLst>
+        </p:spPr>
+      </p:pic>
+      <p:pic>
+        <p:nvPicPr>
+          <p:cNvPr id="16" name="Picture 15">
+            <a:extLst>
+              <a:ext uri="{FF2B5EF4-FFF2-40B4-BE49-F238E27FC236}">
+                <a16:creationId xmlns:a16="http://schemas.microsoft.com/office/drawing/2014/main" id="{BD19555F-9C21-8044-21CE-B1F735F73319}"/>
+              </a:ext>
+            </a:extLst>
+          </p:cNvPr>
+          <p:cNvPicPr>
+            <a:picLocks noChangeAspect="1"/>
+          </p:cNvPicPr>
+          <p:nvPr/>
+        </p:nvPicPr>
+        <p:blipFill>
+          <a:blip r:embed="rId3"/>
+          <a:stretch>
+            <a:fillRect/>
+          </a:stretch>
+        </p:blipFill>
+        <p:spPr>
+          <a:xfrm>
+            <a:off x="0" y="3845600"/>
+            <a:ext cx="12192000" cy="4846320"/>
+          </a:xfrm>
+          <a:prstGeom prst="rect">
+            <a:avLst/>
+          </a:prstGeom>
+        </p:spPr>
+      </p:pic>
+      <p:pic>
+        <p:nvPicPr>
+          <p:cNvPr id="18" name="Picture 17">
+            <a:extLst>
+              <a:ext uri="{FF2B5EF4-FFF2-40B4-BE49-F238E27FC236}">
+                <a16:creationId xmlns:a16="http://schemas.microsoft.com/office/drawing/2014/main" id="{85E7BA82-3D08-2197-63C9-AE660F870873}"/>
+              </a:ext>
+            </a:extLst>
+          </p:cNvPr>
+          <p:cNvPicPr>
+            <a:picLocks noChangeAspect="1"/>
+          </p:cNvPicPr>
+          <p:nvPr/>
+        </p:nvPicPr>
+        <p:blipFill>
+          <a:blip r:embed="rId4"/>
+          <a:stretch>
+            <a:fillRect/>
+          </a:stretch>
+        </p:blipFill>
+        <p:spPr>
+          <a:xfrm rot="21381005">
+            <a:off x="2771828" y="4300094"/>
+            <a:ext cx="4255163" cy="2706283"/>
+          </a:xfrm>
+          <a:prstGeom prst="rect">
+            <a:avLst/>
+          </a:prstGeom>
+        </p:spPr>
+      </p:pic>
     </p:spTree>
     <p:extLst>
       <p:ext uri="{BB962C8B-B14F-4D97-AF65-F5344CB8AC3E}">
@@ -14494,10 +16970,107 @@
               <a:rPr lang="en-AU" sz="6600" dirty="0"/>
               <a:t>Docker Compose</a:t>
             </a:r>
+            <a:br>
+              <a:rPr lang="en-AU" sz="6600" dirty="0"/>
+            </a:br>
             <a:endParaRPr lang="en-US" dirty="0"/>
           </a:p>
         </p:txBody>
       </p:sp>
+      <p:pic>
+        <p:nvPicPr>
+          <p:cNvPr id="4" name="Picture 3" descr="Docker Logo, history, meaning, symbol, PNG">
+            <a:extLst>
+              <a:ext uri="{FF2B5EF4-FFF2-40B4-BE49-F238E27FC236}">
+                <a16:creationId xmlns:a16="http://schemas.microsoft.com/office/drawing/2014/main" id="{B4B5B6F7-CDA0-973A-0CA1-8B91083FA2A0}"/>
+              </a:ext>
+            </a:extLst>
+          </p:cNvPr>
+          <p:cNvPicPr>
+            <a:picLocks noChangeAspect="1" noChangeArrowheads="1"/>
+          </p:cNvPicPr>
+          <p:nvPr/>
+        </p:nvPicPr>
+        <p:blipFill>
+          <a:blip r:embed="rId2">
+            <a:extLst>
+              <a:ext uri="{28A0092B-C50C-407E-A947-70E740481C1C}">
+                <a14:useLocalDpi xmlns:a14="http://schemas.microsoft.com/office/drawing/2010/main" val="0"/>
+              </a:ext>
+            </a:extLst>
+          </a:blip>
+          <a:srcRect/>
+          <a:stretch>
+            <a:fillRect/>
+          </a:stretch>
+        </p:blipFill>
+        <p:spPr bwMode="auto">
+          <a:xfrm>
+            <a:off x="9950744" y="230188"/>
+            <a:ext cx="2235200" cy="1257300"/>
+          </a:xfrm>
+          <a:prstGeom prst="rect">
+            <a:avLst/>
+          </a:prstGeom>
+          <a:noFill/>
+          <a:extLst>
+            <a:ext uri="{909E8E84-426E-40DD-AFC4-6F175D3DCCD1}">
+              <a14:hiddenFill xmlns:a14="http://schemas.microsoft.com/office/drawing/2010/main">
+                <a:solidFill>
+                  <a:srgbClr val="FFFFFF"/>
+                </a:solidFill>
+              </a14:hiddenFill>
+            </a:ext>
+          </a:extLst>
+        </p:spPr>
+      </p:pic>
+      <p:pic>
+        <p:nvPicPr>
+          <p:cNvPr id="6" name="Picture 14" descr="Post Image">
+            <a:extLst>
+              <a:ext uri="{FF2B5EF4-FFF2-40B4-BE49-F238E27FC236}">
+                <a16:creationId xmlns:a16="http://schemas.microsoft.com/office/drawing/2014/main" id="{05EC6F9F-F62B-2273-521B-C2FA5F3DE34B}"/>
+              </a:ext>
+            </a:extLst>
+          </p:cNvPr>
+          <p:cNvPicPr>
+            <a:picLocks noChangeAspect="1" noChangeArrowheads="1"/>
+          </p:cNvPicPr>
+          <p:nvPr/>
+        </p:nvPicPr>
+        <p:blipFill>
+          <a:blip r:embed="rId3">
+            <a:extLst>
+              <a:ext uri="{28A0092B-C50C-407E-A947-70E740481C1C}">
+                <a14:useLocalDpi xmlns:a14="http://schemas.microsoft.com/office/drawing/2010/main" val="0"/>
+              </a:ext>
+            </a:extLst>
+          </a:blip>
+          <a:srcRect/>
+          <a:stretch>
+            <a:fillRect/>
+          </a:stretch>
+        </p:blipFill>
+        <p:spPr bwMode="auto">
+          <a:xfrm>
+            <a:off x="0" y="3840843"/>
+            <a:ext cx="12192000" cy="4140200"/>
+          </a:xfrm>
+          <a:prstGeom prst="rect">
+            <a:avLst/>
+          </a:prstGeom>
+          <a:noFill/>
+          <a:extLst>
+            <a:ext uri="{909E8E84-426E-40DD-AFC4-6F175D3DCCD1}">
+              <a14:hiddenFill xmlns:a14="http://schemas.microsoft.com/office/drawing/2010/main">
+                <a:solidFill>
+                  <a:srgbClr val="FFFFFF"/>
+                </a:solidFill>
+              </a14:hiddenFill>
+            </a:ext>
+          </a:extLst>
+        </p:spPr>
+      </p:pic>
     </p:spTree>
     <p:extLst>
       <p:ext uri="{BB962C8B-B14F-4D97-AF65-F5344CB8AC3E}">
@@ -14575,7 +17148,9 @@
         </p:nvSpPr>
         <p:spPr/>
         <p:txBody>
-          <a:bodyPr/>
+          <a:bodyPr>
+            <a:normAutofit/>
+          </a:bodyPr>
           <a:lstStyle/>
           <a:p>
             <a:r>
@@ -14606,6 +17181,53 @@
           </a:p>
         </p:txBody>
       </p:sp>
+      <p:pic>
+        <p:nvPicPr>
+          <p:cNvPr id="5" name="Picture 4" descr="Docker Logo, history, meaning, symbol, PNG">
+            <a:extLst>
+              <a:ext uri="{FF2B5EF4-FFF2-40B4-BE49-F238E27FC236}">
+                <a16:creationId xmlns:a16="http://schemas.microsoft.com/office/drawing/2014/main" id="{54F0D4B9-8B9C-0D26-36AB-0804AF7ED113}"/>
+              </a:ext>
+            </a:extLst>
+          </p:cNvPr>
+          <p:cNvPicPr>
+            <a:picLocks noChangeAspect="1" noChangeArrowheads="1"/>
+          </p:cNvPicPr>
+          <p:nvPr/>
+        </p:nvPicPr>
+        <p:blipFill>
+          <a:blip r:embed="rId2">
+            <a:extLst>
+              <a:ext uri="{28A0092B-C50C-407E-A947-70E740481C1C}">
+                <a14:useLocalDpi xmlns:a14="http://schemas.microsoft.com/office/drawing/2010/main" val="0"/>
+              </a:ext>
+            </a:extLst>
+          </a:blip>
+          <a:srcRect/>
+          <a:stretch>
+            <a:fillRect/>
+          </a:stretch>
+        </p:blipFill>
+        <p:spPr bwMode="auto">
+          <a:xfrm>
+            <a:off x="9950744" y="230188"/>
+            <a:ext cx="2235200" cy="1257300"/>
+          </a:xfrm>
+          <a:prstGeom prst="rect">
+            <a:avLst/>
+          </a:prstGeom>
+          <a:noFill/>
+          <a:extLst>
+            <a:ext uri="{909E8E84-426E-40DD-AFC4-6F175D3DCCD1}">
+              <a14:hiddenFill xmlns:a14="http://schemas.microsoft.com/office/drawing/2010/main">
+                <a:solidFill>
+                  <a:srgbClr val="FFFFFF"/>
+                </a:solidFill>
+              </a14:hiddenFill>
+            </a:ext>
+          </a:extLst>
+        </p:spPr>
+      </p:pic>
     </p:spTree>
     <p:extLst>
       <p:ext uri="{BB962C8B-B14F-4D97-AF65-F5344CB8AC3E}">
@@ -14718,6 +17340,53 @@
           <a:prstGeom prst="rect">
             <a:avLst/>
           </a:prstGeom>
+        </p:spPr>
+      </p:pic>
+      <p:pic>
+        <p:nvPicPr>
+          <p:cNvPr id="3" name="Picture 2" descr="Docker Logo, history, meaning, symbol, PNG">
+            <a:extLst>
+              <a:ext uri="{FF2B5EF4-FFF2-40B4-BE49-F238E27FC236}">
+                <a16:creationId xmlns:a16="http://schemas.microsoft.com/office/drawing/2014/main" id="{B6C3415C-9A5F-6494-A5F2-D5DA57769A5F}"/>
+              </a:ext>
+            </a:extLst>
+          </p:cNvPr>
+          <p:cNvPicPr>
+            <a:picLocks noChangeAspect="1" noChangeArrowheads="1"/>
+          </p:cNvPicPr>
+          <p:nvPr/>
+        </p:nvPicPr>
+        <p:blipFill>
+          <a:blip r:embed="rId3">
+            <a:extLst>
+              <a:ext uri="{28A0092B-C50C-407E-A947-70E740481C1C}">
+                <a14:useLocalDpi xmlns:a14="http://schemas.microsoft.com/office/drawing/2010/main" val="0"/>
+              </a:ext>
+            </a:extLst>
+          </a:blip>
+          <a:srcRect/>
+          <a:stretch>
+            <a:fillRect/>
+          </a:stretch>
+        </p:blipFill>
+        <p:spPr bwMode="auto">
+          <a:xfrm>
+            <a:off x="9950744" y="230188"/>
+            <a:ext cx="2235200" cy="1257300"/>
+          </a:xfrm>
+          <a:prstGeom prst="rect">
+            <a:avLst/>
+          </a:prstGeom>
+          <a:noFill/>
+          <a:extLst>
+            <a:ext uri="{909E8E84-426E-40DD-AFC4-6F175D3DCCD1}">
+              <a14:hiddenFill xmlns:a14="http://schemas.microsoft.com/office/drawing/2010/main">
+                <a:solidFill>
+                  <a:srgbClr val="FFFFFF"/>
+                </a:solidFill>
+              </a14:hiddenFill>
+            </a:ext>
+          </a:extLst>
         </p:spPr>
       </p:pic>
     </p:spTree>
@@ -14799,6 +17468,7 @@
           <a:prstGeom prst="rect">
             <a:avLst/>
           </a:prstGeom>
+          <a:ln w="12700"/>
         </p:spPr>
         <p:style>
           <a:lnRef idx="2">
@@ -14849,6 +17519,7 @@
           <a:prstGeom prst="rect">
             <a:avLst/>
           </a:prstGeom>
+          <a:ln w="12700"/>
         </p:spPr>
         <p:style>
           <a:lnRef idx="2">
@@ -14899,6 +17570,7 @@
           <a:prstGeom prst="rect">
             <a:avLst/>
           </a:prstGeom>
+          <a:ln w="12700"/>
         </p:spPr>
         <p:style>
           <a:lnRef idx="2">
@@ -14949,6 +17621,7 @@
           <a:prstGeom prst="rect">
             <a:avLst/>
           </a:prstGeom>
+          <a:ln w="12700"/>
         </p:spPr>
         <p:style>
           <a:lnRef idx="2">
@@ -14999,6 +17672,7 @@
           <a:prstGeom prst="rect">
             <a:avLst/>
           </a:prstGeom>
+          <a:ln w="12700"/>
         </p:spPr>
         <p:style>
           <a:lnRef idx="2">
@@ -15049,6 +17723,7 @@
           <a:prstGeom prst="rect">
             <a:avLst/>
           </a:prstGeom>
+          <a:ln w="12700"/>
         </p:spPr>
         <p:style>
           <a:lnRef idx="2">
@@ -15099,6 +17774,7 @@
           <a:prstGeom prst="rect">
             <a:avLst/>
           </a:prstGeom>
+          <a:ln w="12700"/>
         </p:spPr>
         <p:style>
           <a:lnRef idx="2">
@@ -15149,6 +17825,7 @@
           <a:prstGeom prst="rect">
             <a:avLst/>
           </a:prstGeom>
+          <a:ln w="12700"/>
         </p:spPr>
         <p:style>
           <a:lnRef idx="2">
@@ -15199,6 +17876,7 @@
           <a:prstGeom prst="rect">
             <a:avLst/>
           </a:prstGeom>
+          <a:ln w="12700"/>
         </p:spPr>
         <p:style>
           <a:lnRef idx="2">
@@ -15249,6 +17927,7 @@
           <a:prstGeom prst="rect">
             <a:avLst/>
           </a:prstGeom>
+          <a:ln w="12700"/>
         </p:spPr>
         <p:style>
           <a:lnRef idx="2">
@@ -15299,6 +17978,7 @@
           <a:prstGeom prst="rect">
             <a:avLst/>
           </a:prstGeom>
+          <a:ln w="12700"/>
         </p:spPr>
         <p:style>
           <a:lnRef idx="2">
@@ -15349,6 +18029,7 @@
           <a:prstGeom prst="rect">
             <a:avLst/>
           </a:prstGeom>
+          <a:ln w="12700"/>
         </p:spPr>
         <p:style>
           <a:lnRef idx="2">
@@ -15399,6 +18080,7 @@
           <a:prstGeom prst="rect">
             <a:avLst/>
           </a:prstGeom>
+          <a:ln w="12700"/>
         </p:spPr>
         <p:style>
           <a:lnRef idx="2">
@@ -15449,6 +18131,7 @@
           <a:prstGeom prst="rect">
             <a:avLst/>
           </a:prstGeom>
+          <a:ln w="12700"/>
         </p:spPr>
         <p:style>
           <a:lnRef idx="2">
@@ -15499,6 +18182,7 @@
           <a:prstGeom prst="rect">
             <a:avLst/>
           </a:prstGeom>
+          <a:ln w="12700"/>
         </p:spPr>
         <p:style>
           <a:lnRef idx="2">
@@ -15549,6 +18233,7 @@
           <a:prstGeom prst="rect">
             <a:avLst/>
           </a:prstGeom>
+          <a:ln w="12700"/>
         </p:spPr>
         <p:style>
           <a:lnRef idx="2">
@@ -15599,6 +18284,7 @@
           <a:prstGeom prst="rect">
             <a:avLst/>
           </a:prstGeom>
+          <a:ln w="12700"/>
         </p:spPr>
         <p:style>
           <a:lnRef idx="2">
@@ -15649,6 +18335,7 @@
           <a:prstGeom prst="rect">
             <a:avLst/>
           </a:prstGeom>
+          <a:ln w="12700"/>
         </p:spPr>
         <p:style>
           <a:lnRef idx="2">
@@ -15699,6 +18386,7 @@
           <a:prstGeom prst="rect">
             <a:avLst/>
           </a:prstGeom>
+          <a:ln w="12700"/>
         </p:spPr>
         <p:style>
           <a:lnRef idx="2">
@@ -15749,6 +18437,7 @@
           <a:prstGeom prst="rect">
             <a:avLst/>
           </a:prstGeom>
+          <a:ln w="12700"/>
         </p:spPr>
         <p:style>
           <a:lnRef idx="2">
@@ -15799,6 +18488,7 @@
           <a:prstGeom prst="rect">
             <a:avLst/>
           </a:prstGeom>
+          <a:ln w="12700"/>
         </p:spPr>
         <p:style>
           <a:lnRef idx="2">
@@ -15850,6 +18540,7 @@
             <a:avLst/>
           </a:prstGeom>
           <a:noFill/>
+          <a:ln w="12700"/>
         </p:spPr>
         <p:style>
           <a:lnRef idx="2">
@@ -15909,6 +18600,7 @@
             <a:avLst/>
           </a:prstGeom>
           <a:noFill/>
+          <a:ln w="12700"/>
         </p:spPr>
         <p:style>
           <a:lnRef idx="2">
@@ -15968,6 +18660,7 @@
             <a:avLst/>
           </a:prstGeom>
           <a:noFill/>
+          <a:ln w="12700"/>
         </p:spPr>
         <p:style>
           <a:lnRef idx="2">
@@ -16027,6 +18720,7 @@
             <a:avLst/>
           </a:prstGeom>
           <a:noFill/>
+          <a:ln w="12700"/>
         </p:spPr>
         <p:style>
           <a:lnRef idx="2">
@@ -16086,6 +18780,7 @@
             <a:avLst/>
           </a:prstGeom>
           <a:noFill/>
+          <a:ln w="12700"/>
         </p:spPr>
         <p:style>
           <a:lnRef idx="2">
@@ -16145,6 +18840,7 @@
             <a:avLst/>
           </a:prstGeom>
           <a:noFill/>
+          <a:ln w="12700"/>
         </p:spPr>
         <p:style>
           <a:lnRef idx="2">
@@ -16183,6 +18879,53 @@
           </a:p>
         </p:txBody>
       </p:sp>
+      <p:pic>
+        <p:nvPicPr>
+          <p:cNvPr id="4" name="Picture 2" descr="Docker Logo, history, meaning, symbol, PNG">
+            <a:extLst>
+              <a:ext uri="{FF2B5EF4-FFF2-40B4-BE49-F238E27FC236}">
+                <a16:creationId xmlns:a16="http://schemas.microsoft.com/office/drawing/2014/main" id="{0E2C331C-B5AB-A05E-CF9A-6E3C0F67C0E3}"/>
+              </a:ext>
+            </a:extLst>
+          </p:cNvPr>
+          <p:cNvPicPr>
+            <a:picLocks noChangeAspect="1" noChangeArrowheads="1"/>
+          </p:cNvPicPr>
+          <p:nvPr/>
+        </p:nvPicPr>
+        <p:blipFill>
+          <a:blip r:embed="rId2">
+            <a:extLst>
+              <a:ext uri="{28A0092B-C50C-407E-A947-70E740481C1C}">
+                <a14:useLocalDpi xmlns:a14="http://schemas.microsoft.com/office/drawing/2010/main" val="0"/>
+              </a:ext>
+            </a:extLst>
+          </a:blip>
+          <a:srcRect/>
+          <a:stretch>
+            <a:fillRect/>
+          </a:stretch>
+        </p:blipFill>
+        <p:spPr bwMode="auto">
+          <a:xfrm>
+            <a:off x="9950744" y="230188"/>
+            <a:ext cx="2235200" cy="1257300"/>
+          </a:xfrm>
+          <a:prstGeom prst="rect">
+            <a:avLst/>
+          </a:prstGeom>
+          <a:noFill/>
+          <a:extLst>
+            <a:ext uri="{909E8E84-426E-40DD-AFC4-6F175D3DCCD1}">
+              <a14:hiddenFill xmlns:a14="http://schemas.microsoft.com/office/drawing/2010/main">
+                <a:solidFill>
+                  <a:srgbClr val="FFFFFF"/>
+                </a:solidFill>
+              </a14:hiddenFill>
+            </a:ext>
+          </a:extLst>
+        </p:spPr>
+      </p:pic>
     </p:spTree>
     <p:extLst>
       <p:ext uri="{BB962C8B-B14F-4D97-AF65-F5344CB8AC3E}">
@@ -16361,6 +19104,53 @@
           </a:p>
         </p:txBody>
       </p:sp>
+      <p:pic>
+        <p:nvPicPr>
+          <p:cNvPr id="5" name="Picture 4" descr="Docker Logo, history, meaning, symbol, PNG">
+            <a:extLst>
+              <a:ext uri="{FF2B5EF4-FFF2-40B4-BE49-F238E27FC236}">
+                <a16:creationId xmlns:a16="http://schemas.microsoft.com/office/drawing/2014/main" id="{C01A92E5-8B68-35AF-3D6E-2FDAEBD541DB}"/>
+              </a:ext>
+            </a:extLst>
+          </p:cNvPr>
+          <p:cNvPicPr>
+            <a:picLocks noChangeAspect="1" noChangeArrowheads="1"/>
+          </p:cNvPicPr>
+          <p:nvPr/>
+        </p:nvPicPr>
+        <p:blipFill>
+          <a:blip r:embed="rId3">
+            <a:extLst>
+              <a:ext uri="{28A0092B-C50C-407E-A947-70E740481C1C}">
+                <a14:useLocalDpi xmlns:a14="http://schemas.microsoft.com/office/drawing/2010/main" val="0"/>
+              </a:ext>
+            </a:extLst>
+          </a:blip>
+          <a:srcRect/>
+          <a:stretch>
+            <a:fillRect/>
+          </a:stretch>
+        </p:blipFill>
+        <p:spPr bwMode="auto">
+          <a:xfrm>
+            <a:off x="9950744" y="230188"/>
+            <a:ext cx="2235200" cy="1257300"/>
+          </a:xfrm>
+          <a:prstGeom prst="rect">
+            <a:avLst/>
+          </a:prstGeom>
+          <a:noFill/>
+          <a:extLst>
+            <a:ext uri="{909E8E84-426E-40DD-AFC4-6F175D3DCCD1}">
+              <a14:hiddenFill xmlns:a14="http://schemas.microsoft.com/office/drawing/2010/main">
+                <a:solidFill>
+                  <a:srgbClr val="FFFFFF"/>
+                </a:solidFill>
+              </a14:hiddenFill>
+            </a:ext>
+          </a:extLst>
+        </p:spPr>
+      </p:pic>
     </p:spTree>
     <p:extLst>
       <p:ext uri="{BB962C8B-B14F-4D97-AF65-F5344CB8AC3E}">
@@ -16528,6 +19318,53 @@
           </a:p>
         </p:txBody>
       </p:sp>
+      <p:pic>
+        <p:nvPicPr>
+          <p:cNvPr id="5" name="Picture 4" descr="Docker Logo, history, meaning, symbol, PNG">
+            <a:extLst>
+              <a:ext uri="{FF2B5EF4-FFF2-40B4-BE49-F238E27FC236}">
+                <a16:creationId xmlns:a16="http://schemas.microsoft.com/office/drawing/2014/main" id="{F606AF72-C92C-6429-849C-195667A19716}"/>
+              </a:ext>
+            </a:extLst>
+          </p:cNvPr>
+          <p:cNvPicPr>
+            <a:picLocks noChangeAspect="1" noChangeArrowheads="1"/>
+          </p:cNvPicPr>
+          <p:nvPr/>
+        </p:nvPicPr>
+        <p:blipFill>
+          <a:blip r:embed="rId3">
+            <a:extLst>
+              <a:ext uri="{28A0092B-C50C-407E-A947-70E740481C1C}">
+                <a14:useLocalDpi xmlns:a14="http://schemas.microsoft.com/office/drawing/2010/main" val="0"/>
+              </a:ext>
+            </a:extLst>
+          </a:blip>
+          <a:srcRect/>
+          <a:stretch>
+            <a:fillRect/>
+          </a:stretch>
+        </p:blipFill>
+        <p:spPr bwMode="auto">
+          <a:xfrm>
+            <a:off x="9950744" y="230188"/>
+            <a:ext cx="2235200" cy="1257300"/>
+          </a:xfrm>
+          <a:prstGeom prst="rect">
+            <a:avLst/>
+          </a:prstGeom>
+          <a:noFill/>
+          <a:extLst>
+            <a:ext uri="{909E8E84-426E-40DD-AFC4-6F175D3DCCD1}">
+              <a14:hiddenFill xmlns:a14="http://schemas.microsoft.com/office/drawing/2010/main">
+                <a:solidFill>
+                  <a:srgbClr val="FFFFFF"/>
+                </a:solidFill>
+              </a14:hiddenFill>
+            </a:ext>
+          </a:extLst>
+        </p:spPr>
+      </p:pic>
     </p:spTree>
     <p:extLst>
       <p:ext uri="{BB962C8B-B14F-4D97-AF65-F5344CB8AC3E}">
@@ -16607,6 +19444,8 @@
           <a:prstGeom prst="rect">
             <a:avLst/>
           </a:prstGeom>
+          <a:ln w="12700"/>
+          <a:effectLst/>
         </p:spPr>
         <p:style>
           <a:lnRef idx="2">
@@ -16658,6 +19497,8 @@
             <a:avLst/>
           </a:prstGeom>
           <a:noFill/>
+          <a:ln w="12700"/>
+          <a:effectLst/>
         </p:spPr>
         <p:style>
           <a:lnRef idx="2">
@@ -16717,6 +19558,8 @@
             <a:avLst/>
           </a:prstGeom>
           <a:noFill/>
+          <a:ln w="12700"/>
+          <a:effectLst/>
         </p:spPr>
         <p:style>
           <a:lnRef idx="2">
@@ -16776,6 +19619,8 @@
             <a:avLst/>
           </a:prstGeom>
           <a:noFill/>
+          <a:ln w="12700"/>
+          <a:effectLst/>
         </p:spPr>
         <p:style>
           <a:lnRef idx="2">
@@ -16835,6 +19680,8 @@
             <a:avLst/>
           </a:prstGeom>
           <a:noFill/>
+          <a:ln w="12700"/>
+          <a:effectLst/>
         </p:spPr>
         <p:style>
           <a:lnRef idx="2">
@@ -16898,6 +19745,8 @@
               <a:lumMod val="75000"/>
             </a:schemeClr>
           </a:solidFill>
+          <a:ln w="12700"/>
+          <a:effectLst/>
         </p:spPr>
         <p:style>
           <a:lnRef idx="2">
@@ -16957,6 +19806,8 @@
               <a:lumMod val="75000"/>
             </a:schemeClr>
           </a:solidFill>
+          <a:ln w="12700"/>
+          <a:effectLst/>
         </p:spPr>
         <p:style>
           <a:lnRef idx="2">
@@ -17016,6 +19867,8 @@
               <a:lumMod val="75000"/>
             </a:schemeClr>
           </a:solidFill>
+          <a:ln w="12700"/>
+          <a:effectLst/>
         </p:spPr>
         <p:style>
           <a:lnRef idx="2">
@@ -17075,6 +19928,8 @@
               <a:lumMod val="75000"/>
             </a:schemeClr>
           </a:solidFill>
+          <a:ln w="12700"/>
+          <a:effectLst/>
         </p:spPr>
         <p:style>
           <a:lnRef idx="2">
@@ -17134,6 +19989,8 @@
               <a:lumMod val="75000"/>
             </a:schemeClr>
           </a:solidFill>
+          <a:ln w="12700"/>
+          <a:effectLst/>
         </p:spPr>
         <p:style>
           <a:lnRef idx="2">
@@ -17193,6 +20050,8 @@
               <a:lumMod val="75000"/>
             </a:schemeClr>
           </a:solidFill>
+          <a:ln w="12700"/>
+          <a:effectLst/>
         </p:spPr>
         <p:style>
           <a:lnRef idx="2">
@@ -17251,18 +20110,19 @@
           <a:prstGeom prst="straightConnector1">
             <a:avLst/>
           </a:prstGeom>
-          <a:ln>
+          <a:ln w="12700">
             <a:tailEnd type="triangle"/>
           </a:ln>
+          <a:effectLst/>
         </p:spPr>
         <p:style>
-          <a:lnRef idx="3">
+          <a:lnRef idx="2">
             <a:schemeClr val="dk1"/>
           </a:lnRef>
           <a:fillRef idx="0">
             <a:schemeClr val="dk1"/>
           </a:fillRef>
-          <a:effectRef idx="2">
+          <a:effectRef idx="1">
             <a:schemeClr val="dk1"/>
           </a:effectRef>
           <a:fontRef idx="minor">
@@ -17294,18 +20154,19 @@
           <a:prstGeom prst="straightConnector1">
             <a:avLst/>
           </a:prstGeom>
-          <a:ln>
+          <a:ln w="12700">
             <a:tailEnd type="triangle"/>
           </a:ln>
+          <a:effectLst/>
         </p:spPr>
         <p:style>
-          <a:lnRef idx="3">
+          <a:lnRef idx="2">
             <a:schemeClr val="dk1"/>
           </a:lnRef>
           <a:fillRef idx="0">
             <a:schemeClr val="dk1"/>
           </a:fillRef>
-          <a:effectRef idx="2">
+          <a:effectRef idx="1">
             <a:schemeClr val="dk1"/>
           </a:effectRef>
           <a:fontRef idx="minor">
@@ -17337,18 +20198,19 @@
           <a:prstGeom prst="straightConnector1">
             <a:avLst/>
           </a:prstGeom>
-          <a:ln>
+          <a:ln w="12700">
             <a:tailEnd type="triangle"/>
           </a:ln>
+          <a:effectLst/>
         </p:spPr>
         <p:style>
-          <a:lnRef idx="3">
+          <a:lnRef idx="2">
             <a:schemeClr val="dk1"/>
           </a:lnRef>
           <a:fillRef idx="0">
             <a:schemeClr val="dk1"/>
           </a:fillRef>
-          <a:effectRef idx="2">
+          <a:effectRef idx="1">
             <a:schemeClr val="dk1"/>
           </a:effectRef>
           <a:fontRef idx="minor">
@@ -17380,18 +20242,19 @@
           <a:prstGeom prst="straightConnector1">
             <a:avLst/>
           </a:prstGeom>
-          <a:ln>
+          <a:ln w="12700">
             <a:tailEnd type="triangle"/>
           </a:ln>
+          <a:effectLst/>
         </p:spPr>
         <p:style>
-          <a:lnRef idx="3">
+          <a:lnRef idx="2">
             <a:schemeClr val="dk1"/>
           </a:lnRef>
           <a:fillRef idx="0">
             <a:schemeClr val="dk1"/>
           </a:fillRef>
-          <a:effectRef idx="2">
+          <a:effectRef idx="1">
             <a:schemeClr val="dk1"/>
           </a:effectRef>
           <a:fontRef idx="minor">
@@ -17399,6 +20262,53 @@
           </a:fontRef>
         </p:style>
       </p:cxnSp>
+      <p:pic>
+        <p:nvPicPr>
+          <p:cNvPr id="49" name="Picture 48" descr="Docker Logo, history, meaning, symbol, PNG">
+            <a:extLst>
+              <a:ext uri="{FF2B5EF4-FFF2-40B4-BE49-F238E27FC236}">
+                <a16:creationId xmlns:a16="http://schemas.microsoft.com/office/drawing/2014/main" id="{48FEF63F-DFFD-6E94-A289-DB8661AC581F}"/>
+              </a:ext>
+            </a:extLst>
+          </p:cNvPr>
+          <p:cNvPicPr>
+            <a:picLocks noChangeAspect="1" noChangeArrowheads="1"/>
+          </p:cNvPicPr>
+          <p:nvPr/>
+        </p:nvPicPr>
+        <p:blipFill>
+          <a:blip r:embed="rId2">
+            <a:extLst>
+              <a:ext uri="{28A0092B-C50C-407E-A947-70E740481C1C}">
+                <a14:useLocalDpi xmlns:a14="http://schemas.microsoft.com/office/drawing/2010/main" val="0"/>
+              </a:ext>
+            </a:extLst>
+          </a:blip>
+          <a:srcRect/>
+          <a:stretch>
+            <a:fillRect/>
+          </a:stretch>
+        </p:blipFill>
+        <p:spPr bwMode="auto">
+          <a:xfrm>
+            <a:off x="9950744" y="230188"/>
+            <a:ext cx="2235200" cy="1257300"/>
+          </a:xfrm>
+          <a:prstGeom prst="rect">
+            <a:avLst/>
+          </a:prstGeom>
+          <a:noFill/>
+          <a:extLst>
+            <a:ext uri="{909E8E84-426E-40DD-AFC4-6F175D3DCCD1}">
+              <a14:hiddenFill xmlns:a14="http://schemas.microsoft.com/office/drawing/2010/main">
+                <a:solidFill>
+                  <a:srgbClr val="FFFFFF"/>
+                </a:solidFill>
+              </a14:hiddenFill>
+            </a:ext>
+          </a:extLst>
+        </p:spPr>
+      </p:pic>
     </p:spTree>
     <p:extLst>
       <p:ext uri="{BB962C8B-B14F-4D97-AF65-F5344CB8AC3E}">
@@ -17478,6 +20388,8 @@
           <a:prstGeom prst="rect">
             <a:avLst/>
           </a:prstGeom>
+          <a:ln w="12700"/>
+          <a:effectLst/>
         </p:spPr>
         <p:style>
           <a:lnRef idx="2">
@@ -17502,7 +20414,7 @@
             <a:pPr algn="ctr"/>
             <a:r>
               <a:rPr lang="en-AU" sz="1400" dirty="0"/>
-              <a:t>Docker Container</a:t>
+              <a:t>Container</a:t>
             </a:r>
             <a:endParaRPr lang="en-US" sz="1400" dirty="0"/>
           </a:p>
@@ -17529,6 +20441,8 @@
             <a:avLst/>
           </a:prstGeom>
           <a:noFill/>
+          <a:ln w="12700"/>
+          <a:effectLst/>
         </p:spPr>
         <p:style>
           <a:lnRef idx="2">
@@ -17588,6 +20502,12 @@
             <a:avLst/>
           </a:prstGeom>
           <a:noFill/>
+          <a:ln w="12700">
+            <a:solidFill>
+              <a:srgbClr val="8D42C6"/>
+            </a:solidFill>
+          </a:ln>
+          <a:effectLst/>
         </p:spPr>
         <p:style>
           <a:lnRef idx="2">
@@ -17647,6 +20567,14 @@
             <a:avLst/>
           </a:prstGeom>
           <a:noFill/>
+          <a:ln w="12700">
+            <a:solidFill>
+              <a:schemeClr val="accent2">
+                <a:lumMod val="75000"/>
+              </a:schemeClr>
+            </a:solidFill>
+          </a:ln>
+          <a:effectLst/>
         </p:spPr>
         <p:style>
           <a:lnRef idx="2">
@@ -17706,6 +20634,14 @@
             <a:avLst/>
           </a:prstGeom>
           <a:noFill/>
+          <a:ln w="12700">
+            <a:solidFill>
+              <a:schemeClr val="accent6">
+                <a:lumMod val="75000"/>
+              </a:schemeClr>
+            </a:solidFill>
+          </a:ln>
+          <a:effectLst/>
         </p:spPr>
         <p:style>
           <a:lnRef idx="2">
@@ -17764,6 +20700,8 @@
           <a:prstGeom prst="rect">
             <a:avLst/>
           </a:prstGeom>
+          <a:ln w="12700"/>
+          <a:effectLst/>
         </p:spPr>
         <p:style>
           <a:lnRef idx="2">
@@ -17788,7 +20726,7 @@
             <a:pPr algn="ctr"/>
             <a:r>
               <a:rPr lang="en-AU" sz="1400" dirty="0"/>
-              <a:t>Docker Container</a:t>
+              <a:t>Container</a:t>
             </a:r>
             <a:endParaRPr lang="en-US" sz="1400" dirty="0"/>
           </a:p>
@@ -17814,6 +20752,8 @@
           <a:prstGeom prst="rect">
             <a:avLst/>
           </a:prstGeom>
+          <a:ln w="12700"/>
+          <a:effectLst/>
         </p:spPr>
         <p:style>
           <a:lnRef idx="2">
@@ -17838,7 +20778,7 @@
             <a:pPr algn="ctr"/>
             <a:r>
               <a:rPr lang="en-AU" sz="1400" dirty="0"/>
-              <a:t>Docker Container</a:t>
+              <a:t>Container</a:t>
             </a:r>
             <a:endParaRPr lang="en-US" sz="1400" dirty="0"/>
           </a:p>
@@ -17864,6 +20804,8 @@
           <a:prstGeom prst="rect">
             <a:avLst/>
           </a:prstGeom>
+          <a:ln w="12700"/>
+          <a:effectLst/>
         </p:spPr>
         <p:style>
           <a:lnRef idx="2">
@@ -17888,7 +20830,7 @@
             <a:pPr algn="ctr"/>
             <a:r>
               <a:rPr lang="en-AU" sz="1400" dirty="0"/>
-              <a:t>Docker Container</a:t>
+              <a:t>Container</a:t>
             </a:r>
             <a:endParaRPr lang="en-US" sz="1400" dirty="0"/>
           </a:p>
@@ -17914,6 +20856,8 @@
           <a:prstGeom prst="rect">
             <a:avLst/>
           </a:prstGeom>
+          <a:ln w="12700"/>
+          <a:effectLst/>
         </p:spPr>
         <p:style>
           <a:lnRef idx="2">
@@ -17938,7 +20882,7 @@
             <a:pPr algn="ctr"/>
             <a:r>
               <a:rPr lang="en-AU" sz="1400" dirty="0"/>
-              <a:t>Docker Container</a:t>
+              <a:t>Container</a:t>
             </a:r>
             <a:endParaRPr lang="en-US" sz="1400" dirty="0"/>
           </a:p>
@@ -17968,20 +20912,21 @@
           <a:prstGeom prst="bentConnector2">
             <a:avLst/>
           </a:prstGeom>
-          <a:ln>
+          <a:ln w="12700">
             <a:headEnd type="triangle"/>
             <a:tailEnd type="triangle"/>
           </a:ln>
+          <a:effectLst/>
         </p:spPr>
         <p:style>
-          <a:lnRef idx="1">
-            <a:schemeClr val="accent1"/>
+          <a:lnRef idx="2">
+            <a:schemeClr val="dk1"/>
           </a:lnRef>
           <a:fillRef idx="0">
-            <a:schemeClr val="accent1"/>
+            <a:schemeClr val="dk1"/>
           </a:fillRef>
-          <a:effectRef idx="0">
-            <a:schemeClr val="accent1"/>
+          <a:effectRef idx="1">
+            <a:schemeClr val="dk1"/>
           </a:effectRef>
           <a:fontRef idx="minor">
             <a:schemeClr val="tx1"/>
@@ -18012,20 +20957,21 @@
           <a:prstGeom prst="bentConnector2">
             <a:avLst/>
           </a:prstGeom>
-          <a:ln>
+          <a:ln w="12700">
             <a:headEnd type="triangle"/>
             <a:tailEnd type="triangle"/>
           </a:ln>
+          <a:effectLst/>
         </p:spPr>
         <p:style>
-          <a:lnRef idx="1">
-            <a:schemeClr val="accent1"/>
+          <a:lnRef idx="2">
+            <a:schemeClr val="dk1"/>
           </a:lnRef>
           <a:fillRef idx="0">
-            <a:schemeClr val="accent1"/>
+            <a:schemeClr val="dk1"/>
           </a:fillRef>
-          <a:effectRef idx="0">
-            <a:schemeClr val="accent1"/>
+          <a:effectRef idx="1">
+            <a:schemeClr val="dk1"/>
           </a:effectRef>
           <a:fontRef idx="minor">
             <a:schemeClr val="tx1"/>
@@ -18056,20 +21002,21 @@
           <a:prstGeom prst="bentConnector2">
             <a:avLst/>
           </a:prstGeom>
-          <a:ln>
+          <a:ln w="12700">
             <a:headEnd type="triangle"/>
             <a:tailEnd type="triangle"/>
           </a:ln>
+          <a:effectLst/>
         </p:spPr>
         <p:style>
-          <a:lnRef idx="1">
-            <a:schemeClr val="accent1"/>
+          <a:lnRef idx="2">
+            <a:schemeClr val="dk1"/>
           </a:lnRef>
           <a:fillRef idx="0">
-            <a:schemeClr val="accent1"/>
+            <a:schemeClr val="dk1"/>
           </a:fillRef>
-          <a:effectRef idx="0">
-            <a:schemeClr val="accent1"/>
+          <a:effectRef idx="1">
+            <a:schemeClr val="dk1"/>
           </a:effectRef>
           <a:fontRef idx="minor">
             <a:schemeClr val="tx1"/>
@@ -18100,20 +21047,21 @@
           <a:prstGeom prst="bentConnector2">
             <a:avLst/>
           </a:prstGeom>
-          <a:ln>
+          <a:ln w="12700">
             <a:headEnd type="triangle"/>
             <a:tailEnd type="triangle"/>
           </a:ln>
+          <a:effectLst/>
         </p:spPr>
         <p:style>
-          <a:lnRef idx="1">
-            <a:schemeClr val="accent1"/>
+          <a:lnRef idx="2">
+            <a:schemeClr val="dk1"/>
           </a:lnRef>
           <a:fillRef idx="0">
-            <a:schemeClr val="accent1"/>
+            <a:schemeClr val="dk1"/>
           </a:fillRef>
-          <a:effectRef idx="0">
-            <a:schemeClr val="accent1"/>
+          <a:effectRef idx="1">
+            <a:schemeClr val="dk1"/>
           </a:effectRef>
           <a:fontRef idx="minor">
             <a:schemeClr val="tx1"/>
@@ -18143,26 +21091,74 @@
           <a:prstGeom prst="straightConnector1">
             <a:avLst/>
           </a:prstGeom>
-          <a:ln>
+          <a:ln w="12700">
             <a:headEnd type="triangle"/>
             <a:tailEnd type="triangle"/>
           </a:ln>
+          <a:effectLst/>
         </p:spPr>
         <p:style>
-          <a:lnRef idx="1">
-            <a:schemeClr val="accent1"/>
+          <a:lnRef idx="2">
+            <a:schemeClr val="dk1"/>
           </a:lnRef>
           <a:fillRef idx="0">
-            <a:schemeClr val="accent1"/>
+            <a:schemeClr val="dk1"/>
           </a:fillRef>
-          <a:effectRef idx="0">
-            <a:schemeClr val="accent1"/>
+          <a:effectRef idx="1">
+            <a:schemeClr val="dk1"/>
           </a:effectRef>
           <a:fontRef idx="minor">
             <a:schemeClr val="tx1"/>
           </a:fontRef>
         </p:style>
       </p:cxnSp>
+      <p:pic>
+        <p:nvPicPr>
+          <p:cNvPr id="69" name="Picture 68" descr="Docker Logo, history, meaning, symbol, PNG">
+            <a:extLst>
+              <a:ext uri="{FF2B5EF4-FFF2-40B4-BE49-F238E27FC236}">
+                <a16:creationId xmlns:a16="http://schemas.microsoft.com/office/drawing/2014/main" id="{0E7249D9-BED4-AB07-AF43-FB2845A748D2}"/>
+              </a:ext>
+            </a:extLst>
+          </p:cNvPr>
+          <p:cNvPicPr>
+            <a:picLocks noChangeAspect="1" noChangeArrowheads="1"/>
+          </p:cNvPicPr>
+          <p:nvPr/>
+        </p:nvPicPr>
+        <p:blipFill>
+          <a:blip r:embed="rId2">
+            <a:extLst>
+              <a:ext uri="{28A0092B-C50C-407E-A947-70E740481C1C}">
+                <a14:useLocalDpi xmlns:a14="http://schemas.microsoft.com/office/drawing/2010/main" val="0"/>
+              </a:ext>
+            </a:extLst>
+          </a:blip>
+          <a:srcRect/>
+          <a:stretch>
+            <a:fillRect/>
+          </a:stretch>
+        </p:blipFill>
+        <p:spPr bwMode="auto">
+          <a:xfrm>
+            <a:off x="9950744" y="230188"/>
+            <a:ext cx="2235200" cy="1257300"/>
+          </a:xfrm>
+          <a:prstGeom prst="rect">
+            <a:avLst/>
+          </a:prstGeom>
+          <a:noFill/>
+          <a:extLst>
+            <a:ext uri="{909E8E84-426E-40DD-AFC4-6F175D3DCCD1}">
+              <a14:hiddenFill xmlns:a14="http://schemas.microsoft.com/office/drawing/2010/main">
+                <a:solidFill>
+                  <a:srgbClr val="FFFFFF"/>
+                </a:solidFill>
+              </a14:hiddenFill>
+            </a:ext>
+          </a:extLst>
+        </p:spPr>
+      </p:pic>
     </p:spTree>
     <p:extLst>
       <p:ext uri="{BB962C8B-B14F-4D97-AF65-F5344CB8AC3E}">
@@ -18227,17 +21223,127 @@
             <a:br>
               <a:rPr lang="en-AU" sz="6600" dirty="0"/>
             </a:br>
+            <a:r>
+              <a:rPr lang="en-AU" dirty="0"/>
+              <a:t>Working with Docker Compose</a:t>
+            </a:r>
             <a:br>
               <a:rPr lang="en-AU" dirty="0"/>
             </a:br>
-            <a:r>
+            <a:br>
               <a:rPr lang="en-AU" dirty="0"/>
-              <a:t>Working with Docker Compose</a:t>
-            </a:r>
+            </a:br>
             <a:endParaRPr lang="en-US" dirty="0"/>
           </a:p>
         </p:txBody>
       </p:sp>
+      <p:pic>
+        <p:nvPicPr>
+          <p:cNvPr id="4" name="Picture 3" descr="Docker Logo, history, meaning, symbol, PNG">
+            <a:extLst>
+              <a:ext uri="{FF2B5EF4-FFF2-40B4-BE49-F238E27FC236}">
+                <a16:creationId xmlns:a16="http://schemas.microsoft.com/office/drawing/2014/main" id="{79E576B7-7BE6-32C4-FB09-57AA260C7A5C}"/>
+              </a:ext>
+            </a:extLst>
+          </p:cNvPr>
+          <p:cNvPicPr>
+            <a:picLocks noChangeAspect="1" noChangeArrowheads="1"/>
+          </p:cNvPicPr>
+          <p:nvPr/>
+        </p:nvPicPr>
+        <p:blipFill>
+          <a:blip r:embed="rId2">
+            <a:extLst>
+              <a:ext uri="{28A0092B-C50C-407E-A947-70E740481C1C}">
+                <a14:useLocalDpi xmlns:a14="http://schemas.microsoft.com/office/drawing/2010/main" val="0"/>
+              </a:ext>
+            </a:extLst>
+          </a:blip>
+          <a:srcRect/>
+          <a:stretch>
+            <a:fillRect/>
+          </a:stretch>
+        </p:blipFill>
+        <p:spPr bwMode="auto">
+          <a:xfrm>
+            <a:off x="9950744" y="230188"/>
+            <a:ext cx="2235200" cy="1257300"/>
+          </a:xfrm>
+          <a:prstGeom prst="rect">
+            <a:avLst/>
+          </a:prstGeom>
+          <a:noFill/>
+          <a:extLst>
+            <a:ext uri="{909E8E84-426E-40DD-AFC4-6F175D3DCCD1}">
+              <a14:hiddenFill xmlns:a14="http://schemas.microsoft.com/office/drawing/2010/main">
+                <a:solidFill>
+                  <a:srgbClr val="FFFFFF"/>
+                </a:solidFill>
+              </a14:hiddenFill>
+            </a:ext>
+          </a:extLst>
+        </p:spPr>
+      </p:pic>
+      <p:pic>
+        <p:nvPicPr>
+          <p:cNvPr id="14" name="Picture 13">
+            <a:extLst>
+              <a:ext uri="{FF2B5EF4-FFF2-40B4-BE49-F238E27FC236}">
+                <a16:creationId xmlns:a16="http://schemas.microsoft.com/office/drawing/2014/main" id="{04FE67E7-69C1-8A9E-121F-5792E05BBB57}"/>
+              </a:ext>
+            </a:extLst>
+          </p:cNvPr>
+          <p:cNvPicPr>
+            <a:picLocks noChangeAspect="1"/>
+          </p:cNvPicPr>
+          <p:nvPr/>
+        </p:nvPicPr>
+        <p:blipFill>
+          <a:blip r:embed="rId3"/>
+          <a:stretch>
+            <a:fillRect/>
+          </a:stretch>
+        </p:blipFill>
+        <p:spPr>
+          <a:xfrm>
+            <a:off x="0" y="3845600"/>
+            <a:ext cx="12192000" cy="4846320"/>
+          </a:xfrm>
+          <a:prstGeom prst="rect">
+            <a:avLst/>
+          </a:prstGeom>
+        </p:spPr>
+      </p:pic>
+      <p:pic>
+        <p:nvPicPr>
+          <p:cNvPr id="16" name="Picture 15">
+            <a:extLst>
+              <a:ext uri="{FF2B5EF4-FFF2-40B4-BE49-F238E27FC236}">
+                <a16:creationId xmlns:a16="http://schemas.microsoft.com/office/drawing/2014/main" id="{D3A36307-A636-9A84-F9D6-0F7DA5960EF1}"/>
+              </a:ext>
+            </a:extLst>
+          </p:cNvPr>
+          <p:cNvPicPr>
+            <a:picLocks noChangeAspect="1"/>
+          </p:cNvPicPr>
+          <p:nvPr/>
+        </p:nvPicPr>
+        <p:blipFill>
+          <a:blip r:embed="rId4"/>
+          <a:stretch>
+            <a:fillRect/>
+          </a:stretch>
+        </p:blipFill>
+        <p:spPr>
+          <a:xfrm rot="21381005">
+            <a:off x="2771828" y="4300094"/>
+            <a:ext cx="4255163" cy="2706283"/>
+          </a:xfrm>
+          <a:prstGeom prst="rect">
+            <a:avLst/>
+          </a:prstGeom>
+        </p:spPr>
+      </p:pic>
     </p:spTree>
     <p:extLst>
       <p:ext uri="{BB962C8B-B14F-4D97-AF65-F5344CB8AC3E}">
@@ -18297,516 +21403,542 @@
           </a:p>
         </p:txBody>
       </p:sp>
-      <p:grpSp>
-        <p:nvGrpSpPr>
-          <p:cNvPr id="23" name="Group 22">
-            <a:extLst>
-              <a:ext uri="{FF2B5EF4-FFF2-40B4-BE49-F238E27FC236}">
-                <a16:creationId xmlns:a16="http://schemas.microsoft.com/office/drawing/2014/main" id="{F25D2D4E-5677-CA07-322F-0E1C90607310}"/>
-              </a:ext>
-            </a:extLst>
-          </p:cNvPr>
-          <p:cNvGrpSpPr/>
+      <p:sp>
+        <p:nvSpPr>
+          <p:cNvPr id="4" name="Rectangle 3">
+            <a:extLst>
+              <a:ext uri="{FF2B5EF4-FFF2-40B4-BE49-F238E27FC236}">
+                <a16:creationId xmlns:a16="http://schemas.microsoft.com/office/drawing/2014/main" id="{8D3B9CA7-4344-701A-77FE-F2B29E71D3B3}"/>
+              </a:ext>
+            </a:extLst>
+          </p:cNvPr>
+          <p:cNvSpPr/>
           <p:nvPr/>
-        </p:nvGrpSpPr>
-        <p:grpSpPr>
-          <a:xfrm>
-            <a:off x="985820" y="1690688"/>
-            <a:ext cx="10220361" cy="4683481"/>
-            <a:chOff x="825106" y="1690688"/>
-            <a:chExt cx="10220361" cy="4683481"/>
-          </a:xfrm>
-        </p:grpSpPr>
-        <p:grpSp>
-          <p:nvGrpSpPr>
-            <p:cNvPr id="17" name="Group 16">
-              <a:extLst>
-                <a:ext uri="{FF2B5EF4-FFF2-40B4-BE49-F238E27FC236}">
-                  <a16:creationId xmlns:a16="http://schemas.microsoft.com/office/drawing/2014/main" id="{AE0441CE-C7BA-B939-B5E6-25F396AE8D76}"/>
-                </a:ext>
-              </a:extLst>
-            </p:cNvPr>
-            <p:cNvGrpSpPr/>
-            <p:nvPr/>
-          </p:nvGrpSpPr>
-          <p:grpSpPr>
-            <a:xfrm>
-              <a:off x="4584641" y="2099277"/>
-              <a:ext cx="6074757" cy="3963411"/>
-              <a:chOff x="3169945" y="1932127"/>
-              <a:chExt cx="6074757" cy="3963411"/>
-            </a:xfrm>
-          </p:grpSpPr>
-          <p:sp>
-            <p:nvSpPr>
-              <p:cNvPr id="4" name="Rectangle 3">
-                <a:extLst>
-                  <a:ext uri="{FF2B5EF4-FFF2-40B4-BE49-F238E27FC236}">
-                    <a16:creationId xmlns:a16="http://schemas.microsoft.com/office/drawing/2014/main" id="{8D3B9CA7-4344-701A-77FE-F2B29E71D3B3}"/>
-                  </a:ext>
-                </a:extLst>
-              </p:cNvPr>
-              <p:cNvSpPr/>
-              <p:nvPr/>
-            </p:nvSpPr>
-            <p:spPr>
-              <a:xfrm>
-                <a:off x="6934178" y="4502742"/>
-                <a:ext cx="2310524" cy="1392795"/>
-              </a:xfrm>
-              <a:prstGeom prst="rect">
-                <a:avLst/>
-              </a:prstGeom>
-            </p:spPr>
-            <p:style>
-              <a:lnRef idx="2">
-                <a:schemeClr val="accent1">
-                  <a:shade val="50000"/>
-                </a:schemeClr>
-              </a:lnRef>
-              <a:fillRef idx="1">
-                <a:schemeClr val="accent1"/>
-              </a:fillRef>
-              <a:effectRef idx="0">
-                <a:schemeClr val="accent1"/>
-              </a:effectRef>
-              <a:fontRef idx="minor">
-                <a:schemeClr val="lt1"/>
-              </a:fontRef>
-            </p:style>
-            <p:txBody>
-              <a:bodyPr rtlCol="0" anchor="ctr"/>
-              <a:lstStyle/>
-              <a:p>
-                <a:pPr algn="ctr"/>
-                <a:r>
-                  <a:rPr lang="en-AU" dirty="0"/>
-                  <a:t>SEQ</a:t>
-                </a:r>
-                <a:endParaRPr lang="en-US" dirty="0"/>
-              </a:p>
-            </p:txBody>
-          </p:sp>
-          <p:sp>
-            <p:nvSpPr>
-              <p:cNvPr id="5" name="Rectangle 4">
-                <a:extLst>
-                  <a:ext uri="{FF2B5EF4-FFF2-40B4-BE49-F238E27FC236}">
-                    <a16:creationId xmlns:a16="http://schemas.microsoft.com/office/drawing/2014/main" id="{2904F0FF-C114-1A87-6854-B2DFA322B168}"/>
-                  </a:ext>
-                </a:extLst>
-              </p:cNvPr>
-              <p:cNvSpPr/>
-              <p:nvPr/>
-            </p:nvSpPr>
-            <p:spPr>
-              <a:xfrm>
-                <a:off x="3169945" y="4502743"/>
-                <a:ext cx="2310524" cy="1392795"/>
-              </a:xfrm>
-              <a:prstGeom prst="rect">
-                <a:avLst/>
-              </a:prstGeom>
-            </p:spPr>
-            <p:style>
-              <a:lnRef idx="2">
-                <a:schemeClr val="accent1">
-                  <a:shade val="50000"/>
-                </a:schemeClr>
-              </a:lnRef>
-              <a:fillRef idx="1">
-                <a:schemeClr val="accent1"/>
-              </a:fillRef>
-              <a:effectRef idx="0">
-                <a:schemeClr val="accent1"/>
-              </a:effectRef>
-              <a:fontRef idx="minor">
-                <a:schemeClr val="lt1"/>
-              </a:fontRef>
-            </p:style>
-            <p:txBody>
-              <a:bodyPr rtlCol="0" anchor="ctr"/>
-              <a:lstStyle/>
-              <a:p>
-                <a:pPr algn="ctr"/>
-                <a:r>
-                  <a:rPr lang="en-AU" dirty="0"/>
-                  <a:t>Weather API</a:t>
-                </a:r>
-              </a:p>
-              <a:p>
-                <a:pPr algn="ctr"/>
-                <a:r>
-                  <a:rPr lang="en-AU" dirty="0"/>
-                  <a:t>(ASP.NET Web API)</a:t>
-                </a:r>
-                <a:endParaRPr lang="en-US" dirty="0"/>
-              </a:p>
-            </p:txBody>
-          </p:sp>
-          <p:sp>
-            <p:nvSpPr>
-              <p:cNvPr id="6" name="Rectangle 5">
-                <a:extLst>
-                  <a:ext uri="{FF2B5EF4-FFF2-40B4-BE49-F238E27FC236}">
-                    <a16:creationId xmlns:a16="http://schemas.microsoft.com/office/drawing/2014/main" id="{CD25BC90-6945-7A00-080B-191076A7E0FC}"/>
-                  </a:ext>
-                </a:extLst>
-              </p:cNvPr>
-              <p:cNvSpPr/>
-              <p:nvPr/>
-            </p:nvSpPr>
-            <p:spPr>
-              <a:xfrm>
-                <a:off x="3169945" y="1932127"/>
-                <a:ext cx="2310524" cy="1392795"/>
-              </a:xfrm>
-              <a:prstGeom prst="rect">
-                <a:avLst/>
-              </a:prstGeom>
-            </p:spPr>
-            <p:style>
-              <a:lnRef idx="2">
-                <a:schemeClr val="accent1">
-                  <a:shade val="50000"/>
-                </a:schemeClr>
-              </a:lnRef>
-              <a:fillRef idx="1">
-                <a:schemeClr val="accent1"/>
-              </a:fillRef>
-              <a:effectRef idx="0">
-                <a:schemeClr val="accent1"/>
-              </a:effectRef>
-              <a:fontRef idx="minor">
-                <a:schemeClr val="lt1"/>
-              </a:fontRef>
-            </p:style>
-            <p:txBody>
-              <a:bodyPr rtlCol="0" anchor="ctr"/>
-              <a:lstStyle/>
-              <a:p>
-                <a:pPr algn="ctr"/>
-                <a:r>
-                  <a:rPr lang="en-AU" dirty="0"/>
-                  <a:t>Weather UI</a:t>
-                </a:r>
-              </a:p>
-              <a:p>
-                <a:pPr algn="ctr"/>
-                <a:r>
-                  <a:rPr lang="en-AU" dirty="0"/>
-                  <a:t>(Vue.js)</a:t>
-                </a:r>
-                <a:endParaRPr lang="en-US" dirty="0"/>
-              </a:p>
-            </p:txBody>
-          </p:sp>
-          <p:cxnSp>
-            <p:nvCxnSpPr>
-              <p:cNvPr id="8" name="Straight Arrow Connector 7">
-                <a:extLst>
-                  <a:ext uri="{FF2B5EF4-FFF2-40B4-BE49-F238E27FC236}">
-                    <a16:creationId xmlns:a16="http://schemas.microsoft.com/office/drawing/2014/main" id="{AA6CC811-60A8-D819-576B-FC5D63D9D1C6}"/>
-                  </a:ext>
-                </a:extLst>
-              </p:cNvPr>
-              <p:cNvCxnSpPr>
-                <a:stCxn id="5" idx="3"/>
-                <a:endCxn id="4" idx="1"/>
-              </p:cNvCxnSpPr>
-              <p:nvPr/>
-            </p:nvCxnSpPr>
-            <p:spPr>
-              <a:xfrm flipV="1">
-                <a:off x="5480469" y="5199140"/>
-                <a:ext cx="1453709" cy="1"/>
-              </a:xfrm>
-              <a:prstGeom prst="straightConnector1">
-                <a:avLst/>
-              </a:prstGeom>
-              <a:ln>
-                <a:tailEnd type="triangle"/>
-              </a:ln>
-            </p:spPr>
-            <p:style>
-              <a:lnRef idx="3">
-                <a:schemeClr val="dk1"/>
-              </a:lnRef>
-              <a:fillRef idx="0">
-                <a:schemeClr val="dk1"/>
-              </a:fillRef>
-              <a:effectRef idx="2">
-                <a:schemeClr val="dk1"/>
-              </a:effectRef>
-              <a:fontRef idx="minor">
-                <a:schemeClr val="tx1"/>
-              </a:fontRef>
-            </p:style>
-          </p:cxnSp>
-          <p:cxnSp>
-            <p:nvCxnSpPr>
-              <p:cNvPr id="9" name="Straight Arrow Connector 8">
-                <a:extLst>
-                  <a:ext uri="{FF2B5EF4-FFF2-40B4-BE49-F238E27FC236}">
-                    <a16:creationId xmlns:a16="http://schemas.microsoft.com/office/drawing/2014/main" id="{84079798-DCF8-5347-DAA8-CD4730204867}"/>
-                  </a:ext>
-                </a:extLst>
-              </p:cNvPr>
-              <p:cNvCxnSpPr>
-                <a:cxnSpLocks/>
-                <a:stCxn id="6" idx="2"/>
-                <a:endCxn id="5" idx="0"/>
-              </p:cNvCxnSpPr>
-              <p:nvPr/>
-            </p:nvCxnSpPr>
-            <p:spPr>
-              <a:xfrm>
-                <a:off x="4325207" y="3324922"/>
-                <a:ext cx="0" cy="1177821"/>
-              </a:xfrm>
-              <a:prstGeom prst="straightConnector1">
-                <a:avLst/>
-              </a:prstGeom>
-              <a:ln>
-                <a:tailEnd type="triangle"/>
-              </a:ln>
-            </p:spPr>
-            <p:style>
-              <a:lnRef idx="3">
-                <a:schemeClr val="dk1"/>
-              </a:lnRef>
-              <a:fillRef idx="0">
-                <a:schemeClr val="dk1"/>
-              </a:fillRef>
-              <a:effectRef idx="2">
-                <a:schemeClr val="dk1"/>
-              </a:effectRef>
-              <a:fontRef idx="minor">
-                <a:schemeClr val="tx1"/>
-              </a:fontRef>
-            </p:style>
-          </p:cxnSp>
-          <p:sp>
-            <p:nvSpPr>
-              <p:cNvPr id="13" name="TextBox 12">
-                <a:extLst>
-                  <a:ext uri="{FF2B5EF4-FFF2-40B4-BE49-F238E27FC236}">
-                    <a16:creationId xmlns:a16="http://schemas.microsoft.com/office/drawing/2014/main" id="{CDD6B3D2-4F90-63FA-E7B5-D19029253EC7}"/>
-                  </a:ext>
-                </a:extLst>
-              </p:cNvPr>
-              <p:cNvSpPr txBox="1"/>
-              <p:nvPr/>
-            </p:nvSpPr>
-            <p:spPr>
-              <a:xfrm>
-                <a:off x="5751912" y="4829807"/>
-                <a:ext cx="914400" cy="369332"/>
-              </a:xfrm>
-              <a:prstGeom prst="rect">
-                <a:avLst/>
-              </a:prstGeom>
-              <a:noFill/>
-            </p:spPr>
-            <p:txBody>
-              <a:bodyPr wrap="square" rtlCol="0">
-                <a:spAutoFit/>
-              </a:bodyPr>
-              <a:lstStyle/>
-              <a:p>
-                <a:r>
-                  <a:rPr lang="en-AU" dirty="0"/>
-                  <a:t>logging</a:t>
-                </a:r>
-                <a:endParaRPr lang="en-US" dirty="0"/>
-              </a:p>
-            </p:txBody>
-          </p:sp>
-          <p:sp>
-            <p:nvSpPr>
-              <p:cNvPr id="14" name="TextBox 13">
-                <a:extLst>
-                  <a:ext uri="{FF2B5EF4-FFF2-40B4-BE49-F238E27FC236}">
-                    <a16:creationId xmlns:a16="http://schemas.microsoft.com/office/drawing/2014/main" id="{C0A3A0FF-4883-00B9-81F6-B385D39AD58F}"/>
-                  </a:ext>
-                </a:extLst>
-              </p:cNvPr>
-              <p:cNvSpPr txBox="1"/>
-              <p:nvPr/>
-            </p:nvSpPr>
-            <p:spPr>
-              <a:xfrm>
-                <a:off x="3296660" y="3566361"/>
-                <a:ext cx="1028547" cy="646331"/>
-              </a:xfrm>
-              <a:prstGeom prst="rect">
-                <a:avLst/>
-              </a:prstGeom>
-              <a:noFill/>
-            </p:spPr>
-            <p:txBody>
-              <a:bodyPr wrap="square" rtlCol="0">
-                <a:spAutoFit/>
-              </a:bodyPr>
-              <a:lstStyle/>
-              <a:p>
-                <a:r>
-                  <a:rPr lang="en-AU" dirty="0"/>
-                  <a:t>HTTP requests</a:t>
-                </a:r>
-                <a:endParaRPr lang="en-US" dirty="0"/>
-              </a:p>
-            </p:txBody>
-          </p:sp>
-        </p:grpSp>
-        <p:sp>
-          <p:nvSpPr>
-            <p:cNvPr id="18" name="Rectangle 17">
-              <a:extLst>
-                <a:ext uri="{FF2B5EF4-FFF2-40B4-BE49-F238E27FC236}">
-                  <a16:creationId xmlns:a16="http://schemas.microsoft.com/office/drawing/2014/main" id="{D5AA4C6D-B99E-04FB-CA58-5B98E03FF4C4}"/>
-                </a:ext>
-              </a:extLst>
-            </p:cNvPr>
-            <p:cNvSpPr/>
-            <p:nvPr/>
-          </p:nvSpPr>
-          <p:spPr>
-            <a:xfrm>
-              <a:off x="4127440" y="1690688"/>
-              <a:ext cx="6918027" cy="4683481"/>
-            </a:xfrm>
-            <a:prstGeom prst="rect">
-              <a:avLst/>
-            </a:prstGeom>
+        </p:nvSpPr>
+        <p:spPr>
+          <a:xfrm>
+            <a:off x="8838398" y="4902021"/>
+            <a:ext cx="2028789" cy="1203091"/>
+          </a:xfrm>
+          <a:prstGeom prst="rect">
+            <a:avLst/>
+          </a:prstGeom>
+          <a:ln w="12700"/>
+          <a:effectLst/>
+        </p:spPr>
+        <p:style>
+          <a:lnRef idx="2">
+            <a:schemeClr val="accent1">
+              <a:shade val="50000"/>
+            </a:schemeClr>
+          </a:lnRef>
+          <a:fillRef idx="1">
+            <a:schemeClr val="accent1"/>
+          </a:fillRef>
+          <a:effectRef idx="0">
+            <a:schemeClr val="accent1"/>
+          </a:effectRef>
+          <a:fontRef idx="minor">
+            <a:schemeClr val="lt1"/>
+          </a:fontRef>
+        </p:style>
+        <p:txBody>
+          <a:bodyPr rtlCol="0" anchor="ctr"/>
+          <a:lstStyle/>
+          <a:p>
+            <a:pPr algn="ctr"/>
+            <a:r>
+              <a:rPr lang="en-AU" dirty="0"/>
+              <a:t>SEQ</a:t>
+            </a:r>
+            <a:endParaRPr lang="en-US" dirty="0"/>
+          </a:p>
+        </p:txBody>
+      </p:sp>
+      <p:sp>
+        <p:nvSpPr>
+          <p:cNvPr id="5" name="Rectangle 4">
+            <a:extLst>
+              <a:ext uri="{FF2B5EF4-FFF2-40B4-BE49-F238E27FC236}">
+                <a16:creationId xmlns:a16="http://schemas.microsoft.com/office/drawing/2014/main" id="{2904F0FF-C114-1A87-6854-B2DFA322B168}"/>
+              </a:ext>
+            </a:extLst>
+          </p:cNvPr>
+          <p:cNvSpPr/>
+          <p:nvPr/>
+        </p:nvSpPr>
+        <p:spPr>
+          <a:xfrm>
+            <a:off x="5533159" y="4902022"/>
+            <a:ext cx="2028789" cy="1203091"/>
+          </a:xfrm>
+          <a:prstGeom prst="rect">
+            <a:avLst/>
+          </a:prstGeom>
+          <a:ln w="12700"/>
+          <a:effectLst/>
+        </p:spPr>
+        <p:style>
+          <a:lnRef idx="2">
+            <a:schemeClr val="accent1">
+              <a:shade val="50000"/>
+            </a:schemeClr>
+          </a:lnRef>
+          <a:fillRef idx="1">
+            <a:schemeClr val="accent1"/>
+          </a:fillRef>
+          <a:effectRef idx="0">
+            <a:schemeClr val="accent1"/>
+          </a:effectRef>
+          <a:fontRef idx="minor">
+            <a:schemeClr val="lt1"/>
+          </a:fontRef>
+        </p:style>
+        <p:txBody>
+          <a:bodyPr rtlCol="0" anchor="ctr"/>
+          <a:lstStyle/>
+          <a:p>
+            <a:pPr algn="ctr"/>
+            <a:r>
+              <a:rPr lang="en-AU" dirty="0"/>
+              <a:t>Weather API</a:t>
+            </a:r>
+          </a:p>
+          <a:p>
+            <a:pPr algn="ctr"/>
+            <a:r>
+              <a:rPr lang="en-AU" dirty="0"/>
+              <a:t>(ASP.NET Web API)</a:t>
+            </a:r>
+            <a:endParaRPr lang="en-US" dirty="0"/>
+          </a:p>
+        </p:txBody>
+      </p:sp>
+      <p:sp>
+        <p:nvSpPr>
+          <p:cNvPr id="6" name="Rectangle 5">
+            <a:extLst>
+              <a:ext uri="{FF2B5EF4-FFF2-40B4-BE49-F238E27FC236}">
+                <a16:creationId xmlns:a16="http://schemas.microsoft.com/office/drawing/2014/main" id="{CD25BC90-6945-7A00-080B-191076A7E0FC}"/>
+              </a:ext>
+            </a:extLst>
+          </p:cNvPr>
+          <p:cNvSpPr/>
+          <p:nvPr/>
+        </p:nvSpPr>
+        <p:spPr>
+          <a:xfrm>
+            <a:off x="5533159" y="2681534"/>
+            <a:ext cx="2028789" cy="1203091"/>
+          </a:xfrm>
+          <a:prstGeom prst="rect">
+            <a:avLst/>
+          </a:prstGeom>
+          <a:ln w="12700"/>
+          <a:effectLst/>
+        </p:spPr>
+        <p:style>
+          <a:lnRef idx="2">
+            <a:schemeClr val="accent1">
+              <a:shade val="50000"/>
+            </a:schemeClr>
+          </a:lnRef>
+          <a:fillRef idx="1">
+            <a:schemeClr val="accent1"/>
+          </a:fillRef>
+          <a:effectRef idx="0">
+            <a:schemeClr val="accent1"/>
+          </a:effectRef>
+          <a:fontRef idx="minor">
+            <a:schemeClr val="lt1"/>
+          </a:fontRef>
+        </p:style>
+        <p:txBody>
+          <a:bodyPr rtlCol="0" anchor="ctr"/>
+          <a:lstStyle/>
+          <a:p>
+            <a:pPr algn="ctr"/>
+            <a:r>
+              <a:rPr lang="en-AU" dirty="0"/>
+              <a:t>Weather UI</a:t>
+            </a:r>
+          </a:p>
+          <a:p>
+            <a:pPr algn="ctr"/>
+            <a:r>
+              <a:rPr lang="en-AU" dirty="0"/>
+              <a:t>(Vue.js)</a:t>
+            </a:r>
+            <a:endParaRPr lang="en-US" dirty="0"/>
+          </a:p>
+        </p:txBody>
+      </p:sp>
+      <p:cxnSp>
+        <p:nvCxnSpPr>
+          <p:cNvPr id="8" name="Straight Arrow Connector 7">
+            <a:extLst>
+              <a:ext uri="{FF2B5EF4-FFF2-40B4-BE49-F238E27FC236}">
+                <a16:creationId xmlns:a16="http://schemas.microsoft.com/office/drawing/2014/main" id="{AA6CC811-60A8-D819-576B-FC5D63D9D1C6}"/>
+              </a:ext>
+            </a:extLst>
+          </p:cNvPr>
+          <p:cNvCxnSpPr>
+            <a:stCxn id="5" idx="3"/>
+            <a:endCxn id="4" idx="1"/>
+          </p:cNvCxnSpPr>
+          <p:nvPr/>
+        </p:nvCxnSpPr>
+        <p:spPr>
+          <a:xfrm flipV="1">
+            <a:off x="7561948" y="5503567"/>
+            <a:ext cx="1276450" cy="1"/>
+          </a:xfrm>
+          <a:prstGeom prst="straightConnector1">
+            <a:avLst/>
+          </a:prstGeom>
+          <a:ln w="12700">
+            <a:tailEnd type="triangle"/>
+          </a:ln>
+          <a:effectLst/>
+        </p:spPr>
+        <p:style>
+          <a:lnRef idx="2">
+            <a:schemeClr val="dk1"/>
+          </a:lnRef>
+          <a:fillRef idx="0">
+            <a:schemeClr val="dk1"/>
+          </a:fillRef>
+          <a:effectRef idx="1">
+            <a:schemeClr val="dk1"/>
+          </a:effectRef>
+          <a:fontRef idx="minor">
+            <a:schemeClr val="tx1"/>
+          </a:fontRef>
+        </p:style>
+      </p:cxnSp>
+      <p:cxnSp>
+        <p:nvCxnSpPr>
+          <p:cNvPr id="9" name="Straight Arrow Connector 8">
+            <a:extLst>
+              <a:ext uri="{FF2B5EF4-FFF2-40B4-BE49-F238E27FC236}">
+                <a16:creationId xmlns:a16="http://schemas.microsoft.com/office/drawing/2014/main" id="{84079798-DCF8-5347-DAA8-CD4730204867}"/>
+              </a:ext>
+            </a:extLst>
+          </p:cNvPr>
+          <p:cNvCxnSpPr>
+            <a:cxnSpLocks/>
+            <a:stCxn id="6" idx="2"/>
+            <a:endCxn id="5" idx="0"/>
+          </p:cNvCxnSpPr>
+          <p:nvPr/>
+        </p:nvCxnSpPr>
+        <p:spPr>
+          <a:xfrm>
+            <a:off x="6547553" y="3884625"/>
+            <a:ext cx="0" cy="1017397"/>
+          </a:xfrm>
+          <a:prstGeom prst="straightConnector1">
+            <a:avLst/>
+          </a:prstGeom>
+          <a:ln w="12700">
+            <a:tailEnd type="triangle"/>
+          </a:ln>
+          <a:effectLst/>
+        </p:spPr>
+        <p:style>
+          <a:lnRef idx="2">
+            <a:schemeClr val="dk1"/>
+          </a:lnRef>
+          <a:fillRef idx="0">
+            <a:schemeClr val="dk1"/>
+          </a:fillRef>
+          <a:effectRef idx="1">
+            <a:schemeClr val="dk1"/>
+          </a:effectRef>
+          <a:fontRef idx="minor">
+            <a:schemeClr val="tx1"/>
+          </a:fontRef>
+        </p:style>
+      </p:cxnSp>
+      <p:sp>
+        <p:nvSpPr>
+          <p:cNvPr id="13" name="TextBox 12">
+            <a:extLst>
+              <a:ext uri="{FF2B5EF4-FFF2-40B4-BE49-F238E27FC236}">
+                <a16:creationId xmlns:a16="http://schemas.microsoft.com/office/drawing/2014/main" id="{CDD6B3D2-4F90-63FA-E7B5-D19029253EC7}"/>
+              </a:ext>
+            </a:extLst>
+          </p:cNvPr>
+          <p:cNvSpPr txBox="1"/>
+          <p:nvPr/>
+        </p:nvSpPr>
+        <p:spPr>
+          <a:xfrm>
+            <a:off x="7760532" y="5150459"/>
+            <a:ext cx="951822" cy="369332"/>
+          </a:xfrm>
+          <a:prstGeom prst="rect">
+            <a:avLst/>
+          </a:prstGeom>
+          <a:noFill/>
+          <a:ln w="12700">
             <a:noFill/>
-          </p:spPr>
-          <p:style>
-            <a:lnRef idx="2">
-              <a:schemeClr val="accent1">
-                <a:shade val="50000"/>
-              </a:schemeClr>
-            </a:lnRef>
-            <a:fillRef idx="1">
-              <a:schemeClr val="accent1"/>
-            </a:fillRef>
-            <a:effectRef idx="0">
-              <a:schemeClr val="accent1"/>
-            </a:effectRef>
-            <a:fontRef idx="minor">
-              <a:schemeClr val="lt1"/>
-            </a:fontRef>
-          </p:style>
-          <p:txBody>
-            <a:bodyPr rtlCol="0" anchor="t"/>
-            <a:lstStyle/>
-            <a:p>
-              <a:pPr algn="ctr"/>
-              <a:r>
-                <a:rPr lang="en-AU" dirty="0">
-                  <a:solidFill>
-                    <a:schemeClr val="tx1"/>
-                  </a:solidFill>
-                </a:rPr>
-                <a:t>Docker</a:t>
-              </a:r>
-            </a:p>
-          </p:txBody>
-        </p:sp>
-        <p:sp>
-          <p:nvSpPr>
-            <p:cNvPr id="19" name="Rectangle 18">
-              <a:extLst>
-                <a:ext uri="{FF2B5EF4-FFF2-40B4-BE49-F238E27FC236}">
-                  <a16:creationId xmlns:a16="http://schemas.microsoft.com/office/drawing/2014/main" id="{2D066B01-F8BE-5026-A116-8047BB52D745}"/>
-                </a:ext>
-              </a:extLst>
-            </p:cNvPr>
-            <p:cNvSpPr/>
-            <p:nvPr/>
-          </p:nvSpPr>
-          <p:spPr>
-            <a:xfrm>
-              <a:off x="825106" y="2099277"/>
-              <a:ext cx="2310524" cy="1392795"/>
-            </a:xfrm>
-            <a:prstGeom prst="rect">
-              <a:avLst/>
-            </a:prstGeom>
-          </p:spPr>
-          <p:style>
-            <a:lnRef idx="2">
-              <a:schemeClr val="accent1">
-                <a:shade val="50000"/>
-              </a:schemeClr>
-            </a:lnRef>
-            <a:fillRef idx="1">
-              <a:schemeClr val="accent1"/>
-            </a:fillRef>
-            <a:effectRef idx="0">
-              <a:schemeClr val="accent1"/>
-            </a:effectRef>
-            <a:fontRef idx="minor">
-              <a:schemeClr val="lt1"/>
-            </a:fontRef>
-          </p:style>
-          <p:txBody>
-            <a:bodyPr rtlCol="0" anchor="ctr"/>
-            <a:lstStyle/>
-            <a:p>
-              <a:pPr algn="ctr"/>
-              <a:r>
-                <a:rPr lang="en-AU" dirty="0"/>
-                <a:t>Web Browser</a:t>
-              </a:r>
-              <a:endParaRPr lang="en-US" dirty="0"/>
-            </a:p>
-          </p:txBody>
-        </p:sp>
-        <p:cxnSp>
-          <p:nvCxnSpPr>
-            <p:cNvPr id="20" name="Straight Arrow Connector 19">
-              <a:extLst>
-                <a:ext uri="{FF2B5EF4-FFF2-40B4-BE49-F238E27FC236}">
-                  <a16:creationId xmlns:a16="http://schemas.microsoft.com/office/drawing/2014/main" id="{9D953451-B007-D6C3-9BEA-5343ACDEE03D}"/>
-                </a:ext>
-              </a:extLst>
-            </p:cNvPr>
-            <p:cNvCxnSpPr>
-              <a:cxnSpLocks/>
-              <a:stCxn id="19" idx="3"/>
-              <a:endCxn id="6" idx="1"/>
-            </p:cNvCxnSpPr>
-            <p:nvPr/>
-          </p:nvCxnSpPr>
-          <p:spPr>
-            <a:xfrm>
-              <a:off x="3135630" y="2795675"/>
-              <a:ext cx="1449011" cy="0"/>
-            </a:xfrm>
-            <a:prstGeom prst="straightConnector1">
-              <a:avLst/>
-            </a:prstGeom>
-            <a:ln>
-              <a:tailEnd type="triangle"/>
-            </a:ln>
-          </p:spPr>
-          <p:style>
-            <a:lnRef idx="3">
-              <a:schemeClr val="dk1"/>
-            </a:lnRef>
-            <a:fillRef idx="0">
-              <a:schemeClr val="dk1"/>
-            </a:fillRef>
-            <a:effectRef idx="2">
-              <a:schemeClr val="dk1"/>
-            </a:effectRef>
-            <a:fontRef idx="minor">
-              <a:schemeClr val="tx1"/>
-            </a:fontRef>
-          </p:style>
-        </p:cxnSp>
-      </p:grpSp>
+          </a:ln>
+          <a:effectLst/>
+        </p:spPr>
+        <p:txBody>
+          <a:bodyPr wrap="square" rtlCol="0">
+            <a:spAutoFit/>
+          </a:bodyPr>
+          <a:lstStyle/>
+          <a:p>
+            <a:r>
+              <a:rPr lang="en-AU" dirty="0"/>
+              <a:t>logging</a:t>
+            </a:r>
+            <a:endParaRPr lang="en-US" dirty="0"/>
+          </a:p>
+        </p:txBody>
+      </p:sp>
+      <p:sp>
+        <p:nvSpPr>
+          <p:cNvPr id="14" name="TextBox 13">
+            <a:extLst>
+              <a:ext uri="{FF2B5EF4-FFF2-40B4-BE49-F238E27FC236}">
+                <a16:creationId xmlns:a16="http://schemas.microsoft.com/office/drawing/2014/main" id="{C0A3A0FF-4883-00B9-81F6-B385D39AD58F}"/>
+              </a:ext>
+            </a:extLst>
+          </p:cNvPr>
+          <p:cNvSpPr txBox="1"/>
+          <p:nvPr/>
+        </p:nvSpPr>
+        <p:spPr>
+          <a:xfrm>
+            <a:off x="5533159" y="4093179"/>
+            <a:ext cx="1014395" cy="646331"/>
+          </a:xfrm>
+          <a:prstGeom prst="rect">
+            <a:avLst/>
+          </a:prstGeom>
+          <a:noFill/>
+          <a:ln w="12700">
+            <a:noFill/>
+          </a:ln>
+          <a:effectLst/>
+        </p:spPr>
+        <p:txBody>
+          <a:bodyPr wrap="square" rtlCol="0">
+            <a:spAutoFit/>
+          </a:bodyPr>
+          <a:lstStyle/>
+          <a:p>
+            <a:r>
+              <a:rPr lang="en-AU" dirty="0"/>
+              <a:t>HTTP requests</a:t>
+            </a:r>
+            <a:endParaRPr lang="en-US" dirty="0"/>
+          </a:p>
+        </p:txBody>
+      </p:sp>
+      <p:sp>
+        <p:nvSpPr>
+          <p:cNvPr id="18" name="Rectangle 17">
+            <a:extLst>
+              <a:ext uri="{FF2B5EF4-FFF2-40B4-BE49-F238E27FC236}">
+                <a16:creationId xmlns:a16="http://schemas.microsoft.com/office/drawing/2014/main" id="{D5AA4C6D-B99E-04FB-CA58-5B98E03FF4C4}"/>
+              </a:ext>
+            </a:extLst>
+          </p:cNvPr>
+          <p:cNvSpPr/>
+          <p:nvPr/>
+        </p:nvSpPr>
+        <p:spPr>
+          <a:xfrm>
+            <a:off x="5131707" y="2328596"/>
+            <a:ext cx="6074474" cy="4045573"/>
+          </a:xfrm>
+          <a:prstGeom prst="rect">
+            <a:avLst/>
+          </a:prstGeom>
+          <a:noFill/>
+          <a:ln w="12700"/>
+          <a:effectLst/>
+        </p:spPr>
+        <p:style>
+          <a:lnRef idx="2">
+            <a:schemeClr val="accent1">
+              <a:shade val="50000"/>
+            </a:schemeClr>
+          </a:lnRef>
+          <a:fillRef idx="1">
+            <a:schemeClr val="accent1"/>
+          </a:fillRef>
+          <a:effectRef idx="0">
+            <a:schemeClr val="accent1"/>
+          </a:effectRef>
+          <a:fontRef idx="minor">
+            <a:schemeClr val="lt1"/>
+          </a:fontRef>
+        </p:style>
+        <p:txBody>
+          <a:bodyPr rtlCol="0" anchor="t"/>
+          <a:lstStyle/>
+          <a:p>
+            <a:pPr algn="ctr"/>
+            <a:r>
+              <a:rPr lang="en-AU" dirty="0">
+                <a:solidFill>
+                  <a:schemeClr val="tx1"/>
+                </a:solidFill>
+              </a:rPr>
+              <a:t>Docker</a:t>
+            </a:r>
+          </a:p>
+        </p:txBody>
+      </p:sp>
+      <p:sp>
+        <p:nvSpPr>
+          <p:cNvPr id="19" name="Rectangle 18">
+            <a:extLst>
+              <a:ext uri="{FF2B5EF4-FFF2-40B4-BE49-F238E27FC236}">
+                <a16:creationId xmlns:a16="http://schemas.microsoft.com/office/drawing/2014/main" id="{2D066B01-F8BE-5026-A116-8047BB52D745}"/>
+              </a:ext>
+            </a:extLst>
+          </p:cNvPr>
+          <p:cNvSpPr/>
+          <p:nvPr/>
+        </p:nvSpPr>
+        <p:spPr>
+          <a:xfrm>
+            <a:off x="2232045" y="2681534"/>
+            <a:ext cx="2028789" cy="1203091"/>
+          </a:xfrm>
+          <a:prstGeom prst="rect">
+            <a:avLst/>
+          </a:prstGeom>
+          <a:ln w="12700"/>
+          <a:effectLst/>
+        </p:spPr>
+        <p:style>
+          <a:lnRef idx="2">
+            <a:schemeClr val="accent1">
+              <a:shade val="50000"/>
+            </a:schemeClr>
+          </a:lnRef>
+          <a:fillRef idx="1">
+            <a:schemeClr val="accent1"/>
+          </a:fillRef>
+          <a:effectRef idx="0">
+            <a:schemeClr val="accent1"/>
+          </a:effectRef>
+          <a:fontRef idx="minor">
+            <a:schemeClr val="lt1"/>
+          </a:fontRef>
+        </p:style>
+        <p:txBody>
+          <a:bodyPr rtlCol="0" anchor="ctr"/>
+          <a:lstStyle/>
+          <a:p>
+            <a:pPr algn="ctr"/>
+            <a:r>
+              <a:rPr lang="en-AU" dirty="0"/>
+              <a:t>Web Browser</a:t>
+            </a:r>
+            <a:endParaRPr lang="en-US" dirty="0"/>
+          </a:p>
+        </p:txBody>
+      </p:sp>
+      <p:cxnSp>
+        <p:nvCxnSpPr>
+          <p:cNvPr id="20" name="Straight Arrow Connector 19">
+            <a:extLst>
+              <a:ext uri="{FF2B5EF4-FFF2-40B4-BE49-F238E27FC236}">
+                <a16:creationId xmlns:a16="http://schemas.microsoft.com/office/drawing/2014/main" id="{9D953451-B007-D6C3-9BEA-5343ACDEE03D}"/>
+              </a:ext>
+            </a:extLst>
+          </p:cNvPr>
+          <p:cNvCxnSpPr>
+            <a:cxnSpLocks/>
+            <a:stCxn id="19" idx="3"/>
+            <a:endCxn id="6" idx="1"/>
+          </p:cNvCxnSpPr>
+          <p:nvPr/>
+        </p:nvCxnSpPr>
+        <p:spPr>
+          <a:xfrm>
+            <a:off x="4260834" y="3283080"/>
+            <a:ext cx="1272325" cy="0"/>
+          </a:xfrm>
+          <a:prstGeom prst="straightConnector1">
+            <a:avLst/>
+          </a:prstGeom>
+          <a:ln w="12700">
+            <a:tailEnd type="triangle"/>
+          </a:ln>
+          <a:effectLst/>
+        </p:spPr>
+        <p:style>
+          <a:lnRef idx="2">
+            <a:schemeClr val="dk1"/>
+          </a:lnRef>
+          <a:fillRef idx="0">
+            <a:schemeClr val="dk1"/>
+          </a:fillRef>
+          <a:effectRef idx="1">
+            <a:schemeClr val="dk1"/>
+          </a:effectRef>
+          <a:fontRef idx="minor">
+            <a:schemeClr val="tx1"/>
+          </a:fontRef>
+        </p:style>
+      </p:cxnSp>
+      <p:pic>
+        <p:nvPicPr>
+          <p:cNvPr id="3" name="Picture 2" descr="Docker Logo, history, meaning, symbol, PNG">
+            <a:extLst>
+              <a:ext uri="{FF2B5EF4-FFF2-40B4-BE49-F238E27FC236}">
+                <a16:creationId xmlns:a16="http://schemas.microsoft.com/office/drawing/2014/main" id="{D6FF1EDB-9B21-E051-D501-4F92BF304CC7}"/>
+              </a:ext>
+            </a:extLst>
+          </p:cNvPr>
+          <p:cNvPicPr>
+            <a:picLocks noChangeAspect="1" noChangeArrowheads="1"/>
+          </p:cNvPicPr>
+          <p:nvPr/>
+        </p:nvPicPr>
+        <p:blipFill>
+          <a:blip r:embed="rId2">
+            <a:extLst>
+              <a:ext uri="{28A0092B-C50C-407E-A947-70E740481C1C}">
+                <a14:useLocalDpi xmlns:a14="http://schemas.microsoft.com/office/drawing/2010/main" val="0"/>
+              </a:ext>
+            </a:extLst>
+          </a:blip>
+          <a:srcRect/>
+          <a:stretch>
+            <a:fillRect/>
+          </a:stretch>
+        </p:blipFill>
+        <p:spPr bwMode="auto">
+          <a:xfrm>
+            <a:off x="9950744" y="230188"/>
+            <a:ext cx="2235200" cy="1257300"/>
+          </a:xfrm>
+          <a:prstGeom prst="rect">
+            <a:avLst/>
+          </a:prstGeom>
+          <a:noFill/>
+          <a:extLst>
+            <a:ext uri="{909E8E84-426E-40DD-AFC4-6F175D3DCCD1}">
+              <a14:hiddenFill xmlns:a14="http://schemas.microsoft.com/office/drawing/2010/main">
+                <a:solidFill>
+                  <a:srgbClr val="FFFFFF"/>
+                </a:solidFill>
+              </a14:hiddenFill>
+            </a:ext>
+          </a:extLst>
+        </p:spPr>
+      </p:pic>
     </p:spTree>
     <p:extLst>
       <p:ext uri="{BB962C8B-B14F-4D97-AF65-F5344CB8AC3E}">
@@ -18866,12 +21998,113 @@
             <a:pPr algn="ctr"/>
             <a:r>
               <a:rPr lang="en-AU" sz="6600" dirty="0"/>
-              <a:t>Docker Engine API </a:t>
+              <a:t>Docker Engine API</a:t>
+            </a:r>
+            <a:br>
+              <a:rPr lang="en-AU" sz="6600" dirty="0"/>
+            </a:br>
+            <a:r>
+              <a:rPr lang="en-AU" sz="6600" dirty="0"/>
+              <a:t> </a:t>
             </a:r>
             <a:endParaRPr lang="en-US" dirty="0"/>
           </a:p>
         </p:txBody>
       </p:sp>
+      <p:pic>
+        <p:nvPicPr>
+          <p:cNvPr id="4" name="Picture 3" descr="Docker Logo, history, meaning, symbol, PNG">
+            <a:extLst>
+              <a:ext uri="{FF2B5EF4-FFF2-40B4-BE49-F238E27FC236}">
+                <a16:creationId xmlns:a16="http://schemas.microsoft.com/office/drawing/2014/main" id="{F207002D-3D8E-7454-E4C3-57D00318E34D}"/>
+              </a:ext>
+            </a:extLst>
+          </p:cNvPr>
+          <p:cNvPicPr>
+            <a:picLocks noChangeAspect="1" noChangeArrowheads="1"/>
+          </p:cNvPicPr>
+          <p:nvPr/>
+        </p:nvPicPr>
+        <p:blipFill>
+          <a:blip r:embed="rId2">
+            <a:extLst>
+              <a:ext uri="{28A0092B-C50C-407E-A947-70E740481C1C}">
+                <a14:useLocalDpi xmlns:a14="http://schemas.microsoft.com/office/drawing/2010/main" val="0"/>
+              </a:ext>
+            </a:extLst>
+          </a:blip>
+          <a:srcRect/>
+          <a:stretch>
+            <a:fillRect/>
+          </a:stretch>
+        </p:blipFill>
+        <p:spPr bwMode="auto">
+          <a:xfrm>
+            <a:off x="9950744" y="230188"/>
+            <a:ext cx="2235200" cy="1257300"/>
+          </a:xfrm>
+          <a:prstGeom prst="rect">
+            <a:avLst/>
+          </a:prstGeom>
+          <a:noFill/>
+          <a:extLst>
+            <a:ext uri="{909E8E84-426E-40DD-AFC4-6F175D3DCCD1}">
+              <a14:hiddenFill xmlns:a14="http://schemas.microsoft.com/office/drawing/2010/main">
+                <a:solidFill>
+                  <a:srgbClr val="FFFFFF"/>
+                </a:solidFill>
+              </a14:hiddenFill>
+            </a:ext>
+          </a:extLst>
+        </p:spPr>
+      </p:pic>
+      <p:pic>
+        <p:nvPicPr>
+          <p:cNvPr id="6" name="Picture 14" descr="Post Image">
+            <a:extLst>
+              <a:ext uri="{FF2B5EF4-FFF2-40B4-BE49-F238E27FC236}">
+                <a16:creationId xmlns:a16="http://schemas.microsoft.com/office/drawing/2014/main" id="{9783453A-174D-5465-79C2-A7DE94750AE9}"/>
+              </a:ext>
+            </a:extLst>
+          </p:cNvPr>
+          <p:cNvPicPr>
+            <a:picLocks noChangeAspect="1" noChangeArrowheads="1"/>
+          </p:cNvPicPr>
+          <p:nvPr/>
+        </p:nvPicPr>
+        <p:blipFill>
+          <a:blip r:embed="rId3">
+            <a:extLst>
+              <a:ext uri="{28A0092B-C50C-407E-A947-70E740481C1C}">
+                <a14:useLocalDpi xmlns:a14="http://schemas.microsoft.com/office/drawing/2010/main" val="0"/>
+              </a:ext>
+            </a:extLst>
+          </a:blip>
+          <a:srcRect/>
+          <a:stretch>
+            <a:fillRect/>
+          </a:stretch>
+        </p:blipFill>
+        <p:spPr bwMode="auto">
+          <a:xfrm>
+            <a:off x="0" y="3840843"/>
+            <a:ext cx="12192000" cy="4140200"/>
+          </a:xfrm>
+          <a:prstGeom prst="rect">
+            <a:avLst/>
+          </a:prstGeom>
+          <a:noFill/>
+          <a:extLst>
+            <a:ext uri="{909E8E84-426E-40DD-AFC4-6F175D3DCCD1}">
+              <a14:hiddenFill xmlns:a14="http://schemas.microsoft.com/office/drawing/2010/main">
+                <a:solidFill>
+                  <a:srgbClr val="FFFFFF"/>
+                </a:solidFill>
+              </a14:hiddenFill>
+            </a:ext>
+          </a:extLst>
+        </p:spPr>
+      </p:pic>
     </p:spTree>
     <p:extLst>
       <p:ext uri="{BB962C8B-B14F-4D97-AF65-F5344CB8AC3E}">
@@ -18980,6 +22213,53 @@
           </a:p>
         </p:txBody>
       </p:sp>
+      <p:pic>
+        <p:nvPicPr>
+          <p:cNvPr id="5" name="Picture 4" descr="Docker Logo, history, meaning, symbol, PNG">
+            <a:extLst>
+              <a:ext uri="{FF2B5EF4-FFF2-40B4-BE49-F238E27FC236}">
+                <a16:creationId xmlns:a16="http://schemas.microsoft.com/office/drawing/2014/main" id="{1452CF5F-E74E-6054-7C2C-C0D412D6BC06}"/>
+              </a:ext>
+            </a:extLst>
+          </p:cNvPr>
+          <p:cNvPicPr>
+            <a:picLocks noChangeAspect="1" noChangeArrowheads="1"/>
+          </p:cNvPicPr>
+          <p:nvPr/>
+        </p:nvPicPr>
+        <p:blipFill>
+          <a:blip r:embed="rId3">
+            <a:extLst>
+              <a:ext uri="{28A0092B-C50C-407E-A947-70E740481C1C}">
+                <a14:useLocalDpi xmlns:a14="http://schemas.microsoft.com/office/drawing/2010/main" val="0"/>
+              </a:ext>
+            </a:extLst>
+          </a:blip>
+          <a:srcRect/>
+          <a:stretch>
+            <a:fillRect/>
+          </a:stretch>
+        </p:blipFill>
+        <p:spPr bwMode="auto">
+          <a:xfrm>
+            <a:off x="9950744" y="230188"/>
+            <a:ext cx="2235200" cy="1257300"/>
+          </a:xfrm>
+          <a:prstGeom prst="rect">
+            <a:avLst/>
+          </a:prstGeom>
+          <a:noFill/>
+          <a:extLst>
+            <a:ext uri="{909E8E84-426E-40DD-AFC4-6F175D3DCCD1}">
+              <a14:hiddenFill xmlns:a14="http://schemas.microsoft.com/office/drawing/2010/main">
+                <a:solidFill>
+                  <a:srgbClr val="FFFFFF"/>
+                </a:solidFill>
+              </a14:hiddenFill>
+            </a:ext>
+          </a:extLst>
+        </p:spPr>
+      </p:pic>
     </p:spTree>
     <p:extLst>
       <p:ext uri="{BB962C8B-B14F-4D97-AF65-F5344CB8AC3E}">
@@ -19044,17 +22324,127 @@
             <a:br>
               <a:rPr lang="en-AU" sz="6600" dirty="0"/>
             </a:br>
+            <a:r>
+              <a:rPr lang="en-AU" dirty="0"/>
+              <a:t>Working with Docker Engine API</a:t>
+            </a:r>
             <a:br>
               <a:rPr lang="en-AU" dirty="0"/>
             </a:br>
-            <a:r>
+            <a:br>
               <a:rPr lang="en-AU" dirty="0"/>
-              <a:t>Working with Docker Engine API</a:t>
-            </a:r>
+            </a:br>
             <a:endParaRPr lang="en-US" dirty="0"/>
           </a:p>
         </p:txBody>
       </p:sp>
+      <p:pic>
+        <p:nvPicPr>
+          <p:cNvPr id="4" name="Picture 3" descr="Docker Logo, history, meaning, symbol, PNG">
+            <a:extLst>
+              <a:ext uri="{FF2B5EF4-FFF2-40B4-BE49-F238E27FC236}">
+                <a16:creationId xmlns:a16="http://schemas.microsoft.com/office/drawing/2014/main" id="{5C54B6C4-7659-3D44-BA1E-B217168FA2A8}"/>
+              </a:ext>
+            </a:extLst>
+          </p:cNvPr>
+          <p:cNvPicPr>
+            <a:picLocks noChangeAspect="1" noChangeArrowheads="1"/>
+          </p:cNvPicPr>
+          <p:nvPr/>
+        </p:nvPicPr>
+        <p:blipFill>
+          <a:blip r:embed="rId2">
+            <a:extLst>
+              <a:ext uri="{28A0092B-C50C-407E-A947-70E740481C1C}">
+                <a14:useLocalDpi xmlns:a14="http://schemas.microsoft.com/office/drawing/2010/main" val="0"/>
+              </a:ext>
+            </a:extLst>
+          </a:blip>
+          <a:srcRect/>
+          <a:stretch>
+            <a:fillRect/>
+          </a:stretch>
+        </p:blipFill>
+        <p:spPr bwMode="auto">
+          <a:xfrm>
+            <a:off x="9950744" y="230188"/>
+            <a:ext cx="2235200" cy="1257300"/>
+          </a:xfrm>
+          <a:prstGeom prst="rect">
+            <a:avLst/>
+          </a:prstGeom>
+          <a:noFill/>
+          <a:extLst>
+            <a:ext uri="{909E8E84-426E-40DD-AFC4-6F175D3DCCD1}">
+              <a14:hiddenFill xmlns:a14="http://schemas.microsoft.com/office/drawing/2010/main">
+                <a:solidFill>
+                  <a:srgbClr val="FFFFFF"/>
+                </a:solidFill>
+              </a14:hiddenFill>
+            </a:ext>
+          </a:extLst>
+        </p:spPr>
+      </p:pic>
+      <p:pic>
+        <p:nvPicPr>
+          <p:cNvPr id="14" name="Picture 13">
+            <a:extLst>
+              <a:ext uri="{FF2B5EF4-FFF2-40B4-BE49-F238E27FC236}">
+                <a16:creationId xmlns:a16="http://schemas.microsoft.com/office/drawing/2014/main" id="{6E503CE5-B412-C4EA-B405-C3235B367227}"/>
+              </a:ext>
+            </a:extLst>
+          </p:cNvPr>
+          <p:cNvPicPr>
+            <a:picLocks noChangeAspect="1"/>
+          </p:cNvPicPr>
+          <p:nvPr/>
+        </p:nvPicPr>
+        <p:blipFill>
+          <a:blip r:embed="rId3"/>
+          <a:stretch>
+            <a:fillRect/>
+          </a:stretch>
+        </p:blipFill>
+        <p:spPr>
+          <a:xfrm>
+            <a:off x="0" y="3845600"/>
+            <a:ext cx="12192000" cy="4846320"/>
+          </a:xfrm>
+          <a:prstGeom prst="rect">
+            <a:avLst/>
+          </a:prstGeom>
+        </p:spPr>
+      </p:pic>
+      <p:pic>
+        <p:nvPicPr>
+          <p:cNvPr id="16" name="Picture 15">
+            <a:extLst>
+              <a:ext uri="{FF2B5EF4-FFF2-40B4-BE49-F238E27FC236}">
+                <a16:creationId xmlns:a16="http://schemas.microsoft.com/office/drawing/2014/main" id="{13141D83-96AC-2256-163F-DFB8FF5B6ADB}"/>
+              </a:ext>
+            </a:extLst>
+          </p:cNvPr>
+          <p:cNvPicPr>
+            <a:picLocks noChangeAspect="1"/>
+          </p:cNvPicPr>
+          <p:nvPr/>
+        </p:nvPicPr>
+        <p:blipFill>
+          <a:blip r:embed="rId4"/>
+          <a:stretch>
+            <a:fillRect/>
+          </a:stretch>
+        </p:blipFill>
+        <p:spPr>
+          <a:xfrm rot="21381005">
+            <a:off x="2771828" y="4300094"/>
+            <a:ext cx="4255163" cy="2706283"/>
+          </a:xfrm>
+          <a:prstGeom prst="rect">
+            <a:avLst/>
+          </a:prstGeom>
+        </p:spPr>
+      </p:pic>
     </p:spTree>
     <p:extLst>
       <p:ext uri="{BB962C8B-B14F-4D97-AF65-F5344CB8AC3E}">
@@ -19128,13 +22518,15 @@
         </p:nvSpPr>
         <p:spPr>
           <a:xfrm>
-            <a:off x="873074" y="1473200"/>
+            <a:off x="873074" y="1586800"/>
             <a:ext cx="2520000" cy="5162550"/>
           </a:xfrm>
           <a:prstGeom prst="rect">
             <a:avLst/>
           </a:prstGeom>
           <a:noFill/>
+          <a:ln w="12700"/>
+          <a:effectLst/>
         </p:spPr>
         <p:style>
           <a:lnRef idx="2">
@@ -19187,13 +22579,15 @@
         </p:nvSpPr>
         <p:spPr>
           <a:xfrm>
-            <a:off x="3866011" y="1473200"/>
+            <a:off x="3866011" y="1586800"/>
             <a:ext cx="4808225" cy="5162550"/>
           </a:xfrm>
           <a:prstGeom prst="rect">
             <a:avLst/>
           </a:prstGeom>
           <a:noFill/>
+          <a:ln w="12700"/>
+          <a:effectLst/>
         </p:spPr>
         <p:style>
           <a:lnRef idx="2">
@@ -19246,13 +22640,15 @@
         </p:nvSpPr>
         <p:spPr>
           <a:xfrm>
-            <a:off x="8915400" y="1473200"/>
+            <a:off x="8915400" y="1586800"/>
             <a:ext cx="2520000" cy="5162550"/>
           </a:xfrm>
           <a:prstGeom prst="rect">
             <a:avLst/>
           </a:prstGeom>
           <a:noFill/>
+          <a:ln w="12700"/>
+          <a:effectLst/>
         </p:spPr>
         <p:style>
           <a:lnRef idx="2">
@@ -19305,12 +22701,14 @@
         </p:nvSpPr>
         <p:spPr>
           <a:xfrm>
-            <a:off x="1162593" y="2648948"/>
+            <a:off x="1162593" y="2762548"/>
             <a:ext cx="1955800" cy="596900"/>
           </a:xfrm>
           <a:prstGeom prst="rect">
             <a:avLst/>
           </a:prstGeom>
+          <a:ln w="12700"/>
+          <a:effectLst/>
         </p:spPr>
         <p:style>
           <a:lnRef idx="2">
@@ -19355,12 +22753,14 @@
         </p:nvSpPr>
         <p:spPr>
           <a:xfrm>
-            <a:off x="1155174" y="1891118"/>
+            <a:off x="1155174" y="2004718"/>
             <a:ext cx="1955800" cy="596900"/>
           </a:xfrm>
           <a:prstGeom prst="rect">
             <a:avLst/>
           </a:prstGeom>
+          <a:ln w="12700"/>
+          <a:effectLst/>
         </p:spPr>
         <p:style>
           <a:lnRef idx="2">
@@ -19405,12 +22805,14 @@
         </p:nvSpPr>
         <p:spPr>
           <a:xfrm>
-            <a:off x="9090287" y="2644183"/>
+            <a:off x="9090287" y="2757783"/>
             <a:ext cx="2170226" cy="3848691"/>
           </a:xfrm>
           <a:prstGeom prst="rect">
             <a:avLst/>
           </a:prstGeom>
+          <a:ln w="12700"/>
+          <a:effectLst/>
         </p:spPr>
         <p:style>
           <a:lnRef idx="2">
@@ -19455,7 +22857,7 @@
         </p:nvSpPr>
         <p:spPr>
           <a:xfrm>
-            <a:off x="9321394" y="3217865"/>
+            <a:off x="9321394" y="3331465"/>
             <a:ext cx="1708013" cy="360000"/>
           </a:xfrm>
           <a:prstGeom prst="rect">
@@ -19464,6 +22866,8 @@
           <a:solidFill>
             <a:schemeClr val="accent2"/>
           </a:solidFill>
+          <a:ln w="12700"/>
+          <a:effectLst/>
         </p:spPr>
         <p:style>
           <a:lnRef idx="2">
@@ -19508,7 +22912,7 @@
         </p:nvSpPr>
         <p:spPr>
           <a:xfrm>
-            <a:off x="9321394" y="3621484"/>
+            <a:off x="9321394" y="3735084"/>
             <a:ext cx="1708013" cy="360000"/>
           </a:xfrm>
           <a:prstGeom prst="rect">
@@ -19517,6 +22921,8 @@
           <a:solidFill>
             <a:schemeClr val="accent2"/>
           </a:solidFill>
+          <a:ln w="12700"/>
+          <a:effectLst/>
         </p:spPr>
         <p:style>
           <a:lnRef idx="2">
@@ -19561,12 +22967,14 @@
         </p:nvSpPr>
         <p:spPr>
           <a:xfrm>
-            <a:off x="9090287" y="1894884"/>
+            <a:off x="9090287" y="2008484"/>
             <a:ext cx="2170226" cy="596900"/>
           </a:xfrm>
           <a:prstGeom prst="rect">
             <a:avLst/>
           </a:prstGeom>
+          <a:ln w="12700"/>
+          <a:effectLst/>
         </p:spPr>
         <p:style>
           <a:lnRef idx="2">
@@ -19611,7 +23019,7 @@
         </p:nvSpPr>
         <p:spPr>
           <a:xfrm>
-            <a:off x="9321394" y="4025103"/>
+            <a:off x="9321394" y="4138703"/>
             <a:ext cx="1708013" cy="360000"/>
           </a:xfrm>
           <a:prstGeom prst="rect">
@@ -19620,6 +23028,8 @@
           <a:solidFill>
             <a:schemeClr val="accent2"/>
           </a:solidFill>
+          <a:ln w="12700"/>
+          <a:effectLst/>
         </p:spPr>
         <p:style>
           <a:lnRef idx="2">
@@ -19650,48 +23060,6 @@
           </a:p>
         </p:txBody>
       </p:sp>
-      <p:cxnSp>
-        <p:nvCxnSpPr>
-          <p:cNvPr id="27" name="Connector: Elbow 26">
-            <a:extLst>
-              <a:ext uri="{FF2B5EF4-FFF2-40B4-BE49-F238E27FC236}">
-                <a16:creationId xmlns:a16="http://schemas.microsoft.com/office/drawing/2014/main" id="{8E4B7F4F-F753-E198-EB39-9E58DDB365D4}"/>
-              </a:ext>
-            </a:extLst>
-          </p:cNvPr>
-          <p:cNvCxnSpPr>
-            <a:cxnSpLocks/>
-            <a:stCxn id="11" idx="3"/>
-            <a:endCxn id="93" idx="1"/>
-          </p:cNvCxnSpPr>
-          <p:nvPr/>
-        </p:nvCxnSpPr>
-        <p:spPr>
-          <a:xfrm>
-            <a:off x="3110974" y="2189568"/>
-            <a:ext cx="942266" cy="754519"/>
-          </a:xfrm>
-          <a:prstGeom prst="bentConnector3">
-            <a:avLst>
-              <a:gd name="adj1" fmla="val 50000"/>
-            </a:avLst>
-          </a:prstGeom>
-        </p:spPr>
-        <p:style>
-          <a:lnRef idx="3">
-            <a:schemeClr val="dk1"/>
-          </a:lnRef>
-          <a:fillRef idx="0">
-            <a:schemeClr val="dk1"/>
-          </a:fillRef>
-          <a:effectRef idx="2">
-            <a:schemeClr val="dk1"/>
-          </a:effectRef>
-          <a:fontRef idx="minor">
-            <a:schemeClr val="tx1"/>
-          </a:fontRef>
-        </p:style>
-      </p:cxnSp>
       <p:sp>
         <p:nvSpPr>
           <p:cNvPr id="47" name="Rectangle 46">
@@ -19706,7 +23074,7 @@
         </p:nvSpPr>
         <p:spPr>
           <a:xfrm>
-            <a:off x="9321394" y="4428722"/>
+            <a:off x="9321394" y="4542322"/>
             <a:ext cx="1708013" cy="360000"/>
           </a:xfrm>
           <a:prstGeom prst="rect">
@@ -19715,6 +23083,8 @@
           <a:solidFill>
             <a:schemeClr val="accent2"/>
           </a:solidFill>
+          <a:ln w="12700"/>
+          <a:effectLst/>
         </p:spPr>
         <p:style>
           <a:lnRef idx="2">
@@ -19759,7 +23129,7 @@
         </p:nvSpPr>
         <p:spPr>
           <a:xfrm>
-            <a:off x="9321394" y="4832341"/>
+            <a:off x="9321394" y="4945941"/>
             <a:ext cx="1708013" cy="360000"/>
           </a:xfrm>
           <a:prstGeom prst="rect">
@@ -19768,6 +23138,8 @@
           <a:solidFill>
             <a:schemeClr val="accent2"/>
           </a:solidFill>
+          <a:ln w="12700"/>
+          <a:effectLst/>
         </p:spPr>
         <p:style>
           <a:lnRef idx="2">
@@ -19812,7 +23184,7 @@
         </p:nvSpPr>
         <p:spPr>
           <a:xfrm>
-            <a:off x="9321394" y="5235959"/>
+            <a:off x="9321394" y="5349559"/>
             <a:ext cx="1708013" cy="360000"/>
           </a:xfrm>
           <a:prstGeom prst="rect">
@@ -19821,6 +23193,8 @@
           <a:solidFill>
             <a:schemeClr val="accent2"/>
           </a:solidFill>
+          <a:ln w="12700"/>
+          <a:effectLst/>
         </p:spPr>
         <p:style>
           <a:lnRef idx="2">
@@ -19869,12 +23243,14 @@
         </p:nvCxnSpPr>
         <p:spPr>
           <a:xfrm>
-            <a:off x="8474997" y="2193334"/>
+            <a:off x="8474997" y="2306934"/>
             <a:ext cx="615290" cy="0"/>
           </a:xfrm>
           <a:prstGeom prst="line">
             <a:avLst/>
           </a:prstGeom>
+          <a:ln w="12700"/>
+          <a:effectLst/>
         </p:spPr>
         <p:style>
           <a:lnRef idx="3">
@@ -19907,12 +23283,14 @@
         </p:nvCxnSpPr>
         <p:spPr>
           <a:xfrm>
-            <a:off x="10175400" y="2491784"/>
+            <a:off x="10175400" y="2605384"/>
             <a:ext cx="0" cy="152399"/>
           </a:xfrm>
           <a:prstGeom prst="line">
             <a:avLst/>
           </a:prstGeom>
+          <a:ln w="12700"/>
+          <a:effectLst/>
         </p:spPr>
         <p:style>
           <a:lnRef idx="3">
@@ -19943,7 +23321,7 @@
         </p:nvSpPr>
         <p:spPr>
           <a:xfrm>
-            <a:off x="9321394" y="5639577"/>
+            <a:off x="9321394" y="5753177"/>
             <a:ext cx="1708013" cy="360000"/>
           </a:xfrm>
           <a:prstGeom prst="rect">
@@ -19952,6 +23330,8 @@
           <a:solidFill>
             <a:schemeClr val="accent2"/>
           </a:solidFill>
+          <a:ln w="12700"/>
+          <a:effectLst/>
         </p:spPr>
         <p:style>
           <a:lnRef idx="2">
@@ -19996,7 +23376,7 @@
         </p:nvSpPr>
         <p:spPr>
           <a:xfrm>
-            <a:off x="9321394" y="6043195"/>
+            <a:off x="9321394" y="6156795"/>
             <a:ext cx="1708013" cy="360000"/>
           </a:xfrm>
           <a:prstGeom prst="rect">
@@ -20005,6 +23385,8 @@
           <a:solidFill>
             <a:schemeClr val="accent2"/>
           </a:solidFill>
+          <a:ln w="12700"/>
+          <a:effectLst/>
         </p:spPr>
         <p:style>
           <a:lnRef idx="2">
@@ -20049,11 +23431,12 @@
         </p:nvGrpSpPr>
         <p:grpSpPr>
           <a:xfrm>
-            <a:off x="4047762" y="1894884"/>
+            <a:off x="4047762" y="2008484"/>
             <a:ext cx="4444722" cy="4597990"/>
             <a:chOff x="3997740" y="1894884"/>
             <a:chExt cx="4444722" cy="4597990"/>
           </a:xfrm>
+          <a:effectLst/>
         </p:grpSpPr>
         <p:sp>
           <p:nvSpPr>
@@ -20075,6 +23458,7 @@
             <a:prstGeom prst="rect">
               <a:avLst/>
             </a:prstGeom>
+            <a:ln w="12700"/>
           </p:spPr>
           <p:style>
             <a:lnRef idx="2">
@@ -20125,6 +23509,7 @@
             <a:prstGeom prst="rect">
               <a:avLst/>
             </a:prstGeom>
+            <a:ln w="12700"/>
           </p:spPr>
           <p:style>
             <a:lnRef idx="2">
@@ -20175,6 +23560,7 @@
             <a:prstGeom prst="rect">
               <a:avLst/>
             </a:prstGeom>
+            <a:ln w="12700"/>
           </p:spPr>
           <p:style>
             <a:lnRef idx="2">
@@ -20228,6 +23614,7 @@
             <a:solidFill>
               <a:schemeClr val="accent6"/>
             </a:solidFill>
+            <a:ln w="12700"/>
           </p:spPr>
           <p:style>
             <a:lnRef idx="2">
@@ -20281,6 +23668,7 @@
             <a:solidFill>
               <a:schemeClr val="accent2"/>
             </a:solidFill>
+            <a:ln w="12700"/>
           </p:spPr>
           <p:style>
             <a:lnRef idx="2">
@@ -20334,6 +23722,7 @@
             <a:solidFill>
               <a:schemeClr val="accent2"/>
             </a:solidFill>
+            <a:ln w="12700"/>
           </p:spPr>
           <p:style>
             <a:lnRef idx="2">
@@ -20387,6 +23776,7 @@
             <a:prstGeom prst="line">
               <a:avLst/>
             </a:prstGeom>
+            <a:ln w="12700"/>
           </p:spPr>
           <p:style>
             <a:lnRef idx="3">
@@ -20425,6 +23815,7 @@
             <a:prstGeom prst="line">
               <a:avLst/>
             </a:prstGeom>
+            <a:ln w="12700"/>
           </p:spPr>
           <p:style>
             <a:lnRef idx="3">
@@ -20464,6 +23855,7 @@
             <a:solidFill>
               <a:schemeClr val="accent2"/>
             </a:solidFill>
+            <a:ln w="12700"/>
           </p:spPr>
           <p:style>
             <a:lnRef idx="2">
@@ -20517,6 +23909,7 @@
             <a:solidFill>
               <a:schemeClr val="accent2"/>
             </a:solidFill>
+            <a:ln w="12700"/>
           </p:spPr>
           <p:style>
             <a:lnRef idx="2">
@@ -20570,6 +23963,7 @@
             <a:solidFill>
               <a:schemeClr val="accent4"/>
             </a:solidFill>
+            <a:ln w="12700"/>
           </p:spPr>
           <p:style>
             <a:lnRef idx="2">
@@ -20631,6 +24025,7 @@
             <a:solidFill>
               <a:schemeClr val="accent6"/>
             </a:solidFill>
+            <a:ln w="12700"/>
           </p:spPr>
           <p:style>
             <a:lnRef idx="2">
@@ -20684,6 +24079,7 @@
             <a:solidFill>
               <a:schemeClr val="accent4"/>
             </a:solidFill>
+            <a:ln w="12700"/>
           </p:spPr>
           <p:style>
             <a:lnRef idx="2">
@@ -20742,6 +24138,7 @@
             <a:prstGeom prst="rect">
               <a:avLst/>
             </a:prstGeom>
+            <a:ln w="12700"/>
           </p:spPr>
           <p:style>
             <a:lnRef idx="2">
@@ -20792,6 +24189,7 @@
             <a:prstGeom prst="rect">
               <a:avLst/>
             </a:prstGeom>
+            <a:ln w="12700"/>
           </p:spPr>
           <p:style>
             <a:lnRef idx="2">
@@ -20845,6 +24243,7 @@
             <a:prstGeom prst="line">
               <a:avLst/>
             </a:prstGeom>
+            <a:ln w="12700"/>
           </p:spPr>
           <p:style>
             <a:lnRef idx="3">
@@ -20884,6 +24283,7 @@
             <a:prstGeom prst="line">
               <a:avLst/>
             </a:prstGeom>
+            <a:ln w="12700"/>
           </p:spPr>
           <p:style>
             <a:lnRef idx="3">
@@ -20915,12 +24315,14 @@
         </p:nvSpPr>
         <p:spPr>
           <a:xfrm>
-            <a:off x="1153776" y="4886333"/>
+            <a:off x="1153776" y="4999933"/>
             <a:ext cx="1955800" cy="596900"/>
           </a:xfrm>
           <a:prstGeom prst="rect">
             <a:avLst/>
           </a:prstGeom>
+          <a:ln w="12700"/>
+          <a:effectLst/>
         </p:spPr>
         <p:style>
           <a:lnRef idx="2">
@@ -20965,12 +24367,14 @@
         </p:nvSpPr>
         <p:spPr>
           <a:xfrm>
-            <a:off x="1153776" y="3399234"/>
+            <a:off x="1153776" y="3512834"/>
             <a:ext cx="1955800" cy="596900"/>
           </a:xfrm>
           <a:prstGeom prst="rect">
             <a:avLst/>
           </a:prstGeom>
+          <a:ln w="12700"/>
+          <a:effectLst/>
         </p:spPr>
         <p:style>
           <a:lnRef idx="2">
@@ -21014,12 +24418,14 @@
         </p:nvSpPr>
         <p:spPr>
           <a:xfrm>
-            <a:off x="1153776" y="4137650"/>
+            <a:off x="1153776" y="4251250"/>
             <a:ext cx="1955800" cy="596900"/>
           </a:xfrm>
           <a:prstGeom prst="rect">
             <a:avLst/>
           </a:prstGeom>
+          <a:ln w="12700"/>
+          <a:effectLst/>
         </p:spPr>
         <p:style>
           <a:lnRef idx="2">
@@ -21050,162 +24456,6 @@
           </a:p>
         </p:txBody>
       </p:sp>
-      <p:cxnSp>
-        <p:nvCxnSpPr>
-          <p:cNvPr id="1079" name="Connector: Elbow 1078">
-            <a:extLst>
-              <a:ext uri="{FF2B5EF4-FFF2-40B4-BE49-F238E27FC236}">
-                <a16:creationId xmlns:a16="http://schemas.microsoft.com/office/drawing/2014/main" id="{285A29BD-DF25-3792-296E-99ECD511DCAA}"/>
-              </a:ext>
-            </a:extLst>
-          </p:cNvPr>
-          <p:cNvCxnSpPr>
-            <a:stCxn id="5" idx="3"/>
-            <a:endCxn id="93" idx="1"/>
-          </p:cNvCxnSpPr>
-          <p:nvPr/>
-        </p:nvCxnSpPr>
-        <p:spPr>
-          <a:xfrm flipV="1">
-            <a:off x="3118393" y="2944087"/>
-            <a:ext cx="934847" cy="3311"/>
-          </a:xfrm>
-          <a:prstGeom prst="bentConnector3">
-            <a:avLst/>
-          </a:prstGeom>
-        </p:spPr>
-        <p:style>
-          <a:lnRef idx="3">
-            <a:schemeClr val="dk1"/>
-          </a:lnRef>
-          <a:fillRef idx="0">
-            <a:schemeClr val="dk1"/>
-          </a:fillRef>
-          <a:effectRef idx="2">
-            <a:schemeClr val="dk1"/>
-          </a:effectRef>
-          <a:fontRef idx="minor">
-            <a:schemeClr val="tx1"/>
-          </a:fontRef>
-        </p:style>
-      </p:cxnSp>
-      <p:cxnSp>
-        <p:nvCxnSpPr>
-          <p:cNvPr id="1081" name="Connector: Elbow 1080">
-            <a:extLst>
-              <a:ext uri="{FF2B5EF4-FFF2-40B4-BE49-F238E27FC236}">
-                <a16:creationId xmlns:a16="http://schemas.microsoft.com/office/drawing/2014/main" id="{A30CE1DE-2EAC-8CB9-F34A-D7D8C9BC9836}"/>
-              </a:ext>
-            </a:extLst>
-          </p:cNvPr>
-          <p:cNvCxnSpPr>
-            <a:stCxn id="125" idx="3"/>
-            <a:endCxn id="93" idx="1"/>
-          </p:cNvCxnSpPr>
-          <p:nvPr/>
-        </p:nvCxnSpPr>
-        <p:spPr>
-          <a:xfrm flipV="1">
-            <a:off x="3109576" y="2944087"/>
-            <a:ext cx="943664" cy="753597"/>
-          </a:xfrm>
-          <a:prstGeom prst="bentConnector3">
-            <a:avLst/>
-          </a:prstGeom>
-        </p:spPr>
-        <p:style>
-          <a:lnRef idx="3">
-            <a:schemeClr val="dk1"/>
-          </a:lnRef>
-          <a:fillRef idx="0">
-            <a:schemeClr val="dk1"/>
-          </a:fillRef>
-          <a:effectRef idx="2">
-            <a:schemeClr val="dk1"/>
-          </a:effectRef>
-          <a:fontRef idx="minor">
-            <a:schemeClr val="tx1"/>
-          </a:fontRef>
-        </p:style>
-      </p:cxnSp>
-      <p:cxnSp>
-        <p:nvCxnSpPr>
-          <p:cNvPr id="1083" name="Connector: Elbow 1082">
-            <a:extLst>
-              <a:ext uri="{FF2B5EF4-FFF2-40B4-BE49-F238E27FC236}">
-                <a16:creationId xmlns:a16="http://schemas.microsoft.com/office/drawing/2014/main" id="{76CD416B-F407-6B20-1E49-6C6C4A41F06D}"/>
-              </a:ext>
-            </a:extLst>
-          </p:cNvPr>
-          <p:cNvCxnSpPr>
-            <a:stCxn id="126" idx="3"/>
-            <a:endCxn id="93" idx="1"/>
-          </p:cNvCxnSpPr>
-          <p:nvPr/>
-        </p:nvCxnSpPr>
-        <p:spPr>
-          <a:xfrm flipV="1">
-            <a:off x="3109576" y="2944087"/>
-            <a:ext cx="943664" cy="1492013"/>
-          </a:xfrm>
-          <a:prstGeom prst="bentConnector3">
-            <a:avLst/>
-          </a:prstGeom>
-        </p:spPr>
-        <p:style>
-          <a:lnRef idx="3">
-            <a:schemeClr val="dk1"/>
-          </a:lnRef>
-          <a:fillRef idx="0">
-            <a:schemeClr val="dk1"/>
-          </a:fillRef>
-          <a:effectRef idx="2">
-            <a:schemeClr val="dk1"/>
-          </a:effectRef>
-          <a:fontRef idx="minor">
-            <a:schemeClr val="tx1"/>
-          </a:fontRef>
-        </p:style>
-      </p:cxnSp>
-      <p:cxnSp>
-        <p:nvCxnSpPr>
-          <p:cNvPr id="1085" name="Connector: Elbow 1084">
-            <a:extLst>
-              <a:ext uri="{FF2B5EF4-FFF2-40B4-BE49-F238E27FC236}">
-                <a16:creationId xmlns:a16="http://schemas.microsoft.com/office/drawing/2014/main" id="{E884D126-FCDC-1F74-CCA7-1DE8ED5A34C9}"/>
-              </a:ext>
-            </a:extLst>
-          </p:cNvPr>
-          <p:cNvCxnSpPr>
-            <a:stCxn id="120" idx="3"/>
-            <a:endCxn id="93" idx="1"/>
-          </p:cNvCxnSpPr>
-          <p:nvPr/>
-        </p:nvCxnSpPr>
-        <p:spPr>
-          <a:xfrm flipV="1">
-            <a:off x="3109576" y="2944087"/>
-            <a:ext cx="943664" cy="2240696"/>
-          </a:xfrm>
-          <a:prstGeom prst="bentConnector3">
-            <a:avLst/>
-          </a:prstGeom>
-        </p:spPr>
-        <p:style>
-          <a:lnRef idx="3">
-            <a:schemeClr val="dk1"/>
-          </a:lnRef>
-          <a:fillRef idx="0">
-            <a:schemeClr val="dk1"/>
-          </a:fillRef>
-          <a:effectRef idx="2">
-            <a:schemeClr val="dk1"/>
-          </a:effectRef>
-          <a:fontRef idx="minor">
-            <a:schemeClr val="tx1"/>
-          </a:fontRef>
-        </p:style>
-      </p:cxnSp>
       <p:sp>
         <p:nvSpPr>
           <p:cNvPr id="138" name="Rectangle 137">
@@ -21220,12 +24470,14 @@
         </p:nvSpPr>
         <p:spPr>
           <a:xfrm>
-            <a:off x="1153776" y="5626295"/>
+            <a:off x="1153776" y="5739895"/>
             <a:ext cx="1955800" cy="596900"/>
           </a:xfrm>
           <a:prstGeom prst="rect">
             <a:avLst/>
           </a:prstGeom>
+          <a:ln w="12700"/>
+          <a:effectLst/>
         </p:spPr>
         <p:style>
           <a:lnRef idx="2">
@@ -21256,38 +24508,292 @@
           </a:p>
         </p:txBody>
       </p:sp>
+      <p:pic>
+        <p:nvPicPr>
+          <p:cNvPr id="4" name="Picture 2" descr="Docker Logo, history, meaning, symbol, PNG">
+            <a:extLst>
+              <a:ext uri="{FF2B5EF4-FFF2-40B4-BE49-F238E27FC236}">
+                <a16:creationId xmlns:a16="http://schemas.microsoft.com/office/drawing/2014/main" id="{58A55BC3-FE72-79C2-2380-D7FC90033352}"/>
+              </a:ext>
+            </a:extLst>
+          </p:cNvPr>
+          <p:cNvPicPr>
+            <a:picLocks noChangeAspect="1" noChangeArrowheads="1"/>
+          </p:cNvPicPr>
+          <p:nvPr/>
+        </p:nvPicPr>
+        <p:blipFill>
+          <a:blip r:embed="rId2">
+            <a:extLst>
+              <a:ext uri="{28A0092B-C50C-407E-A947-70E740481C1C}">
+                <a14:useLocalDpi xmlns:a14="http://schemas.microsoft.com/office/drawing/2010/main" val="0"/>
+              </a:ext>
+            </a:extLst>
+          </a:blip>
+          <a:srcRect/>
+          <a:stretch>
+            <a:fillRect/>
+          </a:stretch>
+        </p:blipFill>
+        <p:spPr bwMode="auto">
+          <a:xfrm>
+            <a:off x="9950744" y="230188"/>
+            <a:ext cx="2235200" cy="1257300"/>
+          </a:xfrm>
+          <a:prstGeom prst="rect">
+            <a:avLst/>
+          </a:prstGeom>
+          <a:noFill/>
+          <a:extLst>
+            <a:ext uri="{909E8E84-426E-40DD-AFC4-6F175D3DCCD1}">
+              <a14:hiddenFill xmlns:a14="http://schemas.microsoft.com/office/drawing/2010/main">
+                <a:solidFill>
+                  <a:srgbClr val="FFFFFF"/>
+                </a:solidFill>
+              </a14:hiddenFill>
+            </a:ext>
+          </a:extLst>
+        </p:spPr>
+      </p:pic>
       <p:cxnSp>
         <p:nvCxnSpPr>
-          <p:cNvPr id="1087" name="Connector: Elbow 1086">
-            <a:extLst>
-              <a:ext uri="{FF2B5EF4-FFF2-40B4-BE49-F238E27FC236}">
-                <a16:creationId xmlns:a16="http://schemas.microsoft.com/office/drawing/2014/main" id="{560D6B5F-404A-E7E3-9A56-32C4469DEB42}"/>
+          <p:cNvPr id="41" name="Straight Connector 40">
+            <a:extLst>
+              <a:ext uri="{FF2B5EF4-FFF2-40B4-BE49-F238E27FC236}">
+                <a16:creationId xmlns:a16="http://schemas.microsoft.com/office/drawing/2014/main" id="{EB3C8526-9AAA-2BE2-9A7F-2252A7C22CA7}"/>
               </a:ext>
             </a:extLst>
           </p:cNvPr>
           <p:cNvCxnSpPr>
-            <a:stCxn id="138" idx="3"/>
-            <a:endCxn id="93" idx="1"/>
+            <a:stCxn id="11" idx="3"/>
+            <a:endCxn id="14" idx="1"/>
+          </p:cNvCxnSpPr>
+          <p:nvPr/>
+        </p:nvCxnSpPr>
+        <p:spPr>
+          <a:xfrm>
+            <a:off x="3110974" y="2303168"/>
+            <a:ext cx="936788" cy="3766"/>
+          </a:xfrm>
+          <a:prstGeom prst="line">
+            <a:avLst/>
+          </a:prstGeom>
+        </p:spPr>
+        <p:style>
+          <a:lnRef idx="1">
+            <a:schemeClr val="dk1"/>
+          </a:lnRef>
+          <a:fillRef idx="0">
+            <a:schemeClr val="dk1"/>
+          </a:fillRef>
+          <a:effectRef idx="0">
+            <a:schemeClr val="dk1"/>
+          </a:effectRef>
+          <a:fontRef idx="minor">
+            <a:schemeClr val="tx1"/>
+          </a:fontRef>
+        </p:style>
+      </p:cxnSp>
+      <p:cxnSp>
+        <p:nvCxnSpPr>
+          <p:cNvPr id="46" name="Connector: Elbow 45">
+            <a:extLst>
+              <a:ext uri="{FF2B5EF4-FFF2-40B4-BE49-F238E27FC236}">
+                <a16:creationId xmlns:a16="http://schemas.microsoft.com/office/drawing/2014/main" id="{CBCC141D-3FE2-47B8-1E0D-E86A06799DC8}"/>
+              </a:ext>
+            </a:extLst>
+          </p:cNvPr>
+          <p:cNvCxnSpPr>
+            <a:stCxn id="5" idx="3"/>
+            <a:endCxn id="14" idx="1"/>
           </p:cNvCxnSpPr>
           <p:nvPr/>
         </p:nvCxnSpPr>
         <p:spPr>
           <a:xfrm flipV="1">
-            <a:off x="3109576" y="2944087"/>
-            <a:ext cx="943664" cy="2980658"/>
+            <a:off x="3118393" y="2306934"/>
+            <a:ext cx="929369" cy="754064"/>
           </a:xfrm>
           <a:prstGeom prst="bentConnector3">
             <a:avLst/>
           </a:prstGeom>
         </p:spPr>
         <p:style>
-          <a:lnRef idx="3">
+          <a:lnRef idx="1">
             <a:schemeClr val="dk1"/>
           </a:lnRef>
           <a:fillRef idx="0">
             <a:schemeClr val="dk1"/>
           </a:fillRef>
-          <a:effectRef idx="2">
+          <a:effectRef idx="0">
+            <a:schemeClr val="dk1"/>
+          </a:effectRef>
+          <a:fontRef idx="minor">
+            <a:schemeClr val="tx1"/>
+          </a:fontRef>
+        </p:style>
+      </p:cxnSp>
+      <p:cxnSp>
+        <p:nvCxnSpPr>
+          <p:cNvPr id="55" name="Connector: Elbow 54">
+            <a:extLst>
+              <a:ext uri="{FF2B5EF4-FFF2-40B4-BE49-F238E27FC236}">
+                <a16:creationId xmlns:a16="http://schemas.microsoft.com/office/drawing/2014/main" id="{61D31494-13CE-777E-3AD9-C324F488664A}"/>
+              </a:ext>
+            </a:extLst>
+          </p:cNvPr>
+          <p:cNvCxnSpPr>
+            <a:cxnSpLocks/>
+            <a:stCxn id="125" idx="3"/>
+            <a:endCxn id="14" idx="1"/>
+          </p:cNvCxnSpPr>
+          <p:nvPr/>
+        </p:nvCxnSpPr>
+        <p:spPr>
+          <a:xfrm flipV="1">
+            <a:off x="3109576" y="2306934"/>
+            <a:ext cx="938186" cy="1504350"/>
+          </a:xfrm>
+          <a:prstGeom prst="bentConnector3">
+            <a:avLst>
+              <a:gd name="adj1" fmla="val 50000"/>
+            </a:avLst>
+          </a:prstGeom>
+        </p:spPr>
+        <p:style>
+          <a:lnRef idx="1">
+            <a:schemeClr val="dk1"/>
+          </a:lnRef>
+          <a:fillRef idx="0">
+            <a:schemeClr val="dk1"/>
+          </a:fillRef>
+          <a:effectRef idx="0">
+            <a:schemeClr val="dk1"/>
+          </a:effectRef>
+          <a:fontRef idx="minor">
+            <a:schemeClr val="tx1"/>
+          </a:fontRef>
+        </p:style>
+      </p:cxnSp>
+      <p:cxnSp>
+        <p:nvCxnSpPr>
+          <p:cNvPr id="59" name="Connector: Elbow 58">
+            <a:extLst>
+              <a:ext uri="{FF2B5EF4-FFF2-40B4-BE49-F238E27FC236}">
+                <a16:creationId xmlns:a16="http://schemas.microsoft.com/office/drawing/2014/main" id="{BB187FE7-796E-589F-F4C2-F292E41F5E9A}"/>
+              </a:ext>
+            </a:extLst>
+          </p:cNvPr>
+          <p:cNvCxnSpPr>
+            <a:cxnSpLocks/>
+            <a:stCxn id="126" idx="3"/>
+            <a:endCxn id="14" idx="1"/>
+          </p:cNvCxnSpPr>
+          <p:nvPr/>
+        </p:nvCxnSpPr>
+        <p:spPr>
+          <a:xfrm flipV="1">
+            <a:off x="3109576" y="2306934"/>
+            <a:ext cx="938186" cy="2242766"/>
+          </a:xfrm>
+          <a:prstGeom prst="bentConnector3">
+            <a:avLst>
+              <a:gd name="adj1" fmla="val 50000"/>
+            </a:avLst>
+          </a:prstGeom>
+        </p:spPr>
+        <p:style>
+          <a:lnRef idx="1">
+            <a:schemeClr val="dk1"/>
+          </a:lnRef>
+          <a:fillRef idx="0">
+            <a:schemeClr val="dk1"/>
+          </a:fillRef>
+          <a:effectRef idx="0">
+            <a:schemeClr val="dk1"/>
+          </a:effectRef>
+          <a:fontRef idx="minor">
+            <a:schemeClr val="tx1"/>
+          </a:fontRef>
+        </p:style>
+      </p:cxnSp>
+      <p:cxnSp>
+        <p:nvCxnSpPr>
+          <p:cNvPr id="63" name="Connector: Elbow 62">
+            <a:extLst>
+              <a:ext uri="{FF2B5EF4-FFF2-40B4-BE49-F238E27FC236}">
+                <a16:creationId xmlns:a16="http://schemas.microsoft.com/office/drawing/2014/main" id="{BFF1BC76-43BE-4E1B-F7EC-1F947EBC6197}"/>
+              </a:ext>
+            </a:extLst>
+          </p:cNvPr>
+          <p:cNvCxnSpPr>
+            <a:cxnSpLocks/>
+            <a:stCxn id="120" idx="3"/>
+            <a:endCxn id="14" idx="1"/>
+          </p:cNvCxnSpPr>
+          <p:nvPr/>
+        </p:nvCxnSpPr>
+        <p:spPr>
+          <a:xfrm flipV="1">
+            <a:off x="3109576" y="2306934"/>
+            <a:ext cx="938186" cy="2991449"/>
+          </a:xfrm>
+          <a:prstGeom prst="bentConnector3">
+            <a:avLst>
+              <a:gd name="adj1" fmla="val 50000"/>
+            </a:avLst>
+          </a:prstGeom>
+        </p:spPr>
+        <p:style>
+          <a:lnRef idx="1">
+            <a:schemeClr val="dk1"/>
+          </a:lnRef>
+          <a:fillRef idx="0">
+            <a:schemeClr val="dk1"/>
+          </a:fillRef>
+          <a:effectRef idx="0">
+            <a:schemeClr val="dk1"/>
+          </a:effectRef>
+          <a:fontRef idx="minor">
+            <a:schemeClr val="tx1"/>
+          </a:fontRef>
+        </p:style>
+      </p:cxnSp>
+      <p:cxnSp>
+        <p:nvCxnSpPr>
+          <p:cNvPr id="67" name="Connector: Elbow 66">
+            <a:extLst>
+              <a:ext uri="{FF2B5EF4-FFF2-40B4-BE49-F238E27FC236}">
+                <a16:creationId xmlns:a16="http://schemas.microsoft.com/office/drawing/2014/main" id="{6E619082-8520-8914-9EEC-3CD9A3E472A6}"/>
+              </a:ext>
+            </a:extLst>
+          </p:cNvPr>
+          <p:cNvCxnSpPr>
+            <a:cxnSpLocks/>
+            <a:stCxn id="138" idx="3"/>
+            <a:endCxn id="14" idx="1"/>
+          </p:cNvCxnSpPr>
+          <p:nvPr/>
+        </p:nvCxnSpPr>
+        <p:spPr>
+          <a:xfrm flipV="1">
+            <a:off x="3109576" y="2306934"/>
+            <a:ext cx="938186" cy="3731411"/>
+          </a:xfrm>
+          <a:prstGeom prst="bentConnector3">
+            <a:avLst>
+              <a:gd name="adj1" fmla="val 50000"/>
+            </a:avLst>
+          </a:prstGeom>
+        </p:spPr>
+        <p:style>
+          <a:lnRef idx="1">
+            <a:schemeClr val="dk1"/>
+          </a:lnRef>
+          <a:fillRef idx="0">
+            <a:schemeClr val="dk1"/>
+          </a:fillRef>
+          <a:effectRef idx="0">
             <a:schemeClr val="dk1"/>
           </a:effectRef>
           <a:fontRef idx="minor">
@@ -21354,547 +24860,595 @@
           </a:p>
         </p:txBody>
       </p:sp>
-      <p:grpSp>
-        <p:nvGrpSpPr>
-          <p:cNvPr id="46" name="Group 45">
-            <a:extLst>
-              <a:ext uri="{FF2B5EF4-FFF2-40B4-BE49-F238E27FC236}">
-                <a16:creationId xmlns:a16="http://schemas.microsoft.com/office/drawing/2014/main" id="{8D05E164-3C0B-3B6C-7F0F-92C7C997F7E4}"/>
-              </a:ext>
-            </a:extLst>
-          </p:cNvPr>
-          <p:cNvGrpSpPr/>
+      <p:sp>
+        <p:nvSpPr>
+          <p:cNvPr id="4" name="Rectangle 3">
+            <a:extLst>
+              <a:ext uri="{FF2B5EF4-FFF2-40B4-BE49-F238E27FC236}">
+                <a16:creationId xmlns:a16="http://schemas.microsoft.com/office/drawing/2014/main" id="{38A3D5E2-0CEE-90E6-982B-5B90E1E3576C}"/>
+              </a:ext>
+            </a:extLst>
+          </p:cNvPr>
+          <p:cNvSpPr/>
           <p:nvPr/>
-        </p:nvGrpSpPr>
-        <p:grpSpPr>
+        </p:nvSpPr>
+        <p:spPr>
           <a:xfrm>
             <a:off x="3546475" y="2035175"/>
-            <a:ext cx="5099050" cy="3279775"/>
-            <a:chOff x="3546475" y="1825625"/>
-            <a:chExt cx="5099050" cy="3279775"/>
-          </a:xfrm>
-        </p:grpSpPr>
-        <p:sp>
-          <p:nvSpPr>
-            <p:cNvPr id="4" name="Rectangle 3">
-              <a:extLst>
-                <a:ext uri="{FF2B5EF4-FFF2-40B4-BE49-F238E27FC236}">
-                  <a16:creationId xmlns:a16="http://schemas.microsoft.com/office/drawing/2014/main" id="{38A3D5E2-0CEE-90E6-982B-5B90E1E3576C}"/>
-                </a:ext>
-              </a:extLst>
-            </p:cNvPr>
-            <p:cNvSpPr/>
-            <p:nvPr/>
-          </p:nvSpPr>
-          <p:spPr>
-            <a:xfrm>
-              <a:off x="3546475" y="1825625"/>
-              <a:ext cx="5099050" cy="768350"/>
-            </a:xfrm>
-            <a:prstGeom prst="rect">
-              <a:avLst/>
-            </a:prstGeom>
-          </p:spPr>
-          <p:style>
-            <a:lnRef idx="2">
-              <a:schemeClr val="accent1">
-                <a:shade val="50000"/>
-              </a:schemeClr>
-            </a:lnRef>
-            <a:fillRef idx="1">
-              <a:schemeClr val="accent1"/>
-            </a:fillRef>
-            <a:effectRef idx="0">
-              <a:schemeClr val="accent1"/>
-            </a:effectRef>
-            <a:fontRef idx="minor">
-              <a:schemeClr val="lt1"/>
-            </a:fontRef>
-          </p:style>
-          <p:txBody>
-            <a:bodyPr rtlCol="0" anchor="ctr"/>
-            <a:lstStyle/>
-            <a:p>
-              <a:pPr algn="ctr"/>
-              <a:r>
-                <a:rPr lang="en-AU" dirty="0"/>
-                <a:t>Docker Engine</a:t>
-              </a:r>
-              <a:endParaRPr lang="en-US" dirty="0"/>
-            </a:p>
-          </p:txBody>
-        </p:sp>
-        <p:sp>
-          <p:nvSpPr>
-            <p:cNvPr id="25" name="Rectangle 24">
-              <a:extLst>
-                <a:ext uri="{FF2B5EF4-FFF2-40B4-BE49-F238E27FC236}">
-                  <a16:creationId xmlns:a16="http://schemas.microsoft.com/office/drawing/2014/main" id="{2DAACCE7-E083-7F77-2B04-031B6ABD940C}"/>
-                </a:ext>
-              </a:extLst>
-            </p:cNvPr>
-            <p:cNvSpPr/>
-            <p:nvPr/>
-          </p:nvSpPr>
-          <p:spPr>
-            <a:xfrm>
-              <a:off x="3546475" y="2876550"/>
-              <a:ext cx="5099050" cy="876300"/>
-            </a:xfrm>
-            <a:prstGeom prst="rect">
-              <a:avLst/>
-            </a:prstGeom>
-          </p:spPr>
-          <p:style>
-            <a:lnRef idx="2">
-              <a:schemeClr val="accent1">
-                <a:shade val="50000"/>
-              </a:schemeClr>
-            </a:lnRef>
-            <a:fillRef idx="1">
-              <a:schemeClr val="accent1"/>
-            </a:fillRef>
-            <a:effectRef idx="0">
-              <a:schemeClr val="accent1"/>
-            </a:effectRef>
-            <a:fontRef idx="minor">
-              <a:schemeClr val="lt1"/>
-            </a:fontRef>
-          </p:style>
-          <p:txBody>
-            <a:bodyPr rtlCol="0" anchor="ctr"/>
-            <a:lstStyle/>
-            <a:p>
-              <a:pPr algn="ctr"/>
-              <a:r>
-                <a:rPr lang="en-AU" dirty="0"/>
-                <a:t>Linux Kernel</a:t>
-              </a:r>
-            </a:p>
-            <a:p>
-              <a:pPr algn="ctr"/>
-              <a:r>
-                <a:rPr lang="en-AU" dirty="0"/>
-                <a:t>(</a:t>
-              </a:r>
-              <a:r>
-                <a:rPr lang="en-AU" dirty="0" err="1"/>
-                <a:t>cgroups</a:t>
-              </a:r>
-              <a:r>
-                <a:rPr lang="en-AU" dirty="0"/>
-                <a:t>, namespaces, …)</a:t>
-              </a:r>
-            </a:p>
-          </p:txBody>
-        </p:sp>
-        <p:cxnSp>
-          <p:nvCxnSpPr>
-            <p:cNvPr id="26" name="Straight Connector 25">
-              <a:extLst>
-                <a:ext uri="{FF2B5EF4-FFF2-40B4-BE49-F238E27FC236}">
-                  <a16:creationId xmlns:a16="http://schemas.microsoft.com/office/drawing/2014/main" id="{FF0ADF07-77F1-35DF-8EC0-03B7CBFCEDE5}"/>
-                </a:ext>
-              </a:extLst>
-            </p:cNvPr>
-            <p:cNvCxnSpPr>
-              <a:cxnSpLocks/>
-              <a:stCxn id="4" idx="2"/>
-              <a:endCxn id="25" idx="0"/>
-            </p:cNvCxnSpPr>
-            <p:nvPr/>
-          </p:nvCxnSpPr>
-          <p:spPr>
-            <a:xfrm>
-              <a:off x="6096000" y="2593975"/>
-              <a:ext cx="0" cy="282575"/>
-            </a:xfrm>
-            <a:prstGeom prst="line">
-              <a:avLst/>
-            </a:prstGeom>
-          </p:spPr>
-          <p:style>
-            <a:lnRef idx="3">
-              <a:schemeClr val="dk1"/>
-            </a:lnRef>
-            <a:fillRef idx="0">
-              <a:schemeClr val="dk1"/>
-            </a:fillRef>
-            <a:effectRef idx="2">
-              <a:schemeClr val="dk1"/>
-            </a:effectRef>
-            <a:fontRef idx="minor">
-              <a:schemeClr val="tx1"/>
-            </a:fontRef>
-          </p:style>
-        </p:cxnSp>
-        <p:sp>
-          <p:nvSpPr>
-            <p:cNvPr id="28" name="Rectangle 27">
-              <a:extLst>
-                <a:ext uri="{FF2B5EF4-FFF2-40B4-BE49-F238E27FC236}">
-                  <a16:creationId xmlns:a16="http://schemas.microsoft.com/office/drawing/2014/main" id="{32F95081-4D03-387A-5EDB-FBC0FE3F20CE}"/>
-                </a:ext>
-              </a:extLst>
-            </p:cNvPr>
-            <p:cNvSpPr/>
-            <p:nvPr/>
-          </p:nvSpPr>
-          <p:spPr>
-            <a:xfrm>
-              <a:off x="3546475" y="4229100"/>
-              <a:ext cx="1080000" cy="876300"/>
-            </a:xfrm>
-            <a:prstGeom prst="rect">
-              <a:avLst/>
-            </a:prstGeom>
-          </p:spPr>
-          <p:style>
-            <a:lnRef idx="2">
-              <a:schemeClr val="accent1">
-                <a:shade val="50000"/>
-              </a:schemeClr>
-            </a:lnRef>
-            <a:fillRef idx="1">
-              <a:schemeClr val="accent1"/>
-            </a:fillRef>
-            <a:effectRef idx="0">
-              <a:schemeClr val="accent1"/>
-            </a:effectRef>
-            <a:fontRef idx="minor">
-              <a:schemeClr val="lt1"/>
-            </a:fontRef>
-          </p:style>
-          <p:txBody>
-            <a:bodyPr rtlCol="0" anchor="ctr"/>
-            <a:lstStyle/>
-            <a:p>
-              <a:pPr algn="ctr"/>
-              <a:r>
-                <a:rPr lang="en-AU" dirty="0"/>
-                <a:t>CPU </a:t>
-              </a:r>
-            </a:p>
-          </p:txBody>
-        </p:sp>
-        <p:sp>
-          <p:nvSpPr>
-            <p:cNvPr id="29" name="Rectangle 28">
-              <a:extLst>
-                <a:ext uri="{FF2B5EF4-FFF2-40B4-BE49-F238E27FC236}">
-                  <a16:creationId xmlns:a16="http://schemas.microsoft.com/office/drawing/2014/main" id="{5921CE03-3CE7-6266-FF2C-310214F9EA04}"/>
-                </a:ext>
-              </a:extLst>
-            </p:cNvPr>
-            <p:cNvSpPr/>
-            <p:nvPr/>
-          </p:nvSpPr>
-          <p:spPr>
-            <a:xfrm>
-              <a:off x="4886158" y="4229100"/>
-              <a:ext cx="1080000" cy="876300"/>
-            </a:xfrm>
-            <a:prstGeom prst="rect">
-              <a:avLst/>
-            </a:prstGeom>
-          </p:spPr>
-          <p:style>
-            <a:lnRef idx="2">
-              <a:schemeClr val="accent1">
-                <a:shade val="50000"/>
-              </a:schemeClr>
-            </a:lnRef>
-            <a:fillRef idx="1">
-              <a:schemeClr val="accent1"/>
-            </a:fillRef>
-            <a:effectRef idx="0">
-              <a:schemeClr val="accent1"/>
-            </a:effectRef>
-            <a:fontRef idx="minor">
-              <a:schemeClr val="lt1"/>
-            </a:fontRef>
-          </p:style>
-          <p:txBody>
-            <a:bodyPr rtlCol="0" anchor="ctr"/>
-            <a:lstStyle/>
-            <a:p>
-              <a:pPr algn="ctr"/>
-              <a:r>
-                <a:rPr lang="en-AU" dirty="0"/>
-                <a:t>Memory </a:t>
-              </a:r>
-            </a:p>
-          </p:txBody>
-        </p:sp>
-        <p:sp>
-          <p:nvSpPr>
-            <p:cNvPr id="30" name="Rectangle 29">
-              <a:extLst>
-                <a:ext uri="{FF2B5EF4-FFF2-40B4-BE49-F238E27FC236}">
-                  <a16:creationId xmlns:a16="http://schemas.microsoft.com/office/drawing/2014/main" id="{050A2B4C-3AC4-378D-5014-DDBE3DA25A53}"/>
-                </a:ext>
-              </a:extLst>
-            </p:cNvPr>
-            <p:cNvSpPr/>
-            <p:nvPr/>
-          </p:nvSpPr>
-          <p:spPr>
-            <a:xfrm>
-              <a:off x="6225841" y="4229100"/>
-              <a:ext cx="1080000" cy="876300"/>
-            </a:xfrm>
-            <a:prstGeom prst="rect">
-              <a:avLst/>
-            </a:prstGeom>
-          </p:spPr>
-          <p:style>
-            <a:lnRef idx="2">
-              <a:schemeClr val="accent1">
-                <a:shade val="50000"/>
-              </a:schemeClr>
-            </a:lnRef>
-            <a:fillRef idx="1">
-              <a:schemeClr val="accent1"/>
-            </a:fillRef>
-            <a:effectRef idx="0">
-              <a:schemeClr val="accent1"/>
-            </a:effectRef>
-            <a:fontRef idx="minor">
-              <a:schemeClr val="lt1"/>
-            </a:fontRef>
-          </p:style>
-          <p:txBody>
-            <a:bodyPr rtlCol="0" anchor="ctr"/>
-            <a:lstStyle/>
-            <a:p>
-              <a:pPr algn="ctr"/>
-              <a:r>
-                <a:rPr lang="en-AU" dirty="0"/>
-                <a:t>Storage</a:t>
-              </a:r>
-              <a:r>
-                <a:rPr lang="en-AU" b="1" dirty="0"/>
-                <a:t> </a:t>
-              </a:r>
-            </a:p>
-          </p:txBody>
-        </p:sp>
-        <p:sp>
-          <p:nvSpPr>
-            <p:cNvPr id="31" name="Rectangle 30">
-              <a:extLst>
-                <a:ext uri="{FF2B5EF4-FFF2-40B4-BE49-F238E27FC236}">
-                  <a16:creationId xmlns:a16="http://schemas.microsoft.com/office/drawing/2014/main" id="{7D25691C-896F-31EA-BA3B-C154B4F9EA7A}"/>
-                </a:ext>
-              </a:extLst>
-            </p:cNvPr>
-            <p:cNvSpPr/>
-            <p:nvPr/>
-          </p:nvSpPr>
-          <p:spPr>
-            <a:xfrm>
-              <a:off x="7565525" y="4229100"/>
-              <a:ext cx="1080000" cy="876300"/>
-            </a:xfrm>
-            <a:prstGeom prst="rect">
-              <a:avLst/>
-            </a:prstGeom>
-          </p:spPr>
-          <p:style>
-            <a:lnRef idx="2">
-              <a:schemeClr val="accent1">
-                <a:shade val="50000"/>
-              </a:schemeClr>
-            </a:lnRef>
-            <a:fillRef idx="1">
-              <a:schemeClr val="accent1"/>
-            </a:fillRef>
-            <a:effectRef idx="0">
-              <a:schemeClr val="accent1"/>
-            </a:effectRef>
-            <a:fontRef idx="minor">
-              <a:schemeClr val="lt1"/>
-            </a:fontRef>
-          </p:style>
-          <p:txBody>
-            <a:bodyPr rtlCol="0" anchor="ctr"/>
-            <a:lstStyle/>
-            <a:p>
-              <a:pPr algn="ctr"/>
-              <a:r>
-                <a:rPr lang="en-AU" dirty="0"/>
-                <a:t>Network</a:t>
-              </a:r>
-              <a:r>
-                <a:rPr lang="en-AU" b="1" dirty="0"/>
-                <a:t> </a:t>
-              </a:r>
-            </a:p>
-          </p:txBody>
-        </p:sp>
-        <p:cxnSp>
-          <p:nvCxnSpPr>
-            <p:cNvPr id="33" name="Connector: Elbow 32">
-              <a:extLst>
-                <a:ext uri="{FF2B5EF4-FFF2-40B4-BE49-F238E27FC236}">
-                  <a16:creationId xmlns:a16="http://schemas.microsoft.com/office/drawing/2014/main" id="{8DF6107A-B2D7-3609-1CE0-3D964E834BC2}"/>
-                </a:ext>
-              </a:extLst>
-            </p:cNvPr>
-            <p:cNvCxnSpPr>
-              <a:cxnSpLocks/>
-              <a:stCxn id="28" idx="0"/>
-              <a:endCxn id="25" idx="2"/>
-            </p:cNvCxnSpPr>
-            <p:nvPr/>
-          </p:nvCxnSpPr>
-          <p:spPr>
-            <a:xfrm rot="5400000" flipH="1" flipV="1">
-              <a:off x="4853112" y="2986213"/>
-              <a:ext cx="476250" cy="2009525"/>
-            </a:xfrm>
-            <a:prstGeom prst="bentConnector3">
-              <a:avLst/>
-            </a:prstGeom>
-          </p:spPr>
-          <p:style>
-            <a:lnRef idx="3">
-              <a:schemeClr val="dk1"/>
-            </a:lnRef>
-            <a:fillRef idx="0">
-              <a:schemeClr val="dk1"/>
-            </a:fillRef>
-            <a:effectRef idx="2">
-              <a:schemeClr val="dk1"/>
-            </a:effectRef>
-            <a:fontRef idx="minor">
-              <a:schemeClr val="tx1"/>
-            </a:fontRef>
-          </p:style>
-        </p:cxnSp>
-        <p:cxnSp>
-          <p:nvCxnSpPr>
-            <p:cNvPr id="35" name="Connector: Elbow 34">
-              <a:extLst>
-                <a:ext uri="{FF2B5EF4-FFF2-40B4-BE49-F238E27FC236}">
-                  <a16:creationId xmlns:a16="http://schemas.microsoft.com/office/drawing/2014/main" id="{9AE176C5-B45D-1827-3D3E-211DFE89CE32}"/>
-                </a:ext>
-              </a:extLst>
-            </p:cNvPr>
-            <p:cNvCxnSpPr>
-              <a:cxnSpLocks/>
-              <a:stCxn id="29" idx="0"/>
-              <a:endCxn id="25" idx="2"/>
-            </p:cNvCxnSpPr>
-            <p:nvPr/>
-          </p:nvCxnSpPr>
-          <p:spPr>
-            <a:xfrm rot="5400000" flipH="1" flipV="1">
-              <a:off x="5522954" y="3656054"/>
-              <a:ext cx="476250" cy="669842"/>
-            </a:xfrm>
-            <a:prstGeom prst="bentConnector3">
-              <a:avLst>
-                <a:gd name="adj1" fmla="val 50000"/>
-              </a:avLst>
-            </a:prstGeom>
-          </p:spPr>
-          <p:style>
-            <a:lnRef idx="3">
-              <a:schemeClr val="dk1"/>
-            </a:lnRef>
-            <a:fillRef idx="0">
-              <a:schemeClr val="dk1"/>
-            </a:fillRef>
-            <a:effectRef idx="2">
-              <a:schemeClr val="dk1"/>
-            </a:effectRef>
-            <a:fontRef idx="minor">
-              <a:schemeClr val="tx1"/>
-            </a:fontRef>
-          </p:style>
-        </p:cxnSp>
-        <p:cxnSp>
-          <p:nvCxnSpPr>
-            <p:cNvPr id="38" name="Connector: Elbow 37">
-              <a:extLst>
-                <a:ext uri="{FF2B5EF4-FFF2-40B4-BE49-F238E27FC236}">
-                  <a16:creationId xmlns:a16="http://schemas.microsoft.com/office/drawing/2014/main" id="{56C92D05-DB68-1D25-2CAA-25D33E1EA9FB}"/>
-                </a:ext>
-              </a:extLst>
-            </p:cNvPr>
-            <p:cNvCxnSpPr>
-              <a:cxnSpLocks/>
-              <a:stCxn id="30" idx="0"/>
-              <a:endCxn id="25" idx="2"/>
-            </p:cNvCxnSpPr>
-            <p:nvPr/>
-          </p:nvCxnSpPr>
-          <p:spPr>
-            <a:xfrm rot="16200000" flipV="1">
-              <a:off x="6192796" y="3656054"/>
-              <a:ext cx="476250" cy="669841"/>
-            </a:xfrm>
-            <a:prstGeom prst="bentConnector3">
-              <a:avLst/>
-            </a:prstGeom>
-          </p:spPr>
-          <p:style>
-            <a:lnRef idx="3">
-              <a:schemeClr val="dk1"/>
-            </a:lnRef>
-            <a:fillRef idx="0">
-              <a:schemeClr val="dk1"/>
-            </a:fillRef>
-            <a:effectRef idx="2">
-              <a:schemeClr val="dk1"/>
-            </a:effectRef>
-            <a:fontRef idx="minor">
-              <a:schemeClr val="tx1"/>
-            </a:fontRef>
-          </p:style>
-        </p:cxnSp>
-        <p:cxnSp>
-          <p:nvCxnSpPr>
-            <p:cNvPr id="40" name="Connector: Elbow 39">
-              <a:extLst>
-                <a:ext uri="{FF2B5EF4-FFF2-40B4-BE49-F238E27FC236}">
-                  <a16:creationId xmlns:a16="http://schemas.microsoft.com/office/drawing/2014/main" id="{A166C9B2-8DDC-6253-A887-DB638BBE19BC}"/>
-                </a:ext>
-              </a:extLst>
-            </p:cNvPr>
-            <p:cNvCxnSpPr>
-              <a:cxnSpLocks/>
-              <a:stCxn id="31" idx="0"/>
-              <a:endCxn id="25" idx="2"/>
-            </p:cNvCxnSpPr>
-            <p:nvPr/>
-          </p:nvCxnSpPr>
-          <p:spPr>
-            <a:xfrm rot="16200000" flipV="1">
-              <a:off x="6862638" y="2986212"/>
-              <a:ext cx="476250" cy="2009525"/>
-            </a:xfrm>
-            <a:prstGeom prst="bentConnector3">
-              <a:avLst/>
-            </a:prstGeom>
-          </p:spPr>
-          <p:style>
-            <a:lnRef idx="3">
-              <a:schemeClr val="dk1"/>
-            </a:lnRef>
-            <a:fillRef idx="0">
-              <a:schemeClr val="dk1"/>
-            </a:fillRef>
-            <a:effectRef idx="2">
-              <a:schemeClr val="dk1"/>
-            </a:effectRef>
-            <a:fontRef idx="minor">
-              <a:schemeClr val="tx1"/>
-            </a:fontRef>
-          </p:style>
-        </p:cxnSp>
-      </p:grpSp>
+            <a:ext cx="5099050" cy="768350"/>
+          </a:xfrm>
+          <a:prstGeom prst="rect">
+            <a:avLst/>
+          </a:prstGeom>
+          <a:ln w="12700"/>
+          <a:effectLst/>
+        </p:spPr>
+        <p:style>
+          <a:lnRef idx="2">
+            <a:schemeClr val="accent1">
+              <a:shade val="50000"/>
+            </a:schemeClr>
+          </a:lnRef>
+          <a:fillRef idx="1">
+            <a:schemeClr val="accent1"/>
+          </a:fillRef>
+          <a:effectRef idx="0">
+            <a:schemeClr val="accent1"/>
+          </a:effectRef>
+          <a:fontRef idx="minor">
+            <a:schemeClr val="lt1"/>
+          </a:fontRef>
+        </p:style>
+        <p:txBody>
+          <a:bodyPr rtlCol="0" anchor="ctr"/>
+          <a:lstStyle/>
+          <a:p>
+            <a:pPr algn="ctr"/>
+            <a:r>
+              <a:rPr lang="en-AU" dirty="0"/>
+              <a:t>Docker Engine</a:t>
+            </a:r>
+            <a:endParaRPr lang="en-US" dirty="0"/>
+          </a:p>
+        </p:txBody>
+      </p:sp>
+      <p:sp>
+        <p:nvSpPr>
+          <p:cNvPr id="25" name="Rectangle 24">
+            <a:extLst>
+              <a:ext uri="{FF2B5EF4-FFF2-40B4-BE49-F238E27FC236}">
+                <a16:creationId xmlns:a16="http://schemas.microsoft.com/office/drawing/2014/main" id="{2DAACCE7-E083-7F77-2B04-031B6ABD940C}"/>
+              </a:ext>
+            </a:extLst>
+          </p:cNvPr>
+          <p:cNvSpPr/>
+          <p:nvPr/>
+        </p:nvSpPr>
+        <p:spPr>
+          <a:xfrm>
+            <a:off x="3546475" y="3086100"/>
+            <a:ext cx="5099050" cy="876300"/>
+          </a:xfrm>
+          <a:prstGeom prst="rect">
+            <a:avLst/>
+          </a:prstGeom>
+          <a:ln w="12700"/>
+          <a:effectLst/>
+        </p:spPr>
+        <p:style>
+          <a:lnRef idx="2">
+            <a:schemeClr val="accent1">
+              <a:shade val="50000"/>
+            </a:schemeClr>
+          </a:lnRef>
+          <a:fillRef idx="1">
+            <a:schemeClr val="accent1"/>
+          </a:fillRef>
+          <a:effectRef idx="0">
+            <a:schemeClr val="accent1"/>
+          </a:effectRef>
+          <a:fontRef idx="minor">
+            <a:schemeClr val="lt1"/>
+          </a:fontRef>
+        </p:style>
+        <p:txBody>
+          <a:bodyPr rtlCol="0" anchor="ctr"/>
+          <a:lstStyle/>
+          <a:p>
+            <a:pPr algn="ctr"/>
+            <a:r>
+              <a:rPr lang="en-AU" dirty="0"/>
+              <a:t>Linux Kernel</a:t>
+            </a:r>
+          </a:p>
+          <a:p>
+            <a:pPr algn="ctr"/>
+            <a:r>
+              <a:rPr lang="en-AU" dirty="0"/>
+              <a:t>(</a:t>
+            </a:r>
+            <a:r>
+              <a:rPr lang="en-AU" dirty="0" err="1"/>
+              <a:t>cgroups</a:t>
+            </a:r>
+            <a:r>
+              <a:rPr lang="en-AU" dirty="0"/>
+              <a:t>, namespaces, …)</a:t>
+            </a:r>
+          </a:p>
+        </p:txBody>
+      </p:sp>
+      <p:cxnSp>
+        <p:nvCxnSpPr>
+          <p:cNvPr id="26" name="Straight Connector 25">
+            <a:extLst>
+              <a:ext uri="{FF2B5EF4-FFF2-40B4-BE49-F238E27FC236}">
+                <a16:creationId xmlns:a16="http://schemas.microsoft.com/office/drawing/2014/main" id="{FF0ADF07-77F1-35DF-8EC0-03B7CBFCEDE5}"/>
+              </a:ext>
+            </a:extLst>
+          </p:cNvPr>
+          <p:cNvCxnSpPr>
+            <a:cxnSpLocks/>
+            <a:stCxn id="4" idx="2"/>
+            <a:endCxn id="25" idx="0"/>
+          </p:cNvCxnSpPr>
+          <p:nvPr/>
+        </p:nvCxnSpPr>
+        <p:spPr>
+          <a:xfrm>
+            <a:off x="6096000" y="2803525"/>
+            <a:ext cx="0" cy="282575"/>
+          </a:xfrm>
+          <a:prstGeom prst="line">
+            <a:avLst/>
+          </a:prstGeom>
+          <a:ln w="12700"/>
+          <a:effectLst/>
+        </p:spPr>
+        <p:style>
+          <a:lnRef idx="2">
+            <a:schemeClr val="dk1"/>
+          </a:lnRef>
+          <a:fillRef idx="0">
+            <a:schemeClr val="dk1"/>
+          </a:fillRef>
+          <a:effectRef idx="1">
+            <a:schemeClr val="dk1"/>
+          </a:effectRef>
+          <a:fontRef idx="minor">
+            <a:schemeClr val="tx1"/>
+          </a:fontRef>
+        </p:style>
+      </p:cxnSp>
+      <p:sp>
+        <p:nvSpPr>
+          <p:cNvPr id="28" name="Rectangle 27">
+            <a:extLst>
+              <a:ext uri="{FF2B5EF4-FFF2-40B4-BE49-F238E27FC236}">
+                <a16:creationId xmlns:a16="http://schemas.microsoft.com/office/drawing/2014/main" id="{32F95081-4D03-387A-5EDB-FBC0FE3F20CE}"/>
+              </a:ext>
+            </a:extLst>
+          </p:cNvPr>
+          <p:cNvSpPr/>
+          <p:nvPr/>
+        </p:nvSpPr>
+        <p:spPr>
+          <a:xfrm>
+            <a:off x="3546475" y="4438650"/>
+            <a:ext cx="1080000" cy="876300"/>
+          </a:xfrm>
+          <a:prstGeom prst="rect">
+            <a:avLst/>
+          </a:prstGeom>
+          <a:ln w="12700"/>
+          <a:effectLst/>
+        </p:spPr>
+        <p:style>
+          <a:lnRef idx="2">
+            <a:schemeClr val="accent1">
+              <a:shade val="50000"/>
+            </a:schemeClr>
+          </a:lnRef>
+          <a:fillRef idx="1">
+            <a:schemeClr val="accent1"/>
+          </a:fillRef>
+          <a:effectRef idx="0">
+            <a:schemeClr val="accent1"/>
+          </a:effectRef>
+          <a:fontRef idx="minor">
+            <a:schemeClr val="lt1"/>
+          </a:fontRef>
+        </p:style>
+        <p:txBody>
+          <a:bodyPr rtlCol="0" anchor="ctr"/>
+          <a:lstStyle/>
+          <a:p>
+            <a:pPr algn="ctr"/>
+            <a:r>
+              <a:rPr lang="en-AU" dirty="0"/>
+              <a:t>CPU </a:t>
+            </a:r>
+          </a:p>
+        </p:txBody>
+      </p:sp>
+      <p:sp>
+        <p:nvSpPr>
+          <p:cNvPr id="29" name="Rectangle 28">
+            <a:extLst>
+              <a:ext uri="{FF2B5EF4-FFF2-40B4-BE49-F238E27FC236}">
+                <a16:creationId xmlns:a16="http://schemas.microsoft.com/office/drawing/2014/main" id="{5921CE03-3CE7-6266-FF2C-310214F9EA04}"/>
+              </a:ext>
+            </a:extLst>
+          </p:cNvPr>
+          <p:cNvSpPr/>
+          <p:nvPr/>
+        </p:nvSpPr>
+        <p:spPr>
+          <a:xfrm>
+            <a:off x="4886158" y="4438650"/>
+            <a:ext cx="1080000" cy="876300"/>
+          </a:xfrm>
+          <a:prstGeom prst="rect">
+            <a:avLst/>
+          </a:prstGeom>
+          <a:ln w="12700"/>
+          <a:effectLst/>
+        </p:spPr>
+        <p:style>
+          <a:lnRef idx="2">
+            <a:schemeClr val="accent1">
+              <a:shade val="50000"/>
+            </a:schemeClr>
+          </a:lnRef>
+          <a:fillRef idx="1">
+            <a:schemeClr val="accent1"/>
+          </a:fillRef>
+          <a:effectRef idx="0">
+            <a:schemeClr val="accent1"/>
+          </a:effectRef>
+          <a:fontRef idx="minor">
+            <a:schemeClr val="lt1"/>
+          </a:fontRef>
+        </p:style>
+        <p:txBody>
+          <a:bodyPr rtlCol="0" anchor="ctr"/>
+          <a:lstStyle/>
+          <a:p>
+            <a:pPr algn="ctr"/>
+            <a:r>
+              <a:rPr lang="en-AU" dirty="0"/>
+              <a:t>Memory </a:t>
+            </a:r>
+          </a:p>
+        </p:txBody>
+      </p:sp>
+      <p:sp>
+        <p:nvSpPr>
+          <p:cNvPr id="30" name="Rectangle 29">
+            <a:extLst>
+              <a:ext uri="{FF2B5EF4-FFF2-40B4-BE49-F238E27FC236}">
+                <a16:creationId xmlns:a16="http://schemas.microsoft.com/office/drawing/2014/main" id="{050A2B4C-3AC4-378D-5014-DDBE3DA25A53}"/>
+              </a:ext>
+            </a:extLst>
+          </p:cNvPr>
+          <p:cNvSpPr/>
+          <p:nvPr/>
+        </p:nvSpPr>
+        <p:spPr>
+          <a:xfrm>
+            <a:off x="6225841" y="4438650"/>
+            <a:ext cx="1080000" cy="876300"/>
+          </a:xfrm>
+          <a:prstGeom prst="rect">
+            <a:avLst/>
+          </a:prstGeom>
+          <a:ln w="12700"/>
+          <a:effectLst/>
+        </p:spPr>
+        <p:style>
+          <a:lnRef idx="2">
+            <a:schemeClr val="accent1">
+              <a:shade val="50000"/>
+            </a:schemeClr>
+          </a:lnRef>
+          <a:fillRef idx="1">
+            <a:schemeClr val="accent1"/>
+          </a:fillRef>
+          <a:effectRef idx="0">
+            <a:schemeClr val="accent1"/>
+          </a:effectRef>
+          <a:fontRef idx="minor">
+            <a:schemeClr val="lt1"/>
+          </a:fontRef>
+        </p:style>
+        <p:txBody>
+          <a:bodyPr rtlCol="0" anchor="ctr"/>
+          <a:lstStyle/>
+          <a:p>
+            <a:pPr algn="ctr"/>
+            <a:r>
+              <a:rPr lang="en-AU" dirty="0"/>
+              <a:t>Storage</a:t>
+            </a:r>
+            <a:r>
+              <a:rPr lang="en-AU" b="1" dirty="0"/>
+              <a:t> </a:t>
+            </a:r>
+          </a:p>
+        </p:txBody>
+      </p:sp>
+      <p:sp>
+        <p:nvSpPr>
+          <p:cNvPr id="31" name="Rectangle 30">
+            <a:extLst>
+              <a:ext uri="{FF2B5EF4-FFF2-40B4-BE49-F238E27FC236}">
+                <a16:creationId xmlns:a16="http://schemas.microsoft.com/office/drawing/2014/main" id="{7D25691C-896F-31EA-BA3B-C154B4F9EA7A}"/>
+              </a:ext>
+            </a:extLst>
+          </p:cNvPr>
+          <p:cNvSpPr/>
+          <p:nvPr/>
+        </p:nvSpPr>
+        <p:spPr>
+          <a:xfrm>
+            <a:off x="7565525" y="4438650"/>
+            <a:ext cx="1080000" cy="876300"/>
+          </a:xfrm>
+          <a:prstGeom prst="rect">
+            <a:avLst/>
+          </a:prstGeom>
+          <a:ln w="12700"/>
+          <a:effectLst/>
+        </p:spPr>
+        <p:style>
+          <a:lnRef idx="2">
+            <a:schemeClr val="accent1">
+              <a:shade val="50000"/>
+            </a:schemeClr>
+          </a:lnRef>
+          <a:fillRef idx="1">
+            <a:schemeClr val="accent1"/>
+          </a:fillRef>
+          <a:effectRef idx="0">
+            <a:schemeClr val="accent1"/>
+          </a:effectRef>
+          <a:fontRef idx="minor">
+            <a:schemeClr val="lt1"/>
+          </a:fontRef>
+        </p:style>
+        <p:txBody>
+          <a:bodyPr rtlCol="0" anchor="ctr"/>
+          <a:lstStyle/>
+          <a:p>
+            <a:pPr algn="ctr"/>
+            <a:r>
+              <a:rPr lang="en-AU" dirty="0"/>
+              <a:t>Network</a:t>
+            </a:r>
+            <a:r>
+              <a:rPr lang="en-AU" b="1" dirty="0"/>
+              <a:t> </a:t>
+            </a:r>
+          </a:p>
+        </p:txBody>
+      </p:sp>
+      <p:cxnSp>
+        <p:nvCxnSpPr>
+          <p:cNvPr id="33" name="Connector: Elbow 32">
+            <a:extLst>
+              <a:ext uri="{FF2B5EF4-FFF2-40B4-BE49-F238E27FC236}">
+                <a16:creationId xmlns:a16="http://schemas.microsoft.com/office/drawing/2014/main" id="{8DF6107A-B2D7-3609-1CE0-3D964E834BC2}"/>
+              </a:ext>
+            </a:extLst>
+          </p:cNvPr>
+          <p:cNvCxnSpPr>
+            <a:cxnSpLocks/>
+            <a:stCxn id="28" idx="0"/>
+            <a:endCxn id="25" idx="2"/>
+          </p:cNvCxnSpPr>
+          <p:nvPr/>
+        </p:nvCxnSpPr>
+        <p:spPr>
+          <a:xfrm rot="5400000" flipH="1" flipV="1">
+            <a:off x="4853112" y="3195763"/>
+            <a:ext cx="476250" cy="2009525"/>
+          </a:xfrm>
+          <a:prstGeom prst="bentConnector3">
+            <a:avLst/>
+          </a:prstGeom>
+          <a:ln w="12700"/>
+          <a:effectLst/>
+        </p:spPr>
+        <p:style>
+          <a:lnRef idx="2">
+            <a:schemeClr val="dk1"/>
+          </a:lnRef>
+          <a:fillRef idx="0">
+            <a:schemeClr val="dk1"/>
+          </a:fillRef>
+          <a:effectRef idx="1">
+            <a:schemeClr val="dk1"/>
+          </a:effectRef>
+          <a:fontRef idx="minor">
+            <a:schemeClr val="tx1"/>
+          </a:fontRef>
+        </p:style>
+      </p:cxnSp>
+      <p:cxnSp>
+        <p:nvCxnSpPr>
+          <p:cNvPr id="35" name="Connector: Elbow 34">
+            <a:extLst>
+              <a:ext uri="{FF2B5EF4-FFF2-40B4-BE49-F238E27FC236}">
+                <a16:creationId xmlns:a16="http://schemas.microsoft.com/office/drawing/2014/main" id="{9AE176C5-B45D-1827-3D3E-211DFE89CE32}"/>
+              </a:ext>
+            </a:extLst>
+          </p:cNvPr>
+          <p:cNvCxnSpPr>
+            <a:cxnSpLocks/>
+            <a:stCxn id="29" idx="0"/>
+            <a:endCxn id="25" idx="2"/>
+          </p:cNvCxnSpPr>
+          <p:nvPr/>
+        </p:nvCxnSpPr>
+        <p:spPr>
+          <a:xfrm rot="5400000" flipH="1" flipV="1">
+            <a:off x="5522954" y="3865604"/>
+            <a:ext cx="476250" cy="669842"/>
+          </a:xfrm>
+          <a:prstGeom prst="bentConnector3">
+            <a:avLst>
+              <a:gd name="adj1" fmla="val 50000"/>
+            </a:avLst>
+          </a:prstGeom>
+          <a:ln w="12700"/>
+          <a:effectLst/>
+        </p:spPr>
+        <p:style>
+          <a:lnRef idx="2">
+            <a:schemeClr val="dk1"/>
+          </a:lnRef>
+          <a:fillRef idx="0">
+            <a:schemeClr val="dk1"/>
+          </a:fillRef>
+          <a:effectRef idx="1">
+            <a:schemeClr val="dk1"/>
+          </a:effectRef>
+          <a:fontRef idx="minor">
+            <a:schemeClr val="tx1"/>
+          </a:fontRef>
+        </p:style>
+      </p:cxnSp>
+      <p:cxnSp>
+        <p:nvCxnSpPr>
+          <p:cNvPr id="38" name="Connector: Elbow 37">
+            <a:extLst>
+              <a:ext uri="{FF2B5EF4-FFF2-40B4-BE49-F238E27FC236}">
+                <a16:creationId xmlns:a16="http://schemas.microsoft.com/office/drawing/2014/main" id="{56C92D05-DB68-1D25-2CAA-25D33E1EA9FB}"/>
+              </a:ext>
+            </a:extLst>
+          </p:cNvPr>
+          <p:cNvCxnSpPr>
+            <a:cxnSpLocks/>
+            <a:stCxn id="30" idx="0"/>
+            <a:endCxn id="25" idx="2"/>
+          </p:cNvCxnSpPr>
+          <p:nvPr/>
+        </p:nvCxnSpPr>
+        <p:spPr>
+          <a:xfrm rot="16200000" flipV="1">
+            <a:off x="6192796" y="3865604"/>
+            <a:ext cx="476250" cy="669841"/>
+          </a:xfrm>
+          <a:prstGeom prst="bentConnector3">
+            <a:avLst/>
+          </a:prstGeom>
+          <a:ln w="12700"/>
+          <a:effectLst/>
+        </p:spPr>
+        <p:style>
+          <a:lnRef idx="2">
+            <a:schemeClr val="dk1"/>
+          </a:lnRef>
+          <a:fillRef idx="0">
+            <a:schemeClr val="dk1"/>
+          </a:fillRef>
+          <a:effectRef idx="1">
+            <a:schemeClr val="dk1"/>
+          </a:effectRef>
+          <a:fontRef idx="minor">
+            <a:schemeClr val="tx1"/>
+          </a:fontRef>
+        </p:style>
+      </p:cxnSp>
+      <p:cxnSp>
+        <p:nvCxnSpPr>
+          <p:cNvPr id="40" name="Connector: Elbow 39">
+            <a:extLst>
+              <a:ext uri="{FF2B5EF4-FFF2-40B4-BE49-F238E27FC236}">
+                <a16:creationId xmlns:a16="http://schemas.microsoft.com/office/drawing/2014/main" id="{A166C9B2-8DDC-6253-A887-DB638BBE19BC}"/>
+              </a:ext>
+            </a:extLst>
+          </p:cNvPr>
+          <p:cNvCxnSpPr>
+            <a:cxnSpLocks/>
+            <a:stCxn id="31" idx="0"/>
+            <a:endCxn id="25" idx="2"/>
+          </p:cNvCxnSpPr>
+          <p:nvPr/>
+        </p:nvCxnSpPr>
+        <p:spPr>
+          <a:xfrm rot="16200000" flipV="1">
+            <a:off x="6862638" y="3195762"/>
+            <a:ext cx="476250" cy="2009525"/>
+          </a:xfrm>
+          <a:prstGeom prst="bentConnector3">
+            <a:avLst/>
+          </a:prstGeom>
+          <a:ln w="12700"/>
+          <a:effectLst/>
+        </p:spPr>
+        <p:style>
+          <a:lnRef idx="2">
+            <a:schemeClr val="dk1"/>
+          </a:lnRef>
+          <a:fillRef idx="0">
+            <a:schemeClr val="dk1"/>
+          </a:fillRef>
+          <a:effectRef idx="1">
+            <a:schemeClr val="dk1"/>
+          </a:effectRef>
+          <a:fontRef idx="minor">
+            <a:schemeClr val="tx1"/>
+          </a:fontRef>
+        </p:style>
+      </p:cxnSp>
+      <p:pic>
+        <p:nvPicPr>
+          <p:cNvPr id="3" name="Picture 2" descr="Docker Logo, history, meaning, symbol, PNG">
+            <a:extLst>
+              <a:ext uri="{FF2B5EF4-FFF2-40B4-BE49-F238E27FC236}">
+                <a16:creationId xmlns:a16="http://schemas.microsoft.com/office/drawing/2014/main" id="{09BF5C76-1DFA-560F-3317-DB3460C54BBD}"/>
+              </a:ext>
+            </a:extLst>
+          </p:cNvPr>
+          <p:cNvPicPr>
+            <a:picLocks noChangeAspect="1" noChangeArrowheads="1"/>
+          </p:cNvPicPr>
+          <p:nvPr/>
+        </p:nvPicPr>
+        <p:blipFill>
+          <a:blip r:embed="rId2">
+            <a:extLst>
+              <a:ext uri="{28A0092B-C50C-407E-A947-70E740481C1C}">
+                <a14:useLocalDpi xmlns:a14="http://schemas.microsoft.com/office/drawing/2010/main" val="0"/>
+              </a:ext>
+            </a:extLst>
+          </a:blip>
+          <a:srcRect/>
+          <a:stretch>
+            <a:fillRect/>
+          </a:stretch>
+        </p:blipFill>
+        <p:spPr bwMode="auto">
+          <a:xfrm>
+            <a:off x="9950744" y="230188"/>
+            <a:ext cx="2235200" cy="1257300"/>
+          </a:xfrm>
+          <a:prstGeom prst="rect">
+            <a:avLst/>
+          </a:prstGeom>
+          <a:noFill/>
+          <a:extLst>
+            <a:ext uri="{909E8E84-426E-40DD-AFC4-6F175D3DCCD1}">
+              <a14:hiddenFill xmlns:a14="http://schemas.microsoft.com/office/drawing/2010/main">
+                <a:solidFill>
+                  <a:srgbClr val="FFFFFF"/>
+                </a:solidFill>
+              </a14:hiddenFill>
+            </a:ext>
+          </a:extLst>
+        </p:spPr>
+      </p:pic>
     </p:spTree>
     <p:extLst>
       <p:ext uri="{BB962C8B-B14F-4D97-AF65-F5344CB8AC3E}">
@@ -21995,6 +25549,53 @@
           </a:p>
         </p:txBody>
       </p:sp>
+      <p:pic>
+        <p:nvPicPr>
+          <p:cNvPr id="5" name="Picture 4" descr="Docker Logo, history, meaning, symbol, PNG">
+            <a:extLst>
+              <a:ext uri="{FF2B5EF4-FFF2-40B4-BE49-F238E27FC236}">
+                <a16:creationId xmlns:a16="http://schemas.microsoft.com/office/drawing/2014/main" id="{0739E9FF-05F2-CF54-3C72-9539A02BBEB2}"/>
+              </a:ext>
+            </a:extLst>
+          </p:cNvPr>
+          <p:cNvPicPr>
+            <a:picLocks noChangeAspect="1" noChangeArrowheads="1"/>
+          </p:cNvPicPr>
+          <p:nvPr/>
+        </p:nvPicPr>
+        <p:blipFill>
+          <a:blip r:embed="rId2">
+            <a:extLst>
+              <a:ext uri="{28A0092B-C50C-407E-A947-70E740481C1C}">
+                <a14:useLocalDpi xmlns:a14="http://schemas.microsoft.com/office/drawing/2010/main" val="0"/>
+              </a:ext>
+            </a:extLst>
+          </a:blip>
+          <a:srcRect/>
+          <a:stretch>
+            <a:fillRect/>
+          </a:stretch>
+        </p:blipFill>
+        <p:spPr bwMode="auto">
+          <a:xfrm>
+            <a:off x="9950744" y="230188"/>
+            <a:ext cx="2235200" cy="1257300"/>
+          </a:xfrm>
+          <a:prstGeom prst="rect">
+            <a:avLst/>
+          </a:prstGeom>
+          <a:noFill/>
+          <a:extLst>
+            <a:ext uri="{909E8E84-426E-40DD-AFC4-6F175D3DCCD1}">
+              <a14:hiddenFill xmlns:a14="http://schemas.microsoft.com/office/drawing/2010/main">
+                <a:solidFill>
+                  <a:srgbClr val="FFFFFF"/>
+                </a:solidFill>
+              </a14:hiddenFill>
+            </a:ext>
+          </a:extLst>
+        </p:spPr>
+      </p:pic>
     </p:spTree>
     <p:extLst>
       <p:ext uri="{BB962C8B-B14F-4D97-AF65-F5344CB8AC3E}">
@@ -22048,7 +25649,7 @@
           <a:p>
             <a:r>
               <a:rPr lang="en-US" dirty="0"/>
-              <a:t>How can Docker help us with development?</a:t>
+              <a:t>Developing with Docker</a:t>
             </a:r>
           </a:p>
         </p:txBody>
@@ -22096,6 +25697,53 @@
           </a:p>
         </p:txBody>
       </p:sp>
+      <p:pic>
+        <p:nvPicPr>
+          <p:cNvPr id="5" name="Picture 4" descr="Docker Logo, history, meaning, symbol, PNG">
+            <a:extLst>
+              <a:ext uri="{FF2B5EF4-FFF2-40B4-BE49-F238E27FC236}">
+                <a16:creationId xmlns:a16="http://schemas.microsoft.com/office/drawing/2014/main" id="{DAD550D8-39B4-542A-32D3-5C50D581BB31}"/>
+              </a:ext>
+            </a:extLst>
+          </p:cNvPr>
+          <p:cNvPicPr>
+            <a:picLocks noChangeAspect="1" noChangeArrowheads="1"/>
+          </p:cNvPicPr>
+          <p:nvPr/>
+        </p:nvPicPr>
+        <p:blipFill>
+          <a:blip r:embed="rId2">
+            <a:extLst>
+              <a:ext uri="{28A0092B-C50C-407E-A947-70E740481C1C}">
+                <a14:useLocalDpi xmlns:a14="http://schemas.microsoft.com/office/drawing/2010/main" val="0"/>
+              </a:ext>
+            </a:extLst>
+          </a:blip>
+          <a:srcRect/>
+          <a:stretch>
+            <a:fillRect/>
+          </a:stretch>
+        </p:blipFill>
+        <p:spPr bwMode="auto">
+          <a:xfrm>
+            <a:off x="9950744" y="230188"/>
+            <a:ext cx="2235200" cy="1257300"/>
+          </a:xfrm>
+          <a:prstGeom prst="rect">
+            <a:avLst/>
+          </a:prstGeom>
+          <a:noFill/>
+          <a:extLst>
+            <a:ext uri="{909E8E84-426E-40DD-AFC4-6F175D3DCCD1}">
+              <a14:hiddenFill xmlns:a14="http://schemas.microsoft.com/office/drawing/2010/main">
+                <a:solidFill>
+                  <a:srgbClr val="FFFFFF"/>
+                </a:solidFill>
+              </a14:hiddenFill>
+            </a:ext>
+          </a:extLst>
+        </p:spPr>
+      </p:pic>
     </p:spTree>
     <p:extLst>
       <p:ext uri="{BB962C8B-B14F-4D97-AF65-F5344CB8AC3E}">
@@ -22150,113 +25798,19 @@
         <a:srgbClr val="954F72"/>
       </a:folHlink>
     </a:clrScheme>
-    <a:fontScheme name="Office">
+    <a:fontScheme name="Calibri">
       <a:majorFont>
-        <a:latin typeface="Calibri Light" panose="020F0302020204030204"/>
+        <a:latin typeface="Calibri"/>
         <a:ea typeface=""/>
         <a:cs typeface=""/>
-        <a:font script="Jpan" typeface="游ゴシック Light"/>
-        <a:font script="Hang" typeface="맑은 고딕"/>
-        <a:font script="Hans" typeface="等线 Light"/>
-        <a:font script="Hant" typeface="新細明體"/>
-        <a:font script="Arab" typeface="Times New Roman"/>
-        <a:font script="Hebr" typeface="Times New Roman"/>
-        <a:font script="Thai" typeface="Angsana New"/>
-        <a:font script="Ethi" typeface="Nyala"/>
-        <a:font script="Beng" typeface="Vrinda"/>
-        <a:font script="Gujr" typeface="Shruti"/>
-        <a:font script="Khmr" typeface="MoolBoran"/>
-        <a:font script="Knda" typeface="Tunga"/>
-        <a:font script="Guru" typeface="Raavi"/>
-        <a:font script="Cans" typeface="Euphemia"/>
-        <a:font script="Cher" typeface="Plantagenet Cherokee"/>
-        <a:font script="Yiii" typeface="Microsoft Yi Baiti"/>
-        <a:font script="Tibt" typeface="Microsoft Himalaya"/>
-        <a:font script="Thaa" typeface="MV Boli"/>
-        <a:font script="Deva" typeface="Mangal"/>
-        <a:font script="Telu" typeface="Gautami"/>
-        <a:font script="Taml" typeface="Latha"/>
-        <a:font script="Syrc" typeface="Estrangelo Edessa"/>
-        <a:font script="Orya" typeface="Kalinga"/>
-        <a:font script="Mlym" typeface="Kartika"/>
-        <a:font script="Laoo" typeface="DokChampa"/>
-        <a:font script="Sinh" typeface="Iskoola Pota"/>
-        <a:font script="Mong" typeface="Mongolian Baiti"/>
-        <a:font script="Viet" typeface="Times New Roman"/>
-        <a:font script="Uigh" typeface="Microsoft Uighur"/>
-        <a:font script="Geor" typeface="Sylfaen"/>
-        <a:font script="Armn" typeface="Arial"/>
-        <a:font script="Bugi" typeface="Leelawadee UI"/>
-        <a:font script="Bopo" typeface="Microsoft JhengHei"/>
-        <a:font script="Java" typeface="Javanese Text"/>
-        <a:font script="Lisu" typeface="Segoe UI"/>
-        <a:font script="Mymr" typeface="Myanmar Text"/>
-        <a:font script="Nkoo" typeface="Ebrima"/>
-        <a:font script="Olck" typeface="Nirmala UI"/>
-        <a:font script="Osma" typeface="Ebrima"/>
-        <a:font script="Phag" typeface="Phagspa"/>
-        <a:font script="Syrn" typeface="Estrangelo Edessa"/>
-        <a:font script="Syrj" typeface="Estrangelo Edessa"/>
-        <a:font script="Syre" typeface="Estrangelo Edessa"/>
-        <a:font script="Sora" typeface="Nirmala UI"/>
-        <a:font script="Tale" typeface="Microsoft Tai Le"/>
-        <a:font script="Talu" typeface="Microsoft New Tai Lue"/>
-        <a:font script="Tfng" typeface="Ebrima"/>
       </a:majorFont>
       <a:minorFont>
-        <a:latin typeface="Calibri" panose="020F0502020204030204"/>
+        <a:latin typeface="Calibri"/>
         <a:ea typeface=""/>
         <a:cs typeface=""/>
-        <a:font script="Jpan" typeface="游ゴシック"/>
-        <a:font script="Hang" typeface="맑은 고딕"/>
-        <a:font script="Hans" typeface="等线"/>
-        <a:font script="Hant" typeface="新細明體"/>
-        <a:font script="Arab" typeface="Arial"/>
-        <a:font script="Hebr" typeface="Arial"/>
-        <a:font script="Thai" typeface="Cordia New"/>
-        <a:font script="Ethi" typeface="Nyala"/>
-        <a:font script="Beng" typeface="Vrinda"/>
-        <a:font script="Gujr" typeface="Shruti"/>
-        <a:font script="Khmr" typeface="DaunPenh"/>
-        <a:font script="Knda" typeface="Tunga"/>
-        <a:font script="Guru" typeface="Raavi"/>
-        <a:font script="Cans" typeface="Euphemia"/>
-        <a:font script="Cher" typeface="Plantagenet Cherokee"/>
-        <a:font script="Yiii" typeface="Microsoft Yi Baiti"/>
-        <a:font script="Tibt" typeface="Microsoft Himalaya"/>
-        <a:font script="Thaa" typeface="MV Boli"/>
-        <a:font script="Deva" typeface="Mangal"/>
-        <a:font script="Telu" typeface="Gautami"/>
-        <a:font script="Taml" typeface="Latha"/>
-        <a:font script="Syrc" typeface="Estrangelo Edessa"/>
-        <a:font script="Orya" typeface="Kalinga"/>
-        <a:font script="Mlym" typeface="Kartika"/>
-        <a:font script="Laoo" typeface="DokChampa"/>
-        <a:font script="Sinh" typeface="Iskoola Pota"/>
-        <a:font script="Mong" typeface="Mongolian Baiti"/>
-        <a:font script="Viet" typeface="Arial"/>
-        <a:font script="Uigh" typeface="Microsoft Uighur"/>
-        <a:font script="Geor" typeface="Sylfaen"/>
-        <a:font script="Armn" typeface="Arial"/>
-        <a:font script="Bugi" typeface="Leelawadee UI"/>
-        <a:font script="Bopo" typeface="Microsoft JhengHei"/>
-        <a:font script="Java" typeface="Javanese Text"/>
-        <a:font script="Lisu" typeface="Segoe UI"/>
-        <a:font script="Mymr" typeface="Myanmar Text"/>
-        <a:font script="Nkoo" typeface="Ebrima"/>
-        <a:font script="Olck" typeface="Nirmala UI"/>
-        <a:font script="Osma" typeface="Ebrima"/>
-        <a:font script="Phag" typeface="Phagspa"/>
-        <a:font script="Syrn" typeface="Estrangelo Edessa"/>
-        <a:font script="Syrj" typeface="Estrangelo Edessa"/>
-        <a:font script="Syre" typeface="Estrangelo Edessa"/>
-        <a:font script="Sora" typeface="Nirmala UI"/>
-        <a:font script="Tale" typeface="Microsoft Tai Le"/>
-        <a:font script="Talu" typeface="Microsoft New Tai Lue"/>
-        <a:font script="Tfng" typeface="Ebrima"/>
       </a:minorFont>
     </a:fontScheme>
-    <a:fmtScheme name="Office">
+    <a:fmtScheme name="Office 2007-2010">
       <a:fillStyleLst>
         <a:solidFill>
           <a:schemeClr val="phClr"/>
@@ -22265,93 +25819,110 @@
           <a:gsLst>
             <a:gs pos="0">
               <a:schemeClr val="phClr">
-                <a:lumMod val="110000"/>
-                <a:satMod val="105000"/>
-                <a:tint val="67000"/>
+                <a:tint val="50000"/>
+                <a:satMod val="300000"/>
               </a:schemeClr>
             </a:gs>
-            <a:gs pos="50000">
+            <a:gs pos="35000">
               <a:schemeClr val="phClr">
-                <a:lumMod val="105000"/>
-                <a:satMod val="103000"/>
-                <a:tint val="73000"/>
+                <a:tint val="37000"/>
+                <a:satMod val="300000"/>
               </a:schemeClr>
             </a:gs>
             <a:gs pos="100000">
               <a:schemeClr val="phClr">
-                <a:lumMod val="105000"/>
-                <a:satMod val="109000"/>
-                <a:tint val="81000"/>
+                <a:tint val="15000"/>
+                <a:satMod val="350000"/>
               </a:schemeClr>
             </a:gs>
           </a:gsLst>
-          <a:lin ang="5400000" scaled="0"/>
+          <a:lin ang="16200000" scaled="1"/>
         </a:gradFill>
         <a:gradFill rotWithShape="1">
           <a:gsLst>
             <a:gs pos="0">
               <a:schemeClr val="phClr">
-                <a:satMod val="103000"/>
-                <a:lumMod val="102000"/>
-                <a:tint val="94000"/>
+                <a:shade val="51000"/>
+                <a:satMod val="130000"/>
               </a:schemeClr>
             </a:gs>
-            <a:gs pos="50000">
+            <a:gs pos="80000">
               <a:schemeClr val="phClr">
-                <a:satMod val="110000"/>
-                <a:lumMod val="100000"/>
-                <a:shade val="100000"/>
+                <a:shade val="93000"/>
+                <a:satMod val="130000"/>
               </a:schemeClr>
             </a:gs>
             <a:gs pos="100000">
               <a:schemeClr val="phClr">
-                <a:lumMod val="99000"/>
-                <a:satMod val="120000"/>
-                <a:shade val="78000"/>
+                <a:shade val="94000"/>
+                <a:satMod val="135000"/>
               </a:schemeClr>
             </a:gs>
           </a:gsLst>
-          <a:lin ang="5400000" scaled="0"/>
+          <a:lin ang="16200000" scaled="0"/>
         </a:gradFill>
       </a:fillStyleLst>
       <a:lnStyleLst>
-        <a:ln w="6350" cap="flat" cmpd="sng" algn="ctr">
+        <a:ln w="9525" cap="flat" cmpd="sng" algn="ctr">
+          <a:solidFill>
+            <a:schemeClr val="phClr">
+              <a:shade val="95000"/>
+              <a:satMod val="105000"/>
+            </a:schemeClr>
+          </a:solidFill>
+          <a:prstDash val="solid"/>
+        </a:ln>
+        <a:ln w="25400" cap="flat" cmpd="sng" algn="ctr">
           <a:solidFill>
             <a:schemeClr val="phClr"/>
           </a:solidFill>
           <a:prstDash val="solid"/>
-          <a:miter lim="800000"/>
         </a:ln>
-        <a:ln w="12700" cap="flat" cmpd="sng" algn="ctr">
+        <a:ln w="38100" cap="flat" cmpd="sng" algn="ctr">
           <a:solidFill>
             <a:schemeClr val="phClr"/>
           </a:solidFill>
           <a:prstDash val="solid"/>
-          <a:miter lim="800000"/>
-        </a:ln>
-        <a:ln w="19050" cap="flat" cmpd="sng" algn="ctr">
-          <a:solidFill>
-            <a:schemeClr val="phClr"/>
-          </a:solidFill>
-          <a:prstDash val="solid"/>
-          <a:miter lim="800000"/>
         </a:ln>
       </a:lnStyleLst>
       <a:effectStyleLst>
         <a:effectStyle>
-          <a:effectLst/>
-        </a:effectStyle>
-        <a:effectStyle>
-          <a:effectLst/>
+          <a:effectLst>
+            <a:outerShdw blurRad="40000" dist="20000" dir="5400000" rotWithShape="0">
+              <a:srgbClr val="000000">
+                <a:alpha val="38000"/>
+              </a:srgbClr>
+            </a:outerShdw>
+          </a:effectLst>
         </a:effectStyle>
         <a:effectStyle>
           <a:effectLst>
-            <a:outerShdw blurRad="57150" dist="19050" dir="5400000" algn="ctr" rotWithShape="0">
+            <a:outerShdw blurRad="40000" dist="23000" dir="5400000" rotWithShape="0">
               <a:srgbClr val="000000">
-                <a:alpha val="63000"/>
+                <a:alpha val="35000"/>
               </a:srgbClr>
             </a:outerShdw>
           </a:effectLst>
+        </a:effectStyle>
+        <a:effectStyle>
+          <a:effectLst>
+            <a:outerShdw blurRad="40000" dist="23000" dir="5400000" rotWithShape="0">
+              <a:srgbClr val="000000">
+                <a:alpha val="35000"/>
+              </a:srgbClr>
+            </a:outerShdw>
+          </a:effectLst>
+          <a:scene3d>
+            <a:camera prst="orthographicFront">
+              <a:rot lat="0" lon="0" rev="0"/>
+            </a:camera>
+            <a:lightRig rig="threePt" dir="t">
+              <a:rot lat="0" lon="0" rev="1200000"/>
+            </a:lightRig>
+          </a:scene3d>
+          <a:sp3d>
+            <a:bevelT w="63500" h="25400"/>
+          </a:sp3d>
         </a:effectStyle>
       </a:effectStyleLst>
       <a:bgFillStyleLst>
